--- a/Taxi/Taxi_Presentation.pptx
+++ b/Taxi/Taxi_Presentation.pptx
@@ -1550,7 +1550,7 @@
                 <a:latin typeface="Capita-Bold"/>
                 <a:cs typeface="Capita-Bold"/>
               </a:rPr>
-              <a:t>Reinforcement Learning for Games</a:t>
+              <a:t>Reinforcement Learning for Taxi</a:t>
             </a:r>
             <a:endParaRPr sz="14400" b="0" spc="-87" dirty="0">
               <a:latin typeface="Capita-Bold"/>
@@ -1577,7 +1577,7 @@
             </a:r>
             <a:r>
               <a:rPr lang="en-US" sz="5000" b="0" spc="-98" dirty="0"/>
-              <a:t>Shannon Flaherty, Joshua Lahr</a:t>
+              <a:t>Joshua Lahr, Shannon Flaherty</a:t>
             </a:r>
             <a:endParaRPr sz="5000" dirty="0"/>
           </a:p>
@@ -5628,58 +5628,6 @@
                 </a:lnTo>
                 <a:lnTo>
                   <a:pt x="0" y="2855934"/>
-                </a:lnTo>
-                <a:close/>
-              </a:path>
-            </a:pathLst>
-          </a:custGeom>
-          <a:solidFill>
-            <a:srgbClr val="231F20"/>
-          </a:solidFill>
-        </p:spPr>
-        <p:txBody>
-          <a:bodyPr wrap="square" lIns="0" tIns="0" rIns="0" bIns="0" rtlCol="0">
-            <a:spAutoFit/>
-          </a:bodyPr>
-          <a:lstStyle/>
-          <a:p>
-            <a:endParaRPr/>
-          </a:p>
-        </p:txBody>
-      </p:sp>
-      <p:sp>
-        <p:nvSpPr>
-          <p:cNvPr id="8" name="object 8"/>
-          <p:cNvSpPr/>
-          <p:nvPr/>
-        </p:nvSpPr>
-        <p:spPr>
-          <a:xfrm>
-            <a:off x="33091691" y="7933122"/>
-            <a:ext cx="9199309" cy="7388352"/>
-          </a:xfrm>
-          <a:custGeom>
-            <a:avLst/>
-            <a:gdLst/>
-            <a:ahLst/>
-            <a:cxnLst/>
-            <a:rect l="l" t="t" r="r" b="b"/>
-            <a:pathLst>
-              <a:path w="4188354" h="3484187">
-                <a:moveTo>
-                  <a:pt x="0" y="3484187"/>
-                </a:moveTo>
-                <a:lnTo>
-                  <a:pt x="4188354" y="3484187"/>
-                </a:lnTo>
-                <a:lnTo>
-                  <a:pt x="4188354" y="0"/>
-                </a:lnTo>
-                <a:lnTo>
-                  <a:pt x="0" y="0"/>
-                </a:lnTo>
-                <a:lnTo>
-                  <a:pt x="0" y="3484187"/>
                 </a:lnTo>
                 <a:close/>
               </a:path>
@@ -11932,7 +11880,7 @@
               </a:rPr>
               <a:t>s.</a:t>
             </a:r>
-            <a:endParaRPr sz="1700">
+            <a:endParaRPr sz="1700" dirty="0">
               <a:latin typeface="Arial"/>
               <a:cs typeface="Arial"/>
             </a:endParaRPr>
@@ -12241,254 +12189,14 @@
           <a:p>
             <a:pPr marL="27719"/>
             <a:r>
-              <a:rPr sz="2700" b="1" spc="33" dirty="0">
+              <a:rPr lang="en-US" sz="2700" b="1" spc="33" dirty="0">
                 <a:solidFill>
                   <a:srgbClr val="CD1445"/>
                 </a:solidFill>
                 <a:latin typeface="Arial"/>
                 <a:cs typeface="Arial"/>
               </a:rPr>
-              <a:t>H</a:t>
-            </a:r>
-            <a:r>
-              <a:rPr sz="2700" b="1" dirty="0">
-                <a:solidFill>
-                  <a:srgbClr val="CD1445"/>
-                </a:solidFill>
-                <a:latin typeface="Arial"/>
-                <a:cs typeface="Arial"/>
-              </a:rPr>
-              <a:t>ea</a:t>
-            </a:r>
-            <a:r>
-              <a:rPr sz="2700" b="1" spc="33" dirty="0">
-                <a:solidFill>
-                  <a:srgbClr val="CD1445"/>
-                </a:solidFill>
-                <a:latin typeface="Arial"/>
-                <a:cs typeface="Arial"/>
-              </a:rPr>
-              <a:t>d</a:t>
-            </a:r>
-            <a:r>
-              <a:rPr sz="2700" b="1" spc="22" dirty="0">
-                <a:solidFill>
-                  <a:srgbClr val="CD1445"/>
-                </a:solidFill>
-                <a:latin typeface="Arial"/>
-                <a:cs typeface="Arial"/>
-              </a:rPr>
-              <a:t> </a:t>
-            </a:r>
-            <a:r>
-              <a:rPr sz="2700" b="1" spc="-11" dirty="0">
-                <a:solidFill>
-                  <a:srgbClr val="CD1445"/>
-                </a:solidFill>
-                <a:latin typeface="Arial"/>
-                <a:cs typeface="Arial"/>
-              </a:rPr>
-              <a:t>3</a:t>
-            </a:r>
-            <a:r>
-              <a:rPr sz="2700" b="1" spc="11" dirty="0">
-                <a:solidFill>
-                  <a:srgbClr val="CD1445"/>
-                </a:solidFill>
-                <a:latin typeface="Arial"/>
-                <a:cs typeface="Arial"/>
-              </a:rPr>
-              <a:t>,</a:t>
-            </a:r>
-            <a:r>
-              <a:rPr sz="2700" b="1" spc="22" dirty="0">
-                <a:solidFill>
-                  <a:srgbClr val="CD1445"/>
-                </a:solidFill>
-                <a:latin typeface="Arial"/>
-                <a:cs typeface="Arial"/>
-              </a:rPr>
-              <a:t> </a:t>
-            </a:r>
-            <a:r>
-              <a:rPr sz="2700" b="1" spc="-11" dirty="0">
-                <a:solidFill>
-                  <a:srgbClr val="CD1445"/>
-                </a:solidFill>
-                <a:latin typeface="Arial"/>
-                <a:cs typeface="Arial"/>
-              </a:rPr>
-              <a:t>t</a:t>
-            </a:r>
-            <a:r>
-              <a:rPr sz="2700" b="1" spc="33" dirty="0">
-                <a:solidFill>
-                  <a:srgbClr val="CD1445"/>
-                </a:solidFill>
-                <a:latin typeface="Arial"/>
-                <a:cs typeface="Arial"/>
-              </a:rPr>
-              <a:t>o</a:t>
-            </a:r>
-            <a:r>
-              <a:rPr sz="2700" b="1" spc="22" dirty="0">
-                <a:solidFill>
-                  <a:srgbClr val="CD1445"/>
-                </a:solidFill>
-                <a:latin typeface="Arial"/>
-                <a:cs typeface="Arial"/>
-              </a:rPr>
-              <a:t> </a:t>
-            </a:r>
-            <a:r>
-              <a:rPr sz="2700" b="1" spc="-11" dirty="0">
-                <a:solidFill>
-                  <a:srgbClr val="CD1445"/>
-                </a:solidFill>
-                <a:latin typeface="Arial"/>
-                <a:cs typeface="Arial"/>
-              </a:rPr>
-              <a:t>l</a:t>
-            </a:r>
-            <a:r>
-              <a:rPr sz="2700" b="1" spc="11" dirty="0">
-                <a:solidFill>
-                  <a:srgbClr val="CD1445"/>
-                </a:solidFill>
-                <a:latin typeface="Arial"/>
-                <a:cs typeface="Arial"/>
-              </a:rPr>
-              <a:t>a</a:t>
-            </a:r>
-            <a:r>
-              <a:rPr sz="2700" b="1" spc="33" dirty="0">
-                <a:solidFill>
-                  <a:srgbClr val="CD1445"/>
-                </a:solidFill>
-                <a:latin typeface="Arial"/>
-                <a:cs typeface="Arial"/>
-              </a:rPr>
-              <a:t>b</a:t>
-            </a:r>
-            <a:r>
-              <a:rPr sz="2700" b="1" dirty="0">
-                <a:solidFill>
-                  <a:srgbClr val="CD1445"/>
-                </a:solidFill>
-                <a:latin typeface="Arial"/>
-                <a:cs typeface="Arial"/>
-              </a:rPr>
-              <a:t>e</a:t>
-            </a:r>
-            <a:r>
-              <a:rPr sz="2700" b="1" spc="11" dirty="0">
-                <a:solidFill>
-                  <a:srgbClr val="CD1445"/>
-                </a:solidFill>
-                <a:latin typeface="Arial"/>
-                <a:cs typeface="Arial"/>
-              </a:rPr>
-              <a:t>l</a:t>
-            </a:r>
-            <a:r>
-              <a:rPr sz="2700" b="1" spc="22" dirty="0">
-                <a:solidFill>
-                  <a:srgbClr val="CD1445"/>
-                </a:solidFill>
-                <a:latin typeface="Arial"/>
-                <a:cs typeface="Arial"/>
-              </a:rPr>
-              <a:t> </a:t>
-            </a:r>
-            <a:r>
-              <a:rPr sz="2700" b="1" spc="11" dirty="0">
-                <a:solidFill>
-                  <a:srgbClr val="CD1445"/>
-                </a:solidFill>
-                <a:latin typeface="Arial"/>
-                <a:cs typeface="Arial"/>
-              </a:rPr>
-              <a:t>t</a:t>
-            </a:r>
-            <a:r>
-              <a:rPr sz="2700" b="1" spc="22" dirty="0">
-                <a:solidFill>
-                  <a:srgbClr val="CD1445"/>
-                </a:solidFill>
-                <a:latin typeface="Arial"/>
-                <a:cs typeface="Arial"/>
-              </a:rPr>
-              <a:t>he </a:t>
-            </a:r>
-            <a:r>
-              <a:rPr sz="2700" b="1" spc="11" dirty="0">
-                <a:solidFill>
-                  <a:srgbClr val="CD1445"/>
-                </a:solidFill>
-                <a:latin typeface="Arial"/>
-                <a:cs typeface="Arial"/>
-              </a:rPr>
-              <a:t>ta</a:t>
-            </a:r>
-            <a:r>
-              <a:rPr sz="2700" b="1" spc="22" dirty="0">
-                <a:solidFill>
-                  <a:srgbClr val="CD1445"/>
-                </a:solidFill>
-                <a:latin typeface="Arial"/>
-                <a:cs typeface="Arial"/>
-              </a:rPr>
-              <a:t>ble </a:t>
-            </a:r>
-            <a:r>
-              <a:rPr sz="2700" b="1" spc="33" dirty="0">
-                <a:solidFill>
-                  <a:srgbClr val="CD1445"/>
-                </a:solidFill>
-                <a:latin typeface="Arial"/>
-                <a:cs typeface="Arial"/>
-              </a:rPr>
-              <a:t>b</a:t>
-            </a:r>
-            <a:r>
-              <a:rPr sz="2700" b="1" dirty="0">
-                <a:solidFill>
-                  <a:srgbClr val="CD1445"/>
-                </a:solidFill>
-                <a:latin typeface="Arial"/>
-                <a:cs typeface="Arial"/>
-              </a:rPr>
-              <a:t>e</a:t>
-            </a:r>
-            <a:r>
-              <a:rPr sz="2700" b="1" spc="-11" dirty="0">
-                <a:solidFill>
-                  <a:srgbClr val="CD1445"/>
-                </a:solidFill>
-                <a:latin typeface="Arial"/>
-                <a:cs typeface="Arial"/>
-              </a:rPr>
-              <a:t>l</a:t>
-            </a:r>
-            <a:r>
-              <a:rPr sz="2700" b="1" spc="-22" dirty="0">
-                <a:solidFill>
-                  <a:srgbClr val="CD1445"/>
-                </a:solidFill>
-                <a:latin typeface="Arial"/>
-                <a:cs typeface="Arial"/>
-              </a:rPr>
-              <a:t>o</a:t>
-            </a:r>
-            <a:r>
-              <a:rPr sz="2700" b="1" spc="33" dirty="0">
-                <a:solidFill>
-                  <a:srgbClr val="CD1445"/>
-                </a:solidFill>
-                <a:latin typeface="Arial"/>
-                <a:cs typeface="Arial"/>
-              </a:rPr>
-              <a:t>w</a:t>
+              <a:t>Score v/s Generation No.</a:t>
             </a:r>
             <a:endParaRPr sz="2700" dirty="0">
               <a:latin typeface="Arial"/>
@@ -34424,6 +34132,45 @@
           </a:p>
         </p:txBody>
       </p:sp>
+      <p:pic>
+        <p:nvPicPr>
+          <p:cNvPr id="10" name="Picture 9" descr="A blue line graph with numbers&#10;&#10;Description automatically generated">
+            <a:extLst>
+              <a:ext uri="{FF2B5EF4-FFF2-40B4-BE49-F238E27FC236}">
+                <a16:creationId xmlns:a16="http://schemas.microsoft.com/office/drawing/2014/main" id="{F520A76A-4EE9-6CD6-4152-5EDBDA77E2DC}"/>
+              </a:ext>
+              <a:ext uri="{C183D7F6-B498-43B3-948B-1728B52AA6E4}">
+                <adec:decorative xmlns:adec="http://schemas.microsoft.com/office/drawing/2017/decorative" val="0"/>
+              </a:ext>
+            </a:extLst>
+          </p:cNvPr>
+          <p:cNvPicPr>
+            <a:picLocks noChangeAspect="1"/>
+          </p:cNvPicPr>
+          <p:nvPr/>
+        </p:nvPicPr>
+        <p:blipFill>
+          <a:blip r:embed="rId6">
+            <a:extLst>
+              <a:ext uri="{28A0092B-C50C-407E-A947-70E740481C1C}">
+                <a14:useLocalDpi xmlns:a14="http://schemas.microsoft.com/office/drawing/2010/main" val="0"/>
+              </a:ext>
+            </a:extLst>
+          </a:blip>
+          <a:stretch>
+            <a:fillRect/>
+          </a:stretch>
+        </p:blipFill>
+        <p:spPr>
+          <a:xfrm>
+            <a:off x="32984256" y="7856386"/>
+            <a:ext cx="9110657" cy="6832993"/>
+          </a:xfrm>
+          <a:prstGeom prst="rect">
+            <a:avLst/>
+          </a:prstGeom>
+        </p:spPr>
+      </p:pic>
     </p:spTree>
   </p:cSld>
   <p:clrMapOvr>

--- a/Taxi/Taxi_Presentation.pptx
+++ b/Taxi/Taxi_Presentation.pptx
@@ -12397,46 +12397,16 @@
           <a:p>
             <a:pPr marL="27719"/>
             <a:r>
-              <a:rPr sz="2700" b="1" spc="-218" dirty="0">
+              <a:rPr lang="en-US" sz="2700" b="1" spc="-218" dirty="0">
                 <a:solidFill>
                   <a:srgbClr val="4C4D4F"/>
                 </a:solidFill>
                 <a:latin typeface="Arial"/>
                 <a:cs typeface="Arial"/>
               </a:rPr>
-              <a:t>T</a:t>
-            </a:r>
-            <a:r>
-              <a:rPr sz="2700" b="1" spc="-44" dirty="0">
-                <a:solidFill>
-                  <a:srgbClr val="4C4D4F"/>
-                </a:solidFill>
-                <a:latin typeface="Arial"/>
-                <a:cs typeface="Arial"/>
-              </a:rPr>
-              <a:t>e</a:t>
-            </a:r>
-            <a:r>
-              <a:rPr sz="2700" b="1" spc="55" dirty="0">
-                <a:solidFill>
-                  <a:srgbClr val="4C4D4F"/>
-                </a:solidFill>
-                <a:latin typeface="Arial"/>
-                <a:cs typeface="Arial"/>
-              </a:rPr>
-              <a:t>x</a:t>
-            </a:r>
-            <a:r>
-              <a:rPr sz="2700" b="1" spc="11" dirty="0">
-                <a:solidFill>
-                  <a:srgbClr val="4C4D4F"/>
-                </a:solidFill>
-                <a:latin typeface="Arial"/>
-                <a:cs typeface="Arial"/>
-              </a:rPr>
-              <a:t>t</a:t>
-            </a:r>
-            <a:endParaRPr sz="2700" dirty="0">
+              <a:t>Q - Learning</a:t>
+            </a:r>
+            <a:endParaRPr lang="en-US" sz="2700" dirty="0">
               <a:latin typeface="Arial"/>
               <a:cs typeface="Arial"/>
             </a:endParaRPr>
@@ -12451,7 +12421,7 @@
               </a:spcBef>
             </a:pPr>
             <a:r>
-              <a:rPr sz="2700" spc="11" dirty="0">
+              <a:rPr lang="en-US" sz="2700" spc="11" dirty="0">
                 <a:solidFill>
                   <a:srgbClr val="231F20"/>
                 </a:solidFill>
@@ -12461,7 +12431,7 @@
               <a:t>B</a:t>
             </a:r>
             <a:r>
-              <a:rPr sz="2700" spc="22" dirty="0">
+              <a:rPr lang="en-US" sz="2700" spc="22" dirty="0">
                 <a:solidFill>
                   <a:srgbClr val="231F20"/>
                 </a:solidFill>
@@ -12471,7 +12441,7 @@
               <a:t>e </a:t>
             </a:r>
             <a:r>
-              <a:rPr sz="2700" spc="-22" dirty="0">
+              <a:rPr lang="en-US" sz="2700" spc="-22" dirty="0">
                 <a:solidFill>
                   <a:srgbClr val="231F20"/>
                 </a:solidFill>
@@ -12481,7 +12451,7 @@
               <a:t>sur</a:t>
             </a:r>
             <a:r>
-              <a:rPr sz="2700" spc="22" dirty="0">
+              <a:rPr lang="en-US" sz="2700" spc="22" dirty="0">
                 <a:solidFill>
                   <a:srgbClr val="231F20"/>
                 </a:solidFill>
@@ -12491,7 +12461,7 @@
               <a:t>e </a:t>
             </a:r>
             <a:r>
-              <a:rPr sz="2700" spc="-44" dirty="0">
+              <a:rPr lang="en-US" sz="2700" spc="-44" dirty="0">
                 <a:solidFill>
                   <a:srgbClr val="231F20"/>
                 </a:solidFill>
@@ -12501,7 +12471,7 @@
               <a:t>t</a:t>
             </a:r>
             <a:r>
-              <a:rPr sz="2700" spc="22" dirty="0">
+              <a:rPr lang="en-US" sz="2700" spc="22" dirty="0">
                 <a:solidFill>
                   <a:srgbClr val="231F20"/>
                 </a:solidFill>
@@ -12511,7 +12481,7 @@
               <a:t>o </a:t>
             </a:r>
             <a:r>
-              <a:rPr sz="2700" spc="-22" dirty="0">
+              <a:rPr lang="en-US" sz="2700" spc="-22" dirty="0">
                 <a:solidFill>
                   <a:srgbClr val="231F20"/>
                 </a:solidFill>
@@ -12521,7 +12491,7 @@
               <a:t>s</a:t>
             </a:r>
             <a:r>
-              <a:rPr sz="2700" dirty="0">
+              <a:rPr lang="en-US" sz="2700" dirty="0">
                 <a:solidFill>
                   <a:srgbClr val="231F20"/>
                 </a:solidFill>
@@ -12531,7 +12501,7 @@
               <a:t>p</a:t>
             </a:r>
             <a:r>
-              <a:rPr sz="2700" spc="-11" dirty="0">
+              <a:rPr lang="en-US" sz="2700" spc="-11" dirty="0">
                 <a:solidFill>
                   <a:srgbClr val="231F20"/>
                 </a:solidFill>
@@ -12541,7 +12511,7 @@
               <a:t>e</a:t>
             </a:r>
             <a:r>
-              <a:rPr sz="2700" spc="-33" dirty="0">
+              <a:rPr lang="en-US" sz="2700" spc="-33" dirty="0">
                 <a:solidFill>
                   <a:srgbClr val="231F20"/>
                 </a:solidFill>
@@ -12551,7 +12521,7 @@
               <a:t>l</a:t>
             </a:r>
             <a:r>
-              <a:rPr sz="2700" spc="11" dirty="0">
+              <a:rPr lang="en-US" sz="2700" spc="11" dirty="0">
                 <a:solidFill>
                   <a:srgbClr val="231F20"/>
                 </a:solidFill>
@@ -12561,7 +12531,7 @@
               <a:t>l</a:t>
             </a:r>
             <a:r>
-              <a:rPr sz="2700" spc="22" dirty="0">
+              <a:rPr lang="en-US" sz="2700" spc="22" dirty="0">
                 <a:solidFill>
                   <a:srgbClr val="231F20"/>
                 </a:solidFill>
@@ -12571,7 +12541,7 @@
               <a:t> </a:t>
             </a:r>
             <a:r>
-              <a:rPr sz="2700" spc="11" dirty="0">
+              <a:rPr lang="en-US" sz="2700" spc="11" dirty="0">
                 <a:solidFill>
                   <a:srgbClr val="231F20"/>
                 </a:solidFill>
@@ -12581,7 +12551,7 @@
               <a:t>c</a:t>
             </a:r>
             <a:r>
-              <a:rPr sz="2700" spc="-11" dirty="0">
+              <a:rPr lang="en-US" sz="2700" spc="-11" dirty="0">
                 <a:solidFill>
                   <a:srgbClr val="231F20"/>
                 </a:solidFill>
@@ -12591,7 +12561,7 @@
               <a:t>he</a:t>
             </a:r>
             <a:r>
-              <a:rPr sz="2700" spc="11" dirty="0">
+              <a:rPr lang="en-US" sz="2700" spc="11" dirty="0">
                 <a:solidFill>
                   <a:srgbClr val="231F20"/>
                 </a:solidFill>
@@ -12601,7 +12571,7 @@
               <a:t>c</a:t>
             </a:r>
             <a:r>
-              <a:rPr sz="2700" spc="22" dirty="0">
+              <a:rPr lang="en-US" sz="2700" spc="22" dirty="0">
                 <a:solidFill>
                   <a:srgbClr val="231F20"/>
                 </a:solidFill>
@@ -12611,7 +12581,7 @@
               <a:t>k </a:t>
             </a:r>
             <a:r>
-              <a:rPr sz="2700" spc="-22" dirty="0">
+              <a:rPr lang="en-US" sz="2700" spc="-22" dirty="0">
                 <a:solidFill>
                   <a:srgbClr val="231F20"/>
                 </a:solidFill>
@@ -12621,7 +12591,7 @@
               <a:t>a</a:t>
             </a:r>
             <a:r>
-              <a:rPr sz="2700" spc="-33" dirty="0">
+              <a:rPr lang="en-US" sz="2700" spc="-33" dirty="0">
                 <a:solidFill>
                   <a:srgbClr val="231F20"/>
                 </a:solidFill>
@@ -12631,7 +12601,7 @@
               <a:t>l</a:t>
             </a:r>
             <a:r>
-              <a:rPr sz="2700" spc="11" dirty="0">
+              <a:rPr lang="en-US" sz="2700" spc="11" dirty="0">
                 <a:solidFill>
                   <a:srgbClr val="231F20"/>
                 </a:solidFill>
@@ -12641,7 +12611,7 @@
               <a:t>l</a:t>
             </a:r>
             <a:r>
-              <a:rPr sz="2700" spc="22" dirty="0">
+              <a:rPr lang="en-US" sz="2700" spc="22" dirty="0">
                 <a:solidFill>
                   <a:srgbClr val="231F20"/>
                 </a:solidFill>
@@ -12651,7 +12621,7 @@
               <a:t> </a:t>
             </a:r>
             <a:r>
-              <a:rPr sz="2700" spc="-44" dirty="0">
+              <a:rPr lang="en-US" sz="2700" spc="-44" dirty="0">
                 <a:solidFill>
                   <a:srgbClr val="231F20"/>
                 </a:solidFill>
@@ -12661,7 +12631,7 @@
               <a:t>t</a:t>
             </a:r>
             <a:r>
-              <a:rPr sz="2700" spc="-76" dirty="0">
+              <a:rPr lang="en-US" sz="2700" spc="-76" dirty="0">
                 <a:solidFill>
                   <a:srgbClr val="231F20"/>
                 </a:solidFill>
@@ -12671,7 +12641,7 @@
               <a:t>e</a:t>
             </a:r>
             <a:r>
-              <a:rPr sz="2700" spc="55" dirty="0">
+              <a:rPr lang="en-US" sz="2700" spc="55" dirty="0">
                 <a:solidFill>
                   <a:srgbClr val="231F20"/>
                 </a:solidFill>
@@ -12681,7 +12651,7 @@
               <a:t>x</a:t>
             </a:r>
             <a:r>
-              <a:rPr sz="2700" spc="11" dirty="0">
+              <a:rPr lang="en-US" sz="2700" spc="11" dirty="0">
                 <a:solidFill>
                   <a:srgbClr val="231F20"/>
                 </a:solidFill>
@@ -12691,7 +12661,7 @@
               <a:t>t</a:t>
             </a:r>
             <a:r>
-              <a:rPr sz="2700" spc="22" dirty="0">
+              <a:rPr lang="en-US" sz="2700" spc="22" dirty="0">
                 <a:solidFill>
                   <a:srgbClr val="231F20"/>
                 </a:solidFill>
@@ -12701,7 +12671,7 @@
               <a:t> </a:t>
             </a:r>
             <a:r>
-              <a:rPr sz="2700" spc="-22" dirty="0">
+              <a:rPr lang="en-US" sz="2700" spc="-22" dirty="0">
                 <a:solidFill>
                   <a:srgbClr val="231F20"/>
                 </a:solidFill>
@@ -12711,7 +12681,7 @@
               <a:t>a</a:t>
             </a:r>
             <a:r>
-              <a:rPr sz="2700" spc="-11" dirty="0">
+              <a:rPr lang="en-US" sz="2700" spc="-11" dirty="0">
                 <a:solidFill>
                   <a:srgbClr val="231F20"/>
                 </a:solidFill>
@@ -12721,7 +12691,7 @@
               <a:t>n</a:t>
             </a:r>
             <a:r>
-              <a:rPr sz="2700" spc="22" dirty="0">
+              <a:rPr lang="en-US" sz="2700" spc="22" dirty="0">
                 <a:solidFill>
                   <a:srgbClr val="231F20"/>
                 </a:solidFill>
@@ -12731,7 +12701,7 @@
               <a:t>d </a:t>
             </a:r>
             <a:r>
-              <a:rPr sz="2700" spc="-22" dirty="0">
+              <a:rPr lang="en-US" sz="2700" spc="-22" dirty="0">
                 <a:solidFill>
                   <a:srgbClr val="231F20"/>
                 </a:solidFill>
@@ -12741,7 +12711,7 @@
               <a:t>h</a:t>
             </a:r>
             <a:r>
-              <a:rPr sz="2700" spc="-65" dirty="0">
+              <a:rPr lang="en-US" sz="2700" spc="-65" dirty="0">
                 <a:solidFill>
                   <a:srgbClr val="231F20"/>
                 </a:solidFill>
@@ -12751,7 +12721,7 @@
               <a:t>a</a:t>
             </a:r>
             <a:r>
-              <a:rPr sz="2700" spc="-55" dirty="0">
+              <a:rPr lang="en-US" sz="2700" spc="-55" dirty="0">
                 <a:solidFill>
                   <a:srgbClr val="231F20"/>
                 </a:solidFill>
@@ -12761,7 +12731,7 @@
               <a:t>v</a:t>
             </a:r>
             <a:r>
-              <a:rPr sz="2700" spc="22" dirty="0">
+              <a:rPr lang="en-US" sz="2700" spc="22" dirty="0">
                 <a:solidFill>
                   <a:srgbClr val="231F20"/>
                 </a:solidFill>
@@ -12771,7 +12741,7 @@
               <a:t>e </a:t>
             </a:r>
             <a:r>
-              <a:rPr sz="2700" spc="-11" dirty="0">
+              <a:rPr lang="en-US" sz="2700" spc="-11" dirty="0">
                 <a:solidFill>
                   <a:srgbClr val="231F20"/>
                 </a:solidFill>
@@ -12781,7 +12751,7 @@
               <a:t>t</a:t>
             </a:r>
             <a:r>
-              <a:rPr sz="2700" spc="22" dirty="0">
+              <a:rPr lang="en-US" sz="2700" spc="22" dirty="0">
                 <a:solidFill>
                   <a:srgbClr val="231F20"/>
                 </a:solidFill>
@@ -12791,7 +12761,7 @@
               <a:t>r</a:t>
             </a:r>
             <a:r>
-              <a:rPr sz="2700" spc="-22" dirty="0">
+              <a:rPr lang="en-US" sz="2700" spc="-22" dirty="0">
                 <a:solidFill>
                   <a:srgbClr val="231F20"/>
                 </a:solidFill>
@@ -12801,7 +12771,7 @@
               <a:t>us</a:t>
             </a:r>
             <a:r>
-              <a:rPr sz="2700" spc="-44" dirty="0">
+              <a:rPr lang="en-US" sz="2700" spc="-44" dirty="0">
                 <a:solidFill>
                   <a:srgbClr val="231F20"/>
                 </a:solidFill>
@@ -12811,7 +12781,7 @@
               <a:t>t</a:t>
             </a:r>
             <a:r>
-              <a:rPr sz="2700" dirty="0">
+              <a:rPr lang="en-US" sz="2700" dirty="0">
                 <a:solidFill>
                   <a:srgbClr val="231F20"/>
                 </a:solidFill>
@@ -12821,7 +12791,7 @@
               <a:t>e</a:t>
             </a:r>
             <a:r>
-              <a:rPr sz="2700" spc="22" dirty="0">
+              <a:rPr lang="en-US" sz="2700" spc="22" dirty="0">
                 <a:solidFill>
                   <a:srgbClr val="231F20"/>
                 </a:solidFill>
@@ -12831,7 +12801,7 @@
               <a:t>d </a:t>
             </a:r>
             <a:r>
-              <a:rPr sz="2700" spc="33" dirty="0">
+              <a:rPr lang="en-US" sz="2700" spc="33" dirty="0">
                 <a:solidFill>
                   <a:srgbClr val="231F20"/>
                 </a:solidFill>
@@ -12841,7 +12811,7 @@
               <a:t>c</a:t>
             </a:r>
             <a:r>
-              <a:rPr sz="2700" dirty="0">
+              <a:rPr lang="en-US" sz="2700" dirty="0">
                 <a:solidFill>
                   <a:srgbClr val="231F20"/>
                 </a:solidFill>
@@ -12851,7 +12821,7 @@
               <a:t>o</a:t>
             </a:r>
             <a:r>
-              <a:rPr sz="2700" spc="-33" dirty="0">
+              <a:rPr lang="en-US" sz="2700" spc="-33" dirty="0">
                 <a:solidFill>
                   <a:srgbClr val="231F20"/>
                 </a:solidFill>
@@ -12861,7 +12831,7 @@
               <a:t>l</a:t>
             </a:r>
             <a:r>
-              <a:rPr sz="2700" spc="-22" dirty="0">
+              <a:rPr lang="en-US" sz="2700" spc="-22" dirty="0">
                 <a:solidFill>
                   <a:srgbClr val="231F20"/>
                 </a:solidFill>
@@ -12871,7 +12841,7 @@
               <a:t>l</a:t>
             </a:r>
             <a:r>
-              <a:rPr sz="2700" spc="-11" dirty="0">
+              <a:rPr lang="en-US" sz="2700" spc="-11" dirty="0">
                 <a:solidFill>
                   <a:srgbClr val="231F20"/>
                 </a:solidFill>
@@ -12881,7 +12851,7 @@
               <a:t>e</a:t>
             </a:r>
             <a:r>
-              <a:rPr sz="2700" spc="-22" dirty="0">
+              <a:rPr lang="en-US" sz="2700" spc="-22" dirty="0">
                 <a:solidFill>
                   <a:srgbClr val="231F20"/>
                 </a:solidFill>
@@ -12891,7 +12861,7 @@
               <a:t>a</a:t>
             </a:r>
             <a:r>
-              <a:rPr sz="2700" spc="-11" dirty="0">
+              <a:rPr lang="en-US" sz="2700" spc="-11" dirty="0">
                 <a:solidFill>
                   <a:srgbClr val="231F20"/>
                 </a:solidFill>
@@ -12901,7 +12871,7 @@
               <a:t>gu</a:t>
             </a:r>
             <a:r>
-              <a:rPr sz="2700" dirty="0">
+              <a:rPr lang="en-US" sz="2700" dirty="0">
                 <a:solidFill>
                   <a:srgbClr val="231F20"/>
                 </a:solidFill>
@@ -12911,7 +12881,7 @@
               <a:t>e</a:t>
             </a:r>
             <a:r>
-              <a:rPr sz="2700" spc="22" dirty="0">
+              <a:rPr lang="en-US" sz="2700" spc="22" dirty="0">
                 <a:solidFill>
                   <a:srgbClr val="231F20"/>
                 </a:solidFill>
@@ -12921,7 +12891,7 @@
               <a:t>s</a:t>
             </a:r>
             <a:r>
-              <a:rPr sz="2700" spc="11" dirty="0">
+              <a:rPr lang="en-US" sz="2700" spc="11" dirty="0">
                 <a:solidFill>
                   <a:srgbClr val="231F20"/>
                 </a:solidFill>
@@ -12931,7 +12901,7 @@
               <a:t> </a:t>
             </a:r>
             <a:r>
-              <a:rPr sz="2700" spc="-11" dirty="0">
+              <a:rPr lang="en-US" sz="2700" spc="-11" dirty="0">
                 <a:solidFill>
                   <a:srgbClr val="231F20"/>
                 </a:solidFill>
@@ -12941,7 +12911,7 @@
               <a:t>p</a:t>
             </a:r>
             <a:r>
-              <a:rPr sz="2700" spc="-22" dirty="0">
+              <a:rPr lang="en-US" sz="2700" spc="-22" dirty="0">
                 <a:solidFill>
                   <a:srgbClr val="231F20"/>
                 </a:solidFill>
@@ -12951,7 +12921,7 @@
               <a:t>r</a:t>
             </a:r>
             <a:r>
-              <a:rPr sz="2700" dirty="0">
+              <a:rPr lang="en-US" sz="2700" dirty="0">
                 <a:solidFill>
                   <a:srgbClr val="231F20"/>
                 </a:solidFill>
@@ -12961,7 +12931,7 @@
               <a:t>o</a:t>
             </a:r>
             <a:r>
-              <a:rPr sz="2700" spc="-33" dirty="0">
+              <a:rPr lang="en-US" sz="2700" spc="-33" dirty="0">
                 <a:solidFill>
                   <a:srgbClr val="231F20"/>
                 </a:solidFill>
@@ -12971,7 +12941,7 @@
               <a:t>o</a:t>
             </a:r>
             <a:r>
-              <a:rPr sz="2700" dirty="0">
+              <a:rPr lang="en-US" sz="2700" dirty="0">
                 <a:solidFill>
                   <a:srgbClr val="231F20"/>
                 </a:solidFill>
@@ -12981,7 +12951,7 @@
               <a:t>f</a:t>
             </a:r>
             <a:r>
-              <a:rPr sz="2700" spc="-22" dirty="0">
+              <a:rPr lang="en-US" sz="2700" spc="-22" dirty="0">
                 <a:solidFill>
                   <a:srgbClr val="231F20"/>
                 </a:solidFill>
@@ -12991,7 +12961,7 @@
               <a:t>r</a:t>
             </a:r>
             <a:r>
-              <a:rPr sz="2700" spc="-11" dirty="0">
+              <a:rPr lang="en-US" sz="2700" spc="-11" dirty="0">
                 <a:solidFill>
                   <a:srgbClr val="231F20"/>
                 </a:solidFill>
@@ -13001,7 +12971,7 @@
               <a:t>e</a:t>
             </a:r>
             <a:r>
-              <a:rPr sz="2700" spc="-22" dirty="0">
+              <a:rPr lang="en-US" sz="2700" spc="-22" dirty="0">
                 <a:solidFill>
                   <a:srgbClr val="231F20"/>
                 </a:solidFill>
@@ -13011,7 +12981,7 @@
               <a:t>a</a:t>
             </a:r>
             <a:r>
-              <a:rPr sz="2700" spc="22" dirty="0">
+              <a:rPr lang="en-US" sz="2700" spc="22" dirty="0">
                 <a:solidFill>
                   <a:srgbClr val="231F20"/>
                 </a:solidFill>
@@ -13021,7 +12991,7 @@
               <a:t>d </a:t>
             </a:r>
             <a:r>
-              <a:rPr sz="2700" spc="-11" dirty="0">
+              <a:rPr lang="en-US" sz="2700" spc="-11" dirty="0">
                 <a:solidFill>
                   <a:srgbClr val="231F20"/>
                 </a:solidFill>
@@ -13031,7 +13001,7 @@
               <a:t>th</a:t>
             </a:r>
             <a:r>
-              <a:rPr sz="2700" spc="22" dirty="0">
+              <a:rPr lang="en-US" sz="2700" spc="22" dirty="0">
                 <a:solidFill>
                   <a:srgbClr val="231F20"/>
                 </a:solidFill>
@@ -13041,7 +13011,7 @@
               <a:t>e </a:t>
             </a:r>
             <a:r>
-              <a:rPr sz="2700" dirty="0">
+              <a:rPr lang="en-US" sz="2700" dirty="0">
                 <a:solidFill>
                   <a:srgbClr val="231F20"/>
                 </a:solidFill>
@@ -13051,7 +13021,7 @@
               <a:t>po</a:t>
             </a:r>
             <a:r>
-              <a:rPr sz="2700" spc="-22" dirty="0">
+              <a:rPr lang="en-US" sz="2700" spc="-22" dirty="0">
                 <a:solidFill>
                   <a:srgbClr val="231F20"/>
                 </a:solidFill>
@@ -13061,7 +13031,7 @@
               <a:t>s</a:t>
             </a:r>
             <a:r>
-              <a:rPr sz="2700" spc="-44" dirty="0">
+              <a:rPr lang="en-US" sz="2700" spc="-44" dirty="0">
                 <a:solidFill>
                   <a:srgbClr val="231F20"/>
                 </a:solidFill>
@@ -13071,7 +13041,7 @@
               <a:t>t</a:t>
             </a:r>
             <a:r>
-              <a:rPr sz="2700" spc="-11" dirty="0">
+              <a:rPr lang="en-US" sz="2700" spc="-11" dirty="0">
                 <a:solidFill>
                   <a:srgbClr val="231F20"/>
                 </a:solidFill>
@@ -13081,7 +13051,7 @@
               <a:t>e</a:t>
             </a:r>
             <a:r>
-              <a:rPr sz="2700" spc="-207" dirty="0">
+              <a:rPr lang="en-US" sz="2700" spc="-207" dirty="0">
                 <a:solidFill>
                   <a:srgbClr val="231F20"/>
                 </a:solidFill>
@@ -13091,7 +13061,7 @@
               <a:t>r</a:t>
             </a:r>
             <a:r>
-              <a:rPr sz="2700" spc="11" dirty="0">
+              <a:rPr lang="en-US" sz="2700" spc="11" dirty="0">
                 <a:solidFill>
                   <a:srgbClr val="231F20"/>
                 </a:solidFill>
@@ -13101,7 +13071,7 @@
               <a:t>.</a:t>
             </a:r>
             <a:r>
-              <a:rPr sz="2700" spc="22" dirty="0">
+              <a:rPr lang="en-US" sz="2700" spc="22" dirty="0">
                 <a:solidFill>
                   <a:srgbClr val="231F20"/>
                 </a:solidFill>
@@ -13111,7 +13081,7 @@
               <a:t> </a:t>
             </a:r>
             <a:r>
-              <a:rPr sz="2700" spc="-33" dirty="0">
+              <a:rPr lang="en-US" sz="2700" spc="-33" dirty="0">
                 <a:solidFill>
                   <a:srgbClr val="231F20"/>
                 </a:solidFill>
@@ -13121,7 +13091,7 @@
               <a:t>I</a:t>
             </a:r>
             <a:r>
-              <a:rPr sz="2700" spc="22" dirty="0">
+              <a:rPr lang="en-US" sz="2700" spc="22" dirty="0">
                 <a:solidFill>
                   <a:srgbClr val="231F20"/>
                 </a:solidFill>
@@ -13131,7 +13101,7 @@
               <a:t>n </a:t>
             </a:r>
             <a:r>
-              <a:rPr sz="2700" spc="-11" dirty="0">
+              <a:rPr lang="en-US" sz="2700" spc="-11" dirty="0">
                 <a:solidFill>
                   <a:srgbClr val="231F20"/>
                 </a:solidFill>
@@ -13141,7 +13111,7 @@
               <a:t>gener</a:t>
             </a:r>
             <a:r>
-              <a:rPr sz="2700" spc="-22" dirty="0">
+              <a:rPr lang="en-US" sz="2700" spc="-22" dirty="0">
                 <a:solidFill>
                   <a:srgbClr val="231F20"/>
                 </a:solidFill>
@@ -13151,7 +13121,7 @@
               <a:t>a</a:t>
             </a:r>
             <a:r>
-              <a:rPr sz="2700" spc="-55" dirty="0">
+              <a:rPr lang="en-US" sz="2700" spc="-55" dirty="0">
                 <a:solidFill>
                   <a:srgbClr val="231F20"/>
                 </a:solidFill>
@@ -13161,7 +13131,7 @@
               <a:t>l</a:t>
             </a:r>
             <a:r>
-              <a:rPr sz="2700" spc="11" dirty="0">
+              <a:rPr lang="en-US" sz="2700" spc="11" dirty="0">
                 <a:solidFill>
                   <a:srgbClr val="231F20"/>
                 </a:solidFill>
@@ -13171,7 +13141,7 @@
               <a:t>,</a:t>
             </a:r>
             <a:r>
-              <a:rPr sz="2700" spc="22" dirty="0">
+              <a:rPr lang="en-US" sz="2700" spc="22" dirty="0">
                 <a:solidFill>
                   <a:srgbClr val="231F20"/>
                 </a:solidFill>
@@ -13181,7 +13151,7 @@
               <a:t> </a:t>
             </a:r>
             <a:r>
-              <a:rPr sz="2700" spc="-33" dirty="0">
+              <a:rPr lang="en-US" sz="2700" spc="-33" dirty="0">
                 <a:solidFill>
                   <a:srgbClr val="231F20"/>
                 </a:solidFill>
@@ -13191,7 +13161,7 @@
               <a:t>a</a:t>
             </a:r>
             <a:r>
-              <a:rPr sz="2700" spc="-22" dirty="0">
+              <a:rPr lang="en-US" sz="2700" spc="-22" dirty="0">
                 <a:solidFill>
                   <a:srgbClr val="231F20"/>
                 </a:solidFill>
@@ -13201,7 +13171,7 @@
               <a:t>u</a:t>
             </a:r>
             <a:r>
-              <a:rPr sz="2700" spc="-11" dirty="0">
+              <a:rPr lang="en-US" sz="2700" spc="-11" dirty="0">
                 <a:solidFill>
                   <a:srgbClr val="231F20"/>
                 </a:solidFill>
@@ -13211,7 +13181,7 @@
               <a:t>th</a:t>
             </a:r>
             <a:r>
-              <a:rPr sz="2700" dirty="0">
+              <a:rPr lang="en-US" sz="2700" dirty="0">
                 <a:solidFill>
                   <a:srgbClr val="231F20"/>
                 </a:solidFill>
@@ -13221,7 +13191,7 @@
               <a:t>o</a:t>
             </a:r>
             <a:r>
-              <a:rPr sz="2700" spc="22" dirty="0">
+              <a:rPr lang="en-US" sz="2700" spc="22" dirty="0">
                 <a:solidFill>
                   <a:srgbClr val="231F20"/>
                 </a:solidFill>
@@ -13231,7 +13201,7 @@
               <a:t>rs </a:t>
             </a:r>
             <a:r>
-              <a:rPr sz="2700" spc="-22" dirty="0">
+              <a:rPr lang="en-US" sz="2700" spc="-22" dirty="0">
                 <a:solidFill>
                   <a:srgbClr val="231F20"/>
                 </a:solidFill>
@@ -13241,7 +13211,7 @@
               <a:t>s</a:t>
             </a:r>
             <a:r>
-              <a:rPr sz="2700" spc="-11" dirty="0">
+              <a:rPr lang="en-US" sz="2700" spc="-11" dirty="0">
                 <a:solidFill>
                   <a:srgbClr val="231F20"/>
                 </a:solidFill>
@@ -13251,7 +13221,7 @@
               <a:t>ho</a:t>
             </a:r>
             <a:r>
-              <a:rPr sz="2700" spc="-22" dirty="0">
+              <a:rPr lang="en-US" sz="2700" spc="-22" dirty="0">
                 <a:solidFill>
                   <a:srgbClr val="231F20"/>
                 </a:solidFill>
@@ -13261,7 +13231,7 @@
               <a:t>ul</a:t>
             </a:r>
             <a:r>
-              <a:rPr sz="2700" spc="-87" dirty="0">
+              <a:rPr lang="en-US" sz="2700" spc="-87" dirty="0">
                 <a:solidFill>
                   <a:srgbClr val="231F20"/>
                 </a:solidFill>
@@ -13271,7 +13241,7 @@
               <a:t>d</a:t>
             </a:r>
             <a:r>
-              <a:rPr sz="2700" spc="11" dirty="0">
+              <a:rPr lang="en-US" sz="2700" spc="11" dirty="0">
                 <a:solidFill>
                   <a:srgbClr val="231F20"/>
                 </a:solidFill>
@@ -13280,7 +13250,7 @@
               </a:rPr>
               <a:t>:</a:t>
             </a:r>
-            <a:endParaRPr sz="2700" dirty="0">
+            <a:endParaRPr lang="en-US" sz="2700" dirty="0">
               <a:latin typeface="Arial"/>
               <a:cs typeface="Arial"/>
             </a:endParaRPr>
@@ -13294,7 +13264,7 @@
                 <a:spcPts val="28"/>
               </a:spcBef>
             </a:pPr>
-            <a:endParaRPr sz="1900" dirty="0"/>
+            <a:endParaRPr lang="en-US" sz="1900" dirty="0"/>
           </a:p>
           <a:p>
             <a:pPr marL="255013" indent="-228682">
@@ -13308,7 +13278,7 @@
               </a:tabLst>
             </a:pPr>
             <a:r>
-              <a:rPr sz="2700" spc="-11" dirty="0">
+              <a:rPr lang="en-US" sz="2700" spc="-11" dirty="0">
                 <a:solidFill>
                   <a:srgbClr val="231F20"/>
                 </a:solidFill>
@@ -13318,7 +13288,7 @@
               <a:t>Us</a:t>
             </a:r>
             <a:r>
-              <a:rPr sz="2700" spc="22" dirty="0">
+              <a:rPr lang="en-US" sz="2700" spc="22" dirty="0">
                 <a:solidFill>
                   <a:srgbClr val="231F20"/>
                 </a:solidFill>
@@ -13328,7 +13298,7 @@
               <a:t>e </a:t>
             </a:r>
             <a:r>
-              <a:rPr sz="2700" spc="-11" dirty="0">
+              <a:rPr lang="en-US" sz="2700" spc="-11" dirty="0">
                 <a:solidFill>
                   <a:srgbClr val="231F20"/>
                 </a:solidFill>
@@ -13338,7 +13308,7 @@
               <a:t>th</a:t>
             </a:r>
             <a:r>
-              <a:rPr sz="2700" spc="22" dirty="0">
+              <a:rPr lang="en-US" sz="2700" spc="22" dirty="0">
                 <a:solidFill>
                   <a:srgbClr val="231F20"/>
                 </a:solidFill>
@@ -13348,7 +13318,7 @@
               <a:t>e </a:t>
             </a:r>
             <a:r>
-              <a:rPr sz="2700" spc="-22" dirty="0">
+              <a:rPr lang="en-US" sz="2700" spc="-22" dirty="0">
                 <a:solidFill>
                   <a:srgbClr val="231F20"/>
                 </a:solidFill>
@@ -13358,7 +13328,7 @@
               <a:t>a</a:t>
             </a:r>
             <a:r>
-              <a:rPr sz="2700" spc="11" dirty="0">
+              <a:rPr lang="en-US" sz="2700" spc="11" dirty="0">
                 <a:solidFill>
                   <a:srgbClr val="231F20"/>
                 </a:solidFill>
@@ -13368,7 +13338,7 @@
               <a:t>c</a:t>
             </a:r>
             <a:r>
-              <a:rPr sz="2700" spc="-11" dirty="0">
+              <a:rPr lang="en-US" sz="2700" spc="-11" dirty="0">
                 <a:solidFill>
                   <a:srgbClr val="231F20"/>
                 </a:solidFill>
@@ -13378,7 +13348,7 @@
               <a:t>t</a:t>
             </a:r>
             <a:r>
-              <a:rPr sz="2700" spc="-22" dirty="0">
+              <a:rPr lang="en-US" sz="2700" spc="-22" dirty="0">
                 <a:solidFill>
                   <a:srgbClr val="231F20"/>
                 </a:solidFill>
@@ -13388,7 +13358,7 @@
               <a:t>i</a:t>
             </a:r>
             <a:r>
-              <a:rPr sz="2700" spc="-55" dirty="0">
+              <a:rPr lang="en-US" sz="2700" spc="-55" dirty="0">
                 <a:solidFill>
                   <a:srgbClr val="231F20"/>
                 </a:solidFill>
@@ -13398,7 +13368,7 @@
               <a:t>v</a:t>
             </a:r>
             <a:r>
-              <a:rPr sz="2700" spc="22" dirty="0">
+              <a:rPr lang="en-US" sz="2700" spc="22" dirty="0">
                 <a:solidFill>
                   <a:srgbClr val="231F20"/>
                 </a:solidFill>
@@ -13408,7 +13378,7 @@
               <a:t>e </a:t>
             </a:r>
             <a:r>
-              <a:rPr sz="2700" spc="-44" dirty="0">
+              <a:rPr lang="en-US" sz="2700" spc="-44" dirty="0">
                 <a:solidFill>
                   <a:srgbClr val="231F20"/>
                 </a:solidFill>
@@ -13418,7 +13388,7 @@
               <a:t>t</a:t>
             </a:r>
             <a:r>
-              <a:rPr sz="2700" spc="-11" dirty="0">
+              <a:rPr lang="en-US" sz="2700" spc="-11" dirty="0">
                 <a:solidFill>
                   <a:srgbClr val="231F20"/>
                 </a:solidFill>
@@ -13428,7 +13398,7 @@
               <a:t>e</a:t>
             </a:r>
             <a:r>
-              <a:rPr sz="2700" spc="-22" dirty="0">
+              <a:rPr lang="en-US" sz="2700" spc="-22" dirty="0">
                 <a:solidFill>
                   <a:srgbClr val="231F20"/>
                 </a:solidFill>
@@ -13438,7 +13408,7 @@
               <a:t>n</a:t>
             </a:r>
             <a:r>
-              <a:rPr sz="2700" spc="-11" dirty="0">
+              <a:rPr lang="en-US" sz="2700" spc="-11" dirty="0">
                 <a:solidFill>
                   <a:srgbClr val="231F20"/>
                 </a:solidFill>
@@ -13448,7 +13418,7 @@
               <a:t>s</a:t>
             </a:r>
             <a:r>
-              <a:rPr sz="2700" spc="22" dirty="0">
+              <a:rPr lang="en-US" sz="2700" spc="22" dirty="0">
                 <a:solidFill>
                   <a:srgbClr val="231F20"/>
                 </a:solidFill>
@@ -13457,7 +13427,7 @@
               </a:rPr>
               <a:t>e</a:t>
             </a:r>
-            <a:endParaRPr sz="2700" dirty="0">
+            <a:endParaRPr lang="en-US" sz="2700" dirty="0">
               <a:latin typeface="Arial"/>
               <a:cs typeface="Arial"/>
             </a:endParaRPr>
@@ -13476,7 +13446,7 @@
               <a:buFont typeface="Arial"/>
               <a:buChar char="•"/>
             </a:pPr>
-            <a:endParaRPr sz="1900" dirty="0"/>
+            <a:endParaRPr lang="en-US" sz="1900" baseline="-25000" dirty="0"/>
           </a:p>
           <a:p>
             <a:pPr marL="250857" indent="-224524">
@@ -13490,7 +13460,7 @@
               </a:tabLst>
             </a:pPr>
             <a:r>
-              <a:rPr sz="2700" dirty="0">
+              <a:rPr lang="en-US" sz="2700" dirty="0">
                 <a:solidFill>
                   <a:srgbClr val="231F20"/>
                 </a:solidFill>
@@ -13500,7 +13470,7 @@
               <a:t>S</a:t>
             </a:r>
             <a:r>
-              <a:rPr sz="2700" spc="-33" dirty="0">
+              <a:rPr lang="en-US" sz="2700" spc="-33" dirty="0">
                 <a:solidFill>
                   <a:srgbClr val="231F20"/>
                 </a:solidFill>
@@ -13510,7 +13480,7 @@
               <a:t>i</a:t>
             </a:r>
             <a:r>
-              <a:rPr sz="2700" spc="11" dirty="0">
+              <a:rPr lang="en-US" sz="2700" spc="11" dirty="0">
                 <a:solidFill>
                   <a:srgbClr val="231F20"/>
                 </a:solidFill>
@@ -13520,7 +13490,7 @@
               <a:t>m</a:t>
             </a:r>
             <a:r>
-              <a:rPr sz="2700" spc="-11" dirty="0">
+              <a:rPr lang="en-US" sz="2700" spc="-11" dirty="0">
                 <a:solidFill>
                   <a:srgbClr val="231F20"/>
                 </a:solidFill>
@@ -13530,7 +13500,7 @@
               <a:t>p</a:t>
             </a:r>
             <a:r>
-              <a:rPr sz="2700" spc="-33" dirty="0">
+              <a:rPr lang="en-US" sz="2700" spc="-33" dirty="0">
                 <a:solidFill>
                   <a:srgbClr val="231F20"/>
                 </a:solidFill>
@@ -13540,7 +13510,7 @@
               <a:t>l</a:t>
             </a:r>
             <a:r>
-              <a:rPr sz="2700" spc="-22" dirty="0">
+              <a:rPr lang="en-US" sz="2700" spc="-22" dirty="0">
                 <a:solidFill>
                   <a:srgbClr val="231F20"/>
                 </a:solidFill>
@@ -13550,7 +13520,7 @@
               <a:t>i</a:t>
             </a:r>
             <a:r>
-              <a:rPr sz="2700" spc="65" dirty="0">
+              <a:rPr lang="en-US" sz="2700" spc="65" dirty="0">
                 <a:solidFill>
                   <a:srgbClr val="231F20"/>
                 </a:solidFill>
@@ -13560,7 +13530,7 @@
               <a:t>f</a:t>
             </a:r>
             <a:r>
-              <a:rPr sz="2700" spc="22" dirty="0">
+              <a:rPr lang="en-US" sz="2700" spc="22" dirty="0">
                 <a:solidFill>
                   <a:srgbClr val="231F20"/>
                 </a:solidFill>
@@ -13570,7 +13540,7 @@
               <a:t>y </a:t>
             </a:r>
             <a:r>
-              <a:rPr sz="2700" spc="-44" dirty="0">
+              <a:rPr lang="en-US" sz="2700" spc="-44" dirty="0">
                 <a:solidFill>
                   <a:srgbClr val="231F20"/>
                 </a:solidFill>
@@ -13580,7 +13550,7 @@
               <a:t>t</a:t>
             </a:r>
             <a:r>
-              <a:rPr sz="2700" spc="-76" dirty="0">
+              <a:rPr lang="en-US" sz="2700" spc="-76" dirty="0">
                 <a:solidFill>
                   <a:srgbClr val="231F20"/>
                 </a:solidFill>
@@ -13590,7 +13560,7 @@
               <a:t>e</a:t>
             </a:r>
             <a:r>
-              <a:rPr sz="2700" spc="55" dirty="0">
+              <a:rPr lang="en-US" sz="2700" spc="55" dirty="0">
                 <a:solidFill>
                   <a:srgbClr val="231F20"/>
                 </a:solidFill>
@@ -13600,7 +13570,7 @@
               <a:t>x</a:t>
             </a:r>
             <a:r>
-              <a:rPr sz="2700" spc="11" dirty="0">
+              <a:rPr lang="en-US" sz="2700" spc="11" dirty="0">
                 <a:solidFill>
                   <a:srgbClr val="231F20"/>
                 </a:solidFill>
@@ -13610,7 +13580,7 @@
               <a:t>t</a:t>
             </a:r>
             <a:r>
-              <a:rPr sz="2700" spc="22" dirty="0">
+              <a:rPr lang="en-US" sz="2700" spc="22" dirty="0">
                 <a:solidFill>
                   <a:srgbClr val="231F20"/>
                 </a:solidFill>
@@ -13620,7 +13590,7 @@
               <a:t> </a:t>
             </a:r>
             <a:r>
-              <a:rPr sz="2700" spc="-65" dirty="0">
+              <a:rPr lang="en-US" sz="2700" spc="-65" dirty="0">
                 <a:solidFill>
                   <a:srgbClr val="231F20"/>
                 </a:solidFill>
@@ -13630,7 +13600,7 @@
               <a:t>b</a:t>
             </a:r>
             <a:r>
-              <a:rPr sz="2700" spc="22" dirty="0">
+              <a:rPr lang="en-US" sz="2700" spc="22" dirty="0">
                 <a:solidFill>
                   <a:srgbClr val="231F20"/>
                 </a:solidFill>
@@ -13640,7 +13610,7 @@
               <a:t>y </a:t>
             </a:r>
             <a:r>
-              <a:rPr sz="2700" spc="-22" dirty="0">
+              <a:rPr lang="en-US" sz="2700" spc="-22" dirty="0">
                 <a:solidFill>
                   <a:srgbClr val="231F20"/>
                 </a:solidFill>
@@ -13650,7 +13620,7 @@
               <a:t>u</a:t>
             </a:r>
             <a:r>
-              <a:rPr sz="2700" spc="-11" dirty="0">
+              <a:rPr lang="en-US" sz="2700" spc="-11" dirty="0">
                 <a:solidFill>
                   <a:srgbClr val="231F20"/>
                 </a:solidFill>
@@ -13660,7 +13630,7 @@
               <a:t>s</a:t>
             </a:r>
             <a:r>
-              <a:rPr sz="2700" spc="-33" dirty="0">
+              <a:rPr lang="en-US" sz="2700" spc="-33" dirty="0">
                 <a:solidFill>
                   <a:srgbClr val="231F20"/>
                 </a:solidFill>
@@ -13670,7 +13640,7 @@
               <a:t>i</a:t>
             </a:r>
             <a:r>
-              <a:rPr sz="2700" spc="-11" dirty="0">
+              <a:rPr lang="en-US" sz="2700" spc="-11" dirty="0">
                 <a:solidFill>
                   <a:srgbClr val="231F20"/>
                 </a:solidFill>
@@ -13680,7 +13650,7 @@
               <a:t>n</a:t>
             </a:r>
             <a:r>
-              <a:rPr sz="2700" spc="22" dirty="0">
+              <a:rPr lang="en-US" sz="2700" spc="22" dirty="0">
                 <a:solidFill>
                   <a:srgbClr val="231F20"/>
                 </a:solidFill>
@@ -13690,7 +13660,7 @@
               <a:t>g </a:t>
             </a:r>
             <a:r>
-              <a:rPr sz="2700" spc="-22" dirty="0">
+              <a:rPr lang="en-US" sz="2700" spc="-22" dirty="0">
                 <a:solidFill>
                   <a:srgbClr val="231F20"/>
                 </a:solidFill>
@@ -13700,7 +13670,7 @@
               <a:t>bu</a:t>
             </a:r>
             <a:r>
-              <a:rPr sz="2700" spc="-33" dirty="0">
+              <a:rPr lang="en-US" sz="2700" spc="-33" dirty="0">
                 <a:solidFill>
                   <a:srgbClr val="231F20"/>
                 </a:solidFill>
@@ -13710,7 +13680,7 @@
               <a:t>l</a:t>
             </a:r>
             <a:r>
-              <a:rPr sz="2700" spc="-22" dirty="0">
+              <a:rPr lang="en-US" sz="2700" spc="-22" dirty="0">
                 <a:solidFill>
                   <a:srgbClr val="231F20"/>
                 </a:solidFill>
@@ -13720,7 +13690,7 @@
               <a:t>l</a:t>
             </a:r>
             <a:r>
-              <a:rPr sz="2700" spc="-44" dirty="0">
+              <a:rPr lang="en-US" sz="2700" spc="-44" dirty="0">
                 <a:solidFill>
                   <a:srgbClr val="231F20"/>
                 </a:solidFill>
@@ -13730,7 +13700,7 @@
               <a:t>e</a:t>
             </a:r>
             <a:r>
-              <a:rPr sz="2700" spc="11" dirty="0">
+              <a:rPr lang="en-US" sz="2700" spc="11" dirty="0">
                 <a:solidFill>
                   <a:srgbClr val="231F20"/>
                 </a:solidFill>
@@ -13740,7 +13710,7 @@
               <a:t>t</a:t>
             </a:r>
             <a:r>
-              <a:rPr sz="2700" spc="22" dirty="0">
+              <a:rPr lang="en-US" sz="2700" spc="22" dirty="0">
                 <a:solidFill>
                   <a:srgbClr val="231F20"/>
                 </a:solidFill>
@@ -13750,7 +13720,7 @@
               <a:t> </a:t>
             </a:r>
             <a:r>
-              <a:rPr sz="2700" dirty="0">
+              <a:rPr lang="en-US" sz="2700" dirty="0">
                 <a:solidFill>
                   <a:srgbClr val="231F20"/>
                 </a:solidFill>
@@ -13760,7 +13730,7 @@
               <a:t>p</a:t>
             </a:r>
             <a:r>
-              <a:rPr sz="2700" spc="-11" dirty="0">
+              <a:rPr lang="en-US" sz="2700" spc="-11" dirty="0">
                 <a:solidFill>
                   <a:srgbClr val="231F20"/>
                 </a:solidFill>
@@ -13770,7 +13740,7 @@
               <a:t>o</a:t>
             </a:r>
             <a:r>
-              <a:rPr sz="2700" spc="-33" dirty="0">
+              <a:rPr lang="en-US" sz="2700" spc="-33" dirty="0">
                 <a:solidFill>
                   <a:srgbClr val="231F20"/>
                 </a:solidFill>
@@ -13780,7 +13750,7 @@
               <a:t>i</a:t>
             </a:r>
             <a:r>
-              <a:rPr sz="2700" spc="-44" dirty="0">
+              <a:rPr lang="en-US" sz="2700" spc="-44" dirty="0">
                 <a:solidFill>
                   <a:srgbClr val="231F20"/>
                 </a:solidFill>
@@ -13790,7 +13760,7 @@
               <a:t>n</a:t>
             </a:r>
             <a:r>
-              <a:rPr sz="2700" spc="-11" dirty="0">
+              <a:rPr lang="en-US" sz="2700" spc="-11" dirty="0">
                 <a:solidFill>
                   <a:srgbClr val="231F20"/>
                 </a:solidFill>
@@ -13800,7 +13770,7 @@
               <a:t>t</a:t>
             </a:r>
             <a:r>
-              <a:rPr sz="2700" spc="22" dirty="0">
+              <a:rPr lang="en-US" sz="2700" spc="22" dirty="0">
                 <a:solidFill>
                   <a:srgbClr val="231F20"/>
                 </a:solidFill>
@@ -13809,7 +13779,7 @@
               </a:rPr>
               <a:t>s</a:t>
             </a:r>
-            <a:endParaRPr sz="2700" dirty="0">
+            <a:endParaRPr lang="en-US" sz="2700" dirty="0">
               <a:latin typeface="Arial"/>
               <a:cs typeface="Arial"/>
             </a:endParaRPr>
@@ -13828,7 +13798,7 @@
               <a:buFont typeface="Arial"/>
               <a:buChar char="•"/>
             </a:pPr>
-            <a:endParaRPr sz="1900" dirty="0"/>
+            <a:endParaRPr lang="en-US" sz="1900" dirty="0"/>
           </a:p>
           <a:p>
             <a:pPr marL="250857" indent="-224524">
@@ -13842,7 +13812,7 @@
               </a:tabLst>
             </a:pPr>
             <a:r>
-              <a:rPr sz="2700" spc="-11" dirty="0">
+              <a:rPr lang="en-US" sz="2700" spc="-11" dirty="0">
                 <a:solidFill>
                   <a:srgbClr val="231F20"/>
                 </a:solidFill>
@@ -13852,7 +13822,7 @@
               <a:t>Us</a:t>
             </a:r>
             <a:r>
-              <a:rPr sz="2700" spc="22" dirty="0">
+              <a:rPr lang="en-US" sz="2700" spc="22" dirty="0">
                 <a:solidFill>
                   <a:srgbClr val="231F20"/>
                 </a:solidFill>
@@ -13862,7 +13832,7 @@
               <a:t>e </a:t>
             </a:r>
             <a:r>
-              <a:rPr sz="2700" spc="33" dirty="0">
+              <a:rPr lang="en-US" sz="2700" spc="33" dirty="0">
                 <a:solidFill>
                   <a:srgbClr val="231F20"/>
                 </a:solidFill>
@@ -13872,7 +13842,7 @@
               <a:t>c</a:t>
             </a:r>
             <a:r>
-              <a:rPr sz="2700" dirty="0">
+              <a:rPr lang="en-US" sz="2700" dirty="0">
                 <a:solidFill>
                   <a:srgbClr val="231F20"/>
                 </a:solidFill>
@@ -13882,7 +13852,7 @@
               <a:t>o</a:t>
             </a:r>
             <a:r>
-              <a:rPr sz="2700" spc="-11" dirty="0">
+              <a:rPr lang="en-US" sz="2700" spc="-11" dirty="0">
                 <a:solidFill>
                   <a:srgbClr val="231F20"/>
                 </a:solidFill>
@@ -13892,7 +13862,7 @@
               <a:t>l</a:t>
             </a:r>
             <a:r>
-              <a:rPr sz="2700" dirty="0">
+              <a:rPr lang="en-US" sz="2700" dirty="0">
                 <a:solidFill>
                   <a:srgbClr val="231F20"/>
                 </a:solidFill>
@@ -13902,7 +13872,7 @@
               <a:t>o</a:t>
             </a:r>
             <a:r>
-              <a:rPr sz="2700" spc="-22" dirty="0">
+              <a:rPr lang="en-US" sz="2700" spc="-22" dirty="0">
                 <a:solidFill>
                   <a:srgbClr val="231F20"/>
                 </a:solidFill>
@@ -13912,7 +13882,7 @@
               <a:t>r</a:t>
             </a:r>
             <a:r>
-              <a:rPr sz="2700" dirty="0">
+              <a:rPr lang="en-US" sz="2700" dirty="0">
                 <a:solidFill>
                   <a:srgbClr val="231F20"/>
                 </a:solidFill>
@@ -13922,7 +13892,7 @@
               <a:t>e</a:t>
             </a:r>
             <a:r>
-              <a:rPr sz="2700" spc="22" dirty="0">
+              <a:rPr lang="en-US" sz="2700" spc="22" dirty="0">
                 <a:solidFill>
                   <a:srgbClr val="231F20"/>
                 </a:solidFill>
@@ -13932,7 +13902,7 @@
               <a:t>d </a:t>
             </a:r>
             <a:r>
-              <a:rPr sz="2700" spc="-11" dirty="0">
+              <a:rPr lang="en-US" sz="2700" spc="-11" dirty="0">
                 <a:solidFill>
                   <a:srgbClr val="231F20"/>
                 </a:solidFill>
@@ -13942,7 +13912,7 @@
               <a:t>gr</a:t>
             </a:r>
             <a:r>
-              <a:rPr sz="2700" spc="-22" dirty="0">
+              <a:rPr lang="en-US" sz="2700" spc="-22" dirty="0">
                 <a:solidFill>
                   <a:srgbClr val="231F20"/>
                 </a:solidFill>
@@ -13952,7 +13922,7 @@
               <a:t>a</a:t>
             </a:r>
             <a:r>
-              <a:rPr sz="2700" spc="-11" dirty="0">
+              <a:rPr lang="en-US" sz="2700" spc="-11" dirty="0">
                 <a:solidFill>
                   <a:srgbClr val="231F20"/>
                 </a:solidFill>
@@ -13962,7 +13932,7 @@
               <a:t>p</a:t>
             </a:r>
             <a:r>
-              <a:rPr sz="2700" spc="-22" dirty="0">
+              <a:rPr lang="en-US" sz="2700" spc="-22" dirty="0">
                 <a:solidFill>
                   <a:srgbClr val="231F20"/>
                 </a:solidFill>
@@ -13972,7 +13942,7 @@
               <a:t>h</a:t>
             </a:r>
             <a:r>
-              <a:rPr sz="2700" spc="22" dirty="0">
+              <a:rPr lang="en-US" sz="2700" spc="22" dirty="0">
                 <a:solidFill>
                   <a:srgbClr val="231F20"/>
                 </a:solidFill>
@@ -13982,7 +13952,7 @@
               <a:t>s </a:t>
             </a:r>
             <a:r>
-              <a:rPr sz="2700" spc="-22" dirty="0">
+              <a:rPr lang="en-US" sz="2700" spc="-22" dirty="0">
                 <a:solidFill>
                   <a:srgbClr val="231F20"/>
                 </a:solidFill>
@@ -13992,7 +13962,7 @@
               <a:t>a</a:t>
             </a:r>
             <a:r>
-              <a:rPr sz="2700" spc="-11" dirty="0">
+              <a:rPr lang="en-US" sz="2700" spc="-11" dirty="0">
                 <a:solidFill>
                   <a:srgbClr val="231F20"/>
                 </a:solidFill>
@@ -14002,7 +13972,7 @@
               <a:t>n</a:t>
             </a:r>
             <a:r>
-              <a:rPr sz="2700" spc="22" dirty="0">
+              <a:rPr lang="en-US" sz="2700" spc="22" dirty="0">
                 <a:solidFill>
                   <a:srgbClr val="231F20"/>
                 </a:solidFill>
@@ -14012,7 +13982,7 @@
               <a:t>d </a:t>
             </a:r>
             <a:r>
-              <a:rPr sz="2700" spc="11" dirty="0">
+              <a:rPr lang="en-US" sz="2700" spc="11" dirty="0">
                 <a:solidFill>
                   <a:srgbClr val="231F20"/>
                 </a:solidFill>
@@ -14022,7 +13992,7 @@
               <a:t>c</a:t>
             </a:r>
             <a:r>
-              <a:rPr sz="2700" spc="-22" dirty="0">
+              <a:rPr lang="en-US" sz="2700" spc="-22" dirty="0">
                 <a:solidFill>
                   <a:srgbClr val="231F20"/>
                 </a:solidFill>
@@ -14032,7 +14002,7 @@
               <a:t>ha</a:t>
             </a:r>
             <a:r>
-              <a:rPr sz="2700" spc="87" dirty="0">
+              <a:rPr lang="en-US" sz="2700" spc="87" dirty="0">
                 <a:solidFill>
                   <a:srgbClr val="231F20"/>
                 </a:solidFill>
@@ -14042,7 +14012,7 @@
               <a:t>r</a:t>
             </a:r>
             <a:r>
-              <a:rPr sz="2700" spc="-11" dirty="0">
+              <a:rPr lang="en-US" sz="2700" spc="-11" dirty="0">
                 <a:solidFill>
                   <a:srgbClr val="231F20"/>
                 </a:solidFill>
@@ -14052,7 +14022,7 @@
               <a:t>t</a:t>
             </a:r>
             <a:r>
-              <a:rPr sz="2700" spc="22" dirty="0">
+              <a:rPr lang="en-US" sz="2700" spc="22" dirty="0">
                 <a:solidFill>
                   <a:srgbClr val="231F20"/>
                 </a:solidFill>
@@ -14061,7 +14031,7 @@
               </a:rPr>
               <a:t>s</a:t>
             </a:r>
-            <a:endParaRPr sz="2700" dirty="0">
+            <a:endParaRPr lang="en-US" sz="2700" dirty="0">
               <a:latin typeface="Arial"/>
               <a:cs typeface="Arial"/>
             </a:endParaRPr>
@@ -14080,7 +14050,7 @@
               <a:buFont typeface="Arial"/>
               <a:buChar char="•"/>
             </a:pPr>
-            <a:endParaRPr sz="1700" dirty="0"/>
+            <a:endParaRPr lang="en-US" sz="1700" dirty="0"/>
           </a:p>
           <a:p>
             <a:pPr marL="255013" marR="1204391" indent="-228682">
@@ -14097,7 +14067,7 @@
               </a:tabLst>
             </a:pPr>
             <a:r>
-              <a:rPr sz="2700" spc="-11" dirty="0">
+              <a:rPr lang="en-US" sz="2700" spc="-11" dirty="0">
                 <a:solidFill>
                   <a:srgbClr val="231F20"/>
                 </a:solidFill>
@@ -14107,7 +14077,7 @@
               <a:t>Us</a:t>
             </a:r>
             <a:r>
-              <a:rPr sz="2700" spc="22" dirty="0">
+              <a:rPr lang="en-US" sz="2700" spc="22" dirty="0">
                 <a:solidFill>
                   <a:srgbClr val="231F20"/>
                 </a:solidFill>
@@ -14117,7 +14087,7 @@
               <a:t>e </a:t>
             </a:r>
             <a:r>
-              <a:rPr sz="2700" dirty="0">
+              <a:rPr lang="en-US" sz="2700" dirty="0">
                 <a:solidFill>
                   <a:srgbClr val="231F20"/>
                 </a:solidFill>
@@ -14127,7 +14097,7 @@
               <a:t>bo</a:t>
             </a:r>
             <a:r>
-              <a:rPr sz="2700" spc="-22" dirty="0">
+              <a:rPr lang="en-US" sz="2700" spc="-22" dirty="0">
                 <a:solidFill>
                   <a:srgbClr val="231F20"/>
                 </a:solidFill>
@@ -14137,7 +14107,7 @@
               <a:t>l</a:t>
             </a:r>
             <a:r>
-              <a:rPr sz="2700" spc="22" dirty="0">
+              <a:rPr lang="en-US" sz="2700" spc="22" dirty="0">
                 <a:solidFill>
                   <a:srgbClr val="231F20"/>
                 </a:solidFill>
@@ -14147,7 +14117,7 @@
               <a:t>d </a:t>
             </a:r>
             <a:r>
-              <a:rPr sz="2700" spc="-44" dirty="0">
+              <a:rPr lang="en-US" sz="2700" spc="-44" dirty="0">
                 <a:solidFill>
                   <a:srgbClr val="231F20"/>
                 </a:solidFill>
@@ -14157,7 +14127,7 @@
               <a:t>t</a:t>
             </a:r>
             <a:r>
-              <a:rPr sz="2700" spc="22" dirty="0">
+              <a:rPr lang="en-US" sz="2700" spc="22" dirty="0">
                 <a:solidFill>
                   <a:srgbClr val="231F20"/>
                 </a:solidFill>
@@ -14167,7 +14137,7 @@
               <a:t>o </a:t>
             </a:r>
             <a:r>
-              <a:rPr sz="2700" spc="-11" dirty="0">
+              <a:rPr lang="en-US" sz="2700" spc="-11" dirty="0">
                 <a:solidFill>
                   <a:srgbClr val="231F20"/>
                 </a:solidFill>
@@ -14177,7 +14147,7 @@
               <a:t>p</a:t>
             </a:r>
             <a:r>
-              <a:rPr sz="2700" spc="-22" dirty="0">
+              <a:rPr lang="en-US" sz="2700" spc="-22" dirty="0">
                 <a:solidFill>
                   <a:srgbClr val="231F20"/>
                 </a:solidFill>
@@ -14187,7 +14157,7 @@
               <a:t>r</a:t>
             </a:r>
             <a:r>
-              <a:rPr sz="2700" spc="-55" dirty="0">
+              <a:rPr lang="en-US" sz="2700" spc="-55" dirty="0">
                 <a:solidFill>
                   <a:srgbClr val="231F20"/>
                 </a:solidFill>
@@ -14197,7 +14167,7 @@
               <a:t>o</a:t>
             </a:r>
             <a:r>
-              <a:rPr sz="2700" spc="-11" dirty="0">
+              <a:rPr lang="en-US" sz="2700" spc="-11" dirty="0">
                 <a:solidFill>
                   <a:srgbClr val="231F20"/>
                 </a:solidFill>
@@ -14207,7 +14177,7 @@
               <a:t>vid</a:t>
             </a:r>
             <a:r>
-              <a:rPr sz="2700" spc="22" dirty="0">
+              <a:rPr lang="en-US" sz="2700" spc="22" dirty="0">
                 <a:solidFill>
                   <a:srgbClr val="231F20"/>
                 </a:solidFill>
@@ -14217,7 +14187,7 @@
               <a:t>e </a:t>
             </a:r>
             <a:r>
-              <a:rPr sz="2700" spc="-11" dirty="0">
+              <a:rPr lang="en-US" sz="2700" spc="-11" dirty="0">
                 <a:solidFill>
                   <a:srgbClr val="231F20"/>
                 </a:solidFill>
@@ -14227,7 +14197,7 @@
               <a:t>e</a:t>
             </a:r>
             <a:r>
-              <a:rPr sz="2700" spc="11" dirty="0">
+              <a:rPr lang="en-US" sz="2700" spc="11" dirty="0">
                 <a:solidFill>
                   <a:srgbClr val="231F20"/>
                 </a:solidFill>
@@ -14237,7 +14207,7 @@
               <a:t>m</a:t>
             </a:r>
             <a:r>
-              <a:rPr sz="2700" spc="-11" dirty="0">
+              <a:rPr lang="en-US" sz="2700" spc="-11" dirty="0">
                 <a:solidFill>
                   <a:srgbClr val="231F20"/>
                 </a:solidFill>
@@ -14247,7 +14217,7 @@
               <a:t>p</a:t>
             </a:r>
             <a:r>
-              <a:rPr sz="2700" spc="-22" dirty="0">
+              <a:rPr lang="en-US" sz="2700" spc="-22" dirty="0">
                 <a:solidFill>
                   <a:srgbClr val="231F20"/>
                 </a:solidFill>
@@ -14257,7 +14227,7 @@
               <a:t>ha</a:t>
             </a:r>
             <a:r>
-              <a:rPr sz="2700" spc="-11" dirty="0">
+              <a:rPr lang="en-US" sz="2700" spc="-11" dirty="0">
                 <a:solidFill>
                   <a:srgbClr val="231F20"/>
                 </a:solidFill>
@@ -14267,7 +14237,7 @@
               <a:t>s</a:t>
             </a:r>
             <a:r>
-              <a:rPr sz="2700" spc="-22" dirty="0">
+              <a:rPr lang="en-US" sz="2700" spc="-22" dirty="0">
                 <a:solidFill>
                   <a:srgbClr val="231F20"/>
                 </a:solidFill>
@@ -14277,7 +14247,7 @@
               <a:t>i</a:t>
             </a:r>
             <a:r>
-              <a:rPr sz="2700" spc="-65" dirty="0">
+              <a:rPr lang="en-US" sz="2700" spc="-65" dirty="0">
                 <a:solidFill>
                   <a:srgbClr val="231F20"/>
                 </a:solidFill>
@@ -14287,7 +14257,7 @@
               <a:t>s</a:t>
             </a:r>
             <a:r>
-              <a:rPr sz="2700" spc="11" dirty="0">
+              <a:rPr lang="en-US" sz="2700" spc="11" dirty="0">
                 <a:solidFill>
                   <a:srgbClr val="231F20"/>
                 </a:solidFill>
@@ -14297,7 +14267,7 @@
               <a:t>;</a:t>
             </a:r>
             <a:r>
-              <a:rPr sz="2700" spc="22" dirty="0">
+              <a:rPr lang="en-US" sz="2700" spc="22" dirty="0">
                 <a:solidFill>
                   <a:srgbClr val="231F20"/>
                 </a:solidFill>
@@ -14307,7 +14277,7 @@
               <a:t> </a:t>
             </a:r>
             <a:r>
-              <a:rPr sz="2700" spc="-65" dirty="0">
+              <a:rPr lang="en-US" sz="2700" spc="-65" dirty="0">
                 <a:solidFill>
                   <a:srgbClr val="231F20"/>
                 </a:solidFill>
@@ -14317,7 +14287,7 @@
               <a:t>a</a:t>
             </a:r>
             <a:r>
-              <a:rPr sz="2700" spc="-55" dirty="0">
+              <a:rPr lang="en-US" sz="2700" spc="-55" dirty="0">
                 <a:solidFill>
                   <a:srgbClr val="231F20"/>
                 </a:solidFill>
@@ -14327,7 +14297,7 @@
               <a:t>v</a:t>
             </a:r>
             <a:r>
-              <a:rPr sz="2700" spc="-11" dirty="0">
+              <a:rPr lang="en-US" sz="2700" spc="-11" dirty="0">
                 <a:solidFill>
                   <a:srgbClr val="231F20"/>
                 </a:solidFill>
@@ -14337,7 +14307,7 @@
               <a:t>oi</a:t>
             </a:r>
             <a:r>
-              <a:rPr sz="2700" spc="22" dirty="0">
+              <a:rPr lang="en-US" sz="2700" spc="22" dirty="0">
                 <a:solidFill>
                   <a:srgbClr val="231F20"/>
                 </a:solidFill>
@@ -14347,7 +14317,7 @@
               <a:t>d </a:t>
             </a:r>
             <a:r>
-              <a:rPr sz="2700" spc="33" dirty="0">
+              <a:rPr lang="en-US" sz="2700" spc="33" dirty="0">
                 <a:solidFill>
                   <a:srgbClr val="231F20"/>
                 </a:solidFill>
@@ -14357,7 +14327,7 @@
               <a:t>c</a:t>
             </a:r>
             <a:r>
-              <a:rPr sz="2700" spc="-22" dirty="0">
+              <a:rPr lang="en-US" sz="2700" spc="-22" dirty="0">
                 <a:solidFill>
                   <a:srgbClr val="231F20"/>
                 </a:solidFill>
@@ -14367,7 +14337,7 @@
               <a:t>a</a:t>
             </a:r>
             <a:r>
-              <a:rPr sz="2700" spc="-11" dirty="0">
+              <a:rPr lang="en-US" sz="2700" spc="-11" dirty="0">
                 <a:solidFill>
                   <a:srgbClr val="231F20"/>
                 </a:solidFill>
@@ -14377,7 +14347,7 @@
               <a:t>p</a:t>
             </a:r>
             <a:r>
-              <a:rPr sz="2700" spc="-33" dirty="0">
+              <a:rPr lang="en-US" sz="2700" spc="-33" dirty="0">
                 <a:solidFill>
                   <a:srgbClr val="231F20"/>
                 </a:solidFill>
@@ -14387,7 +14357,7 @@
               <a:t>i</a:t>
             </a:r>
             <a:r>
-              <a:rPr sz="2700" spc="11" dirty="0">
+              <a:rPr lang="en-US" sz="2700" spc="11" dirty="0">
                 <a:solidFill>
                   <a:srgbClr val="231F20"/>
                 </a:solidFill>
@@ -14397,7 +14367,7 @@
               <a:t>t</a:t>
             </a:r>
             <a:r>
-              <a:rPr sz="2700" spc="-22" dirty="0">
+              <a:rPr lang="en-US" sz="2700" spc="-22" dirty="0">
                 <a:solidFill>
                   <a:srgbClr val="231F20"/>
                 </a:solidFill>
@@ -14407,7 +14377,7 @@
               <a:t>al</a:t>
             </a:r>
             <a:r>
-              <a:rPr sz="2700" spc="22" dirty="0">
+              <a:rPr lang="en-US" sz="2700" spc="22" dirty="0">
                 <a:solidFill>
                   <a:srgbClr val="231F20"/>
                 </a:solidFill>
@@ -14417,7 +14387,7 @@
               <a:t>s </a:t>
             </a:r>
             <a:r>
-              <a:rPr sz="2700" spc="-22" dirty="0">
+              <a:rPr lang="en-US" sz="2700" spc="-22" dirty="0">
                 <a:solidFill>
                   <a:srgbClr val="231F20"/>
                 </a:solidFill>
@@ -14427,7 +14397,7 @@
               <a:t>a</a:t>
             </a:r>
             <a:r>
-              <a:rPr sz="2700" spc="-11" dirty="0">
+              <a:rPr lang="en-US" sz="2700" spc="-11" dirty="0">
                 <a:solidFill>
                   <a:srgbClr val="231F20"/>
                 </a:solidFill>
@@ -14437,7 +14407,7 @@
               <a:t>n</a:t>
             </a:r>
             <a:r>
-              <a:rPr sz="2700" spc="22" dirty="0">
+              <a:rPr lang="en-US" sz="2700" spc="22" dirty="0">
                 <a:solidFill>
                   <a:srgbClr val="231F20"/>
                 </a:solidFill>
@@ -14447,7 +14417,7 @@
               <a:t>d</a:t>
             </a:r>
             <a:r>
-              <a:rPr sz="2700" spc="11" dirty="0">
+              <a:rPr lang="en-US" sz="2700" spc="11" dirty="0">
                 <a:solidFill>
                   <a:srgbClr val="231F20"/>
                 </a:solidFill>
@@ -14457,7 +14427,7 @@
               <a:t> </a:t>
             </a:r>
             <a:r>
-              <a:rPr sz="2700" spc="-22" dirty="0">
+              <a:rPr lang="en-US" sz="2700" spc="-22" dirty="0">
                 <a:solidFill>
                   <a:srgbClr val="231F20"/>
                 </a:solidFill>
@@ -14467,7 +14437,7 @@
               <a:t>u</a:t>
             </a:r>
             <a:r>
-              <a:rPr sz="2700" spc="-11" dirty="0">
+              <a:rPr lang="en-US" sz="2700" spc="-11" dirty="0">
                 <a:solidFill>
                   <a:srgbClr val="231F20"/>
                 </a:solidFill>
@@ -14477,7 +14447,7 @@
               <a:t>nde</a:t>
             </a:r>
             <a:r>
-              <a:rPr sz="2700" spc="22" dirty="0">
+              <a:rPr lang="en-US" sz="2700" spc="22" dirty="0">
                 <a:solidFill>
                   <a:srgbClr val="231F20"/>
                 </a:solidFill>
@@ -14487,7 +14457,7 @@
               <a:t>r</a:t>
             </a:r>
             <a:r>
-              <a:rPr sz="2700" spc="-33" dirty="0">
+              <a:rPr lang="en-US" sz="2700" spc="-33" dirty="0">
                 <a:solidFill>
                   <a:srgbClr val="231F20"/>
                 </a:solidFill>
@@ -14497,7 +14467,7 @@
               <a:t>lini</a:t>
             </a:r>
             <a:r>
-              <a:rPr sz="2700" spc="-11" dirty="0">
+              <a:rPr lang="en-US" sz="2700" spc="-11" dirty="0">
                 <a:solidFill>
                   <a:srgbClr val="231F20"/>
                 </a:solidFill>
@@ -14507,7 +14477,7 @@
               <a:t>n</a:t>
             </a:r>
             <a:r>
-              <a:rPr sz="2700" spc="22" dirty="0">
+              <a:rPr lang="en-US" sz="2700" spc="22" dirty="0">
                 <a:solidFill>
                   <a:srgbClr val="231F20"/>
                 </a:solidFill>
@@ -14516,7 +14486,7 @@
               </a:rPr>
               <a:t>g</a:t>
             </a:r>
-            <a:endParaRPr sz="2700" dirty="0">
+            <a:endParaRPr lang="en-US" sz="2700" dirty="0">
               <a:latin typeface="Arial"/>
               <a:cs typeface="Arial"/>
             </a:endParaRPr>
@@ -14535,7 +14505,7 @@
               <a:buFont typeface="Arial"/>
               <a:buChar char="•"/>
             </a:pPr>
-            <a:endParaRPr sz="1900" dirty="0"/>
+            <a:endParaRPr lang="en-US" sz="1900" dirty="0"/>
           </a:p>
           <a:p>
             <a:pPr marL="250857" indent="-224524">
@@ -14549,7 +14519,7 @@
               </a:tabLst>
             </a:pPr>
             <a:r>
-              <a:rPr sz="2700" spc="-76" dirty="0">
+              <a:rPr lang="en-US" sz="2700" spc="-76" dirty="0">
                 <a:solidFill>
                   <a:srgbClr val="231F20"/>
                 </a:solidFill>
@@ -14559,7 +14529,7 @@
               <a:t>A</a:t>
             </a:r>
             <a:r>
-              <a:rPr sz="2700" spc="-55" dirty="0">
+              <a:rPr lang="en-US" sz="2700" spc="-55" dirty="0">
                 <a:solidFill>
                   <a:srgbClr val="231F20"/>
                 </a:solidFill>
@@ -14569,7 +14539,7 @@
               <a:t>v</a:t>
             </a:r>
             <a:r>
-              <a:rPr sz="2700" spc="-11" dirty="0">
+              <a:rPr lang="en-US" sz="2700" spc="-11" dirty="0">
                 <a:solidFill>
                   <a:srgbClr val="231F20"/>
                 </a:solidFill>
@@ -14579,7 +14549,7 @@
               <a:t>oi</a:t>
             </a:r>
             <a:r>
-              <a:rPr sz="2700" spc="22" dirty="0">
+              <a:rPr lang="en-US" sz="2700" spc="22" dirty="0">
                 <a:solidFill>
                   <a:srgbClr val="231F20"/>
                 </a:solidFill>
@@ -14589,7 +14559,7 @@
               <a:t>d </a:t>
             </a:r>
             <a:r>
-              <a:rPr sz="2700" spc="-11" dirty="0">
+              <a:rPr lang="en-US" sz="2700" spc="-11" dirty="0">
                 <a:solidFill>
                   <a:srgbClr val="231F20"/>
                 </a:solidFill>
@@ -14599,7 +14569,7 @@
               <a:t>l</a:t>
             </a:r>
             <a:r>
-              <a:rPr sz="2700" dirty="0">
+              <a:rPr lang="en-US" sz="2700" dirty="0">
                 <a:solidFill>
                   <a:srgbClr val="231F20"/>
                 </a:solidFill>
@@ -14609,7 +14579,7 @@
               <a:t>o</a:t>
             </a:r>
             <a:r>
-              <a:rPr sz="2700" spc="-11" dirty="0">
+              <a:rPr lang="en-US" sz="2700" spc="-11" dirty="0">
                 <a:solidFill>
                   <a:srgbClr val="231F20"/>
                 </a:solidFill>
@@ -14619,7 +14589,7 @@
               <a:t>n</a:t>
             </a:r>
             <a:r>
-              <a:rPr sz="2700" spc="22" dirty="0">
+              <a:rPr lang="en-US" sz="2700" spc="22" dirty="0">
                 <a:solidFill>
                   <a:srgbClr val="231F20"/>
                 </a:solidFill>
@@ -14629,7 +14599,7 @@
               <a:t>g </a:t>
             </a:r>
             <a:r>
-              <a:rPr sz="2700" spc="-22" dirty="0">
+              <a:rPr lang="en-US" sz="2700" spc="-22" dirty="0">
                 <a:solidFill>
                   <a:srgbClr val="231F20"/>
                 </a:solidFill>
@@ -14639,7 +14609,7 @@
               <a:t>nu</a:t>
             </a:r>
             <a:r>
-              <a:rPr sz="2700" spc="11" dirty="0">
+              <a:rPr lang="en-US" sz="2700" spc="11" dirty="0">
                 <a:solidFill>
                   <a:srgbClr val="231F20"/>
                 </a:solidFill>
@@ -14649,7 +14619,7 @@
               <a:t>m</a:t>
             </a:r>
             <a:r>
-              <a:rPr sz="2700" spc="-11" dirty="0">
+              <a:rPr lang="en-US" sz="2700" spc="-11" dirty="0">
                 <a:solidFill>
                   <a:srgbClr val="231F20"/>
                 </a:solidFill>
@@ -14659,7 +14629,7 @@
               <a:t>e</a:t>
             </a:r>
             <a:r>
-              <a:rPr sz="2700" spc="22" dirty="0">
+              <a:rPr lang="en-US" sz="2700" spc="22" dirty="0">
                 <a:solidFill>
                   <a:srgbClr val="231F20"/>
                 </a:solidFill>
@@ -14669,7 +14639,7 @@
               <a:t>r</a:t>
             </a:r>
             <a:r>
-              <a:rPr sz="2700" spc="-22" dirty="0">
+              <a:rPr lang="en-US" sz="2700" spc="-22" dirty="0">
                 <a:solidFill>
                   <a:srgbClr val="231F20"/>
                 </a:solidFill>
@@ -14679,7 +14649,7 @@
               <a:t>i</a:t>
             </a:r>
             <a:r>
-              <a:rPr sz="2700" spc="33" dirty="0">
+              <a:rPr lang="en-US" sz="2700" spc="33" dirty="0">
                 <a:solidFill>
                   <a:srgbClr val="231F20"/>
                 </a:solidFill>
@@ -14689,7 +14659,7 @@
               <a:t>c</a:t>
             </a:r>
             <a:r>
-              <a:rPr sz="2700" spc="-22" dirty="0">
+              <a:rPr lang="en-US" sz="2700" spc="-22" dirty="0">
                 <a:solidFill>
                   <a:srgbClr val="231F20"/>
                 </a:solidFill>
@@ -14699,7 +14669,7 @@
               <a:t>a</a:t>
             </a:r>
             <a:r>
-              <a:rPr sz="2700" spc="11" dirty="0">
+              <a:rPr lang="en-US" sz="2700" spc="11" dirty="0">
                 <a:solidFill>
                   <a:srgbClr val="231F20"/>
                 </a:solidFill>
@@ -14709,7 +14679,7 @@
               <a:t>l</a:t>
             </a:r>
             <a:r>
-              <a:rPr sz="2700" spc="22" dirty="0">
+              <a:rPr lang="en-US" sz="2700" spc="22" dirty="0">
                 <a:solidFill>
                   <a:srgbClr val="231F20"/>
                 </a:solidFill>
@@ -14719,7 +14689,7 @@
               <a:t> </a:t>
             </a:r>
             <a:r>
-              <a:rPr sz="2700" spc="11" dirty="0">
+              <a:rPr lang="en-US" sz="2700" spc="11" dirty="0">
                 <a:solidFill>
                   <a:srgbClr val="231F20"/>
                 </a:solidFill>
@@ -14729,7 +14699,7 @@
               <a:t>t</a:t>
             </a:r>
             <a:r>
-              <a:rPr sz="2700" spc="-22" dirty="0">
+              <a:rPr lang="en-US" sz="2700" spc="-22" dirty="0">
                 <a:solidFill>
                   <a:srgbClr val="231F20"/>
                 </a:solidFill>
@@ -14739,7 +14709,7 @@
               <a:t>a</a:t>
             </a:r>
             <a:r>
-              <a:rPr sz="2700" spc="-11" dirty="0">
+              <a:rPr lang="en-US" sz="2700" spc="-11" dirty="0">
                 <a:solidFill>
                   <a:srgbClr val="231F20"/>
                 </a:solidFill>
@@ -14749,7 +14719,7 @@
               <a:t>b</a:t>
             </a:r>
             <a:r>
-              <a:rPr sz="2700" spc="-22" dirty="0">
+              <a:rPr lang="en-US" sz="2700" spc="-22" dirty="0">
                 <a:solidFill>
                   <a:srgbClr val="231F20"/>
                 </a:solidFill>
@@ -14759,7 +14729,7 @@
               <a:t>l</a:t>
             </a:r>
             <a:r>
-              <a:rPr sz="2700" dirty="0">
+              <a:rPr lang="en-US" sz="2700" dirty="0">
                 <a:solidFill>
                   <a:srgbClr val="231F20"/>
                 </a:solidFill>
@@ -14769,7 +14739,7 @@
               <a:t>e</a:t>
             </a:r>
             <a:r>
-              <a:rPr sz="2700" spc="22" dirty="0">
+              <a:rPr lang="en-US" sz="2700" spc="22" dirty="0">
                 <a:solidFill>
                   <a:srgbClr val="231F20"/>
                 </a:solidFill>
@@ -14778,7 +14748,7 @@
               </a:rPr>
               <a:t>s</a:t>
             </a:r>
-            <a:endParaRPr sz="2700" dirty="0">
+            <a:endParaRPr lang="en-US" sz="2700" dirty="0">
               <a:latin typeface="Arial"/>
               <a:cs typeface="Arial"/>
             </a:endParaRPr>

--- a/Taxi/Taxi_Presentation.pptx
+++ b/Taxi/Taxi_Presentation.pptx
@@ -1592,7 +1592,7 @@
         <p:spPr>
           <a:xfrm>
             <a:off x="1572469" y="7219197"/>
-            <a:ext cx="9063269" cy="2484456"/>
+            <a:ext cx="9063269" cy="5576848"/>
           </a:xfrm>
           <a:prstGeom prst="rect">
             <a:avLst/>
@@ -1724,416 +1724,6 @@
               </a:spcBef>
             </a:pPr>
             <a:r>
-              <a:rPr sz="2700" spc="11" dirty="0">
-                <a:solidFill>
-                  <a:srgbClr val="231F20"/>
-                </a:solidFill>
-                <a:latin typeface="Arial"/>
-                <a:cs typeface="Arial"/>
-              </a:rPr>
-              <a:t>T</a:t>
-            </a:r>
-            <a:r>
-              <a:rPr sz="2700" spc="-22" dirty="0">
-                <a:solidFill>
-                  <a:srgbClr val="231F20"/>
-                </a:solidFill>
-                <a:latin typeface="Arial"/>
-                <a:cs typeface="Arial"/>
-              </a:rPr>
-              <a:t>hi</a:t>
-            </a:r>
-            <a:r>
-              <a:rPr sz="2700" spc="22" dirty="0">
-                <a:solidFill>
-                  <a:srgbClr val="231F20"/>
-                </a:solidFill>
-                <a:latin typeface="Arial"/>
-                <a:cs typeface="Arial"/>
-              </a:rPr>
-              <a:t>s </a:t>
-            </a:r>
-            <a:r>
-              <a:rPr sz="2700" spc="-11" dirty="0">
-                <a:solidFill>
-                  <a:srgbClr val="231F20"/>
-                </a:solidFill>
-                <a:latin typeface="Arial"/>
-                <a:cs typeface="Arial"/>
-              </a:rPr>
-              <a:t>e</a:t>
-            </a:r>
-            <a:r>
-              <a:rPr sz="2700" spc="-22" dirty="0">
-                <a:solidFill>
-                  <a:srgbClr val="231F20"/>
-                </a:solidFill>
-                <a:latin typeface="Arial"/>
-                <a:cs typeface="Arial"/>
-              </a:rPr>
-              <a:t>d</a:t>
-            </a:r>
-            <a:r>
-              <a:rPr sz="2700" spc="-33" dirty="0">
-                <a:solidFill>
-                  <a:srgbClr val="231F20"/>
-                </a:solidFill>
-                <a:latin typeface="Arial"/>
-                <a:cs typeface="Arial"/>
-              </a:rPr>
-              <a:t>i</a:t>
-            </a:r>
-            <a:r>
-              <a:rPr sz="2700" spc="11" dirty="0">
-                <a:solidFill>
-                  <a:srgbClr val="231F20"/>
-                </a:solidFill>
-                <a:latin typeface="Arial"/>
-                <a:cs typeface="Arial"/>
-              </a:rPr>
-              <a:t>t</a:t>
-            </a:r>
-            <a:r>
-              <a:rPr sz="2700" spc="-22" dirty="0">
-                <a:solidFill>
-                  <a:srgbClr val="231F20"/>
-                </a:solidFill>
-                <a:latin typeface="Arial"/>
-                <a:cs typeface="Arial"/>
-              </a:rPr>
-              <a:t>a</a:t>
-            </a:r>
-            <a:r>
-              <a:rPr sz="2700" spc="-11" dirty="0">
-                <a:solidFill>
-                  <a:srgbClr val="231F20"/>
-                </a:solidFill>
-                <a:latin typeface="Arial"/>
-                <a:cs typeface="Arial"/>
-              </a:rPr>
-              <a:t>b</a:t>
-            </a:r>
-            <a:r>
-              <a:rPr sz="2700" spc="-22" dirty="0">
-                <a:solidFill>
-                  <a:srgbClr val="231F20"/>
-                </a:solidFill>
-                <a:latin typeface="Arial"/>
-                <a:cs typeface="Arial"/>
-              </a:rPr>
-              <a:t>l</a:t>
-            </a:r>
-            <a:r>
-              <a:rPr sz="2700" spc="22" dirty="0">
-                <a:solidFill>
-                  <a:srgbClr val="231F20"/>
-                </a:solidFill>
-                <a:latin typeface="Arial"/>
-                <a:cs typeface="Arial"/>
-              </a:rPr>
-              <a:t>e </a:t>
-            </a:r>
-            <a:r>
-              <a:rPr sz="2700" spc="-44" dirty="0">
-                <a:solidFill>
-                  <a:srgbClr val="231F20"/>
-                </a:solidFill>
-                <a:latin typeface="Arial"/>
-                <a:cs typeface="Arial"/>
-              </a:rPr>
-              <a:t>t</a:t>
-            </a:r>
-            <a:r>
-              <a:rPr sz="2700" spc="-11" dirty="0">
-                <a:solidFill>
-                  <a:srgbClr val="231F20"/>
-                </a:solidFill>
-                <a:latin typeface="Arial"/>
-                <a:cs typeface="Arial"/>
-              </a:rPr>
-              <a:t>e</a:t>
-            </a:r>
-            <a:r>
-              <a:rPr sz="2700" spc="11" dirty="0">
-                <a:solidFill>
-                  <a:srgbClr val="231F20"/>
-                </a:solidFill>
-                <a:latin typeface="Arial"/>
-                <a:cs typeface="Arial"/>
-              </a:rPr>
-              <a:t>m</a:t>
-            </a:r>
-            <a:r>
-              <a:rPr sz="2700" spc="-11" dirty="0">
-                <a:solidFill>
-                  <a:srgbClr val="231F20"/>
-                </a:solidFill>
-                <a:latin typeface="Arial"/>
-                <a:cs typeface="Arial"/>
-              </a:rPr>
-              <a:t>p</a:t>
-            </a:r>
-            <a:r>
-              <a:rPr sz="2700" spc="-33" dirty="0">
-                <a:solidFill>
-                  <a:srgbClr val="231F20"/>
-                </a:solidFill>
-                <a:latin typeface="Arial"/>
-                <a:cs typeface="Arial"/>
-              </a:rPr>
-              <a:t>la</a:t>
-            </a:r>
-            <a:r>
-              <a:rPr sz="2700" spc="-44" dirty="0">
-                <a:solidFill>
-                  <a:srgbClr val="231F20"/>
-                </a:solidFill>
-                <a:latin typeface="Arial"/>
-                <a:cs typeface="Arial"/>
-              </a:rPr>
-              <a:t>t</a:t>
-            </a:r>
-            <a:r>
-              <a:rPr sz="2700" spc="22" dirty="0">
-                <a:solidFill>
-                  <a:srgbClr val="231F20"/>
-                </a:solidFill>
-                <a:latin typeface="Arial"/>
-                <a:cs typeface="Arial"/>
-              </a:rPr>
-              <a:t>e </a:t>
-            </a:r>
-            <a:r>
-              <a:rPr sz="2700" spc="-22" dirty="0">
-                <a:solidFill>
-                  <a:srgbClr val="231F20"/>
-                </a:solidFill>
-                <a:latin typeface="Arial"/>
-                <a:cs typeface="Arial"/>
-              </a:rPr>
-              <a:t>i</a:t>
-            </a:r>
-            <a:r>
-              <a:rPr sz="2700" spc="22" dirty="0">
-                <a:solidFill>
-                  <a:srgbClr val="231F20"/>
-                </a:solidFill>
-                <a:latin typeface="Arial"/>
-                <a:cs typeface="Arial"/>
-              </a:rPr>
-              <a:t>s </a:t>
-            </a:r>
-            <a:r>
-              <a:rPr lang="en-US" sz="2700" spc="-33" dirty="0">
-                <a:solidFill>
-                  <a:srgbClr val="231F20"/>
-                </a:solidFill>
-                <a:latin typeface="Arial"/>
-                <a:cs typeface="Arial"/>
-              </a:rPr>
-              <a:t>a </a:t>
-            </a:r>
-            <a:r>
-              <a:rPr sz="2700" spc="33" dirty="0">
-                <a:solidFill>
-                  <a:srgbClr val="231F20"/>
-                </a:solidFill>
-                <a:latin typeface="Arial"/>
-                <a:cs typeface="Arial"/>
-              </a:rPr>
-              <a:t>c</a:t>
-            </a:r>
-            <a:r>
-              <a:rPr sz="2700" spc="-11" dirty="0">
-                <a:solidFill>
-                  <a:srgbClr val="231F20"/>
-                </a:solidFill>
-                <a:latin typeface="Arial"/>
-                <a:cs typeface="Arial"/>
-              </a:rPr>
-              <a:t>o</a:t>
-            </a:r>
-            <a:r>
-              <a:rPr sz="2700" spc="11" dirty="0">
-                <a:solidFill>
-                  <a:srgbClr val="231F20"/>
-                </a:solidFill>
-                <a:latin typeface="Arial"/>
-                <a:cs typeface="Arial"/>
-              </a:rPr>
-              <a:t>m</a:t>
-            </a:r>
-            <a:r>
-              <a:rPr sz="2700" spc="22" dirty="0">
-                <a:solidFill>
-                  <a:srgbClr val="231F20"/>
-                </a:solidFill>
-                <a:latin typeface="Arial"/>
-                <a:cs typeface="Arial"/>
-              </a:rPr>
-              <a:t>m</a:t>
-            </a:r>
-            <a:r>
-              <a:rPr sz="2700" dirty="0">
-                <a:solidFill>
-                  <a:srgbClr val="231F20"/>
-                </a:solidFill>
-                <a:latin typeface="Arial"/>
-                <a:cs typeface="Arial"/>
-              </a:rPr>
-              <a:t>o</a:t>
-            </a:r>
-            <a:r>
-              <a:rPr sz="2700" spc="22" dirty="0">
-                <a:solidFill>
-                  <a:srgbClr val="231F20"/>
-                </a:solidFill>
-                <a:latin typeface="Arial"/>
-                <a:cs typeface="Arial"/>
-              </a:rPr>
-              <a:t>n </a:t>
-            </a:r>
-            <a:r>
-              <a:rPr sz="2700" dirty="0">
-                <a:solidFill>
-                  <a:srgbClr val="231F20"/>
-                </a:solidFill>
-                <a:latin typeface="Arial"/>
-                <a:cs typeface="Arial"/>
-              </a:rPr>
-              <a:t>po</a:t>
-            </a:r>
-            <a:r>
-              <a:rPr sz="2700" spc="-22" dirty="0">
-                <a:solidFill>
-                  <a:srgbClr val="231F20"/>
-                </a:solidFill>
-                <a:latin typeface="Arial"/>
-                <a:cs typeface="Arial"/>
-              </a:rPr>
-              <a:t>s</a:t>
-            </a:r>
-            <a:r>
-              <a:rPr sz="2700" spc="-44" dirty="0">
-                <a:solidFill>
-                  <a:srgbClr val="231F20"/>
-                </a:solidFill>
-                <a:latin typeface="Arial"/>
-                <a:cs typeface="Arial"/>
-              </a:rPr>
-              <a:t>t</a:t>
-            </a:r>
-            <a:r>
-              <a:rPr sz="2700" spc="-11" dirty="0">
-                <a:solidFill>
-                  <a:srgbClr val="231F20"/>
-                </a:solidFill>
-                <a:latin typeface="Arial"/>
-                <a:cs typeface="Arial"/>
-              </a:rPr>
-              <a:t>e</a:t>
-            </a:r>
-            <a:r>
-              <a:rPr sz="2700" spc="11" dirty="0">
-                <a:solidFill>
-                  <a:srgbClr val="231F20"/>
-                </a:solidFill>
-                <a:latin typeface="Arial"/>
-                <a:cs typeface="Arial"/>
-              </a:rPr>
-              <a:t>r</a:t>
-            </a:r>
-            <a:r>
-              <a:rPr sz="2700" spc="22" dirty="0">
-                <a:solidFill>
-                  <a:srgbClr val="231F20"/>
-                </a:solidFill>
-                <a:latin typeface="Arial"/>
-                <a:cs typeface="Arial"/>
-              </a:rPr>
-              <a:t> </a:t>
-            </a:r>
-            <a:r>
-              <a:rPr sz="2700" spc="-11" dirty="0">
-                <a:solidFill>
-                  <a:srgbClr val="231F20"/>
-                </a:solidFill>
-                <a:latin typeface="Arial"/>
-                <a:cs typeface="Arial"/>
-              </a:rPr>
-              <a:t>s</a:t>
-            </a:r>
-            <a:r>
-              <a:rPr sz="2700" spc="-33" dirty="0">
-                <a:solidFill>
-                  <a:srgbClr val="231F20"/>
-                </a:solidFill>
-                <a:latin typeface="Arial"/>
-                <a:cs typeface="Arial"/>
-              </a:rPr>
-              <a:t>i</a:t>
-            </a:r>
-            <a:r>
-              <a:rPr sz="2700" spc="-44" dirty="0">
-                <a:solidFill>
-                  <a:srgbClr val="231F20"/>
-                </a:solidFill>
-                <a:latin typeface="Arial"/>
-                <a:cs typeface="Arial"/>
-              </a:rPr>
-              <a:t>z</a:t>
-            </a:r>
-            <a:r>
-              <a:rPr sz="2700" spc="22" dirty="0">
-                <a:solidFill>
-                  <a:srgbClr val="231F20"/>
-                </a:solidFill>
-                <a:latin typeface="Arial"/>
-                <a:cs typeface="Arial"/>
-              </a:rPr>
-              <a:t>e</a:t>
-            </a:r>
-            <a:r>
-              <a:rPr sz="2700" spc="11" dirty="0">
-                <a:solidFill>
-                  <a:srgbClr val="231F20"/>
-                </a:solidFill>
-                <a:latin typeface="Arial"/>
-                <a:cs typeface="Arial"/>
-              </a:rPr>
-              <a:t> </a:t>
-            </a:r>
-            <a:r>
-              <a:rPr sz="2700" spc="-142" dirty="0">
-                <a:solidFill>
-                  <a:srgbClr val="231F20"/>
-                </a:solidFill>
-                <a:latin typeface="Arial"/>
-                <a:cs typeface="Arial"/>
-              </a:rPr>
-              <a:t>(</a:t>
-            </a:r>
-            <a:r>
-              <a:rPr sz="2700" spc="11" dirty="0">
-                <a:solidFill>
-                  <a:srgbClr val="231F20"/>
-                </a:solidFill>
-                <a:latin typeface="Arial"/>
-                <a:cs typeface="Arial"/>
-              </a:rPr>
-              <a:t>4</a:t>
-            </a:r>
-            <a:r>
-              <a:rPr sz="2700" spc="33" dirty="0">
-                <a:solidFill>
-                  <a:srgbClr val="231F20"/>
-                </a:solidFill>
-                <a:latin typeface="Arial"/>
-                <a:cs typeface="Arial"/>
-              </a:rPr>
-              <a:t>8</a:t>
-            </a:r>
-            <a:r>
               <a:rPr lang="en-US" sz="2700" spc="11" dirty="0">
                 <a:solidFill>
                   <a:srgbClr val="231F20"/>
@@ -2141,1315 +1731,22 @@
                 <a:latin typeface="Arial"/>
                 <a:cs typeface="Arial"/>
               </a:rPr>
-              <a:t>"</a:t>
-            </a:r>
-            <a:r>
-              <a:rPr sz="2700" spc="22" dirty="0">
-                <a:solidFill>
-                  <a:srgbClr val="231F20"/>
-                </a:solidFill>
-                <a:latin typeface="Arial"/>
-                <a:cs typeface="Arial"/>
-              </a:rPr>
-              <a:t> x 3</a:t>
-            </a:r>
-            <a:r>
-              <a:rPr sz="2700" spc="33" dirty="0">
-                <a:solidFill>
-                  <a:srgbClr val="231F20"/>
-                </a:solidFill>
-                <a:latin typeface="Arial"/>
-                <a:cs typeface="Arial"/>
-              </a:rPr>
-              <a:t>6</a:t>
-            </a:r>
-            <a:r>
-              <a:rPr lang="en-US" sz="2700" spc="-22" dirty="0">
-                <a:solidFill>
-                  <a:srgbClr val="231F20"/>
-                </a:solidFill>
-                <a:latin typeface="Arial"/>
-                <a:cs typeface="Arial"/>
-              </a:rPr>
-              <a:t>"</a:t>
-            </a:r>
-            <a:r>
-              <a:rPr sz="2700" spc="11" dirty="0">
-                <a:solidFill>
-                  <a:srgbClr val="231F20"/>
-                </a:solidFill>
-                <a:latin typeface="Arial"/>
-                <a:cs typeface="Arial"/>
-              </a:rPr>
-              <a:t>)</a:t>
-            </a:r>
-            <a:r>
-              <a:rPr sz="2700" spc="22" dirty="0">
-                <a:solidFill>
-                  <a:srgbClr val="231F20"/>
-                </a:solidFill>
-                <a:latin typeface="Arial"/>
-                <a:cs typeface="Arial"/>
-              </a:rPr>
-              <a:t> </a:t>
-            </a:r>
-            <a:r>
-              <a:rPr sz="2700" spc="-22" dirty="0">
-                <a:solidFill>
-                  <a:srgbClr val="231F20"/>
-                </a:solidFill>
-                <a:latin typeface="Arial"/>
-                <a:cs typeface="Arial"/>
-              </a:rPr>
-              <a:t>a</a:t>
-            </a:r>
-            <a:r>
-              <a:rPr sz="2700" spc="-11" dirty="0">
-                <a:solidFill>
-                  <a:srgbClr val="231F20"/>
-                </a:solidFill>
-                <a:latin typeface="Arial"/>
-                <a:cs typeface="Arial"/>
-              </a:rPr>
-              <a:t>n</a:t>
-            </a:r>
-            <a:r>
-              <a:rPr sz="2700" spc="22" dirty="0">
-                <a:solidFill>
-                  <a:srgbClr val="231F20"/>
-                </a:solidFill>
-                <a:latin typeface="Arial"/>
-                <a:cs typeface="Arial"/>
-              </a:rPr>
-              <a:t>d </a:t>
-            </a:r>
-            <a:r>
-              <a:rPr sz="2700" dirty="0">
-                <a:solidFill>
-                  <a:srgbClr val="231F20"/>
-                </a:solidFill>
-                <a:latin typeface="Arial"/>
-                <a:cs typeface="Arial"/>
-              </a:rPr>
-              <a:t>o</a:t>
-            </a:r>
-            <a:r>
-              <a:rPr sz="2700" spc="22" dirty="0">
-                <a:solidFill>
-                  <a:srgbClr val="231F20"/>
-                </a:solidFill>
-                <a:latin typeface="Arial"/>
-                <a:cs typeface="Arial"/>
-              </a:rPr>
-              <a:t>r</a:t>
-            </a:r>
-            <a:r>
-              <a:rPr sz="2700" spc="-22" dirty="0">
-                <a:solidFill>
-                  <a:srgbClr val="231F20"/>
-                </a:solidFill>
-                <a:latin typeface="Arial"/>
-                <a:cs typeface="Arial"/>
-              </a:rPr>
-              <a:t>i</a:t>
-            </a:r>
-            <a:r>
-              <a:rPr sz="2700" spc="-11" dirty="0">
-                <a:solidFill>
-                  <a:srgbClr val="231F20"/>
-                </a:solidFill>
-                <a:latin typeface="Arial"/>
-                <a:cs typeface="Arial"/>
-              </a:rPr>
-              <a:t>e</a:t>
-            </a:r>
-            <a:r>
-              <a:rPr sz="2700" spc="-44" dirty="0">
-                <a:solidFill>
-                  <a:srgbClr val="231F20"/>
-                </a:solidFill>
-                <a:latin typeface="Arial"/>
-                <a:cs typeface="Arial"/>
-              </a:rPr>
-              <a:t>n</a:t>
-            </a:r>
-            <a:r>
-              <a:rPr sz="2700" spc="11" dirty="0">
-                <a:solidFill>
-                  <a:srgbClr val="231F20"/>
-                </a:solidFill>
-                <a:latin typeface="Arial"/>
-                <a:cs typeface="Arial"/>
-              </a:rPr>
-              <a:t>t</a:t>
-            </a:r>
-            <a:r>
-              <a:rPr sz="2700" spc="-33" dirty="0">
-                <a:solidFill>
-                  <a:srgbClr val="231F20"/>
-                </a:solidFill>
-                <a:latin typeface="Arial"/>
-                <a:cs typeface="Arial"/>
-              </a:rPr>
-              <a:t>a</a:t>
-            </a:r>
-            <a:r>
-              <a:rPr sz="2700" spc="-11" dirty="0">
-                <a:solidFill>
-                  <a:srgbClr val="231F20"/>
-                </a:solidFill>
-                <a:latin typeface="Arial"/>
-                <a:cs typeface="Arial"/>
-              </a:rPr>
-              <a:t>ti</a:t>
-            </a:r>
-            <a:r>
-              <a:rPr sz="2700" dirty="0">
-                <a:solidFill>
-                  <a:srgbClr val="231F20"/>
-                </a:solidFill>
-                <a:latin typeface="Arial"/>
-                <a:cs typeface="Arial"/>
-              </a:rPr>
-              <a:t>o</a:t>
-            </a:r>
-            <a:r>
-              <a:rPr sz="2700" spc="22" dirty="0">
-                <a:solidFill>
-                  <a:srgbClr val="231F20"/>
-                </a:solidFill>
-                <a:latin typeface="Arial"/>
-                <a:cs typeface="Arial"/>
-              </a:rPr>
-              <a:t>n </a:t>
-            </a:r>
-            <a:r>
-              <a:rPr sz="2700" spc="-44" dirty="0">
-                <a:solidFill>
-                  <a:srgbClr val="231F20"/>
-                </a:solidFill>
-                <a:latin typeface="Arial"/>
-                <a:cs typeface="Arial"/>
-              </a:rPr>
-              <a:t>(</a:t>
-            </a:r>
-            <a:r>
-              <a:rPr sz="2700" spc="-11" dirty="0">
-                <a:solidFill>
-                  <a:srgbClr val="231F20"/>
-                </a:solidFill>
-                <a:latin typeface="Arial"/>
-                <a:cs typeface="Arial"/>
-              </a:rPr>
-              <a:t>h</a:t>
-            </a:r>
-            <a:r>
-              <a:rPr sz="2700" dirty="0">
-                <a:solidFill>
-                  <a:srgbClr val="231F20"/>
-                </a:solidFill>
-                <a:latin typeface="Arial"/>
-                <a:cs typeface="Arial"/>
-              </a:rPr>
-              <a:t>o</a:t>
-            </a:r>
-            <a:r>
-              <a:rPr sz="2700" spc="22" dirty="0">
-                <a:solidFill>
-                  <a:srgbClr val="231F20"/>
-                </a:solidFill>
-                <a:latin typeface="Arial"/>
-                <a:cs typeface="Arial"/>
-              </a:rPr>
-              <a:t>r</a:t>
-            </a:r>
-            <a:r>
-              <a:rPr sz="2700" spc="-33" dirty="0">
-                <a:solidFill>
-                  <a:srgbClr val="231F20"/>
-                </a:solidFill>
-                <a:latin typeface="Arial"/>
-                <a:cs typeface="Arial"/>
-              </a:rPr>
-              <a:t>iz</a:t>
-            </a:r>
-            <a:r>
-              <a:rPr sz="2700" spc="-11" dirty="0">
-                <a:solidFill>
-                  <a:srgbClr val="231F20"/>
-                </a:solidFill>
-                <a:latin typeface="Arial"/>
-                <a:cs typeface="Arial"/>
-              </a:rPr>
-              <a:t>o</a:t>
-            </a:r>
-            <a:r>
-              <a:rPr sz="2700" spc="-44" dirty="0">
-                <a:solidFill>
-                  <a:srgbClr val="231F20"/>
-                </a:solidFill>
-                <a:latin typeface="Arial"/>
-                <a:cs typeface="Arial"/>
-              </a:rPr>
-              <a:t>n</a:t>
-            </a:r>
-            <a:r>
-              <a:rPr sz="2700" spc="11" dirty="0">
-                <a:solidFill>
-                  <a:srgbClr val="231F20"/>
-                </a:solidFill>
-                <a:latin typeface="Arial"/>
-                <a:cs typeface="Arial"/>
-              </a:rPr>
-              <a:t>t</a:t>
-            </a:r>
-            <a:r>
-              <a:rPr sz="2700" spc="-22" dirty="0">
-                <a:solidFill>
-                  <a:srgbClr val="231F20"/>
-                </a:solidFill>
-                <a:latin typeface="Arial"/>
-                <a:cs typeface="Arial"/>
-              </a:rPr>
-              <a:t>a</a:t>
-            </a:r>
-            <a:r>
-              <a:rPr sz="2700" spc="-87" dirty="0">
-                <a:solidFill>
-                  <a:srgbClr val="231F20"/>
-                </a:solidFill>
-                <a:latin typeface="Arial"/>
-                <a:cs typeface="Arial"/>
-              </a:rPr>
-              <a:t>l</a:t>
-            </a:r>
-            <a:r>
-              <a:rPr sz="2700" spc="-76" dirty="0">
-                <a:solidFill>
-                  <a:srgbClr val="231F20"/>
-                </a:solidFill>
-                <a:latin typeface="Arial"/>
-                <a:cs typeface="Arial"/>
-              </a:rPr>
-              <a:t>)</a:t>
-            </a:r>
-            <a:r>
-              <a:rPr sz="2700" spc="11" dirty="0">
-                <a:solidFill>
-                  <a:srgbClr val="231F20"/>
-                </a:solidFill>
-                <a:latin typeface="Arial"/>
-                <a:cs typeface="Arial"/>
-              </a:rPr>
-              <a:t>;</a:t>
-            </a:r>
-            <a:r>
-              <a:rPr sz="2700" spc="22" dirty="0">
-                <a:solidFill>
-                  <a:srgbClr val="231F20"/>
-                </a:solidFill>
-                <a:latin typeface="Arial"/>
-                <a:cs typeface="Arial"/>
-              </a:rPr>
-              <a:t> </a:t>
-            </a:r>
-            <a:r>
-              <a:rPr sz="2700" spc="11" dirty="0">
-                <a:solidFill>
-                  <a:srgbClr val="231F20"/>
-                </a:solidFill>
-                <a:latin typeface="Arial"/>
-                <a:cs typeface="Arial"/>
-              </a:rPr>
-              <a:t>c</a:t>
-            </a:r>
-            <a:r>
-              <a:rPr sz="2700" spc="-11" dirty="0">
-                <a:solidFill>
-                  <a:srgbClr val="231F20"/>
-                </a:solidFill>
-                <a:latin typeface="Arial"/>
-                <a:cs typeface="Arial"/>
-              </a:rPr>
-              <a:t>he</a:t>
-            </a:r>
-            <a:r>
-              <a:rPr sz="2700" spc="11" dirty="0">
-                <a:solidFill>
-                  <a:srgbClr val="231F20"/>
-                </a:solidFill>
-                <a:latin typeface="Arial"/>
-                <a:cs typeface="Arial"/>
-              </a:rPr>
-              <a:t>c</a:t>
-            </a:r>
-            <a:r>
-              <a:rPr sz="2700" spc="22" dirty="0">
-                <a:solidFill>
-                  <a:srgbClr val="231F20"/>
-                </a:solidFill>
-                <a:latin typeface="Arial"/>
-                <a:cs typeface="Arial"/>
-              </a:rPr>
-              <a:t>k </a:t>
-            </a:r>
-            <a:r>
-              <a:rPr sz="2700" spc="11" dirty="0">
-                <a:solidFill>
-                  <a:srgbClr val="231F20"/>
-                </a:solidFill>
-                <a:latin typeface="Arial"/>
-                <a:cs typeface="Arial"/>
-              </a:rPr>
-              <a:t>w</a:t>
-            </a:r>
-            <a:r>
-              <a:rPr sz="2700" spc="-33" dirty="0">
-                <a:solidFill>
-                  <a:srgbClr val="231F20"/>
-                </a:solidFill>
-                <a:latin typeface="Arial"/>
-                <a:cs typeface="Arial"/>
-              </a:rPr>
-              <a:t>i</a:t>
-            </a:r>
-            <a:r>
-              <a:rPr sz="2700" spc="-11" dirty="0">
-                <a:solidFill>
-                  <a:srgbClr val="231F20"/>
-                </a:solidFill>
-                <a:latin typeface="Arial"/>
-                <a:cs typeface="Arial"/>
-              </a:rPr>
-              <a:t>t</a:t>
-            </a:r>
-            <a:r>
-              <a:rPr sz="2700" spc="22" dirty="0">
-                <a:solidFill>
-                  <a:srgbClr val="231F20"/>
-                </a:solidFill>
-                <a:latin typeface="Arial"/>
-                <a:cs typeface="Arial"/>
-              </a:rPr>
-              <a:t>h</a:t>
-            </a:r>
-            <a:r>
-              <a:rPr lang="en-US" sz="2700" dirty="0">
-                <a:latin typeface="Arial"/>
-                <a:cs typeface="Arial"/>
-              </a:rPr>
-              <a:t> </a:t>
-            </a:r>
-            <a:r>
-              <a:rPr sz="2700" spc="-11" dirty="0">
-                <a:solidFill>
-                  <a:srgbClr val="231F20"/>
-                </a:solidFill>
-                <a:latin typeface="Arial"/>
-                <a:cs typeface="Arial"/>
-              </a:rPr>
-              <a:t>th</a:t>
-            </a:r>
-            <a:r>
-              <a:rPr sz="2700" spc="22" dirty="0">
-                <a:solidFill>
-                  <a:srgbClr val="231F20"/>
-                </a:solidFill>
-                <a:latin typeface="Arial"/>
-                <a:cs typeface="Arial"/>
-              </a:rPr>
-              <a:t>e </a:t>
-            </a:r>
-            <a:r>
-              <a:rPr sz="2700" spc="33" dirty="0">
-                <a:solidFill>
-                  <a:srgbClr val="231F20"/>
-                </a:solidFill>
-                <a:latin typeface="Arial"/>
-                <a:cs typeface="Arial"/>
-              </a:rPr>
-              <a:t>c</a:t>
-            </a:r>
-            <a:r>
-              <a:rPr sz="2700" dirty="0">
-                <a:solidFill>
-                  <a:srgbClr val="231F20"/>
-                </a:solidFill>
-                <a:latin typeface="Arial"/>
-                <a:cs typeface="Arial"/>
-              </a:rPr>
-              <a:t>o</a:t>
-            </a:r>
-            <a:r>
-              <a:rPr sz="2700" spc="-33" dirty="0">
-                <a:solidFill>
-                  <a:srgbClr val="231F20"/>
-                </a:solidFill>
-                <a:latin typeface="Arial"/>
-                <a:cs typeface="Arial"/>
-              </a:rPr>
-              <a:t>nf</a:t>
-            </a:r>
-            <a:r>
-              <a:rPr sz="2700" spc="-11" dirty="0">
-                <a:solidFill>
-                  <a:srgbClr val="231F20"/>
-                </a:solidFill>
-                <a:latin typeface="Arial"/>
-                <a:cs typeface="Arial"/>
-              </a:rPr>
-              <a:t>e</a:t>
-            </a:r>
-            <a:r>
-              <a:rPr sz="2700" spc="-22" dirty="0">
-                <a:solidFill>
-                  <a:srgbClr val="231F20"/>
-                </a:solidFill>
-                <a:latin typeface="Arial"/>
-                <a:cs typeface="Arial"/>
-              </a:rPr>
-              <a:t>r</a:t>
-            </a:r>
-            <a:r>
-              <a:rPr sz="2700" spc="-11" dirty="0">
-                <a:solidFill>
-                  <a:srgbClr val="231F20"/>
-                </a:solidFill>
-                <a:latin typeface="Arial"/>
-                <a:cs typeface="Arial"/>
-              </a:rPr>
-              <a:t>e</a:t>
-            </a:r>
-            <a:r>
-              <a:rPr sz="2700" spc="-22" dirty="0">
-                <a:solidFill>
-                  <a:srgbClr val="231F20"/>
-                </a:solidFill>
-                <a:latin typeface="Arial"/>
-                <a:cs typeface="Arial"/>
-              </a:rPr>
-              <a:t>n</a:t>
-            </a:r>
-            <a:r>
-              <a:rPr sz="2700" spc="33" dirty="0">
-                <a:solidFill>
-                  <a:srgbClr val="231F20"/>
-                </a:solidFill>
-                <a:latin typeface="Arial"/>
-                <a:cs typeface="Arial"/>
-              </a:rPr>
-              <a:t>c</a:t>
-            </a:r>
-            <a:r>
-              <a:rPr sz="2700" spc="22" dirty="0">
-                <a:solidFill>
-                  <a:srgbClr val="231F20"/>
-                </a:solidFill>
-                <a:latin typeface="Arial"/>
-                <a:cs typeface="Arial"/>
-              </a:rPr>
-              <a:t>e </a:t>
-            </a:r>
-            <a:r>
-              <a:rPr sz="2700" dirty="0">
-                <a:solidFill>
-                  <a:srgbClr val="231F20"/>
-                </a:solidFill>
-                <a:latin typeface="Arial"/>
-                <a:cs typeface="Arial"/>
-              </a:rPr>
-              <a:t>o</a:t>
-            </a:r>
-            <a:r>
-              <a:rPr sz="2700" spc="-22" dirty="0">
-                <a:solidFill>
-                  <a:srgbClr val="231F20"/>
-                </a:solidFill>
-                <a:latin typeface="Arial"/>
-                <a:cs typeface="Arial"/>
-              </a:rPr>
-              <a:t>r</a:t>
-            </a:r>
-            <a:r>
-              <a:rPr sz="2700" spc="-11" dirty="0">
-                <a:solidFill>
-                  <a:srgbClr val="231F20"/>
-                </a:solidFill>
-                <a:latin typeface="Arial"/>
-                <a:cs typeface="Arial"/>
-              </a:rPr>
-              <a:t>g</a:t>
-            </a:r>
-            <a:r>
-              <a:rPr sz="2700" spc="-22" dirty="0">
-                <a:solidFill>
-                  <a:srgbClr val="231F20"/>
-                </a:solidFill>
-                <a:latin typeface="Arial"/>
-                <a:cs typeface="Arial"/>
-              </a:rPr>
-              <a:t>an</a:t>
-            </a:r>
-            <a:r>
-              <a:rPr sz="2700" spc="-33" dirty="0">
-                <a:solidFill>
-                  <a:srgbClr val="231F20"/>
-                </a:solidFill>
-                <a:latin typeface="Arial"/>
-                <a:cs typeface="Arial"/>
-              </a:rPr>
-              <a:t>i</a:t>
-            </a:r>
-            <a:r>
-              <a:rPr sz="2700" spc="-44" dirty="0">
-                <a:solidFill>
-                  <a:srgbClr val="231F20"/>
-                </a:solidFill>
-                <a:latin typeface="Arial"/>
-                <a:cs typeface="Arial"/>
-              </a:rPr>
-              <a:t>z</a:t>
-            </a:r>
-            <a:r>
-              <a:rPr sz="2700" spc="-11" dirty="0">
-                <a:solidFill>
-                  <a:srgbClr val="231F20"/>
-                </a:solidFill>
-                <a:latin typeface="Arial"/>
-                <a:cs typeface="Arial"/>
-              </a:rPr>
-              <a:t>e</a:t>
-            </a:r>
-            <a:r>
-              <a:rPr sz="2700" spc="22" dirty="0">
-                <a:solidFill>
-                  <a:srgbClr val="231F20"/>
-                </a:solidFill>
-                <a:latin typeface="Arial"/>
-                <a:cs typeface="Arial"/>
-              </a:rPr>
-              <a:t>rs </a:t>
-            </a:r>
-            <a:r>
-              <a:rPr sz="2700" spc="-33" dirty="0">
-                <a:solidFill>
-                  <a:srgbClr val="231F20"/>
-                </a:solidFill>
-                <a:latin typeface="Arial"/>
-                <a:cs typeface="Arial"/>
-              </a:rPr>
-              <a:t>f</a:t>
-            </a:r>
-            <a:r>
-              <a:rPr sz="2700" dirty="0">
-                <a:solidFill>
-                  <a:srgbClr val="231F20"/>
-                </a:solidFill>
-                <a:latin typeface="Arial"/>
-                <a:cs typeface="Arial"/>
-              </a:rPr>
-              <a:t>o</a:t>
-            </a:r>
-            <a:r>
-              <a:rPr sz="2700" spc="11" dirty="0">
-                <a:solidFill>
-                  <a:srgbClr val="231F20"/>
-                </a:solidFill>
-                <a:latin typeface="Arial"/>
-                <a:cs typeface="Arial"/>
-              </a:rPr>
-              <a:t>r</a:t>
-            </a:r>
-            <a:r>
-              <a:rPr sz="2700" spc="22" dirty="0">
-                <a:solidFill>
-                  <a:srgbClr val="231F20"/>
-                </a:solidFill>
-                <a:latin typeface="Arial"/>
-                <a:cs typeface="Arial"/>
-              </a:rPr>
-              <a:t> </a:t>
-            </a:r>
-            <a:r>
-              <a:rPr sz="2700" spc="-22" dirty="0">
-                <a:solidFill>
-                  <a:srgbClr val="231F20"/>
-                </a:solidFill>
-                <a:latin typeface="Arial"/>
-                <a:cs typeface="Arial"/>
-              </a:rPr>
-              <a:t>s</a:t>
-            </a:r>
-            <a:r>
-              <a:rPr sz="2700" dirty="0">
-                <a:solidFill>
-                  <a:srgbClr val="231F20"/>
-                </a:solidFill>
-                <a:latin typeface="Arial"/>
-                <a:cs typeface="Arial"/>
-              </a:rPr>
-              <a:t>p</a:t>
-            </a:r>
-            <a:r>
-              <a:rPr sz="2700" spc="-11" dirty="0">
-                <a:solidFill>
-                  <a:srgbClr val="231F20"/>
-                </a:solidFill>
-                <a:latin typeface="Arial"/>
-                <a:cs typeface="Arial"/>
-              </a:rPr>
-              <a:t>e</a:t>
-            </a:r>
-            <a:r>
-              <a:rPr sz="2700" spc="22" dirty="0">
-                <a:solidFill>
-                  <a:srgbClr val="231F20"/>
-                </a:solidFill>
-                <a:latin typeface="Arial"/>
-                <a:cs typeface="Arial"/>
-              </a:rPr>
-              <a:t>c</a:t>
-            </a:r>
-            <a:r>
-              <a:rPr sz="2700" dirty="0">
-                <a:solidFill>
-                  <a:srgbClr val="231F20"/>
-                </a:solidFill>
-                <a:latin typeface="Arial"/>
-                <a:cs typeface="Arial"/>
-              </a:rPr>
-              <a:t>i</a:t>
-            </a:r>
-            <a:r>
-              <a:rPr sz="2700" spc="11" dirty="0">
-                <a:solidFill>
-                  <a:srgbClr val="231F20"/>
-                </a:solidFill>
-                <a:latin typeface="Arial"/>
-                <a:cs typeface="Arial"/>
-              </a:rPr>
-              <a:t>f</a:t>
-            </a:r>
-            <a:r>
-              <a:rPr sz="2700" spc="-11" dirty="0">
-                <a:solidFill>
-                  <a:srgbClr val="231F20"/>
-                </a:solidFill>
-                <a:latin typeface="Arial"/>
-                <a:cs typeface="Arial"/>
-              </a:rPr>
-              <a:t>i</a:t>
-            </a:r>
-            <a:r>
-              <a:rPr sz="2700" spc="22" dirty="0">
-                <a:solidFill>
-                  <a:srgbClr val="231F20"/>
-                </a:solidFill>
-                <a:latin typeface="Arial"/>
-                <a:cs typeface="Arial"/>
-              </a:rPr>
-              <a:t>c </a:t>
-            </a:r>
-            <a:r>
-              <a:rPr sz="2700" spc="33" dirty="0">
-                <a:solidFill>
-                  <a:srgbClr val="231F20"/>
-                </a:solidFill>
-                <a:latin typeface="Arial"/>
-                <a:cs typeface="Arial"/>
-              </a:rPr>
-              <a:t>c</a:t>
-            </a:r>
-            <a:r>
-              <a:rPr sz="2700" dirty="0">
-                <a:solidFill>
-                  <a:srgbClr val="231F20"/>
-                </a:solidFill>
-                <a:latin typeface="Arial"/>
-                <a:cs typeface="Arial"/>
-              </a:rPr>
-              <a:t>o</a:t>
-            </a:r>
-            <a:r>
-              <a:rPr sz="2700" spc="-33" dirty="0">
-                <a:solidFill>
-                  <a:srgbClr val="231F20"/>
-                </a:solidFill>
-                <a:latin typeface="Arial"/>
-                <a:cs typeface="Arial"/>
-              </a:rPr>
-              <a:t>nf</a:t>
-            </a:r>
-            <a:r>
-              <a:rPr sz="2700" spc="-11" dirty="0">
-                <a:solidFill>
-                  <a:srgbClr val="231F20"/>
-                </a:solidFill>
-                <a:latin typeface="Arial"/>
-                <a:cs typeface="Arial"/>
-              </a:rPr>
-              <a:t>e</a:t>
-            </a:r>
-            <a:r>
-              <a:rPr sz="2700" spc="-22" dirty="0">
-                <a:solidFill>
-                  <a:srgbClr val="231F20"/>
-                </a:solidFill>
-                <a:latin typeface="Arial"/>
-                <a:cs typeface="Arial"/>
-              </a:rPr>
-              <a:t>r</a:t>
-            </a:r>
-            <a:r>
-              <a:rPr sz="2700" spc="-11" dirty="0">
-                <a:solidFill>
-                  <a:srgbClr val="231F20"/>
-                </a:solidFill>
-                <a:latin typeface="Arial"/>
-                <a:cs typeface="Arial"/>
-              </a:rPr>
-              <a:t>e</a:t>
-            </a:r>
-            <a:r>
-              <a:rPr sz="2700" spc="-22" dirty="0">
-                <a:solidFill>
-                  <a:srgbClr val="231F20"/>
-                </a:solidFill>
-                <a:latin typeface="Arial"/>
-                <a:cs typeface="Arial"/>
-              </a:rPr>
-              <a:t>n</a:t>
-            </a:r>
-            <a:r>
-              <a:rPr sz="2700" spc="33" dirty="0">
-                <a:solidFill>
-                  <a:srgbClr val="231F20"/>
-                </a:solidFill>
-                <a:latin typeface="Arial"/>
-                <a:cs typeface="Arial"/>
-              </a:rPr>
-              <a:t>c</a:t>
-            </a:r>
-            <a:r>
-              <a:rPr sz="2700" spc="22" dirty="0">
-                <a:solidFill>
-                  <a:srgbClr val="231F20"/>
-                </a:solidFill>
-                <a:latin typeface="Arial"/>
-                <a:cs typeface="Arial"/>
-              </a:rPr>
-              <a:t>e</a:t>
-            </a:r>
-            <a:r>
-              <a:rPr sz="2700" spc="11" dirty="0">
-                <a:solidFill>
-                  <a:srgbClr val="231F20"/>
-                </a:solidFill>
-                <a:latin typeface="Arial"/>
-                <a:cs typeface="Arial"/>
-              </a:rPr>
-              <a:t> </a:t>
-            </a:r>
-            <a:r>
-              <a:rPr sz="2700" spc="-22" dirty="0">
-                <a:solidFill>
-                  <a:srgbClr val="231F20"/>
-                </a:solidFill>
-                <a:latin typeface="Arial"/>
-                <a:cs typeface="Arial"/>
-              </a:rPr>
-              <a:t>r</a:t>
-            </a:r>
-            <a:r>
-              <a:rPr sz="2700" spc="-11" dirty="0">
-                <a:solidFill>
-                  <a:srgbClr val="231F20"/>
-                </a:solidFill>
-                <a:latin typeface="Arial"/>
-                <a:cs typeface="Arial"/>
-              </a:rPr>
-              <a:t>e</a:t>
-            </a:r>
-            <a:r>
-              <a:rPr sz="2700" spc="-22" dirty="0">
-                <a:solidFill>
-                  <a:srgbClr val="231F20"/>
-                </a:solidFill>
-                <a:latin typeface="Arial"/>
-                <a:cs typeface="Arial"/>
-              </a:rPr>
-              <a:t>qu</a:t>
-            </a:r>
-            <a:r>
-              <a:rPr sz="2700" spc="-33" dirty="0">
-                <a:solidFill>
-                  <a:srgbClr val="231F20"/>
-                </a:solidFill>
-                <a:latin typeface="Arial"/>
-                <a:cs typeface="Arial"/>
-              </a:rPr>
-              <a:t>i</a:t>
-            </a:r>
-            <a:r>
-              <a:rPr sz="2700" spc="-22" dirty="0">
-                <a:solidFill>
-                  <a:srgbClr val="231F20"/>
-                </a:solidFill>
-                <a:latin typeface="Arial"/>
-                <a:cs typeface="Arial"/>
-              </a:rPr>
-              <a:t>r</a:t>
-            </a:r>
-            <a:r>
-              <a:rPr sz="2700" spc="-11" dirty="0">
-                <a:solidFill>
-                  <a:srgbClr val="231F20"/>
-                </a:solidFill>
-                <a:latin typeface="Arial"/>
-                <a:cs typeface="Arial"/>
-              </a:rPr>
-              <a:t>e</a:t>
-            </a:r>
-            <a:r>
-              <a:rPr sz="2700" spc="11" dirty="0">
-                <a:solidFill>
-                  <a:srgbClr val="231F20"/>
-                </a:solidFill>
-                <a:latin typeface="Arial"/>
-                <a:cs typeface="Arial"/>
-              </a:rPr>
-              <a:t>m</a:t>
-            </a:r>
-            <a:r>
-              <a:rPr sz="2700" spc="-11" dirty="0">
-                <a:solidFill>
-                  <a:srgbClr val="231F20"/>
-                </a:solidFill>
-                <a:latin typeface="Arial"/>
-                <a:cs typeface="Arial"/>
-              </a:rPr>
-              <a:t>e</a:t>
-            </a:r>
-            <a:r>
-              <a:rPr sz="2700" spc="-44" dirty="0">
-                <a:solidFill>
-                  <a:srgbClr val="231F20"/>
-                </a:solidFill>
-                <a:latin typeface="Arial"/>
-                <a:cs typeface="Arial"/>
-              </a:rPr>
-              <a:t>n</a:t>
-            </a:r>
-            <a:r>
-              <a:rPr sz="2700" spc="-11" dirty="0">
-                <a:solidFill>
-                  <a:srgbClr val="231F20"/>
-                </a:solidFill>
-                <a:latin typeface="Arial"/>
-                <a:cs typeface="Arial"/>
-              </a:rPr>
-              <a:t>t</a:t>
-            </a:r>
-            <a:r>
-              <a:rPr sz="2700" spc="22" dirty="0">
-                <a:solidFill>
-                  <a:srgbClr val="231F20"/>
-                </a:solidFill>
-                <a:latin typeface="Arial"/>
-                <a:cs typeface="Arial"/>
-              </a:rPr>
-              <a:t>s </a:t>
-            </a:r>
-            <a:r>
-              <a:rPr sz="2700" spc="-22" dirty="0">
-                <a:solidFill>
-                  <a:srgbClr val="231F20"/>
-                </a:solidFill>
-                <a:latin typeface="Arial"/>
-                <a:cs typeface="Arial"/>
-              </a:rPr>
-              <a:t>r</a:t>
-            </a:r>
-            <a:r>
-              <a:rPr sz="2700" dirty="0">
-                <a:solidFill>
-                  <a:srgbClr val="231F20"/>
-                </a:solidFill>
-                <a:latin typeface="Arial"/>
-                <a:cs typeface="Arial"/>
-              </a:rPr>
-              <a:t>e</a:t>
-            </a:r>
-            <a:r>
-              <a:rPr sz="2700" spc="-11" dirty="0">
-                <a:solidFill>
-                  <a:srgbClr val="231F20"/>
-                </a:solidFill>
-                <a:latin typeface="Arial"/>
-                <a:cs typeface="Arial"/>
-              </a:rPr>
-              <a:t>g</a:t>
-            </a:r>
-            <a:r>
-              <a:rPr sz="2700" spc="-22" dirty="0">
-                <a:solidFill>
-                  <a:srgbClr val="231F20"/>
-                </a:solidFill>
-                <a:latin typeface="Arial"/>
-                <a:cs typeface="Arial"/>
-              </a:rPr>
-              <a:t>ard</a:t>
-            </a:r>
-            <a:r>
-              <a:rPr sz="2700" spc="-33" dirty="0">
-                <a:solidFill>
-                  <a:srgbClr val="231F20"/>
-                </a:solidFill>
-                <a:latin typeface="Arial"/>
-                <a:cs typeface="Arial"/>
-              </a:rPr>
-              <a:t>i</a:t>
-            </a:r>
-            <a:r>
-              <a:rPr sz="2700" spc="-11" dirty="0">
-                <a:solidFill>
-                  <a:srgbClr val="231F20"/>
-                </a:solidFill>
-                <a:latin typeface="Arial"/>
-                <a:cs typeface="Arial"/>
-              </a:rPr>
-              <a:t>n</a:t>
-            </a:r>
-            <a:r>
-              <a:rPr sz="2700" spc="22" dirty="0">
-                <a:solidFill>
-                  <a:srgbClr val="231F20"/>
-                </a:solidFill>
-                <a:latin typeface="Arial"/>
-                <a:cs typeface="Arial"/>
-              </a:rPr>
-              <a:t>g </a:t>
-            </a:r>
-            <a:r>
-              <a:rPr sz="2700" spc="-76" dirty="0">
-                <a:solidFill>
-                  <a:srgbClr val="231F20"/>
-                </a:solidFill>
-                <a:latin typeface="Arial"/>
-                <a:cs typeface="Arial"/>
-              </a:rPr>
-              <a:t>e</a:t>
-            </a:r>
-            <a:r>
-              <a:rPr sz="2700" spc="-33" dirty="0">
-                <a:solidFill>
-                  <a:srgbClr val="231F20"/>
-                </a:solidFill>
-                <a:latin typeface="Arial"/>
-                <a:cs typeface="Arial"/>
-              </a:rPr>
-              <a:t>xa</a:t>
-            </a:r>
-            <a:r>
-              <a:rPr sz="2700" spc="11" dirty="0">
-                <a:solidFill>
-                  <a:srgbClr val="231F20"/>
-                </a:solidFill>
-                <a:latin typeface="Arial"/>
-                <a:cs typeface="Arial"/>
-              </a:rPr>
-              <a:t>ct</a:t>
-            </a:r>
-            <a:r>
-              <a:rPr sz="2700" spc="22" dirty="0">
-                <a:solidFill>
-                  <a:srgbClr val="231F20"/>
-                </a:solidFill>
-                <a:latin typeface="Arial"/>
-                <a:cs typeface="Arial"/>
-              </a:rPr>
-              <a:t> </a:t>
-            </a:r>
-            <a:r>
-              <a:rPr sz="2700" dirty="0">
-                <a:solidFill>
-                  <a:srgbClr val="231F20"/>
-                </a:solidFill>
-                <a:latin typeface="Arial"/>
-                <a:cs typeface="Arial"/>
-              </a:rPr>
-              <a:t>po</a:t>
-            </a:r>
-            <a:r>
-              <a:rPr sz="2700" spc="-44" dirty="0">
-                <a:solidFill>
-                  <a:srgbClr val="231F20"/>
-                </a:solidFill>
-                <a:latin typeface="Arial"/>
-                <a:cs typeface="Arial"/>
-              </a:rPr>
-              <a:t>st</a:t>
-            </a:r>
-            <a:r>
-              <a:rPr sz="2700" spc="-11" dirty="0">
-                <a:solidFill>
-                  <a:srgbClr val="231F20"/>
-                </a:solidFill>
-                <a:latin typeface="Arial"/>
-                <a:cs typeface="Arial"/>
-              </a:rPr>
-              <a:t>e</a:t>
-            </a:r>
-            <a:r>
-              <a:rPr sz="2700" spc="11" dirty="0">
-                <a:solidFill>
-                  <a:srgbClr val="231F20"/>
-                </a:solidFill>
-                <a:latin typeface="Arial"/>
-                <a:cs typeface="Arial"/>
-              </a:rPr>
-              <a:t>r</a:t>
-            </a:r>
-            <a:r>
-              <a:rPr sz="2700" spc="22" dirty="0">
-                <a:solidFill>
-                  <a:srgbClr val="231F20"/>
-                </a:solidFill>
-                <a:latin typeface="Arial"/>
-                <a:cs typeface="Arial"/>
-              </a:rPr>
-              <a:t> </a:t>
-            </a:r>
-            <a:r>
-              <a:rPr sz="2700" spc="-22" dirty="0">
-                <a:solidFill>
-                  <a:srgbClr val="231F20"/>
-                </a:solidFill>
-                <a:latin typeface="Arial"/>
-                <a:cs typeface="Arial"/>
-              </a:rPr>
-              <a:t>d</a:t>
-            </a:r>
-            <a:r>
-              <a:rPr sz="2700" spc="-33" dirty="0">
-                <a:solidFill>
-                  <a:srgbClr val="231F20"/>
-                </a:solidFill>
-                <a:latin typeface="Arial"/>
-                <a:cs typeface="Arial"/>
-              </a:rPr>
-              <a:t>i</a:t>
-            </a:r>
-            <a:r>
-              <a:rPr sz="2700" spc="11" dirty="0">
-                <a:solidFill>
-                  <a:srgbClr val="231F20"/>
-                </a:solidFill>
-                <a:latin typeface="Arial"/>
-                <a:cs typeface="Arial"/>
-              </a:rPr>
-              <a:t>m</a:t>
-            </a:r>
-            <a:r>
-              <a:rPr sz="2700" spc="-11" dirty="0">
-                <a:solidFill>
-                  <a:srgbClr val="231F20"/>
-                </a:solidFill>
-                <a:latin typeface="Arial"/>
-                <a:cs typeface="Arial"/>
-              </a:rPr>
-              <a:t>e</a:t>
-            </a:r>
-            <a:r>
-              <a:rPr sz="2700" spc="-22" dirty="0">
-                <a:solidFill>
-                  <a:srgbClr val="231F20"/>
-                </a:solidFill>
-                <a:latin typeface="Arial"/>
-                <a:cs typeface="Arial"/>
-              </a:rPr>
-              <a:t>n</a:t>
-            </a:r>
-            <a:r>
-              <a:rPr sz="2700" spc="-11" dirty="0">
-                <a:solidFill>
-                  <a:srgbClr val="231F20"/>
-                </a:solidFill>
-                <a:latin typeface="Arial"/>
-                <a:cs typeface="Arial"/>
-              </a:rPr>
-              <a:t>sio</a:t>
-            </a:r>
-            <a:r>
-              <a:rPr sz="2700" spc="-22" dirty="0">
-                <a:solidFill>
-                  <a:srgbClr val="231F20"/>
-                </a:solidFill>
-                <a:latin typeface="Arial"/>
-                <a:cs typeface="Arial"/>
-              </a:rPr>
-              <a:t>n</a:t>
-            </a:r>
-            <a:r>
-              <a:rPr sz="2700" spc="-44" dirty="0">
-                <a:solidFill>
-                  <a:srgbClr val="231F20"/>
-                </a:solidFill>
-                <a:latin typeface="Arial"/>
-                <a:cs typeface="Arial"/>
-              </a:rPr>
-              <a:t>s.</a:t>
-            </a:r>
-            <a:endParaRPr sz="2700" dirty="0">
-              <a:latin typeface="Arial"/>
-              <a:cs typeface="Arial"/>
-            </a:endParaRPr>
+              <a:t>The goal of this project is to train an Artificial Intelligence (AI) to learn to play games, such as Taxi, Tetris or Super Mario Bros using Reinforcement Learning Techniques. </a:t>
+            </a:r>
           </a:p>
-        </p:txBody>
-      </p:sp>
-      <p:sp>
-        <p:nvSpPr>
-          <p:cNvPr id="4" name="object 4"/>
-          <p:cNvSpPr txBox="1"/>
-          <p:nvPr/>
-        </p:nvSpPr>
-        <p:spPr>
-          <a:xfrm>
-            <a:off x="1572470" y="10141528"/>
-            <a:ext cx="8937668" cy="2672110"/>
-          </a:xfrm>
-          <a:prstGeom prst="rect">
-            <a:avLst/>
-          </a:prstGeom>
-        </p:spPr>
-        <p:txBody>
-          <a:bodyPr vert="horz" wrap="square" lIns="0" tIns="0" rIns="0" bIns="0" rtlCol="0">
-            <a:spAutoFit/>
-          </a:bodyPr>
-          <a:lstStyle/>
           <a:p>
-            <a:pPr marL="27719"/>
-            <a:r>
-              <a:rPr sz="2700" b="1" spc="-11" dirty="0">
-                <a:solidFill>
-                  <a:srgbClr val="4C4D4F"/>
-                </a:solidFill>
-                <a:latin typeface="Arial"/>
-                <a:cs typeface="Arial"/>
-              </a:rPr>
-              <a:t>W</a:t>
-            </a:r>
-            <a:r>
-              <a:rPr sz="2700" b="1" spc="11" dirty="0">
-                <a:solidFill>
-                  <a:srgbClr val="4C4D4F"/>
-                </a:solidFill>
-                <a:latin typeface="Arial"/>
-                <a:cs typeface="Arial"/>
-              </a:rPr>
-              <a:t>rit</a:t>
-            </a:r>
-            <a:r>
-              <a:rPr sz="2700" b="1" spc="-22" dirty="0">
-                <a:solidFill>
-                  <a:srgbClr val="4C4D4F"/>
-                </a:solidFill>
-                <a:latin typeface="Arial"/>
-                <a:cs typeface="Arial"/>
-              </a:rPr>
-              <a:t>i</a:t>
-            </a:r>
-            <a:r>
-              <a:rPr sz="2700" b="1" spc="11" dirty="0">
-                <a:solidFill>
-                  <a:srgbClr val="4C4D4F"/>
-                </a:solidFill>
-                <a:latin typeface="Arial"/>
-                <a:cs typeface="Arial"/>
-              </a:rPr>
-              <a:t>n</a:t>
-            </a:r>
-            <a:r>
-              <a:rPr sz="2700" b="1" spc="33" dirty="0">
-                <a:solidFill>
-                  <a:srgbClr val="4C4D4F"/>
-                </a:solidFill>
-                <a:latin typeface="Arial"/>
-                <a:cs typeface="Arial"/>
-              </a:rPr>
-              <a:t>g</a:t>
-            </a:r>
-            <a:r>
-              <a:rPr sz="2700" b="1" spc="22" dirty="0">
-                <a:solidFill>
-                  <a:srgbClr val="4C4D4F"/>
-                </a:solidFill>
-                <a:latin typeface="Arial"/>
-                <a:cs typeface="Arial"/>
-              </a:rPr>
-              <a:t> </a:t>
-            </a:r>
-            <a:r>
-              <a:rPr sz="2700" b="1" dirty="0">
-                <a:solidFill>
-                  <a:srgbClr val="4C4D4F"/>
-                </a:solidFill>
-                <a:latin typeface="Arial"/>
-                <a:cs typeface="Arial"/>
-              </a:rPr>
-              <a:t>S</a:t>
-            </a:r>
-            <a:r>
-              <a:rPr sz="2700" b="1" spc="55" dirty="0">
-                <a:solidFill>
-                  <a:srgbClr val="4C4D4F"/>
-                </a:solidFill>
-                <a:latin typeface="Arial"/>
-                <a:cs typeface="Arial"/>
-              </a:rPr>
-              <a:t>t</a:t>
-            </a:r>
-            <a:r>
-              <a:rPr sz="2700" b="1" spc="-11" dirty="0">
-                <a:solidFill>
-                  <a:srgbClr val="4C4D4F"/>
-                </a:solidFill>
-                <a:latin typeface="Arial"/>
-                <a:cs typeface="Arial"/>
-              </a:rPr>
-              <a:t>y</a:t>
-            </a:r>
-            <a:r>
-              <a:rPr sz="2700" b="1" dirty="0">
-                <a:solidFill>
-                  <a:srgbClr val="4C4D4F"/>
-                </a:solidFill>
-                <a:latin typeface="Arial"/>
-                <a:cs typeface="Arial"/>
-              </a:rPr>
-              <a:t>l</a:t>
-            </a:r>
-            <a:r>
-              <a:rPr sz="2700" b="1" spc="-76" dirty="0">
-                <a:solidFill>
-                  <a:srgbClr val="4C4D4F"/>
-                </a:solidFill>
-                <a:latin typeface="Arial"/>
-                <a:cs typeface="Arial"/>
-              </a:rPr>
-              <a:t>e</a:t>
-            </a:r>
-            <a:r>
-              <a:rPr sz="2700" b="1" spc="11" dirty="0">
-                <a:solidFill>
-                  <a:srgbClr val="4C4D4F"/>
-                </a:solidFill>
-                <a:latin typeface="Arial"/>
-                <a:cs typeface="Arial"/>
-              </a:rPr>
-              <a:t>:</a:t>
-            </a:r>
-            <a:endParaRPr sz="2700" dirty="0">
+            <a:pPr marL="27719" marR="13860">
+              <a:lnSpc>
+                <a:spcPct val="102600"/>
+              </a:lnSpc>
+              <a:spcBef>
+                <a:spcPts val="458"/>
+              </a:spcBef>
+            </a:pPr>
+            <a:endParaRPr lang="en-US" sz="2700" spc="11" dirty="0">
+              <a:solidFill>
+                <a:srgbClr val="231F20"/>
+              </a:solidFill>
               <a:latin typeface="Arial"/>
               <a:cs typeface="Arial"/>
             </a:endParaRPr>
@@ -3457,43 +1754,13 @@
           <a:p>
             <a:pPr marL="27719" marR="13860">
               <a:lnSpc>
-                <a:spcPct val="102899"/>
+                <a:spcPct val="102600"/>
               </a:lnSpc>
               <a:spcBef>
-                <a:spcPts val="742"/>
+                <a:spcPts val="458"/>
               </a:spcBef>
             </a:pPr>
             <a:r>
-              <a:rPr lang="en-US" sz="2700" spc="22" dirty="0">
-                <a:solidFill>
-                  <a:srgbClr val="231F20"/>
-                </a:solidFill>
-                <a:latin typeface="Arial"/>
-                <a:cs typeface="Arial"/>
-              </a:rPr>
-              <a:t>T</a:t>
-            </a:r>
-            <a:r>
-              <a:rPr lang="en-US" sz="2700" dirty="0">
-                <a:solidFill>
-                  <a:srgbClr val="231F20"/>
-                </a:solidFill>
-                <a:latin typeface="Arial"/>
-                <a:cs typeface="Arial"/>
-              </a:rPr>
-              <a:t>h</a:t>
-            </a:r>
-            <a:r>
-              <a:rPr lang="en-US" sz="2700" spc="22" dirty="0">
-                <a:solidFill>
-                  <a:srgbClr val="231F20"/>
-                </a:solidFill>
-                <a:latin typeface="Arial"/>
-                <a:cs typeface="Arial"/>
-              </a:rPr>
-              <a:t>e</a:t>
-            </a:r>
-            <a:r>
               <a:rPr lang="en-US" sz="2700" spc="11" dirty="0">
                 <a:solidFill>
                   <a:srgbClr val="231F20"/>
@@ -3501,1657 +1768,7 @@
                 <a:latin typeface="Arial"/>
                 <a:cs typeface="Arial"/>
               </a:rPr>
-              <a:t> w</a:t>
-            </a:r>
-            <a:r>
-              <a:rPr lang="en-US" sz="2700" spc="22" dirty="0">
-                <a:solidFill>
-                  <a:srgbClr val="231F20"/>
-                </a:solidFill>
-                <a:latin typeface="Arial"/>
-                <a:cs typeface="Arial"/>
-              </a:rPr>
-              <a:t>r</a:t>
-            </a:r>
-            <a:r>
-              <a:rPr lang="en-US" sz="2700" spc="-22" dirty="0">
-                <a:solidFill>
-                  <a:srgbClr val="231F20"/>
-                </a:solidFill>
-                <a:latin typeface="Arial"/>
-                <a:cs typeface="Arial"/>
-              </a:rPr>
-              <a:t>i</a:t>
-            </a:r>
-            <a:r>
-              <a:rPr lang="en-US" sz="2700" dirty="0">
-                <a:solidFill>
-                  <a:srgbClr val="231F20"/>
-                </a:solidFill>
-                <a:latin typeface="Arial"/>
-                <a:cs typeface="Arial"/>
-              </a:rPr>
-              <a:t>t</a:t>
-            </a:r>
-            <a:r>
-              <a:rPr lang="en-US" sz="2700" spc="-22" dirty="0">
-                <a:solidFill>
-                  <a:srgbClr val="231F20"/>
-                </a:solidFill>
-                <a:latin typeface="Arial"/>
-                <a:cs typeface="Arial"/>
-              </a:rPr>
-              <a:t>i</a:t>
-            </a:r>
-            <a:r>
-              <a:rPr lang="en-US" sz="2700" dirty="0">
-                <a:solidFill>
-                  <a:srgbClr val="231F20"/>
-                </a:solidFill>
-                <a:latin typeface="Arial"/>
-                <a:cs typeface="Arial"/>
-              </a:rPr>
-              <a:t>n</a:t>
-            </a:r>
-            <a:r>
-              <a:rPr lang="en-US" sz="2700" spc="22" dirty="0">
-                <a:solidFill>
-                  <a:srgbClr val="231F20"/>
-                </a:solidFill>
-                <a:latin typeface="Arial"/>
-                <a:cs typeface="Arial"/>
-              </a:rPr>
-              <a:t>g</a:t>
-            </a:r>
-            <a:r>
-              <a:rPr lang="en-US" sz="2700" spc="11" dirty="0">
-                <a:solidFill>
-                  <a:srgbClr val="231F20"/>
-                </a:solidFill>
-                <a:latin typeface="Arial"/>
-                <a:cs typeface="Arial"/>
-              </a:rPr>
-              <a:t> </a:t>
-            </a:r>
-            <a:r>
-              <a:rPr lang="en-US" sz="2700" spc="-22" dirty="0">
-                <a:solidFill>
-                  <a:srgbClr val="231F20"/>
-                </a:solidFill>
-                <a:latin typeface="Arial"/>
-                <a:cs typeface="Arial"/>
-              </a:rPr>
-              <a:t>s</a:t>
-            </a:r>
-            <a:r>
-              <a:rPr lang="en-US" sz="2700" spc="44" dirty="0">
-                <a:solidFill>
-                  <a:srgbClr val="231F20"/>
-                </a:solidFill>
-                <a:latin typeface="Arial"/>
-                <a:cs typeface="Arial"/>
-              </a:rPr>
-              <a:t>t</a:t>
-            </a:r>
-            <a:r>
-              <a:rPr lang="en-US" sz="2700" dirty="0">
-                <a:solidFill>
-                  <a:srgbClr val="231F20"/>
-                </a:solidFill>
-                <a:latin typeface="Arial"/>
-                <a:cs typeface="Arial"/>
-              </a:rPr>
-              <a:t>y</a:t>
-            </a:r>
-            <a:r>
-              <a:rPr lang="en-US" sz="2700" spc="-22" dirty="0">
-                <a:solidFill>
-                  <a:srgbClr val="231F20"/>
-                </a:solidFill>
-                <a:latin typeface="Arial"/>
-                <a:cs typeface="Arial"/>
-              </a:rPr>
-              <a:t>l</a:t>
-            </a:r>
-            <a:r>
-              <a:rPr lang="en-US" sz="2700" spc="22" dirty="0">
-                <a:solidFill>
-                  <a:srgbClr val="231F20"/>
-                </a:solidFill>
-                <a:latin typeface="Arial"/>
-                <a:cs typeface="Arial"/>
-              </a:rPr>
-              <a:t>e</a:t>
-            </a:r>
-            <a:r>
-              <a:rPr lang="en-US" sz="2700" spc="11" dirty="0">
-                <a:solidFill>
-                  <a:srgbClr val="231F20"/>
-                </a:solidFill>
-                <a:latin typeface="Arial"/>
-                <a:cs typeface="Arial"/>
-              </a:rPr>
-              <a:t> </a:t>
-            </a:r>
-            <a:r>
-              <a:rPr lang="en-US" sz="2700" spc="-11" dirty="0">
-                <a:solidFill>
-                  <a:srgbClr val="231F20"/>
-                </a:solidFill>
-                <a:latin typeface="Arial"/>
-                <a:cs typeface="Arial"/>
-              </a:rPr>
-              <a:t>f</a:t>
-            </a:r>
-            <a:r>
-              <a:rPr lang="en-US" sz="2700" spc="11" dirty="0">
-                <a:solidFill>
-                  <a:srgbClr val="231F20"/>
-                </a:solidFill>
-                <a:latin typeface="Arial"/>
-                <a:cs typeface="Arial"/>
-              </a:rPr>
-              <a:t>or </a:t>
-            </a:r>
-            <a:r>
-              <a:rPr lang="en-US" sz="2700" spc="-11" dirty="0">
-                <a:solidFill>
-                  <a:srgbClr val="231F20"/>
-                </a:solidFill>
-                <a:latin typeface="Arial"/>
-                <a:cs typeface="Arial"/>
-              </a:rPr>
-              <a:t>s</a:t>
-            </a:r>
-            <a:r>
-              <a:rPr lang="en-US" sz="2700" spc="11" dirty="0">
-                <a:solidFill>
-                  <a:srgbClr val="231F20"/>
-                </a:solidFill>
-                <a:latin typeface="Arial"/>
-                <a:cs typeface="Arial"/>
-              </a:rPr>
-              <a:t>c</a:t>
-            </a:r>
-            <a:r>
-              <a:rPr lang="en-US" sz="2700" spc="-11" dirty="0">
-                <a:solidFill>
-                  <a:srgbClr val="231F20"/>
-                </a:solidFill>
-                <a:latin typeface="Arial"/>
-                <a:cs typeface="Arial"/>
-              </a:rPr>
-              <a:t>i</a:t>
-            </a:r>
-            <a:r>
-              <a:rPr lang="en-US" sz="2700" dirty="0">
-                <a:solidFill>
-                  <a:srgbClr val="231F20"/>
-                </a:solidFill>
-                <a:latin typeface="Arial"/>
-                <a:cs typeface="Arial"/>
-              </a:rPr>
-              <a:t>e</a:t>
-            </a:r>
-            <a:r>
-              <a:rPr lang="en-US" sz="2700" spc="-22" dirty="0">
-                <a:solidFill>
-                  <a:srgbClr val="231F20"/>
-                </a:solidFill>
-                <a:latin typeface="Arial"/>
-                <a:cs typeface="Arial"/>
-              </a:rPr>
-              <a:t>n</a:t>
-            </a:r>
-            <a:r>
-              <a:rPr lang="en-US" sz="2700" dirty="0">
-                <a:solidFill>
-                  <a:srgbClr val="231F20"/>
-                </a:solidFill>
-                <a:latin typeface="Arial"/>
-                <a:cs typeface="Arial"/>
-              </a:rPr>
-              <a:t>t</a:t>
-            </a:r>
-            <a:r>
-              <a:rPr lang="en-US" sz="2700" spc="11" dirty="0">
-                <a:solidFill>
-                  <a:srgbClr val="231F20"/>
-                </a:solidFill>
-                <a:latin typeface="Arial"/>
-                <a:cs typeface="Arial"/>
-              </a:rPr>
-              <a:t>if</a:t>
-            </a:r>
-            <a:r>
-              <a:rPr lang="en-US" sz="2700" dirty="0">
-                <a:solidFill>
-                  <a:srgbClr val="231F20"/>
-                </a:solidFill>
-                <a:latin typeface="Arial"/>
-                <a:cs typeface="Arial"/>
-              </a:rPr>
-              <a:t>i</a:t>
-            </a:r>
-            <a:r>
-              <a:rPr lang="en-US" sz="2700" spc="11" dirty="0">
-                <a:solidFill>
-                  <a:srgbClr val="231F20"/>
-                </a:solidFill>
-                <a:latin typeface="Arial"/>
-                <a:cs typeface="Arial"/>
-              </a:rPr>
-              <a:t>c po</a:t>
-            </a:r>
-            <a:r>
-              <a:rPr lang="en-US" sz="2700" spc="-22" dirty="0">
-                <a:solidFill>
-                  <a:srgbClr val="231F20"/>
-                </a:solidFill>
-                <a:latin typeface="Arial"/>
-                <a:cs typeface="Arial"/>
-              </a:rPr>
-              <a:t>st</a:t>
-            </a:r>
-            <a:r>
-              <a:rPr lang="en-US" sz="2700" dirty="0">
-                <a:solidFill>
-                  <a:srgbClr val="231F20"/>
-                </a:solidFill>
-                <a:latin typeface="Arial"/>
-                <a:cs typeface="Arial"/>
-              </a:rPr>
-              <a:t>e</a:t>
-            </a:r>
-            <a:r>
-              <a:rPr lang="en-US" sz="2700" spc="11" dirty="0">
-                <a:solidFill>
-                  <a:srgbClr val="231F20"/>
-                </a:solidFill>
-                <a:latin typeface="Arial"/>
-                <a:cs typeface="Arial"/>
-              </a:rPr>
-              <a:t>rs </a:t>
-            </a:r>
-            <a:r>
-              <a:rPr lang="en-US" sz="2700" spc="-11" dirty="0">
-                <a:solidFill>
-                  <a:srgbClr val="231F20"/>
-                </a:solidFill>
-                <a:latin typeface="Arial"/>
-                <a:cs typeface="Arial"/>
-              </a:rPr>
-              <a:t>s</a:t>
-            </a:r>
-            <a:r>
-              <a:rPr lang="en-US" sz="2700" dirty="0">
-                <a:solidFill>
-                  <a:srgbClr val="231F20"/>
-                </a:solidFill>
-                <a:latin typeface="Arial"/>
-                <a:cs typeface="Arial"/>
-              </a:rPr>
-              <a:t>hou</a:t>
-            </a:r>
-            <a:r>
-              <a:rPr lang="en-US" sz="2700" spc="-11" dirty="0">
-                <a:solidFill>
-                  <a:srgbClr val="231F20"/>
-                </a:solidFill>
-                <a:latin typeface="Arial"/>
-                <a:cs typeface="Arial"/>
-              </a:rPr>
-              <a:t>l</a:t>
-            </a:r>
-            <a:r>
-              <a:rPr lang="en-US" sz="2700" spc="22" dirty="0">
-                <a:solidFill>
-                  <a:srgbClr val="231F20"/>
-                </a:solidFill>
-                <a:latin typeface="Arial"/>
-                <a:cs typeface="Arial"/>
-              </a:rPr>
-              <a:t>d</a:t>
-            </a:r>
-            <a:r>
-              <a:rPr lang="en-US" sz="2700" spc="11" dirty="0">
-                <a:solidFill>
-                  <a:srgbClr val="231F20"/>
-                </a:solidFill>
-                <a:latin typeface="Arial"/>
-                <a:cs typeface="Arial"/>
-              </a:rPr>
-              <a:t> m</a:t>
-            </a:r>
-            <a:r>
-              <a:rPr lang="en-US" sz="2700" spc="-11" dirty="0">
-                <a:solidFill>
-                  <a:srgbClr val="231F20"/>
-                </a:solidFill>
-                <a:latin typeface="Arial"/>
-                <a:cs typeface="Arial"/>
-              </a:rPr>
-              <a:t>a</a:t>
-            </a:r>
-            <a:r>
-              <a:rPr lang="en-US" sz="2700" spc="-22" dirty="0">
-                <a:solidFill>
-                  <a:srgbClr val="231F20"/>
-                </a:solidFill>
-                <a:latin typeface="Arial"/>
-                <a:cs typeface="Arial"/>
-              </a:rPr>
-              <a:t>t</a:t>
-            </a:r>
-            <a:r>
-              <a:rPr lang="en-US" sz="2700" spc="22" dirty="0">
-                <a:solidFill>
-                  <a:srgbClr val="231F20"/>
-                </a:solidFill>
-                <a:latin typeface="Arial"/>
-                <a:cs typeface="Arial"/>
-              </a:rPr>
-              <a:t>ch</a:t>
-            </a:r>
-            <a:r>
-              <a:rPr lang="en-US" sz="2700" spc="11" dirty="0">
-                <a:solidFill>
-                  <a:srgbClr val="231F20"/>
-                </a:solidFill>
-                <a:latin typeface="Arial"/>
-                <a:cs typeface="Arial"/>
-              </a:rPr>
-              <a:t> </a:t>
-            </a:r>
-            <a:r>
-              <a:rPr lang="en-US" sz="2700" dirty="0">
-                <a:solidFill>
-                  <a:srgbClr val="231F20"/>
-                </a:solidFill>
-                <a:latin typeface="Arial"/>
-                <a:cs typeface="Arial"/>
-              </a:rPr>
-              <a:t>th</a:t>
-            </a:r>
-            <a:r>
-              <a:rPr lang="en-US" sz="2700" spc="22" dirty="0">
-                <a:solidFill>
-                  <a:srgbClr val="231F20"/>
-                </a:solidFill>
-                <a:latin typeface="Arial"/>
-                <a:cs typeface="Arial"/>
-              </a:rPr>
-              <a:t>e</a:t>
-            </a:r>
-            <a:r>
-              <a:rPr lang="en-US" sz="2700" spc="11" dirty="0">
-                <a:solidFill>
-                  <a:srgbClr val="231F20"/>
-                </a:solidFill>
-                <a:latin typeface="Arial"/>
-                <a:cs typeface="Arial"/>
-              </a:rPr>
-              <a:t> </a:t>
-            </a:r>
-            <a:r>
-              <a:rPr lang="en-US" sz="2700" dirty="0">
-                <a:solidFill>
-                  <a:srgbClr val="231F20"/>
-                </a:solidFill>
-                <a:latin typeface="Arial"/>
-                <a:cs typeface="Arial"/>
-              </a:rPr>
-              <a:t>g</a:t>
-            </a:r>
-            <a:r>
-              <a:rPr lang="en-US" sz="2700" spc="-11" dirty="0">
-                <a:solidFill>
-                  <a:srgbClr val="231F20"/>
-                </a:solidFill>
-                <a:latin typeface="Arial"/>
-                <a:cs typeface="Arial"/>
-              </a:rPr>
-              <a:t>ui</a:t>
-            </a:r>
-            <a:r>
-              <a:rPr lang="en-US" sz="2700" dirty="0">
-                <a:solidFill>
-                  <a:srgbClr val="231F20"/>
-                </a:solidFill>
-                <a:latin typeface="Arial"/>
-                <a:cs typeface="Arial"/>
-              </a:rPr>
-              <a:t>d</a:t>
-            </a:r>
-            <a:r>
-              <a:rPr lang="en-US" sz="2700" spc="11" dirty="0">
-                <a:solidFill>
-                  <a:srgbClr val="231F20"/>
-                </a:solidFill>
-                <a:latin typeface="Arial"/>
-                <a:cs typeface="Arial"/>
-              </a:rPr>
-              <a:t>e</a:t>
-            </a:r>
-            <a:r>
-              <a:rPr lang="en-US" sz="2700" spc="-33" dirty="0">
-                <a:solidFill>
-                  <a:srgbClr val="231F20"/>
-                </a:solidFill>
-                <a:latin typeface="Arial"/>
-                <a:cs typeface="Arial"/>
-              </a:rPr>
-              <a:t>l</a:t>
-            </a:r>
-            <a:r>
-              <a:rPr lang="en-US" sz="2700" spc="-22" dirty="0">
-                <a:solidFill>
-                  <a:srgbClr val="231F20"/>
-                </a:solidFill>
-                <a:latin typeface="Arial"/>
-                <a:cs typeface="Arial"/>
-              </a:rPr>
-              <a:t>i</a:t>
-            </a:r>
-            <a:r>
-              <a:rPr lang="en-US" sz="2700" dirty="0">
-                <a:solidFill>
-                  <a:srgbClr val="231F20"/>
-                </a:solidFill>
-                <a:latin typeface="Arial"/>
-                <a:cs typeface="Arial"/>
-              </a:rPr>
-              <a:t>n</a:t>
-            </a:r>
-            <a:r>
-              <a:rPr lang="en-US" sz="2700" spc="11" dirty="0">
-                <a:solidFill>
-                  <a:srgbClr val="231F20"/>
-                </a:solidFill>
-                <a:latin typeface="Arial"/>
-                <a:cs typeface="Arial"/>
-              </a:rPr>
-              <a:t>es </a:t>
-            </a:r>
-            <a:r>
-              <a:rPr lang="en-US" sz="2700" spc="-11" dirty="0">
-                <a:solidFill>
-                  <a:srgbClr val="231F20"/>
-                </a:solidFill>
-                <a:latin typeface="Arial"/>
-                <a:cs typeface="Arial"/>
-              </a:rPr>
-              <a:t>f</a:t>
-            </a:r>
-            <a:r>
-              <a:rPr lang="en-US" sz="2700" spc="11" dirty="0">
-                <a:solidFill>
-                  <a:srgbClr val="231F20"/>
-                </a:solidFill>
-                <a:latin typeface="Arial"/>
-                <a:cs typeface="Arial"/>
-              </a:rPr>
-              <a:t>or </a:t>
-            </a:r>
-            <a:r>
-              <a:rPr lang="en-US" sz="2700" dirty="0">
-                <a:solidFill>
-                  <a:srgbClr val="231F20"/>
-                </a:solidFill>
-                <a:latin typeface="Arial"/>
-                <a:cs typeface="Arial"/>
-              </a:rPr>
-              <a:t>th</a:t>
-            </a:r>
-            <a:r>
-              <a:rPr lang="en-US" sz="2700" spc="22" dirty="0">
-                <a:solidFill>
-                  <a:srgbClr val="231F20"/>
-                </a:solidFill>
-                <a:latin typeface="Arial"/>
-                <a:cs typeface="Arial"/>
-              </a:rPr>
-              <a:t>e</a:t>
-            </a:r>
-            <a:r>
-              <a:rPr lang="en-US" sz="2700" spc="11" dirty="0">
-                <a:solidFill>
-                  <a:srgbClr val="231F20"/>
-                </a:solidFill>
-                <a:latin typeface="Arial"/>
-                <a:cs typeface="Arial"/>
-              </a:rPr>
-              <a:t> </a:t>
-            </a:r>
-            <a:r>
-              <a:rPr lang="en-US" sz="2700" spc="-11" dirty="0">
-                <a:solidFill>
-                  <a:srgbClr val="231F20"/>
-                </a:solidFill>
-                <a:latin typeface="Arial"/>
-                <a:cs typeface="Arial"/>
-              </a:rPr>
-              <a:t>u</a:t>
-            </a:r>
-            <a:r>
-              <a:rPr lang="en-US" sz="2700" dirty="0">
-                <a:solidFill>
-                  <a:srgbClr val="231F20"/>
-                </a:solidFill>
-                <a:latin typeface="Arial"/>
-                <a:cs typeface="Arial"/>
-              </a:rPr>
-              <a:t>n</a:t>
-            </a:r>
-            <a:r>
-              <a:rPr lang="en-US" sz="2700" spc="-22" dirty="0">
-                <a:solidFill>
-                  <a:srgbClr val="231F20"/>
-                </a:solidFill>
-                <a:latin typeface="Arial"/>
-                <a:cs typeface="Arial"/>
-              </a:rPr>
-              <a:t>i</a:t>
-            </a:r>
-            <a:r>
-              <a:rPr lang="en-US" sz="2700" spc="-44" dirty="0">
-                <a:solidFill>
-                  <a:srgbClr val="231F20"/>
-                </a:solidFill>
-                <a:latin typeface="Arial"/>
-                <a:cs typeface="Arial"/>
-              </a:rPr>
-              <a:t>v</a:t>
-            </a:r>
-            <a:r>
-              <a:rPr lang="en-US" sz="2700" dirty="0">
-                <a:solidFill>
-                  <a:srgbClr val="231F20"/>
-                </a:solidFill>
-                <a:latin typeface="Arial"/>
-                <a:cs typeface="Arial"/>
-              </a:rPr>
-              <a:t>e</a:t>
-            </a:r>
-            <a:r>
-              <a:rPr lang="en-US" sz="2700" spc="11" dirty="0">
-                <a:solidFill>
-                  <a:srgbClr val="231F20"/>
-                </a:solidFill>
-                <a:latin typeface="Arial"/>
-                <a:cs typeface="Arial"/>
-              </a:rPr>
-              <a:t>r</a:t>
-            </a:r>
-            <a:r>
-              <a:rPr lang="en-US" sz="2700" spc="-11" dirty="0">
-                <a:solidFill>
-                  <a:srgbClr val="231F20"/>
-                </a:solidFill>
-                <a:latin typeface="Arial"/>
-                <a:cs typeface="Arial"/>
-              </a:rPr>
-              <a:t>s</a:t>
-            </a:r>
-            <a:r>
-              <a:rPr lang="en-US" sz="2700" spc="-22" dirty="0">
-                <a:solidFill>
-                  <a:srgbClr val="231F20"/>
-                </a:solidFill>
-                <a:latin typeface="Arial"/>
-                <a:cs typeface="Arial"/>
-              </a:rPr>
-              <a:t>i</a:t>
-            </a:r>
-            <a:r>
-              <a:rPr lang="en-US" sz="2700" spc="44" dirty="0">
-                <a:solidFill>
-                  <a:srgbClr val="231F20"/>
-                </a:solidFill>
-                <a:latin typeface="Arial"/>
-                <a:cs typeface="Arial"/>
-              </a:rPr>
-              <a:t>t</a:t>
-            </a:r>
-            <a:r>
-              <a:rPr lang="en-US" sz="2700" spc="-131" dirty="0">
-                <a:solidFill>
-                  <a:srgbClr val="231F20"/>
-                </a:solidFill>
-                <a:latin typeface="Arial"/>
-                <a:cs typeface="Arial"/>
-              </a:rPr>
-              <a:t>y</a:t>
-            </a:r>
-            <a:r>
-              <a:rPr lang="en-US" sz="2700" spc="11" dirty="0">
-                <a:solidFill>
-                  <a:srgbClr val="231F20"/>
-                </a:solidFill>
-                <a:latin typeface="Arial"/>
-                <a:cs typeface="Arial"/>
-              </a:rPr>
-              <a:t>. </a:t>
-            </a:r>
-            <a:r>
-              <a:rPr lang="en-US" sz="2700" dirty="0">
-                <a:solidFill>
-                  <a:srgbClr val="231F20"/>
-                </a:solidFill>
-                <a:latin typeface="Arial"/>
-                <a:cs typeface="Arial"/>
-              </a:rPr>
-              <a:t>U</a:t>
-            </a:r>
-            <a:r>
-              <a:rPr lang="en-US" sz="2700" spc="-11" dirty="0">
-                <a:solidFill>
-                  <a:srgbClr val="231F20"/>
-                </a:solidFill>
-                <a:latin typeface="Arial"/>
-                <a:cs typeface="Arial"/>
-              </a:rPr>
-              <a:t>s</a:t>
-            </a:r>
-            <a:r>
-              <a:rPr lang="en-US" sz="2700" spc="22" dirty="0">
-                <a:solidFill>
-                  <a:srgbClr val="231F20"/>
-                </a:solidFill>
-                <a:latin typeface="Arial"/>
-                <a:cs typeface="Arial"/>
-              </a:rPr>
-              <a:t>e</a:t>
-            </a:r>
-            <a:r>
-              <a:rPr lang="en-US" sz="2700" spc="11" dirty="0">
-                <a:solidFill>
-                  <a:srgbClr val="231F20"/>
-                </a:solidFill>
-                <a:latin typeface="Arial"/>
-                <a:cs typeface="Arial"/>
-              </a:rPr>
-              <a:t> </a:t>
-            </a:r>
-            <a:r>
-              <a:rPr lang="en-US" sz="2700" dirty="0">
-                <a:solidFill>
-                  <a:srgbClr val="231F20"/>
-                </a:solidFill>
-                <a:latin typeface="Arial"/>
-                <a:cs typeface="Arial"/>
-              </a:rPr>
-              <a:t>th</a:t>
-            </a:r>
-            <a:r>
-              <a:rPr lang="en-US" sz="2700" spc="22" dirty="0">
-                <a:solidFill>
-                  <a:srgbClr val="231F20"/>
-                </a:solidFill>
-                <a:latin typeface="Arial"/>
-                <a:cs typeface="Arial"/>
-              </a:rPr>
-              <a:t>e</a:t>
-            </a:r>
-            <a:r>
-              <a:rPr lang="en-US" sz="2700" spc="11" dirty="0">
-                <a:solidFill>
-                  <a:srgbClr val="231F20"/>
-                </a:solidFill>
-                <a:latin typeface="Arial"/>
-                <a:cs typeface="Arial"/>
-              </a:rPr>
-              <a:t> </a:t>
-            </a:r>
-            <a:r>
-              <a:rPr lang="en-US" sz="2700" spc="-22" dirty="0">
-                <a:solidFill>
-                  <a:srgbClr val="231F20"/>
-                </a:solidFill>
-                <a:latin typeface="Arial"/>
-                <a:cs typeface="Arial"/>
-              </a:rPr>
-              <a:t>E</a:t>
-            </a:r>
-            <a:r>
-              <a:rPr lang="en-US" sz="2700" spc="-11" dirty="0">
-                <a:solidFill>
-                  <a:srgbClr val="231F20"/>
-                </a:solidFill>
-                <a:latin typeface="Arial"/>
-                <a:cs typeface="Arial"/>
-              </a:rPr>
-              <a:t>d</a:t>
-            </a:r>
-            <a:r>
-              <a:rPr lang="en-US" sz="2700" spc="-22" dirty="0">
-                <a:solidFill>
-                  <a:srgbClr val="231F20"/>
-                </a:solidFill>
-                <a:latin typeface="Arial"/>
-                <a:cs typeface="Arial"/>
-              </a:rPr>
-              <a:t>it</a:t>
-            </a:r>
-            <a:r>
-              <a:rPr lang="en-US" sz="2700" spc="11" dirty="0">
-                <a:solidFill>
-                  <a:srgbClr val="231F20"/>
-                </a:solidFill>
-                <a:latin typeface="Arial"/>
-                <a:cs typeface="Arial"/>
-              </a:rPr>
-              <a:t>o</a:t>
-            </a:r>
-            <a:r>
-              <a:rPr lang="en-US" sz="2700" spc="22" dirty="0">
-                <a:solidFill>
-                  <a:srgbClr val="231F20"/>
-                </a:solidFill>
-                <a:latin typeface="Arial"/>
-                <a:cs typeface="Arial"/>
-              </a:rPr>
-              <a:t>r</a:t>
-            </a:r>
-            <a:r>
-              <a:rPr lang="en-US" sz="2700" spc="-22" dirty="0">
-                <a:solidFill>
-                  <a:srgbClr val="231F20"/>
-                </a:solidFill>
-                <a:latin typeface="Arial"/>
-                <a:cs typeface="Arial"/>
-              </a:rPr>
-              <a:t>i</a:t>
-            </a:r>
-            <a:r>
-              <a:rPr lang="en-US" sz="2700" dirty="0">
-                <a:solidFill>
-                  <a:srgbClr val="231F20"/>
-                </a:solidFill>
-                <a:latin typeface="Arial"/>
-                <a:cs typeface="Arial"/>
-              </a:rPr>
-              <a:t>al</a:t>
-            </a:r>
-            <a:r>
-              <a:rPr lang="en-US" sz="2700" spc="11" dirty="0">
-                <a:solidFill>
-                  <a:srgbClr val="231F20"/>
-                </a:solidFill>
-                <a:latin typeface="Arial"/>
-                <a:cs typeface="Arial"/>
-              </a:rPr>
-              <a:t> S</a:t>
-            </a:r>
-            <a:r>
-              <a:rPr lang="en-US" sz="2700" spc="44" dirty="0">
-                <a:solidFill>
-                  <a:srgbClr val="231F20"/>
-                </a:solidFill>
-                <a:latin typeface="Arial"/>
-                <a:cs typeface="Arial"/>
-              </a:rPr>
-              <a:t>t</a:t>
-            </a:r>
-            <a:r>
-              <a:rPr lang="en-US" sz="2700" dirty="0">
-                <a:solidFill>
-                  <a:srgbClr val="231F20"/>
-                </a:solidFill>
-                <a:latin typeface="Arial"/>
-                <a:cs typeface="Arial"/>
-              </a:rPr>
-              <a:t>y</a:t>
-            </a:r>
-            <a:r>
-              <a:rPr lang="en-US" sz="2700" spc="-22" dirty="0">
-                <a:solidFill>
-                  <a:srgbClr val="231F20"/>
-                </a:solidFill>
-                <a:latin typeface="Arial"/>
-                <a:cs typeface="Arial"/>
-              </a:rPr>
-              <a:t>l</a:t>
-            </a:r>
-            <a:r>
-              <a:rPr lang="en-US" sz="2700" spc="22" dirty="0">
-                <a:solidFill>
-                  <a:srgbClr val="231F20"/>
-                </a:solidFill>
-                <a:latin typeface="Arial"/>
-                <a:cs typeface="Arial"/>
-              </a:rPr>
-              <a:t>e</a:t>
-            </a:r>
-            <a:r>
-              <a:rPr lang="en-US" sz="2700" spc="11" dirty="0">
-                <a:solidFill>
-                  <a:srgbClr val="231F20"/>
-                </a:solidFill>
-                <a:latin typeface="Arial"/>
-                <a:cs typeface="Arial"/>
-              </a:rPr>
-              <a:t> </a:t>
-            </a:r>
-            <a:r>
-              <a:rPr lang="en-US" sz="2700" spc="22" dirty="0">
-                <a:solidFill>
-                  <a:srgbClr val="231F20"/>
-                </a:solidFill>
-                <a:latin typeface="Arial"/>
-                <a:cs typeface="Arial"/>
-              </a:rPr>
-              <a:t>G</a:t>
-            </a:r>
-            <a:r>
-              <a:rPr lang="en-US" sz="2700" spc="-11" dirty="0">
-                <a:solidFill>
-                  <a:srgbClr val="231F20"/>
-                </a:solidFill>
-                <a:latin typeface="Arial"/>
-                <a:cs typeface="Arial"/>
-              </a:rPr>
-              <a:t>ui</a:t>
-            </a:r>
-            <a:r>
-              <a:rPr lang="en-US" sz="2700" dirty="0">
-                <a:solidFill>
-                  <a:srgbClr val="231F20"/>
-                </a:solidFill>
-                <a:latin typeface="Arial"/>
-                <a:cs typeface="Arial"/>
-              </a:rPr>
-              <a:t>d</a:t>
-            </a:r>
-            <a:r>
-              <a:rPr lang="en-US" sz="2700" spc="22" dirty="0">
-                <a:solidFill>
-                  <a:srgbClr val="231F20"/>
-                </a:solidFill>
-                <a:latin typeface="Arial"/>
-                <a:cs typeface="Arial"/>
-              </a:rPr>
-              <a:t>e</a:t>
-            </a:r>
-            <a:r>
-              <a:rPr lang="en-US" sz="2700" spc="11" dirty="0">
-                <a:solidFill>
-                  <a:srgbClr val="231F20"/>
-                </a:solidFill>
-                <a:latin typeface="Arial"/>
-                <a:cs typeface="Arial"/>
-              </a:rPr>
-              <a:t> </a:t>
-            </a:r>
-            <a:r>
-              <a:rPr lang="en-US" sz="2700" spc="-11" dirty="0">
-                <a:solidFill>
-                  <a:srgbClr val="231F20"/>
-                </a:solidFill>
-                <a:latin typeface="Arial"/>
-                <a:cs typeface="Arial"/>
-              </a:rPr>
-              <a:t>a</a:t>
-            </a:r>
-            <a:r>
-              <a:rPr lang="en-US" sz="2700" spc="11" dirty="0">
-                <a:solidFill>
-                  <a:srgbClr val="231F20"/>
-                </a:solidFill>
-                <a:latin typeface="Arial"/>
-                <a:cs typeface="Arial"/>
-              </a:rPr>
-              <a:t>t </a:t>
-            </a:r>
-            <a:r>
-              <a:rPr lang="en-US" sz="2700" b="1" spc="11" dirty="0">
-                <a:solidFill>
-                  <a:srgbClr val="231F20"/>
-                </a:solidFill>
-                <a:latin typeface="Proxima Nova"/>
-                <a:cs typeface="Proxima Nova"/>
-              </a:rPr>
-              <a:t>osu.edu/brand </a:t>
-            </a:r>
-            <a:r>
-              <a:rPr lang="en-US" sz="2700" spc="-11" dirty="0">
-                <a:solidFill>
-                  <a:srgbClr val="231F20"/>
-                </a:solidFill>
-                <a:latin typeface="Arial"/>
-                <a:cs typeface="Arial"/>
-              </a:rPr>
-              <a:t>f</a:t>
-            </a:r>
-            <a:r>
-              <a:rPr lang="en-US" sz="2700" spc="11" dirty="0">
-                <a:solidFill>
-                  <a:srgbClr val="231F20"/>
-                </a:solidFill>
-                <a:latin typeface="Arial"/>
-                <a:cs typeface="Arial"/>
-              </a:rPr>
-              <a:t>or g</a:t>
-            </a:r>
-            <a:r>
-              <a:rPr lang="en-US" sz="2700" dirty="0">
-                <a:solidFill>
-                  <a:srgbClr val="231F20"/>
-                </a:solidFill>
-                <a:latin typeface="Arial"/>
-                <a:cs typeface="Arial"/>
-              </a:rPr>
-              <a:t>eneral</a:t>
-            </a:r>
-            <a:r>
-              <a:rPr lang="en-US" sz="2700" spc="11" dirty="0">
-                <a:solidFill>
-                  <a:srgbClr val="231F20"/>
-                </a:solidFill>
-                <a:latin typeface="Arial"/>
-                <a:cs typeface="Arial"/>
-              </a:rPr>
-              <a:t> </a:t>
-            </a:r>
-            <a:r>
-              <a:rPr lang="en-US" sz="2700" dirty="0">
-                <a:solidFill>
-                  <a:srgbClr val="231F20"/>
-                </a:solidFill>
-                <a:latin typeface="Arial"/>
-                <a:cs typeface="Arial"/>
-              </a:rPr>
-              <a:t>g</a:t>
-            </a:r>
-            <a:r>
-              <a:rPr lang="en-US" sz="2700" spc="-11" dirty="0">
-                <a:solidFill>
-                  <a:srgbClr val="231F20"/>
-                </a:solidFill>
-                <a:latin typeface="Arial"/>
-                <a:cs typeface="Arial"/>
-              </a:rPr>
-              <a:t>ui</a:t>
-            </a:r>
-            <a:r>
-              <a:rPr lang="en-US" sz="2700" dirty="0">
-                <a:solidFill>
-                  <a:srgbClr val="231F20"/>
-                </a:solidFill>
-                <a:latin typeface="Arial"/>
-                <a:cs typeface="Arial"/>
-              </a:rPr>
-              <a:t>dan</a:t>
-            </a:r>
-            <a:r>
-              <a:rPr lang="en-US" sz="2700" spc="22" dirty="0">
-                <a:solidFill>
-                  <a:srgbClr val="231F20"/>
-                </a:solidFill>
-                <a:latin typeface="Arial"/>
-                <a:cs typeface="Arial"/>
-              </a:rPr>
-              <a:t>ce</a:t>
-            </a:r>
-            <a:r>
-              <a:rPr lang="en-US" sz="2700" spc="11" dirty="0">
-                <a:solidFill>
-                  <a:srgbClr val="231F20"/>
-                </a:solidFill>
-                <a:latin typeface="Arial"/>
-                <a:cs typeface="Arial"/>
-              </a:rPr>
-              <a:t> w</a:t>
-            </a:r>
-            <a:r>
-              <a:rPr lang="en-US" sz="2700" spc="-22" dirty="0">
-                <a:solidFill>
-                  <a:srgbClr val="231F20"/>
-                </a:solidFill>
-                <a:latin typeface="Arial"/>
-                <a:cs typeface="Arial"/>
-              </a:rPr>
-              <a:t>i</a:t>
-            </a:r>
-            <a:r>
-              <a:rPr lang="en-US" sz="2700" dirty="0">
-                <a:solidFill>
-                  <a:srgbClr val="231F20"/>
-                </a:solidFill>
-                <a:latin typeface="Arial"/>
-                <a:cs typeface="Arial"/>
-              </a:rPr>
-              <a:t>t</a:t>
-            </a:r>
-            <a:r>
-              <a:rPr lang="en-US" sz="2700" spc="22" dirty="0">
-                <a:solidFill>
-                  <a:srgbClr val="231F20"/>
-                </a:solidFill>
-                <a:latin typeface="Arial"/>
-                <a:cs typeface="Arial"/>
-              </a:rPr>
-              <a:t>h</a:t>
-            </a:r>
-            <a:r>
-              <a:rPr lang="en-US" sz="2700" spc="11" dirty="0">
-                <a:solidFill>
-                  <a:srgbClr val="231F20"/>
-                </a:solidFill>
-                <a:latin typeface="Arial"/>
-                <a:cs typeface="Arial"/>
-              </a:rPr>
-              <a:t> </a:t>
-            </a:r>
-            <a:r>
-              <a:rPr lang="en-US" sz="2700" spc="-11" dirty="0">
-                <a:solidFill>
-                  <a:srgbClr val="231F20"/>
-                </a:solidFill>
-                <a:latin typeface="Arial"/>
-                <a:cs typeface="Arial"/>
-              </a:rPr>
-              <a:t>a</a:t>
-            </a:r>
-            <a:r>
-              <a:rPr lang="en-US" sz="2700" spc="33" dirty="0">
-                <a:solidFill>
-                  <a:srgbClr val="231F20"/>
-                </a:solidFill>
-                <a:latin typeface="Arial"/>
-                <a:cs typeface="Arial"/>
-              </a:rPr>
-              <a:t>c</a:t>
-            </a:r>
-            <a:r>
-              <a:rPr lang="en-US" sz="2700" dirty="0">
-                <a:solidFill>
-                  <a:srgbClr val="231F20"/>
-                </a:solidFill>
-                <a:latin typeface="Arial"/>
-                <a:cs typeface="Arial"/>
-              </a:rPr>
-              <a:t>ade</a:t>
-            </a:r>
-            <a:r>
-              <a:rPr lang="en-US" sz="2700" spc="11" dirty="0">
-                <a:solidFill>
-                  <a:srgbClr val="231F20"/>
-                </a:solidFill>
-                <a:latin typeface="Arial"/>
-                <a:cs typeface="Arial"/>
-              </a:rPr>
-              <a:t>m</a:t>
-            </a:r>
-            <a:r>
-              <a:rPr lang="en-US" sz="2700" spc="-22" dirty="0">
-                <a:solidFill>
-                  <a:srgbClr val="231F20"/>
-                </a:solidFill>
-                <a:latin typeface="Arial"/>
-                <a:cs typeface="Arial"/>
-              </a:rPr>
-              <a:t>i</a:t>
-            </a:r>
-            <a:r>
-              <a:rPr lang="en-US" sz="2700" spc="11" dirty="0">
-                <a:solidFill>
-                  <a:srgbClr val="231F20"/>
-                </a:solidFill>
-                <a:latin typeface="Arial"/>
-                <a:cs typeface="Arial"/>
-              </a:rPr>
-              <a:t>c </a:t>
-            </a:r>
-            <a:r>
-              <a:rPr lang="en-US" sz="2700" dirty="0">
-                <a:solidFill>
-                  <a:srgbClr val="231F20"/>
-                </a:solidFill>
-                <a:latin typeface="Arial"/>
-                <a:cs typeface="Arial"/>
-              </a:rPr>
-              <a:t>t</a:t>
-            </a:r>
-            <a:r>
-              <a:rPr lang="en-US" sz="2700" spc="-22" dirty="0">
-                <a:solidFill>
-                  <a:srgbClr val="231F20"/>
-                </a:solidFill>
-                <a:latin typeface="Arial"/>
-                <a:cs typeface="Arial"/>
-              </a:rPr>
-              <a:t>i</a:t>
-            </a:r>
-            <a:r>
-              <a:rPr lang="en-US" sz="2700" dirty="0">
-                <a:solidFill>
-                  <a:srgbClr val="231F20"/>
-                </a:solidFill>
-                <a:latin typeface="Arial"/>
-                <a:cs typeface="Arial"/>
-              </a:rPr>
-              <a:t>t</a:t>
-            </a:r>
-            <a:r>
-              <a:rPr lang="en-US" sz="2700" spc="-22" dirty="0">
-                <a:solidFill>
-                  <a:srgbClr val="231F20"/>
-                </a:solidFill>
-                <a:latin typeface="Arial"/>
-                <a:cs typeface="Arial"/>
-              </a:rPr>
-              <a:t>l</a:t>
-            </a:r>
-            <a:r>
-              <a:rPr lang="en-US" sz="2700" spc="11" dirty="0">
-                <a:solidFill>
-                  <a:srgbClr val="231F20"/>
-                </a:solidFill>
-                <a:latin typeface="Arial"/>
-                <a:cs typeface="Arial"/>
-              </a:rPr>
-              <a:t>e</a:t>
-            </a:r>
-            <a:r>
-              <a:rPr lang="en-US" sz="2700" spc="-22" dirty="0">
-                <a:solidFill>
-                  <a:srgbClr val="231F20"/>
-                </a:solidFill>
-                <a:latin typeface="Arial"/>
-                <a:cs typeface="Arial"/>
-              </a:rPr>
-              <a:t>s</a:t>
-            </a:r>
-            <a:r>
-              <a:rPr lang="en-US" sz="2700" spc="11" dirty="0">
-                <a:solidFill>
-                  <a:srgbClr val="231F20"/>
-                </a:solidFill>
-                <a:latin typeface="Arial"/>
-                <a:cs typeface="Arial"/>
-              </a:rPr>
-              <a:t>, </a:t>
-            </a:r>
-            <a:r>
-              <a:rPr lang="en-US" sz="2700" dirty="0">
-                <a:solidFill>
-                  <a:srgbClr val="231F20"/>
-                </a:solidFill>
-                <a:latin typeface="Arial"/>
-                <a:cs typeface="Arial"/>
-              </a:rPr>
-              <a:t>na</a:t>
-            </a:r>
-            <a:r>
-              <a:rPr lang="en-US" sz="2700" spc="11" dirty="0">
-                <a:solidFill>
-                  <a:srgbClr val="231F20"/>
-                </a:solidFill>
-                <a:latin typeface="Arial"/>
-                <a:cs typeface="Arial"/>
-              </a:rPr>
-              <a:t>mes </a:t>
-            </a:r>
-            <a:r>
-              <a:rPr lang="en-US" sz="2700" spc="-11" dirty="0">
-                <a:solidFill>
-                  <a:srgbClr val="231F20"/>
-                </a:solidFill>
-                <a:latin typeface="Arial"/>
-                <a:cs typeface="Arial"/>
-              </a:rPr>
-              <a:t>o</a:t>
-            </a:r>
-            <a:r>
-              <a:rPr lang="en-US" sz="2700" spc="11" dirty="0">
-                <a:solidFill>
-                  <a:srgbClr val="231F20"/>
-                </a:solidFill>
-                <a:latin typeface="Arial"/>
-                <a:cs typeface="Arial"/>
-              </a:rPr>
-              <a:t>f </a:t>
-            </a:r>
-            <a:r>
-              <a:rPr lang="en-US" sz="2700" spc="33" dirty="0">
-                <a:solidFill>
-                  <a:srgbClr val="231F20"/>
-                </a:solidFill>
-                <a:latin typeface="Arial"/>
-                <a:cs typeface="Arial"/>
-              </a:rPr>
-              <a:t>c</a:t>
-            </a:r>
-            <a:r>
-              <a:rPr lang="en-US" sz="2700" dirty="0">
-                <a:solidFill>
-                  <a:srgbClr val="231F20"/>
-                </a:solidFill>
-                <a:latin typeface="Arial"/>
-                <a:cs typeface="Arial"/>
-              </a:rPr>
-              <a:t>a</a:t>
-            </a:r>
-            <a:r>
-              <a:rPr lang="en-US" sz="2700" spc="11" dirty="0">
-                <a:solidFill>
-                  <a:srgbClr val="231F20"/>
-                </a:solidFill>
-                <a:latin typeface="Arial"/>
-                <a:cs typeface="Arial"/>
-              </a:rPr>
-              <a:t>m</a:t>
-            </a:r>
-            <a:r>
-              <a:rPr lang="en-US" sz="2700" dirty="0">
-                <a:solidFill>
-                  <a:srgbClr val="231F20"/>
-                </a:solidFill>
-                <a:latin typeface="Arial"/>
-                <a:cs typeface="Arial"/>
-              </a:rPr>
-              <a:t>pu</a:t>
-            </a:r>
-            <a:r>
-              <a:rPr lang="en-US" sz="2700" spc="11" dirty="0">
-                <a:solidFill>
-                  <a:srgbClr val="231F20"/>
-                </a:solidFill>
-                <a:latin typeface="Arial"/>
-                <a:cs typeface="Arial"/>
-              </a:rPr>
-              <a:t>s </a:t>
-            </a:r>
-            <a:r>
-              <a:rPr lang="en-US" sz="2700" dirty="0">
-                <a:solidFill>
-                  <a:srgbClr val="231F20"/>
-                </a:solidFill>
-                <a:latin typeface="Arial"/>
-                <a:cs typeface="Arial"/>
-              </a:rPr>
-              <a:t>b</a:t>
-            </a:r>
-            <a:r>
-              <a:rPr lang="en-US" sz="2700" spc="-11" dirty="0">
-                <a:solidFill>
-                  <a:srgbClr val="231F20"/>
-                </a:solidFill>
-                <a:latin typeface="Arial"/>
-                <a:cs typeface="Arial"/>
-              </a:rPr>
-              <a:t>u</a:t>
-            </a:r>
-            <a:r>
-              <a:rPr lang="en-US" sz="2700" spc="-22" dirty="0">
-                <a:solidFill>
-                  <a:srgbClr val="231F20"/>
-                </a:solidFill>
-                <a:latin typeface="Arial"/>
-                <a:cs typeface="Arial"/>
-              </a:rPr>
-              <a:t>i</a:t>
-            </a:r>
-            <a:r>
-              <a:rPr lang="en-US" sz="2700" spc="-11" dirty="0">
-                <a:solidFill>
-                  <a:srgbClr val="231F20"/>
-                </a:solidFill>
-                <a:latin typeface="Arial"/>
-                <a:cs typeface="Arial"/>
-              </a:rPr>
-              <a:t>ld</a:t>
-            </a:r>
-            <a:r>
-              <a:rPr lang="en-US" sz="2700" spc="-22" dirty="0">
-                <a:solidFill>
-                  <a:srgbClr val="231F20"/>
-                </a:solidFill>
-                <a:latin typeface="Arial"/>
-                <a:cs typeface="Arial"/>
-              </a:rPr>
-              <a:t>i</a:t>
-            </a:r>
-            <a:r>
-              <a:rPr lang="en-US" sz="2700" dirty="0">
-                <a:solidFill>
-                  <a:srgbClr val="231F20"/>
-                </a:solidFill>
-                <a:latin typeface="Arial"/>
-                <a:cs typeface="Arial"/>
-              </a:rPr>
-              <a:t>ng</a:t>
-            </a:r>
-            <a:r>
-              <a:rPr lang="en-US" sz="2700" spc="-22" dirty="0">
-                <a:solidFill>
-                  <a:srgbClr val="231F20"/>
-                </a:solidFill>
-                <a:latin typeface="Arial"/>
-                <a:cs typeface="Arial"/>
-              </a:rPr>
-              <a:t>s</a:t>
-            </a:r>
-            <a:r>
-              <a:rPr lang="en-US" sz="2700" spc="11" dirty="0">
-                <a:solidFill>
-                  <a:srgbClr val="231F20"/>
-                </a:solidFill>
-                <a:latin typeface="Arial"/>
-                <a:cs typeface="Arial"/>
-              </a:rPr>
-              <a:t>, </a:t>
-            </a:r>
-            <a:r>
-              <a:rPr lang="en-US" sz="2700" dirty="0">
-                <a:solidFill>
-                  <a:srgbClr val="231F20"/>
-                </a:solidFill>
-                <a:latin typeface="Arial"/>
-                <a:cs typeface="Arial"/>
-              </a:rPr>
-              <a:t>th</a:t>
-            </a:r>
-            <a:r>
-              <a:rPr lang="en-US" sz="2700" spc="22" dirty="0">
-                <a:solidFill>
-                  <a:srgbClr val="231F20"/>
-                </a:solidFill>
-                <a:latin typeface="Arial"/>
-                <a:cs typeface="Arial"/>
-              </a:rPr>
-              <a:t>e</a:t>
-            </a:r>
-            <a:r>
-              <a:rPr lang="en-US" sz="2700" spc="11" dirty="0">
-                <a:solidFill>
-                  <a:srgbClr val="231F20"/>
-                </a:solidFill>
-                <a:latin typeface="Arial"/>
-                <a:cs typeface="Arial"/>
-              </a:rPr>
-              <a:t> </a:t>
-            </a:r>
-            <a:r>
-              <a:rPr lang="en-US" sz="2700" spc="22" dirty="0">
-                <a:solidFill>
-                  <a:srgbClr val="231F20"/>
-                </a:solidFill>
-                <a:latin typeface="Arial"/>
-                <a:cs typeface="Arial"/>
-              </a:rPr>
-              <a:t>c</a:t>
-            </a:r>
-            <a:r>
-              <a:rPr lang="en-US" sz="2700" spc="11" dirty="0">
-                <a:solidFill>
-                  <a:srgbClr val="231F20"/>
-                </a:solidFill>
-                <a:latin typeface="Arial"/>
-                <a:cs typeface="Arial"/>
-              </a:rPr>
-              <a:t>o</a:t>
-            </a:r>
-            <a:r>
-              <a:rPr lang="en-US" sz="2700" spc="22" dirty="0">
-                <a:solidFill>
-                  <a:srgbClr val="231F20"/>
-                </a:solidFill>
-                <a:latin typeface="Arial"/>
-                <a:cs typeface="Arial"/>
-              </a:rPr>
-              <a:t>r</a:t>
-            </a:r>
-            <a:r>
-              <a:rPr lang="en-US" sz="2700" spc="-11" dirty="0">
-                <a:solidFill>
-                  <a:srgbClr val="231F20"/>
-                </a:solidFill>
-                <a:latin typeface="Arial"/>
-                <a:cs typeface="Arial"/>
-              </a:rPr>
-              <a:t>r</a:t>
-            </a:r>
-            <a:r>
-              <a:rPr lang="en-US" sz="2700" spc="11" dirty="0">
-                <a:solidFill>
-                  <a:srgbClr val="231F20"/>
-                </a:solidFill>
-                <a:latin typeface="Arial"/>
-                <a:cs typeface="Arial"/>
-              </a:rPr>
-              <a:t>ect </a:t>
-            </a:r>
-            <a:r>
-              <a:rPr lang="en-US" sz="2700" spc="-22" dirty="0">
-                <a:solidFill>
-                  <a:srgbClr val="231F20"/>
-                </a:solidFill>
-                <a:latin typeface="Arial"/>
-                <a:cs typeface="Arial"/>
-              </a:rPr>
-              <a:t>w</a:t>
-            </a:r>
-            <a:r>
-              <a:rPr lang="en-US" sz="2700" spc="-44" dirty="0">
-                <a:solidFill>
-                  <a:srgbClr val="231F20"/>
-                </a:solidFill>
-                <a:latin typeface="Arial"/>
-                <a:cs typeface="Arial"/>
-              </a:rPr>
-              <a:t>a</a:t>
-            </a:r>
-            <a:r>
-              <a:rPr lang="en-US" sz="2700" spc="11" dirty="0">
-                <a:solidFill>
-                  <a:srgbClr val="231F20"/>
-                </a:solidFill>
-                <a:latin typeface="Arial"/>
-                <a:cs typeface="Arial"/>
-              </a:rPr>
-              <a:t>y </a:t>
-            </a:r>
-            <a:r>
-              <a:rPr lang="en-US" sz="2700" spc="-22" dirty="0">
-                <a:solidFill>
-                  <a:srgbClr val="231F20"/>
-                </a:solidFill>
-                <a:latin typeface="Arial"/>
-                <a:cs typeface="Arial"/>
-              </a:rPr>
-              <a:t>t</a:t>
-            </a:r>
-            <a:r>
-              <a:rPr lang="en-US" sz="2700" spc="22" dirty="0">
-                <a:solidFill>
-                  <a:srgbClr val="231F20"/>
-                </a:solidFill>
-                <a:latin typeface="Arial"/>
-                <a:cs typeface="Arial"/>
-              </a:rPr>
-              <a:t>o</a:t>
-            </a:r>
-            <a:r>
-              <a:rPr lang="en-US" sz="2700" spc="11" dirty="0">
-                <a:solidFill>
-                  <a:srgbClr val="231F20"/>
-                </a:solidFill>
-                <a:latin typeface="Arial"/>
-                <a:cs typeface="Arial"/>
-              </a:rPr>
-              <a:t> </a:t>
-            </a:r>
-            <a:r>
-              <a:rPr lang="en-US" sz="2700" spc="-11" dirty="0">
-                <a:solidFill>
-                  <a:srgbClr val="231F20"/>
-                </a:solidFill>
-                <a:latin typeface="Arial"/>
-                <a:cs typeface="Arial"/>
-              </a:rPr>
-              <a:t>r</a:t>
-            </a:r>
-            <a:r>
-              <a:rPr lang="en-US" sz="2700" spc="-22" dirty="0">
-                <a:solidFill>
-                  <a:srgbClr val="231F20"/>
-                </a:solidFill>
-                <a:latin typeface="Arial"/>
-                <a:cs typeface="Arial"/>
-              </a:rPr>
-              <a:t>ef</a:t>
-            </a:r>
-            <a:r>
-              <a:rPr lang="en-US" sz="2700" dirty="0">
-                <a:solidFill>
-                  <a:srgbClr val="231F20"/>
-                </a:solidFill>
-                <a:latin typeface="Arial"/>
-                <a:cs typeface="Arial"/>
-              </a:rPr>
-              <a:t>e</a:t>
-            </a:r>
-            <a:r>
-              <a:rPr lang="en-US" sz="2700" spc="11" dirty="0">
-                <a:solidFill>
-                  <a:srgbClr val="231F20"/>
-                </a:solidFill>
-                <a:latin typeface="Arial"/>
-                <a:cs typeface="Arial"/>
-              </a:rPr>
-              <a:t>r </a:t>
-            </a:r>
-            <a:r>
-              <a:rPr lang="en-US" sz="2700" spc="-22" dirty="0">
-                <a:solidFill>
-                  <a:srgbClr val="231F20"/>
-                </a:solidFill>
-                <a:latin typeface="Arial"/>
-                <a:cs typeface="Arial"/>
-              </a:rPr>
-              <a:t>t</a:t>
-            </a:r>
-            <a:r>
-              <a:rPr lang="en-US" sz="2700" spc="22" dirty="0">
-                <a:solidFill>
-                  <a:srgbClr val="231F20"/>
-                </a:solidFill>
-                <a:latin typeface="Arial"/>
-                <a:cs typeface="Arial"/>
-              </a:rPr>
-              <a:t>o</a:t>
-            </a:r>
-            <a:r>
-              <a:rPr lang="en-US" sz="2700" spc="11" dirty="0">
-                <a:solidFill>
-                  <a:srgbClr val="231F20"/>
-                </a:solidFill>
-                <a:latin typeface="Arial"/>
-                <a:cs typeface="Arial"/>
-              </a:rPr>
-              <a:t> </a:t>
-            </a:r>
-            <a:r>
-              <a:rPr lang="en-US" sz="2700" dirty="0">
-                <a:solidFill>
-                  <a:srgbClr val="231F20"/>
-                </a:solidFill>
-                <a:latin typeface="Arial"/>
-                <a:cs typeface="Arial"/>
-              </a:rPr>
-              <a:t>th</a:t>
-            </a:r>
-            <a:r>
-              <a:rPr lang="en-US" sz="2700" spc="22" dirty="0">
-                <a:solidFill>
-                  <a:srgbClr val="231F20"/>
-                </a:solidFill>
-                <a:latin typeface="Arial"/>
-                <a:cs typeface="Arial"/>
-              </a:rPr>
-              <a:t>e</a:t>
-            </a:r>
-            <a:r>
-              <a:rPr lang="en-US" sz="2700" spc="11" dirty="0">
-                <a:solidFill>
-                  <a:srgbClr val="231F20"/>
-                </a:solidFill>
-                <a:latin typeface="Arial"/>
-                <a:cs typeface="Arial"/>
-              </a:rPr>
-              <a:t> </a:t>
-            </a:r>
-            <a:r>
-              <a:rPr lang="en-US" sz="2700" spc="33" dirty="0">
-                <a:solidFill>
-                  <a:srgbClr val="231F20"/>
-                </a:solidFill>
-                <a:latin typeface="Arial"/>
-                <a:cs typeface="Arial"/>
-              </a:rPr>
-              <a:t>c</a:t>
-            </a:r>
-            <a:r>
-              <a:rPr lang="en-US" sz="2700" dirty="0">
-                <a:solidFill>
-                  <a:srgbClr val="231F20"/>
-                </a:solidFill>
-                <a:latin typeface="Arial"/>
-                <a:cs typeface="Arial"/>
-              </a:rPr>
-              <a:t>ampu</a:t>
-            </a:r>
-            <a:r>
-              <a:rPr lang="en-US" sz="2700" spc="-22" dirty="0">
-                <a:solidFill>
-                  <a:srgbClr val="231F20"/>
-                </a:solidFill>
-                <a:latin typeface="Arial"/>
-                <a:cs typeface="Arial"/>
-              </a:rPr>
-              <a:t>s</a:t>
-            </a:r>
-            <a:r>
-              <a:rPr lang="en-US" sz="2700" spc="11" dirty="0">
-                <a:solidFill>
-                  <a:srgbClr val="231F20"/>
-                </a:solidFill>
-                <a:latin typeface="Arial"/>
-                <a:cs typeface="Arial"/>
-              </a:rPr>
-              <a:t>, </a:t>
-            </a:r>
-            <a:r>
-              <a:rPr lang="en-US" sz="2700" spc="-22" dirty="0">
-                <a:solidFill>
-                  <a:srgbClr val="231F20"/>
-                </a:solidFill>
-                <a:latin typeface="Arial"/>
-                <a:cs typeface="Arial"/>
-              </a:rPr>
-              <a:t>et</a:t>
-            </a:r>
-            <a:r>
-              <a:rPr lang="en-US" sz="2700" dirty="0">
-                <a:solidFill>
-                  <a:srgbClr val="231F20"/>
-                </a:solidFill>
-                <a:latin typeface="Arial"/>
-                <a:cs typeface="Arial"/>
-              </a:rPr>
-              <a:t>c</a:t>
-            </a:r>
-            <a:r>
-              <a:rPr lang="en-US" sz="2700" spc="11" dirty="0">
-                <a:solidFill>
-                  <a:srgbClr val="231F20"/>
-                </a:solidFill>
-                <a:latin typeface="Arial"/>
-                <a:cs typeface="Arial"/>
-              </a:rPr>
-              <a:t>.</a:t>
+              <a:t>Games are a useful training tool since they provide a structured environment for AI systems to learn and improve their performance. The rules of the game create a well-defined problem space, making it easier to train AI models. Games often also provide easy methods for evaluating these models since there might be an explicit goal or a built-in scoring system.</a:t>
             </a:r>
             <a:endParaRPr lang="en-US" sz="2700" dirty="0">
               <a:latin typeface="Arial"/>
@@ -5169,7 +1786,7 @@
         <p:spPr>
           <a:xfrm>
             <a:off x="1572470" y="13250487"/>
-            <a:ext cx="9133138" cy="4926300"/>
+            <a:ext cx="9133138" cy="5232202"/>
           </a:xfrm>
           <a:prstGeom prst="rect">
             <a:avLst/>
@@ -5181,417 +1798,57 @@
           </a:bodyPr>
           <a:lstStyle/>
           <a:p>
+            <a:pPr marL="27719">
+              <a:lnSpc>
+                <a:spcPct val="200000"/>
+              </a:lnSpc>
+            </a:pPr>
+            <a:r>
+              <a:rPr lang="en-US" sz="3500" b="1" spc="-22" dirty="0">
+                <a:solidFill>
+                  <a:srgbClr val="231F20"/>
+                </a:solidFill>
+                <a:latin typeface="Arial"/>
+                <a:cs typeface="Arial"/>
+              </a:rPr>
+              <a:t>Taxi</a:t>
+            </a:r>
+          </a:p>
+          <a:p>
             <a:pPr marL="27719"/>
             <a:r>
-              <a:rPr sz="2700" b="1" spc="-11" dirty="0">
-                <a:solidFill>
-                  <a:srgbClr val="4C4D4F"/>
-                </a:solidFill>
-                <a:latin typeface="Arial"/>
-                <a:cs typeface="Arial"/>
-              </a:rPr>
-              <a:t>C</a:t>
-            </a:r>
-            <a:r>
-              <a:rPr sz="2700" b="1" spc="11" dirty="0">
-                <a:solidFill>
-                  <a:srgbClr val="4C4D4F"/>
-                </a:solidFill>
-                <a:latin typeface="Arial"/>
-                <a:cs typeface="Arial"/>
-              </a:rPr>
-              <a:t>o</a:t>
-            </a:r>
-            <a:r>
-              <a:rPr sz="2700" b="1" spc="-33" dirty="0">
-                <a:solidFill>
-                  <a:srgbClr val="4C4D4F"/>
-                </a:solidFill>
-                <a:latin typeface="Arial"/>
-                <a:cs typeface="Arial"/>
-              </a:rPr>
-              <a:t>p</a:t>
-            </a:r>
-            <a:r>
-              <a:rPr sz="2700" b="1" dirty="0">
-                <a:solidFill>
-                  <a:srgbClr val="4C4D4F"/>
-                </a:solidFill>
-                <a:latin typeface="Arial"/>
-                <a:cs typeface="Arial"/>
-              </a:rPr>
-              <a:t>y</a:t>
-            </a:r>
-            <a:r>
-              <a:rPr sz="2700" b="1" spc="11" dirty="0">
-                <a:solidFill>
-                  <a:srgbClr val="4C4D4F"/>
-                </a:solidFill>
-                <a:latin typeface="Arial"/>
-                <a:cs typeface="Arial"/>
-              </a:rPr>
-              <a:t>r</a:t>
-            </a:r>
-            <a:r>
-              <a:rPr sz="2700" b="1" dirty="0">
-                <a:solidFill>
-                  <a:srgbClr val="4C4D4F"/>
-                </a:solidFill>
-                <a:latin typeface="Arial"/>
-                <a:cs typeface="Arial"/>
-              </a:rPr>
-              <a:t>i</a:t>
-            </a:r>
-            <a:r>
-              <a:rPr sz="2700" b="1" spc="11" dirty="0">
-                <a:solidFill>
-                  <a:srgbClr val="4C4D4F"/>
-                </a:solidFill>
-                <a:latin typeface="Arial"/>
-                <a:cs typeface="Arial"/>
-              </a:rPr>
-              <a:t>ght</a:t>
-            </a:r>
-            <a:r>
-              <a:rPr sz="2700" b="1" spc="22" dirty="0">
-                <a:solidFill>
-                  <a:srgbClr val="4C4D4F"/>
-                </a:solidFill>
-                <a:latin typeface="Arial"/>
-                <a:cs typeface="Arial"/>
-              </a:rPr>
-              <a:t> </a:t>
-            </a:r>
-            <a:r>
-              <a:rPr sz="2700" b="1" dirty="0">
-                <a:solidFill>
-                  <a:srgbClr val="4C4D4F"/>
-                </a:solidFill>
-                <a:latin typeface="Arial"/>
-                <a:cs typeface="Arial"/>
-              </a:rPr>
-              <a:t>an</a:t>
-            </a:r>
-            <a:r>
-              <a:rPr sz="2700" b="1" spc="33" dirty="0">
-                <a:solidFill>
-                  <a:srgbClr val="4C4D4F"/>
-                </a:solidFill>
-                <a:latin typeface="Arial"/>
-                <a:cs typeface="Arial"/>
-              </a:rPr>
-              <a:t>d</a:t>
-            </a:r>
-            <a:r>
-              <a:rPr sz="2700" b="1" spc="22" dirty="0">
-                <a:solidFill>
-                  <a:srgbClr val="4C4D4F"/>
-                </a:solidFill>
-                <a:latin typeface="Arial"/>
-                <a:cs typeface="Arial"/>
-              </a:rPr>
-              <a:t> </a:t>
-            </a:r>
-            <a:r>
-              <a:rPr sz="2700" b="1" dirty="0">
-                <a:solidFill>
-                  <a:srgbClr val="4C4D4F"/>
-                </a:solidFill>
-                <a:latin typeface="Arial"/>
-                <a:cs typeface="Arial"/>
-              </a:rPr>
-              <a:t>I</a:t>
-            </a:r>
-            <a:r>
-              <a:rPr sz="2700" b="1" spc="11" dirty="0">
-                <a:solidFill>
-                  <a:srgbClr val="4C4D4F"/>
-                </a:solidFill>
-                <a:latin typeface="Arial"/>
-                <a:cs typeface="Arial"/>
-              </a:rPr>
-              <a:t>nt</a:t>
-            </a:r>
-            <a:r>
-              <a:rPr sz="2700" b="1" dirty="0">
-                <a:solidFill>
-                  <a:srgbClr val="4C4D4F"/>
-                </a:solidFill>
-                <a:latin typeface="Arial"/>
-                <a:cs typeface="Arial"/>
-              </a:rPr>
-              <a:t>e</a:t>
-            </a:r>
-            <a:r>
-              <a:rPr sz="2700" b="1" spc="-22" dirty="0">
-                <a:solidFill>
-                  <a:srgbClr val="4C4D4F"/>
-                </a:solidFill>
-                <a:latin typeface="Arial"/>
-                <a:cs typeface="Arial"/>
-              </a:rPr>
-              <a:t>l</a:t>
-            </a:r>
-            <a:r>
-              <a:rPr sz="2700" b="1" dirty="0">
-                <a:solidFill>
-                  <a:srgbClr val="4C4D4F"/>
-                </a:solidFill>
-                <a:latin typeface="Arial"/>
-                <a:cs typeface="Arial"/>
-              </a:rPr>
-              <a:t>le</a:t>
-            </a:r>
-            <a:r>
-              <a:rPr sz="2700" b="1" spc="33" dirty="0">
-                <a:solidFill>
-                  <a:srgbClr val="4C4D4F"/>
-                </a:solidFill>
-                <a:latin typeface="Arial"/>
-                <a:cs typeface="Arial"/>
-              </a:rPr>
-              <a:t>c</a:t>
-            </a:r>
-            <a:r>
-              <a:rPr sz="2700" b="1" dirty="0">
-                <a:solidFill>
-                  <a:srgbClr val="4C4D4F"/>
-                </a:solidFill>
-                <a:latin typeface="Arial"/>
-                <a:cs typeface="Arial"/>
-              </a:rPr>
-              <a:t>t</a:t>
-            </a:r>
-            <a:r>
-              <a:rPr sz="2700" b="1" spc="22" dirty="0">
-                <a:solidFill>
-                  <a:srgbClr val="4C4D4F"/>
-                </a:solidFill>
-                <a:latin typeface="Arial"/>
-                <a:cs typeface="Arial"/>
-              </a:rPr>
-              <a:t>u</a:t>
-            </a:r>
-            <a:r>
-              <a:rPr sz="2700" b="1" dirty="0">
-                <a:solidFill>
-                  <a:srgbClr val="4C4D4F"/>
-                </a:solidFill>
-                <a:latin typeface="Arial"/>
-                <a:cs typeface="Arial"/>
-              </a:rPr>
-              <a:t>a</a:t>
-            </a:r>
-            <a:r>
-              <a:rPr sz="2700" b="1" spc="11" dirty="0">
-                <a:solidFill>
-                  <a:srgbClr val="4C4D4F"/>
-                </a:solidFill>
-                <a:latin typeface="Arial"/>
-                <a:cs typeface="Arial"/>
-              </a:rPr>
-              <a:t>l</a:t>
-            </a:r>
-            <a:r>
-              <a:rPr sz="2700" b="1" spc="22" dirty="0">
-                <a:solidFill>
-                  <a:srgbClr val="4C4D4F"/>
-                </a:solidFill>
-                <a:latin typeface="Arial"/>
-                <a:cs typeface="Arial"/>
-              </a:rPr>
-              <a:t> </a:t>
-            </a:r>
-            <a:r>
-              <a:rPr sz="2700" b="1" spc="-33" dirty="0">
-                <a:solidFill>
-                  <a:srgbClr val="4C4D4F"/>
-                </a:solidFill>
-                <a:latin typeface="Arial"/>
-                <a:cs typeface="Arial"/>
-              </a:rPr>
-              <a:t>P</a:t>
-            </a:r>
-            <a:r>
-              <a:rPr sz="2700" b="1" spc="-22" dirty="0">
-                <a:solidFill>
-                  <a:srgbClr val="4C4D4F"/>
-                </a:solidFill>
-                <a:latin typeface="Arial"/>
-                <a:cs typeface="Arial"/>
-              </a:rPr>
-              <a:t>r</a:t>
-            </a:r>
-            <a:r>
-              <a:rPr sz="2700" b="1" spc="11" dirty="0">
-                <a:solidFill>
-                  <a:srgbClr val="4C4D4F"/>
-                </a:solidFill>
-                <a:latin typeface="Arial"/>
-                <a:cs typeface="Arial"/>
-              </a:rPr>
-              <a:t>o</a:t>
-            </a:r>
-            <a:r>
-              <a:rPr sz="2700" b="1" spc="33" dirty="0">
-                <a:solidFill>
-                  <a:srgbClr val="4C4D4F"/>
-                </a:solidFill>
-                <a:latin typeface="Arial"/>
-                <a:cs typeface="Arial"/>
-              </a:rPr>
-              <a:t>p</a:t>
-            </a:r>
-            <a:r>
-              <a:rPr sz="2700" b="1" dirty="0">
-                <a:solidFill>
-                  <a:srgbClr val="4C4D4F"/>
-                </a:solidFill>
-                <a:latin typeface="Arial"/>
-                <a:cs typeface="Arial"/>
-              </a:rPr>
-              <a:t>e</a:t>
-            </a:r>
-            <a:r>
-              <a:rPr sz="2700" b="1" spc="98" dirty="0">
-                <a:solidFill>
-                  <a:srgbClr val="4C4D4F"/>
-                </a:solidFill>
-                <a:latin typeface="Arial"/>
-                <a:cs typeface="Arial"/>
-              </a:rPr>
-              <a:t>r</a:t>
-            </a:r>
-            <a:r>
-              <a:rPr sz="2700" b="1" spc="55" dirty="0">
-                <a:solidFill>
-                  <a:srgbClr val="4C4D4F"/>
-                </a:solidFill>
-                <a:latin typeface="Arial"/>
-                <a:cs typeface="Arial"/>
-              </a:rPr>
-              <a:t>t</a:t>
-            </a:r>
-            <a:r>
-              <a:rPr sz="2700" b="1" spc="22" dirty="0">
-                <a:solidFill>
-                  <a:srgbClr val="4C4D4F"/>
-                </a:solidFill>
-                <a:latin typeface="Arial"/>
-                <a:cs typeface="Arial"/>
-              </a:rPr>
-              <a:t>y G</a:t>
-            </a:r>
-            <a:r>
-              <a:rPr sz="2700" b="1" dirty="0">
-                <a:solidFill>
-                  <a:srgbClr val="4C4D4F"/>
-                </a:solidFill>
-                <a:latin typeface="Arial"/>
-                <a:cs typeface="Arial"/>
-              </a:rPr>
-              <a:t>ui</a:t>
-            </a:r>
-            <a:r>
-              <a:rPr sz="2700" b="1" spc="33" dirty="0">
-                <a:solidFill>
-                  <a:srgbClr val="4C4D4F"/>
-                </a:solidFill>
-                <a:latin typeface="Arial"/>
-                <a:cs typeface="Arial"/>
-              </a:rPr>
-              <a:t>d</a:t>
-            </a:r>
-            <a:r>
-              <a:rPr sz="2700" b="1" dirty="0">
-                <a:solidFill>
-                  <a:srgbClr val="4C4D4F"/>
-                </a:solidFill>
-                <a:latin typeface="Arial"/>
-                <a:cs typeface="Arial"/>
-              </a:rPr>
-              <a:t>e</a:t>
-            </a:r>
-            <a:r>
-              <a:rPr sz="2700" b="1" spc="-22" dirty="0">
-                <a:solidFill>
-                  <a:srgbClr val="4C4D4F"/>
-                </a:solidFill>
-                <a:latin typeface="Arial"/>
-                <a:cs typeface="Arial"/>
-              </a:rPr>
-              <a:t>li</a:t>
-            </a:r>
-            <a:r>
-              <a:rPr sz="2700" b="1" spc="22" dirty="0">
-                <a:solidFill>
-                  <a:srgbClr val="4C4D4F"/>
-                </a:solidFill>
-                <a:latin typeface="Arial"/>
-                <a:cs typeface="Arial"/>
-              </a:rPr>
-              <a:t>n</a:t>
-            </a:r>
-            <a:r>
-              <a:rPr sz="2700" b="1" spc="11" dirty="0">
-                <a:solidFill>
-                  <a:srgbClr val="4C4D4F"/>
-                </a:solidFill>
-                <a:latin typeface="Arial"/>
-                <a:cs typeface="Arial"/>
-              </a:rPr>
-              <a:t>e</a:t>
-            </a:r>
-            <a:r>
-              <a:rPr sz="2700" b="1" spc="22" dirty="0">
-                <a:solidFill>
-                  <a:srgbClr val="4C4D4F"/>
-                </a:solidFill>
-                <a:latin typeface="Arial"/>
-                <a:cs typeface="Arial"/>
-              </a:rPr>
-              <a:t>s</a:t>
-            </a:r>
-            <a:endParaRPr sz="2700" dirty="0">
+              <a:rPr lang="en-US" sz="2700" spc="11" dirty="0">
+                <a:solidFill>
+                  <a:srgbClr val="231F20"/>
+                </a:solidFill>
+                <a:latin typeface="Arial"/>
+                <a:cs typeface="Arial"/>
+              </a:rPr>
+              <a:t>The game Taxi is relatively simple. It consists of a 5x6 map with obstacles and 4 pickup/drop-off spots for passengers. The Taxi has 6 possible moves. Translation in the 4 directions and picking up and dropping off a passenger.</a:t>
+            </a:r>
+          </a:p>
+          <a:p>
+            <a:pPr marL="27719"/>
+            <a:endParaRPr lang="en-US" sz="2700" spc="11" dirty="0">
+              <a:solidFill>
+                <a:srgbClr val="231F20"/>
+              </a:solidFill>
               <a:latin typeface="Arial"/>
               <a:cs typeface="Arial"/>
             </a:endParaRPr>
           </a:p>
           <a:p>
-            <a:pPr marL="27719" marR="426873">
-              <a:lnSpc>
-                <a:spcPct val="102899"/>
-              </a:lnSpc>
-              <a:spcBef>
-                <a:spcPts val="742"/>
-              </a:spcBef>
-            </a:pPr>
-            <a:r>
-              <a:rPr lang="en-US" sz="3100"/>
-              <a:t>In today’s world, just about everything is copyrighted whether it carries the copyright symbol© or not. Under today’s law, materials are protected by copyright as soon as they are completed. Copyright applies broadly to all creative pieces, whether written on paper, sculpted in stone, found in cyberspace or created on videotape. For more information, visit </a:t>
-            </a:r>
-            <a:r>
-              <a:rPr lang="en-US" sz="3100" u="sng">
-                <a:hlinkClick r:id="rId2"/>
-              </a:rPr>
-              <a:t>http://go.osu.edu/copyrightresource</a:t>
-            </a:r>
-            <a:r>
-              <a:rPr lang="en-US" sz="3100"/>
-              <a:t> or send an email to </a:t>
-            </a:r>
-            <a:r>
-              <a:rPr lang="en-US" sz="3100" u="sng"/>
-              <a:t>libcopyright@osu.edu</a:t>
-            </a:r>
-            <a:r>
-              <a:rPr lang="en-US" sz="3100"/>
-              <a:t>.</a:t>
-            </a:r>
-            <a:endParaRPr lang="en-US" sz="3100">
-              <a:latin typeface="Arial"/>
-              <a:cs typeface="Arial"/>
-            </a:endParaRPr>
+            <a:pPr marL="27719"/>
+            <a:r>
+              <a:rPr lang="en-US" sz="2700" spc="11" dirty="0">
+                <a:solidFill>
+                  <a:srgbClr val="231F20"/>
+                </a:solidFill>
+                <a:latin typeface="Arial"/>
+                <a:cs typeface="Arial"/>
+              </a:rPr>
+              <a:t>Since it offers a "Transferable Skill," this game is particularly significant for training AI models. Robots can learn how to move in the real world by being trained on this game at a larger scale with more complicated terrain, which may include movement in the third dimension.</a:t>
+            </a:r>
           </a:p>
         </p:txBody>
       </p:sp>
@@ -12196,7 +8453,7 @@
                 <a:latin typeface="Arial"/>
                 <a:cs typeface="Arial"/>
               </a:rPr>
-              <a:t>Score v/s Generation No.</a:t>
+              <a:t>Avg Score v/s Generation No.</a:t>
             </a:r>
             <a:endParaRPr sz="2700" dirty="0">
               <a:latin typeface="Arial"/>
@@ -12355,7 +8612,7 @@
         <p:spPr>
           <a:xfrm>
             <a:off x="12088074" y="7219197"/>
-            <a:ext cx="9062438" cy="6092297"/>
+            <a:ext cx="9062438" cy="6148543"/>
           </a:xfrm>
           <a:prstGeom prst="rect">
             <a:avLst/>
@@ -12373,24 +8630,69 @@
               </a:lnSpc>
             </a:pPr>
             <a:r>
-              <a:rPr sz="3500" b="1" spc="-11" dirty="0">
-                <a:solidFill>
-                  <a:srgbClr val="231F20"/>
-                </a:solidFill>
-                <a:latin typeface="Arial"/>
-                <a:cs typeface="Arial"/>
-              </a:rPr>
-              <a:t>METHODS</a:t>
+              <a:rPr lang="en-US" sz="3500" b="1" spc="-11" dirty="0">
+                <a:solidFill>
+                  <a:srgbClr val="231F20"/>
+                </a:solidFill>
+                <a:latin typeface="Arial"/>
+                <a:cs typeface="Arial"/>
+              </a:rPr>
+              <a:t>Q-Learning</a:t>
             </a:r>
           </a:p>
           <a:p>
-            <a:pPr>
+            <a:pPr marL="19958">
               <a:lnSpc>
-                <a:spcPts val="2837"/>
+                <a:spcPct val="110000"/>
               </a:lnSpc>
-              <a:spcBef>
-                <a:spcPts val="46"/>
-              </a:spcBef>
+            </a:pPr>
+            <a:r>
+              <a:rPr lang="en-US" sz="2700" spc="11" dirty="0">
+                <a:solidFill>
+                  <a:srgbClr val="231F20"/>
+                </a:solidFill>
+                <a:latin typeface="Arial"/>
+                <a:cs typeface="Arial"/>
+              </a:rPr>
+              <a:t>The Artificial Intelligence uses a value-based method. It decides the best move based on a Q-function which depends on the current state and on Q-values.</a:t>
+            </a:r>
+          </a:p>
+          <a:p>
+            <a:pPr marL="19958">
+              <a:lnSpc>
+                <a:spcPct val="110000"/>
+              </a:lnSpc>
+            </a:pPr>
+            <a:endParaRPr lang="en-US" sz="2700" spc="11" dirty="0">
+              <a:solidFill>
+                <a:srgbClr val="231F20"/>
+              </a:solidFill>
+              <a:latin typeface="Arial"/>
+              <a:cs typeface="Arial"/>
+            </a:endParaRPr>
+          </a:p>
+          <a:p>
+            <a:pPr marL="19958">
+              <a:lnSpc>
+                <a:spcPct val="110000"/>
+              </a:lnSpc>
+            </a:pPr>
+            <a:r>
+              <a:rPr lang="en-US" sz="2700" spc="11" dirty="0">
+                <a:solidFill>
+                  <a:srgbClr val="231F20"/>
+                </a:solidFill>
+                <a:latin typeface="Arial"/>
+                <a:cs typeface="Arial"/>
+              </a:rPr>
+              <a:t>It uses an Epsilon-Greedy Algorithm to converge towards the Q-values with the highest reward potential.</a:t>
+            </a:r>
+          </a:p>
+          <a:p>
+            <a:pPr marL="19958">
+              <a:lnSpc>
+                <a:spcPct val="110000"/>
+              </a:lnSpc>
             </a:pPr>
             <a:endParaRPr sz="2800" dirty="0"/>
           </a:p>
@@ -12404,7 +8706,7 @@
                 <a:latin typeface="Arial"/>
                 <a:cs typeface="Arial"/>
               </a:rPr>
-              <a:t>Q - Learning</a:t>
+              <a:t>Temporal Difference Method</a:t>
             </a:r>
             <a:endParaRPr lang="en-US" sz="2700" dirty="0">
               <a:latin typeface="Arial"/>
@@ -12428,1775 +8730,19 @@
                 <a:latin typeface="Arial"/>
                 <a:cs typeface="Arial"/>
               </a:rPr>
-              <a:t>B</a:t>
-            </a:r>
-            <a:r>
-              <a:rPr lang="en-US" sz="2700" spc="22" dirty="0">
-                <a:solidFill>
-                  <a:srgbClr val="231F20"/>
-                </a:solidFill>
-                <a:latin typeface="Arial"/>
-                <a:cs typeface="Arial"/>
-              </a:rPr>
-              <a:t>e </a:t>
-            </a:r>
-            <a:r>
-              <a:rPr lang="en-US" sz="2700" spc="-22" dirty="0">
-                <a:solidFill>
-                  <a:srgbClr val="231F20"/>
-                </a:solidFill>
-                <a:latin typeface="Arial"/>
-                <a:cs typeface="Arial"/>
-              </a:rPr>
-              <a:t>sur</a:t>
-            </a:r>
-            <a:r>
-              <a:rPr lang="en-US" sz="2700" spc="22" dirty="0">
-                <a:solidFill>
-                  <a:srgbClr val="231F20"/>
-                </a:solidFill>
-                <a:latin typeface="Arial"/>
-                <a:cs typeface="Arial"/>
-              </a:rPr>
-              <a:t>e </a:t>
-            </a:r>
-            <a:r>
-              <a:rPr lang="en-US" sz="2700" spc="-44" dirty="0">
-                <a:solidFill>
-                  <a:srgbClr val="231F20"/>
-                </a:solidFill>
-                <a:latin typeface="Arial"/>
-                <a:cs typeface="Arial"/>
-              </a:rPr>
-              <a:t>t</a:t>
-            </a:r>
-            <a:r>
-              <a:rPr lang="en-US" sz="2700" spc="22" dirty="0">
-                <a:solidFill>
-                  <a:srgbClr val="231F20"/>
-                </a:solidFill>
-                <a:latin typeface="Arial"/>
-                <a:cs typeface="Arial"/>
-              </a:rPr>
-              <a:t>o </a:t>
-            </a:r>
-            <a:r>
-              <a:rPr lang="en-US" sz="2700" spc="-22" dirty="0">
-                <a:solidFill>
-                  <a:srgbClr val="231F20"/>
-                </a:solidFill>
-                <a:latin typeface="Arial"/>
-                <a:cs typeface="Arial"/>
-              </a:rPr>
-              <a:t>s</a:t>
-            </a:r>
-            <a:r>
-              <a:rPr lang="en-US" sz="2700" dirty="0">
-                <a:solidFill>
-                  <a:srgbClr val="231F20"/>
-                </a:solidFill>
-                <a:latin typeface="Arial"/>
-                <a:cs typeface="Arial"/>
-              </a:rPr>
-              <a:t>p</a:t>
-            </a:r>
-            <a:r>
-              <a:rPr lang="en-US" sz="2700" spc="-11" dirty="0">
-                <a:solidFill>
-                  <a:srgbClr val="231F20"/>
-                </a:solidFill>
-                <a:latin typeface="Arial"/>
-                <a:cs typeface="Arial"/>
-              </a:rPr>
-              <a:t>e</a:t>
-            </a:r>
-            <a:r>
-              <a:rPr lang="en-US" sz="2700" spc="-33" dirty="0">
-                <a:solidFill>
-                  <a:srgbClr val="231F20"/>
-                </a:solidFill>
-                <a:latin typeface="Arial"/>
-                <a:cs typeface="Arial"/>
-              </a:rPr>
-              <a:t>l</a:t>
-            </a:r>
-            <a:r>
-              <a:rPr lang="en-US" sz="2700" spc="11" dirty="0">
-                <a:solidFill>
-                  <a:srgbClr val="231F20"/>
-                </a:solidFill>
-                <a:latin typeface="Arial"/>
-                <a:cs typeface="Arial"/>
-              </a:rPr>
-              <a:t>l</a:t>
-            </a:r>
-            <a:r>
-              <a:rPr lang="en-US" sz="2700" spc="22" dirty="0">
-                <a:solidFill>
-                  <a:srgbClr val="231F20"/>
-                </a:solidFill>
-                <a:latin typeface="Arial"/>
-                <a:cs typeface="Arial"/>
-              </a:rPr>
-              <a:t> </a:t>
-            </a:r>
-            <a:r>
-              <a:rPr lang="en-US" sz="2700" spc="11" dirty="0">
-                <a:solidFill>
-                  <a:srgbClr val="231F20"/>
-                </a:solidFill>
-                <a:latin typeface="Arial"/>
-                <a:cs typeface="Arial"/>
-              </a:rPr>
-              <a:t>c</a:t>
-            </a:r>
-            <a:r>
-              <a:rPr lang="en-US" sz="2700" spc="-11" dirty="0">
-                <a:solidFill>
-                  <a:srgbClr val="231F20"/>
-                </a:solidFill>
-                <a:latin typeface="Arial"/>
-                <a:cs typeface="Arial"/>
-              </a:rPr>
-              <a:t>he</a:t>
-            </a:r>
-            <a:r>
-              <a:rPr lang="en-US" sz="2700" spc="11" dirty="0">
-                <a:solidFill>
-                  <a:srgbClr val="231F20"/>
-                </a:solidFill>
-                <a:latin typeface="Arial"/>
-                <a:cs typeface="Arial"/>
-              </a:rPr>
-              <a:t>c</a:t>
-            </a:r>
-            <a:r>
-              <a:rPr lang="en-US" sz="2700" spc="22" dirty="0">
-                <a:solidFill>
-                  <a:srgbClr val="231F20"/>
-                </a:solidFill>
-                <a:latin typeface="Arial"/>
-                <a:cs typeface="Arial"/>
-              </a:rPr>
-              <a:t>k </a:t>
-            </a:r>
-            <a:r>
-              <a:rPr lang="en-US" sz="2700" spc="-22" dirty="0">
-                <a:solidFill>
-                  <a:srgbClr val="231F20"/>
-                </a:solidFill>
-                <a:latin typeface="Arial"/>
-                <a:cs typeface="Arial"/>
-              </a:rPr>
-              <a:t>a</a:t>
-            </a:r>
-            <a:r>
-              <a:rPr lang="en-US" sz="2700" spc="-33" dirty="0">
-                <a:solidFill>
-                  <a:srgbClr val="231F20"/>
-                </a:solidFill>
-                <a:latin typeface="Arial"/>
-                <a:cs typeface="Arial"/>
-              </a:rPr>
-              <a:t>l</a:t>
-            </a:r>
-            <a:r>
-              <a:rPr lang="en-US" sz="2700" spc="11" dirty="0">
-                <a:solidFill>
-                  <a:srgbClr val="231F20"/>
-                </a:solidFill>
-                <a:latin typeface="Arial"/>
-                <a:cs typeface="Arial"/>
-              </a:rPr>
-              <a:t>l</a:t>
-            </a:r>
-            <a:r>
-              <a:rPr lang="en-US" sz="2700" spc="22" dirty="0">
-                <a:solidFill>
-                  <a:srgbClr val="231F20"/>
-                </a:solidFill>
-                <a:latin typeface="Arial"/>
-                <a:cs typeface="Arial"/>
-              </a:rPr>
-              <a:t> </a:t>
-            </a:r>
-            <a:r>
-              <a:rPr lang="en-US" sz="2700" spc="-44" dirty="0">
-                <a:solidFill>
-                  <a:srgbClr val="231F20"/>
-                </a:solidFill>
-                <a:latin typeface="Arial"/>
-                <a:cs typeface="Arial"/>
-              </a:rPr>
-              <a:t>t</a:t>
-            </a:r>
-            <a:r>
-              <a:rPr lang="en-US" sz="2700" spc="-76" dirty="0">
-                <a:solidFill>
-                  <a:srgbClr val="231F20"/>
-                </a:solidFill>
-                <a:latin typeface="Arial"/>
-                <a:cs typeface="Arial"/>
-              </a:rPr>
-              <a:t>e</a:t>
-            </a:r>
-            <a:r>
-              <a:rPr lang="en-US" sz="2700" spc="55" dirty="0">
-                <a:solidFill>
-                  <a:srgbClr val="231F20"/>
-                </a:solidFill>
-                <a:latin typeface="Arial"/>
-                <a:cs typeface="Arial"/>
-              </a:rPr>
-              <a:t>x</a:t>
-            </a:r>
-            <a:r>
-              <a:rPr lang="en-US" sz="2700" spc="11" dirty="0">
-                <a:solidFill>
-                  <a:srgbClr val="231F20"/>
-                </a:solidFill>
-                <a:latin typeface="Arial"/>
-                <a:cs typeface="Arial"/>
-              </a:rPr>
-              <a:t>t</a:t>
-            </a:r>
-            <a:r>
-              <a:rPr lang="en-US" sz="2700" spc="22" dirty="0">
-                <a:solidFill>
-                  <a:srgbClr val="231F20"/>
-                </a:solidFill>
-                <a:latin typeface="Arial"/>
-                <a:cs typeface="Arial"/>
-              </a:rPr>
-              <a:t> </a:t>
-            </a:r>
-            <a:r>
-              <a:rPr lang="en-US" sz="2700" spc="-22" dirty="0">
-                <a:solidFill>
-                  <a:srgbClr val="231F20"/>
-                </a:solidFill>
-                <a:latin typeface="Arial"/>
-                <a:cs typeface="Arial"/>
-              </a:rPr>
-              <a:t>a</a:t>
-            </a:r>
-            <a:r>
-              <a:rPr lang="en-US" sz="2700" spc="-11" dirty="0">
-                <a:solidFill>
-                  <a:srgbClr val="231F20"/>
-                </a:solidFill>
-                <a:latin typeface="Arial"/>
-                <a:cs typeface="Arial"/>
-              </a:rPr>
-              <a:t>n</a:t>
-            </a:r>
-            <a:r>
-              <a:rPr lang="en-US" sz="2700" spc="22" dirty="0">
-                <a:solidFill>
-                  <a:srgbClr val="231F20"/>
-                </a:solidFill>
-                <a:latin typeface="Arial"/>
-                <a:cs typeface="Arial"/>
-              </a:rPr>
-              <a:t>d </a:t>
-            </a:r>
-            <a:r>
-              <a:rPr lang="en-US" sz="2700" spc="-22" dirty="0">
-                <a:solidFill>
-                  <a:srgbClr val="231F20"/>
-                </a:solidFill>
-                <a:latin typeface="Arial"/>
-                <a:cs typeface="Arial"/>
-              </a:rPr>
-              <a:t>h</a:t>
-            </a:r>
-            <a:r>
-              <a:rPr lang="en-US" sz="2700" spc="-65" dirty="0">
-                <a:solidFill>
-                  <a:srgbClr val="231F20"/>
-                </a:solidFill>
-                <a:latin typeface="Arial"/>
-                <a:cs typeface="Arial"/>
-              </a:rPr>
-              <a:t>a</a:t>
-            </a:r>
-            <a:r>
-              <a:rPr lang="en-US" sz="2700" spc="-55" dirty="0">
-                <a:solidFill>
-                  <a:srgbClr val="231F20"/>
-                </a:solidFill>
-                <a:latin typeface="Arial"/>
-                <a:cs typeface="Arial"/>
-              </a:rPr>
-              <a:t>v</a:t>
-            </a:r>
-            <a:r>
-              <a:rPr lang="en-US" sz="2700" spc="22" dirty="0">
-                <a:solidFill>
-                  <a:srgbClr val="231F20"/>
-                </a:solidFill>
-                <a:latin typeface="Arial"/>
-                <a:cs typeface="Arial"/>
-              </a:rPr>
-              <a:t>e </a:t>
-            </a:r>
-            <a:r>
-              <a:rPr lang="en-US" sz="2700" spc="-11" dirty="0">
-                <a:solidFill>
-                  <a:srgbClr val="231F20"/>
-                </a:solidFill>
-                <a:latin typeface="Arial"/>
-                <a:cs typeface="Arial"/>
-              </a:rPr>
-              <a:t>t</a:t>
-            </a:r>
-            <a:r>
-              <a:rPr lang="en-US" sz="2700" spc="22" dirty="0">
-                <a:solidFill>
-                  <a:srgbClr val="231F20"/>
-                </a:solidFill>
-                <a:latin typeface="Arial"/>
-                <a:cs typeface="Arial"/>
-              </a:rPr>
-              <a:t>r</a:t>
-            </a:r>
-            <a:r>
-              <a:rPr lang="en-US" sz="2700" spc="-22" dirty="0">
-                <a:solidFill>
-                  <a:srgbClr val="231F20"/>
-                </a:solidFill>
-                <a:latin typeface="Arial"/>
-                <a:cs typeface="Arial"/>
-              </a:rPr>
-              <a:t>us</a:t>
-            </a:r>
-            <a:r>
-              <a:rPr lang="en-US" sz="2700" spc="-44" dirty="0">
-                <a:solidFill>
-                  <a:srgbClr val="231F20"/>
-                </a:solidFill>
-                <a:latin typeface="Arial"/>
-                <a:cs typeface="Arial"/>
-              </a:rPr>
-              <a:t>t</a:t>
-            </a:r>
-            <a:r>
-              <a:rPr lang="en-US" sz="2700" dirty="0">
-                <a:solidFill>
-                  <a:srgbClr val="231F20"/>
-                </a:solidFill>
-                <a:latin typeface="Arial"/>
-                <a:cs typeface="Arial"/>
-              </a:rPr>
-              <a:t>e</a:t>
-            </a:r>
-            <a:r>
-              <a:rPr lang="en-US" sz="2700" spc="22" dirty="0">
-                <a:solidFill>
-                  <a:srgbClr val="231F20"/>
-                </a:solidFill>
-                <a:latin typeface="Arial"/>
-                <a:cs typeface="Arial"/>
-              </a:rPr>
-              <a:t>d </a:t>
-            </a:r>
-            <a:r>
-              <a:rPr lang="en-US" sz="2700" spc="33" dirty="0">
-                <a:solidFill>
-                  <a:srgbClr val="231F20"/>
-                </a:solidFill>
-                <a:latin typeface="Arial"/>
-                <a:cs typeface="Arial"/>
-              </a:rPr>
-              <a:t>c</a:t>
-            </a:r>
-            <a:r>
-              <a:rPr lang="en-US" sz="2700" dirty="0">
-                <a:solidFill>
-                  <a:srgbClr val="231F20"/>
-                </a:solidFill>
-                <a:latin typeface="Arial"/>
-                <a:cs typeface="Arial"/>
-              </a:rPr>
-              <a:t>o</a:t>
-            </a:r>
-            <a:r>
-              <a:rPr lang="en-US" sz="2700" spc="-33" dirty="0">
-                <a:solidFill>
-                  <a:srgbClr val="231F20"/>
-                </a:solidFill>
-                <a:latin typeface="Arial"/>
-                <a:cs typeface="Arial"/>
-              </a:rPr>
-              <a:t>l</a:t>
-            </a:r>
-            <a:r>
-              <a:rPr lang="en-US" sz="2700" spc="-22" dirty="0">
-                <a:solidFill>
-                  <a:srgbClr val="231F20"/>
-                </a:solidFill>
-                <a:latin typeface="Arial"/>
-                <a:cs typeface="Arial"/>
-              </a:rPr>
-              <a:t>l</a:t>
-            </a:r>
-            <a:r>
-              <a:rPr lang="en-US" sz="2700" spc="-11" dirty="0">
-                <a:solidFill>
-                  <a:srgbClr val="231F20"/>
-                </a:solidFill>
-                <a:latin typeface="Arial"/>
-                <a:cs typeface="Arial"/>
-              </a:rPr>
-              <a:t>e</a:t>
-            </a:r>
-            <a:r>
-              <a:rPr lang="en-US" sz="2700" spc="-22" dirty="0">
-                <a:solidFill>
-                  <a:srgbClr val="231F20"/>
-                </a:solidFill>
-                <a:latin typeface="Arial"/>
-                <a:cs typeface="Arial"/>
-              </a:rPr>
-              <a:t>a</a:t>
-            </a:r>
-            <a:r>
-              <a:rPr lang="en-US" sz="2700" spc="-11" dirty="0">
-                <a:solidFill>
-                  <a:srgbClr val="231F20"/>
-                </a:solidFill>
-                <a:latin typeface="Arial"/>
-                <a:cs typeface="Arial"/>
-              </a:rPr>
-              <a:t>gu</a:t>
-            </a:r>
-            <a:r>
-              <a:rPr lang="en-US" sz="2700" dirty="0">
-                <a:solidFill>
-                  <a:srgbClr val="231F20"/>
-                </a:solidFill>
-                <a:latin typeface="Arial"/>
-                <a:cs typeface="Arial"/>
-              </a:rPr>
-              <a:t>e</a:t>
-            </a:r>
-            <a:r>
-              <a:rPr lang="en-US" sz="2700" spc="22" dirty="0">
-                <a:solidFill>
-                  <a:srgbClr val="231F20"/>
-                </a:solidFill>
-                <a:latin typeface="Arial"/>
-                <a:cs typeface="Arial"/>
-              </a:rPr>
-              <a:t>s</a:t>
-            </a:r>
-            <a:r>
-              <a:rPr lang="en-US" sz="2700" spc="11" dirty="0">
-                <a:solidFill>
-                  <a:srgbClr val="231F20"/>
-                </a:solidFill>
-                <a:latin typeface="Arial"/>
-                <a:cs typeface="Arial"/>
-              </a:rPr>
-              <a:t> </a:t>
-            </a:r>
-            <a:r>
-              <a:rPr lang="en-US" sz="2700" spc="-11" dirty="0">
-                <a:solidFill>
-                  <a:srgbClr val="231F20"/>
-                </a:solidFill>
-                <a:latin typeface="Arial"/>
-                <a:cs typeface="Arial"/>
-              </a:rPr>
-              <a:t>p</a:t>
-            </a:r>
-            <a:r>
-              <a:rPr lang="en-US" sz="2700" spc="-22" dirty="0">
-                <a:solidFill>
-                  <a:srgbClr val="231F20"/>
-                </a:solidFill>
-                <a:latin typeface="Arial"/>
-                <a:cs typeface="Arial"/>
-              </a:rPr>
-              <a:t>r</a:t>
-            </a:r>
-            <a:r>
-              <a:rPr lang="en-US" sz="2700" dirty="0">
-                <a:solidFill>
-                  <a:srgbClr val="231F20"/>
-                </a:solidFill>
-                <a:latin typeface="Arial"/>
-                <a:cs typeface="Arial"/>
-              </a:rPr>
-              <a:t>o</a:t>
-            </a:r>
-            <a:r>
-              <a:rPr lang="en-US" sz="2700" spc="-33" dirty="0">
-                <a:solidFill>
-                  <a:srgbClr val="231F20"/>
-                </a:solidFill>
-                <a:latin typeface="Arial"/>
-                <a:cs typeface="Arial"/>
-              </a:rPr>
-              <a:t>o</a:t>
-            </a:r>
-            <a:r>
-              <a:rPr lang="en-US" sz="2700" dirty="0">
-                <a:solidFill>
-                  <a:srgbClr val="231F20"/>
-                </a:solidFill>
-                <a:latin typeface="Arial"/>
-                <a:cs typeface="Arial"/>
-              </a:rPr>
-              <a:t>f</a:t>
-            </a:r>
-            <a:r>
-              <a:rPr lang="en-US" sz="2700" spc="-22" dirty="0">
-                <a:solidFill>
-                  <a:srgbClr val="231F20"/>
-                </a:solidFill>
-                <a:latin typeface="Arial"/>
-                <a:cs typeface="Arial"/>
-              </a:rPr>
-              <a:t>r</a:t>
-            </a:r>
-            <a:r>
-              <a:rPr lang="en-US" sz="2700" spc="-11" dirty="0">
-                <a:solidFill>
-                  <a:srgbClr val="231F20"/>
-                </a:solidFill>
-                <a:latin typeface="Arial"/>
-                <a:cs typeface="Arial"/>
-              </a:rPr>
-              <a:t>e</a:t>
-            </a:r>
-            <a:r>
-              <a:rPr lang="en-US" sz="2700" spc="-22" dirty="0">
-                <a:solidFill>
-                  <a:srgbClr val="231F20"/>
-                </a:solidFill>
-                <a:latin typeface="Arial"/>
-                <a:cs typeface="Arial"/>
-              </a:rPr>
-              <a:t>a</a:t>
-            </a:r>
-            <a:r>
-              <a:rPr lang="en-US" sz="2700" spc="22" dirty="0">
-                <a:solidFill>
-                  <a:srgbClr val="231F20"/>
-                </a:solidFill>
-                <a:latin typeface="Arial"/>
-                <a:cs typeface="Arial"/>
-              </a:rPr>
-              <a:t>d </a:t>
-            </a:r>
-            <a:r>
-              <a:rPr lang="en-US" sz="2700" spc="-11" dirty="0">
-                <a:solidFill>
-                  <a:srgbClr val="231F20"/>
-                </a:solidFill>
-                <a:latin typeface="Arial"/>
-                <a:cs typeface="Arial"/>
-              </a:rPr>
-              <a:t>th</a:t>
-            </a:r>
-            <a:r>
-              <a:rPr lang="en-US" sz="2700" spc="22" dirty="0">
-                <a:solidFill>
-                  <a:srgbClr val="231F20"/>
-                </a:solidFill>
-                <a:latin typeface="Arial"/>
-                <a:cs typeface="Arial"/>
-              </a:rPr>
-              <a:t>e </a:t>
-            </a:r>
-            <a:r>
-              <a:rPr lang="en-US" sz="2700" dirty="0">
-                <a:solidFill>
-                  <a:srgbClr val="231F20"/>
-                </a:solidFill>
-                <a:latin typeface="Arial"/>
-                <a:cs typeface="Arial"/>
-              </a:rPr>
-              <a:t>po</a:t>
-            </a:r>
-            <a:r>
-              <a:rPr lang="en-US" sz="2700" spc="-22" dirty="0">
-                <a:solidFill>
-                  <a:srgbClr val="231F20"/>
-                </a:solidFill>
-                <a:latin typeface="Arial"/>
-                <a:cs typeface="Arial"/>
-              </a:rPr>
-              <a:t>s</a:t>
-            </a:r>
-            <a:r>
-              <a:rPr lang="en-US" sz="2700" spc="-44" dirty="0">
-                <a:solidFill>
-                  <a:srgbClr val="231F20"/>
-                </a:solidFill>
-                <a:latin typeface="Arial"/>
-                <a:cs typeface="Arial"/>
-              </a:rPr>
-              <a:t>t</a:t>
-            </a:r>
-            <a:r>
-              <a:rPr lang="en-US" sz="2700" spc="-11" dirty="0">
-                <a:solidFill>
-                  <a:srgbClr val="231F20"/>
-                </a:solidFill>
-                <a:latin typeface="Arial"/>
-                <a:cs typeface="Arial"/>
-              </a:rPr>
-              <a:t>e</a:t>
-            </a:r>
-            <a:r>
-              <a:rPr lang="en-US" sz="2700" spc="-207" dirty="0">
-                <a:solidFill>
-                  <a:srgbClr val="231F20"/>
-                </a:solidFill>
-                <a:latin typeface="Arial"/>
-                <a:cs typeface="Arial"/>
-              </a:rPr>
-              <a:t>r</a:t>
-            </a:r>
-            <a:r>
-              <a:rPr lang="en-US" sz="2700" spc="11" dirty="0">
-                <a:solidFill>
-                  <a:srgbClr val="231F20"/>
-                </a:solidFill>
-                <a:latin typeface="Arial"/>
-                <a:cs typeface="Arial"/>
-              </a:rPr>
-              <a:t>.</a:t>
-            </a:r>
-            <a:r>
-              <a:rPr lang="en-US" sz="2700" spc="22" dirty="0">
-                <a:solidFill>
-                  <a:srgbClr val="231F20"/>
-                </a:solidFill>
-                <a:latin typeface="Arial"/>
-                <a:cs typeface="Arial"/>
-              </a:rPr>
-              <a:t> </a:t>
-            </a:r>
-            <a:r>
-              <a:rPr lang="en-US" sz="2700" spc="-33" dirty="0">
-                <a:solidFill>
-                  <a:srgbClr val="231F20"/>
-                </a:solidFill>
-                <a:latin typeface="Arial"/>
-                <a:cs typeface="Arial"/>
-              </a:rPr>
-              <a:t>I</a:t>
-            </a:r>
-            <a:r>
-              <a:rPr lang="en-US" sz="2700" spc="22" dirty="0">
-                <a:solidFill>
-                  <a:srgbClr val="231F20"/>
-                </a:solidFill>
-                <a:latin typeface="Arial"/>
-                <a:cs typeface="Arial"/>
-              </a:rPr>
-              <a:t>n </a:t>
-            </a:r>
-            <a:r>
-              <a:rPr lang="en-US" sz="2700" spc="-11" dirty="0">
-                <a:solidFill>
-                  <a:srgbClr val="231F20"/>
-                </a:solidFill>
-                <a:latin typeface="Arial"/>
-                <a:cs typeface="Arial"/>
-              </a:rPr>
-              <a:t>gener</a:t>
-            </a:r>
-            <a:r>
-              <a:rPr lang="en-US" sz="2700" spc="-22" dirty="0">
-                <a:solidFill>
-                  <a:srgbClr val="231F20"/>
-                </a:solidFill>
-                <a:latin typeface="Arial"/>
-                <a:cs typeface="Arial"/>
-              </a:rPr>
-              <a:t>a</a:t>
-            </a:r>
-            <a:r>
-              <a:rPr lang="en-US" sz="2700" spc="-55" dirty="0">
-                <a:solidFill>
-                  <a:srgbClr val="231F20"/>
-                </a:solidFill>
-                <a:latin typeface="Arial"/>
-                <a:cs typeface="Arial"/>
-              </a:rPr>
-              <a:t>l</a:t>
-            </a:r>
-            <a:r>
-              <a:rPr lang="en-US" sz="2700" spc="11" dirty="0">
-                <a:solidFill>
-                  <a:srgbClr val="231F20"/>
-                </a:solidFill>
-                <a:latin typeface="Arial"/>
-                <a:cs typeface="Arial"/>
-              </a:rPr>
-              <a:t>,</a:t>
-            </a:r>
-            <a:r>
-              <a:rPr lang="en-US" sz="2700" spc="22" dirty="0">
-                <a:solidFill>
-                  <a:srgbClr val="231F20"/>
-                </a:solidFill>
-                <a:latin typeface="Arial"/>
-                <a:cs typeface="Arial"/>
-              </a:rPr>
-              <a:t> </a:t>
-            </a:r>
-            <a:r>
-              <a:rPr lang="en-US" sz="2700" spc="-33" dirty="0">
-                <a:solidFill>
-                  <a:srgbClr val="231F20"/>
-                </a:solidFill>
-                <a:latin typeface="Arial"/>
-                <a:cs typeface="Arial"/>
-              </a:rPr>
-              <a:t>a</a:t>
-            </a:r>
-            <a:r>
-              <a:rPr lang="en-US" sz="2700" spc="-22" dirty="0">
-                <a:solidFill>
-                  <a:srgbClr val="231F20"/>
-                </a:solidFill>
-                <a:latin typeface="Arial"/>
-                <a:cs typeface="Arial"/>
-              </a:rPr>
-              <a:t>u</a:t>
-            </a:r>
-            <a:r>
-              <a:rPr lang="en-US" sz="2700" spc="-11" dirty="0">
-                <a:solidFill>
-                  <a:srgbClr val="231F20"/>
-                </a:solidFill>
-                <a:latin typeface="Arial"/>
-                <a:cs typeface="Arial"/>
-              </a:rPr>
-              <a:t>th</a:t>
-            </a:r>
-            <a:r>
-              <a:rPr lang="en-US" sz="2700" dirty="0">
-                <a:solidFill>
-                  <a:srgbClr val="231F20"/>
-                </a:solidFill>
-                <a:latin typeface="Arial"/>
-                <a:cs typeface="Arial"/>
-              </a:rPr>
-              <a:t>o</a:t>
-            </a:r>
-            <a:r>
-              <a:rPr lang="en-US" sz="2700" spc="22" dirty="0">
-                <a:solidFill>
-                  <a:srgbClr val="231F20"/>
-                </a:solidFill>
-                <a:latin typeface="Arial"/>
-                <a:cs typeface="Arial"/>
-              </a:rPr>
-              <a:t>rs </a:t>
-            </a:r>
-            <a:r>
-              <a:rPr lang="en-US" sz="2700" spc="-22" dirty="0">
-                <a:solidFill>
-                  <a:srgbClr val="231F20"/>
-                </a:solidFill>
-                <a:latin typeface="Arial"/>
-                <a:cs typeface="Arial"/>
-              </a:rPr>
-              <a:t>s</a:t>
-            </a:r>
-            <a:r>
-              <a:rPr lang="en-US" sz="2700" spc="-11" dirty="0">
-                <a:solidFill>
-                  <a:srgbClr val="231F20"/>
-                </a:solidFill>
-                <a:latin typeface="Arial"/>
-                <a:cs typeface="Arial"/>
-              </a:rPr>
-              <a:t>ho</a:t>
-            </a:r>
-            <a:r>
-              <a:rPr lang="en-US" sz="2700" spc="-22" dirty="0">
-                <a:solidFill>
-                  <a:srgbClr val="231F20"/>
-                </a:solidFill>
-                <a:latin typeface="Arial"/>
-                <a:cs typeface="Arial"/>
-              </a:rPr>
-              <a:t>ul</a:t>
-            </a:r>
-            <a:r>
-              <a:rPr lang="en-US" sz="2700" spc="-87" dirty="0">
-                <a:solidFill>
-                  <a:srgbClr val="231F20"/>
-                </a:solidFill>
-                <a:latin typeface="Arial"/>
-                <a:cs typeface="Arial"/>
-              </a:rPr>
-              <a:t>d</a:t>
-            </a:r>
-            <a:r>
-              <a:rPr lang="en-US" sz="2700" spc="11" dirty="0">
-                <a:solidFill>
-                  <a:srgbClr val="231F20"/>
-                </a:solidFill>
-                <a:latin typeface="Arial"/>
-                <a:cs typeface="Arial"/>
-              </a:rPr>
-              <a:t>:</a:t>
-            </a:r>
-            <a:endParaRPr lang="en-US" sz="2700" dirty="0">
-              <a:latin typeface="Arial"/>
-              <a:cs typeface="Arial"/>
-            </a:endParaRPr>
+              <a:t>We used the Temporal Difference method to update the  Q-values, which alters these values after every move depending on the largest predicted reward.</a:t>
+            </a:r>
           </a:p>
           <a:p>
-            <a:pPr>
-              <a:lnSpc>
-                <a:spcPts val="1855"/>
-              </a:lnSpc>
-              <a:spcBef>
-                <a:spcPts val="28"/>
-              </a:spcBef>
-            </a:pPr>
-            <a:endParaRPr lang="en-US" sz="1900" dirty="0"/>
-          </a:p>
-          <a:p>
-            <a:pPr marL="255013" indent="-228682">
-              <a:buClr>
-                <a:srgbClr val="231F20"/>
-              </a:buClr>
-              <a:buFont typeface="Arial"/>
-              <a:buChar char="•"/>
-              <a:tabLst>
-                <a:tab pos="250857" algn="l"/>
-              </a:tabLst>
-            </a:pPr>
-            <a:r>
-              <a:rPr lang="en-US" sz="2700" spc="-11" dirty="0">
-                <a:solidFill>
-                  <a:srgbClr val="231F20"/>
-                </a:solidFill>
-                <a:latin typeface="Arial"/>
-                <a:cs typeface="Arial"/>
-              </a:rPr>
-              <a:t>Us</a:t>
-            </a:r>
-            <a:r>
-              <a:rPr lang="en-US" sz="2700" spc="22" dirty="0">
-                <a:solidFill>
-                  <a:srgbClr val="231F20"/>
-                </a:solidFill>
-                <a:latin typeface="Arial"/>
-                <a:cs typeface="Arial"/>
-              </a:rPr>
-              <a:t>e </a:t>
-            </a:r>
-            <a:r>
-              <a:rPr lang="en-US" sz="2700" spc="-11" dirty="0">
-                <a:solidFill>
-                  <a:srgbClr val="231F20"/>
-                </a:solidFill>
-                <a:latin typeface="Arial"/>
-                <a:cs typeface="Arial"/>
-              </a:rPr>
-              <a:t>th</a:t>
-            </a:r>
-            <a:r>
-              <a:rPr lang="en-US" sz="2700" spc="22" dirty="0">
-                <a:solidFill>
-                  <a:srgbClr val="231F20"/>
-                </a:solidFill>
-                <a:latin typeface="Arial"/>
-                <a:cs typeface="Arial"/>
-              </a:rPr>
-              <a:t>e </a:t>
-            </a:r>
-            <a:r>
-              <a:rPr lang="en-US" sz="2700" spc="-22" dirty="0">
-                <a:solidFill>
-                  <a:srgbClr val="231F20"/>
-                </a:solidFill>
-                <a:latin typeface="Arial"/>
-                <a:cs typeface="Arial"/>
-              </a:rPr>
-              <a:t>a</a:t>
-            </a:r>
-            <a:r>
-              <a:rPr lang="en-US" sz="2700" spc="11" dirty="0">
-                <a:solidFill>
-                  <a:srgbClr val="231F20"/>
-                </a:solidFill>
-                <a:latin typeface="Arial"/>
-                <a:cs typeface="Arial"/>
-              </a:rPr>
-              <a:t>c</a:t>
-            </a:r>
-            <a:r>
-              <a:rPr lang="en-US" sz="2700" spc="-11" dirty="0">
-                <a:solidFill>
-                  <a:srgbClr val="231F20"/>
-                </a:solidFill>
-                <a:latin typeface="Arial"/>
-                <a:cs typeface="Arial"/>
-              </a:rPr>
-              <a:t>t</a:t>
-            </a:r>
-            <a:r>
-              <a:rPr lang="en-US" sz="2700" spc="-22" dirty="0">
-                <a:solidFill>
-                  <a:srgbClr val="231F20"/>
-                </a:solidFill>
-                <a:latin typeface="Arial"/>
-                <a:cs typeface="Arial"/>
-              </a:rPr>
-              <a:t>i</a:t>
-            </a:r>
-            <a:r>
-              <a:rPr lang="en-US" sz="2700" spc="-55" dirty="0">
-                <a:solidFill>
-                  <a:srgbClr val="231F20"/>
-                </a:solidFill>
-                <a:latin typeface="Arial"/>
-                <a:cs typeface="Arial"/>
-              </a:rPr>
-              <a:t>v</a:t>
-            </a:r>
-            <a:r>
-              <a:rPr lang="en-US" sz="2700" spc="22" dirty="0">
-                <a:solidFill>
-                  <a:srgbClr val="231F20"/>
-                </a:solidFill>
-                <a:latin typeface="Arial"/>
-                <a:cs typeface="Arial"/>
-              </a:rPr>
-              <a:t>e </a:t>
-            </a:r>
-            <a:r>
-              <a:rPr lang="en-US" sz="2700" spc="-44" dirty="0">
-                <a:solidFill>
-                  <a:srgbClr val="231F20"/>
-                </a:solidFill>
-                <a:latin typeface="Arial"/>
-                <a:cs typeface="Arial"/>
-              </a:rPr>
-              <a:t>t</a:t>
-            </a:r>
-            <a:r>
-              <a:rPr lang="en-US" sz="2700" spc="-11" dirty="0">
-                <a:solidFill>
-                  <a:srgbClr val="231F20"/>
-                </a:solidFill>
-                <a:latin typeface="Arial"/>
-                <a:cs typeface="Arial"/>
-              </a:rPr>
-              <a:t>e</a:t>
-            </a:r>
-            <a:r>
-              <a:rPr lang="en-US" sz="2700" spc="-22" dirty="0">
-                <a:solidFill>
-                  <a:srgbClr val="231F20"/>
-                </a:solidFill>
-                <a:latin typeface="Arial"/>
-                <a:cs typeface="Arial"/>
-              </a:rPr>
-              <a:t>n</a:t>
-            </a:r>
-            <a:r>
-              <a:rPr lang="en-US" sz="2700" spc="-11" dirty="0">
-                <a:solidFill>
-                  <a:srgbClr val="231F20"/>
-                </a:solidFill>
-                <a:latin typeface="Arial"/>
-                <a:cs typeface="Arial"/>
-              </a:rPr>
-              <a:t>s</a:t>
-            </a:r>
-            <a:r>
-              <a:rPr lang="en-US" sz="2700" spc="22" dirty="0">
-                <a:solidFill>
-                  <a:srgbClr val="231F20"/>
-                </a:solidFill>
-                <a:latin typeface="Arial"/>
-                <a:cs typeface="Arial"/>
-              </a:rPr>
-              <a:t>e</a:t>
-            </a:r>
-            <a:endParaRPr lang="en-US" sz="2700" dirty="0">
-              <a:latin typeface="Arial"/>
-              <a:cs typeface="Arial"/>
-            </a:endParaRPr>
-          </a:p>
-          <a:p>
-            <a:pPr>
-              <a:lnSpc>
-                <a:spcPts val="1855"/>
-              </a:lnSpc>
-              <a:spcBef>
-                <a:spcPts val="28"/>
-              </a:spcBef>
-              <a:buClr>
-                <a:srgbClr val="231F20"/>
-              </a:buClr>
-              <a:buFont typeface="Arial"/>
-              <a:buChar char="•"/>
-            </a:pPr>
-            <a:endParaRPr lang="en-US" sz="1900" baseline="-25000" dirty="0"/>
-          </a:p>
-          <a:p>
-            <a:pPr marL="250857" indent="-224524">
-              <a:buClr>
-                <a:srgbClr val="231F20"/>
-              </a:buClr>
-              <a:buFont typeface="Arial"/>
-              <a:buChar char="•"/>
-              <a:tabLst>
-                <a:tab pos="250857" algn="l"/>
-              </a:tabLst>
-            </a:pPr>
-            <a:r>
-              <a:rPr lang="en-US" sz="2700" dirty="0">
-                <a:solidFill>
-                  <a:srgbClr val="231F20"/>
-                </a:solidFill>
-                <a:latin typeface="Arial"/>
-                <a:cs typeface="Arial"/>
-              </a:rPr>
-              <a:t>S</a:t>
-            </a:r>
-            <a:r>
-              <a:rPr lang="en-US" sz="2700" spc="-33" dirty="0">
-                <a:solidFill>
-                  <a:srgbClr val="231F20"/>
-                </a:solidFill>
-                <a:latin typeface="Arial"/>
-                <a:cs typeface="Arial"/>
-              </a:rPr>
-              <a:t>i</a:t>
-            </a:r>
-            <a:r>
-              <a:rPr lang="en-US" sz="2700" spc="11" dirty="0">
-                <a:solidFill>
-                  <a:srgbClr val="231F20"/>
-                </a:solidFill>
-                <a:latin typeface="Arial"/>
-                <a:cs typeface="Arial"/>
-              </a:rPr>
-              <a:t>m</a:t>
-            </a:r>
-            <a:r>
-              <a:rPr lang="en-US" sz="2700" spc="-11" dirty="0">
-                <a:solidFill>
-                  <a:srgbClr val="231F20"/>
-                </a:solidFill>
-                <a:latin typeface="Arial"/>
-                <a:cs typeface="Arial"/>
-              </a:rPr>
-              <a:t>p</a:t>
-            </a:r>
-            <a:r>
-              <a:rPr lang="en-US" sz="2700" spc="-33" dirty="0">
-                <a:solidFill>
-                  <a:srgbClr val="231F20"/>
-                </a:solidFill>
-                <a:latin typeface="Arial"/>
-                <a:cs typeface="Arial"/>
-              </a:rPr>
-              <a:t>l</a:t>
-            </a:r>
-            <a:r>
-              <a:rPr lang="en-US" sz="2700" spc="-22" dirty="0">
-                <a:solidFill>
-                  <a:srgbClr val="231F20"/>
-                </a:solidFill>
-                <a:latin typeface="Arial"/>
-                <a:cs typeface="Arial"/>
-              </a:rPr>
-              <a:t>i</a:t>
-            </a:r>
-            <a:r>
-              <a:rPr lang="en-US" sz="2700" spc="65" dirty="0">
-                <a:solidFill>
-                  <a:srgbClr val="231F20"/>
-                </a:solidFill>
-                <a:latin typeface="Arial"/>
-                <a:cs typeface="Arial"/>
-              </a:rPr>
-              <a:t>f</a:t>
-            </a:r>
-            <a:r>
-              <a:rPr lang="en-US" sz="2700" spc="22" dirty="0">
-                <a:solidFill>
-                  <a:srgbClr val="231F20"/>
-                </a:solidFill>
-                <a:latin typeface="Arial"/>
-                <a:cs typeface="Arial"/>
-              </a:rPr>
-              <a:t>y </a:t>
-            </a:r>
-            <a:r>
-              <a:rPr lang="en-US" sz="2700" spc="-44" dirty="0">
-                <a:solidFill>
-                  <a:srgbClr val="231F20"/>
-                </a:solidFill>
-                <a:latin typeface="Arial"/>
-                <a:cs typeface="Arial"/>
-              </a:rPr>
-              <a:t>t</a:t>
-            </a:r>
-            <a:r>
-              <a:rPr lang="en-US" sz="2700" spc="-76" dirty="0">
-                <a:solidFill>
-                  <a:srgbClr val="231F20"/>
-                </a:solidFill>
-                <a:latin typeface="Arial"/>
-                <a:cs typeface="Arial"/>
-              </a:rPr>
-              <a:t>e</a:t>
-            </a:r>
-            <a:r>
-              <a:rPr lang="en-US" sz="2700" spc="55" dirty="0">
-                <a:solidFill>
-                  <a:srgbClr val="231F20"/>
-                </a:solidFill>
-                <a:latin typeface="Arial"/>
-                <a:cs typeface="Arial"/>
-              </a:rPr>
-              <a:t>x</a:t>
-            </a:r>
-            <a:r>
-              <a:rPr lang="en-US" sz="2700" spc="11" dirty="0">
-                <a:solidFill>
-                  <a:srgbClr val="231F20"/>
-                </a:solidFill>
-                <a:latin typeface="Arial"/>
-                <a:cs typeface="Arial"/>
-              </a:rPr>
-              <a:t>t</a:t>
-            </a:r>
-            <a:r>
-              <a:rPr lang="en-US" sz="2700" spc="22" dirty="0">
-                <a:solidFill>
-                  <a:srgbClr val="231F20"/>
-                </a:solidFill>
-                <a:latin typeface="Arial"/>
-                <a:cs typeface="Arial"/>
-              </a:rPr>
-              <a:t> </a:t>
-            </a:r>
-            <a:r>
-              <a:rPr lang="en-US" sz="2700" spc="-65" dirty="0">
-                <a:solidFill>
-                  <a:srgbClr val="231F20"/>
-                </a:solidFill>
-                <a:latin typeface="Arial"/>
-                <a:cs typeface="Arial"/>
-              </a:rPr>
-              <a:t>b</a:t>
-            </a:r>
-            <a:r>
-              <a:rPr lang="en-US" sz="2700" spc="22" dirty="0">
-                <a:solidFill>
-                  <a:srgbClr val="231F20"/>
-                </a:solidFill>
-                <a:latin typeface="Arial"/>
-                <a:cs typeface="Arial"/>
-              </a:rPr>
-              <a:t>y </a:t>
-            </a:r>
-            <a:r>
-              <a:rPr lang="en-US" sz="2700" spc="-22" dirty="0">
-                <a:solidFill>
-                  <a:srgbClr val="231F20"/>
-                </a:solidFill>
-                <a:latin typeface="Arial"/>
-                <a:cs typeface="Arial"/>
-              </a:rPr>
-              <a:t>u</a:t>
-            </a:r>
-            <a:r>
-              <a:rPr lang="en-US" sz="2700" spc="-11" dirty="0">
-                <a:solidFill>
-                  <a:srgbClr val="231F20"/>
-                </a:solidFill>
-                <a:latin typeface="Arial"/>
-                <a:cs typeface="Arial"/>
-              </a:rPr>
-              <a:t>s</a:t>
-            </a:r>
-            <a:r>
-              <a:rPr lang="en-US" sz="2700" spc="-33" dirty="0">
-                <a:solidFill>
-                  <a:srgbClr val="231F20"/>
-                </a:solidFill>
-                <a:latin typeface="Arial"/>
-                <a:cs typeface="Arial"/>
-              </a:rPr>
-              <a:t>i</a:t>
-            </a:r>
-            <a:r>
-              <a:rPr lang="en-US" sz="2700" spc="-11" dirty="0">
-                <a:solidFill>
-                  <a:srgbClr val="231F20"/>
-                </a:solidFill>
-                <a:latin typeface="Arial"/>
-                <a:cs typeface="Arial"/>
-              </a:rPr>
-              <a:t>n</a:t>
-            </a:r>
-            <a:r>
-              <a:rPr lang="en-US" sz="2700" spc="22" dirty="0">
-                <a:solidFill>
-                  <a:srgbClr val="231F20"/>
-                </a:solidFill>
-                <a:latin typeface="Arial"/>
-                <a:cs typeface="Arial"/>
-              </a:rPr>
-              <a:t>g </a:t>
-            </a:r>
-            <a:r>
-              <a:rPr lang="en-US" sz="2700" spc="-22" dirty="0">
-                <a:solidFill>
-                  <a:srgbClr val="231F20"/>
-                </a:solidFill>
-                <a:latin typeface="Arial"/>
-                <a:cs typeface="Arial"/>
-              </a:rPr>
-              <a:t>bu</a:t>
-            </a:r>
-            <a:r>
-              <a:rPr lang="en-US" sz="2700" spc="-33" dirty="0">
-                <a:solidFill>
-                  <a:srgbClr val="231F20"/>
-                </a:solidFill>
-                <a:latin typeface="Arial"/>
-                <a:cs typeface="Arial"/>
-              </a:rPr>
-              <a:t>l</a:t>
-            </a:r>
-            <a:r>
-              <a:rPr lang="en-US" sz="2700" spc="-22" dirty="0">
-                <a:solidFill>
-                  <a:srgbClr val="231F20"/>
-                </a:solidFill>
-                <a:latin typeface="Arial"/>
-                <a:cs typeface="Arial"/>
-              </a:rPr>
-              <a:t>l</a:t>
-            </a:r>
-            <a:r>
-              <a:rPr lang="en-US" sz="2700" spc="-44" dirty="0">
-                <a:solidFill>
-                  <a:srgbClr val="231F20"/>
-                </a:solidFill>
-                <a:latin typeface="Arial"/>
-                <a:cs typeface="Arial"/>
-              </a:rPr>
-              <a:t>e</a:t>
-            </a:r>
-            <a:r>
-              <a:rPr lang="en-US" sz="2700" spc="11" dirty="0">
-                <a:solidFill>
-                  <a:srgbClr val="231F20"/>
-                </a:solidFill>
-                <a:latin typeface="Arial"/>
-                <a:cs typeface="Arial"/>
-              </a:rPr>
-              <a:t>t</a:t>
-            </a:r>
-            <a:r>
-              <a:rPr lang="en-US" sz="2700" spc="22" dirty="0">
-                <a:solidFill>
-                  <a:srgbClr val="231F20"/>
-                </a:solidFill>
-                <a:latin typeface="Arial"/>
-                <a:cs typeface="Arial"/>
-              </a:rPr>
-              <a:t> </a:t>
-            </a:r>
-            <a:r>
-              <a:rPr lang="en-US" sz="2700" dirty="0">
-                <a:solidFill>
-                  <a:srgbClr val="231F20"/>
-                </a:solidFill>
-                <a:latin typeface="Arial"/>
-                <a:cs typeface="Arial"/>
-              </a:rPr>
-              <a:t>p</a:t>
-            </a:r>
-            <a:r>
-              <a:rPr lang="en-US" sz="2700" spc="-11" dirty="0">
-                <a:solidFill>
-                  <a:srgbClr val="231F20"/>
-                </a:solidFill>
-                <a:latin typeface="Arial"/>
-                <a:cs typeface="Arial"/>
-              </a:rPr>
-              <a:t>o</a:t>
-            </a:r>
-            <a:r>
-              <a:rPr lang="en-US" sz="2700" spc="-33" dirty="0">
-                <a:solidFill>
-                  <a:srgbClr val="231F20"/>
-                </a:solidFill>
-                <a:latin typeface="Arial"/>
-                <a:cs typeface="Arial"/>
-              </a:rPr>
-              <a:t>i</a:t>
-            </a:r>
-            <a:r>
-              <a:rPr lang="en-US" sz="2700" spc="-44" dirty="0">
-                <a:solidFill>
-                  <a:srgbClr val="231F20"/>
-                </a:solidFill>
-                <a:latin typeface="Arial"/>
-                <a:cs typeface="Arial"/>
-              </a:rPr>
-              <a:t>n</a:t>
-            </a:r>
-            <a:r>
-              <a:rPr lang="en-US" sz="2700" spc="-11" dirty="0">
-                <a:solidFill>
-                  <a:srgbClr val="231F20"/>
-                </a:solidFill>
-                <a:latin typeface="Arial"/>
-                <a:cs typeface="Arial"/>
-              </a:rPr>
-              <a:t>t</a:t>
-            </a:r>
-            <a:r>
-              <a:rPr lang="en-US" sz="2700" spc="22" dirty="0">
-                <a:solidFill>
-                  <a:srgbClr val="231F20"/>
-                </a:solidFill>
-                <a:latin typeface="Arial"/>
-                <a:cs typeface="Arial"/>
-              </a:rPr>
-              <a:t>s</a:t>
-            </a:r>
-            <a:endParaRPr lang="en-US" sz="2700" dirty="0">
-              <a:latin typeface="Arial"/>
-              <a:cs typeface="Arial"/>
-            </a:endParaRPr>
-          </a:p>
-          <a:p>
-            <a:pPr>
-              <a:lnSpc>
-                <a:spcPts val="1855"/>
-              </a:lnSpc>
-              <a:spcBef>
-                <a:spcPts val="28"/>
-              </a:spcBef>
-              <a:buClr>
-                <a:srgbClr val="231F20"/>
-              </a:buClr>
-              <a:buFont typeface="Arial"/>
-              <a:buChar char="•"/>
-            </a:pPr>
-            <a:endParaRPr lang="en-US" sz="1900" dirty="0"/>
-          </a:p>
-          <a:p>
-            <a:pPr marL="250857" indent="-224524">
-              <a:buClr>
-                <a:srgbClr val="231F20"/>
-              </a:buClr>
-              <a:buFont typeface="Arial"/>
-              <a:buChar char="•"/>
-              <a:tabLst>
-                <a:tab pos="250857" algn="l"/>
-              </a:tabLst>
-            </a:pPr>
-            <a:r>
-              <a:rPr lang="en-US" sz="2700" spc="-11" dirty="0">
-                <a:solidFill>
-                  <a:srgbClr val="231F20"/>
-                </a:solidFill>
-                <a:latin typeface="Arial"/>
-                <a:cs typeface="Arial"/>
-              </a:rPr>
-              <a:t>Us</a:t>
-            </a:r>
-            <a:r>
-              <a:rPr lang="en-US" sz="2700" spc="22" dirty="0">
-                <a:solidFill>
-                  <a:srgbClr val="231F20"/>
-                </a:solidFill>
-                <a:latin typeface="Arial"/>
-                <a:cs typeface="Arial"/>
-              </a:rPr>
-              <a:t>e </a:t>
-            </a:r>
-            <a:r>
-              <a:rPr lang="en-US" sz="2700" spc="33" dirty="0">
-                <a:solidFill>
-                  <a:srgbClr val="231F20"/>
-                </a:solidFill>
-                <a:latin typeface="Arial"/>
-                <a:cs typeface="Arial"/>
-              </a:rPr>
-              <a:t>c</a:t>
-            </a:r>
-            <a:r>
-              <a:rPr lang="en-US" sz="2700" dirty="0">
-                <a:solidFill>
-                  <a:srgbClr val="231F20"/>
-                </a:solidFill>
-                <a:latin typeface="Arial"/>
-                <a:cs typeface="Arial"/>
-              </a:rPr>
-              <a:t>o</a:t>
-            </a:r>
-            <a:r>
-              <a:rPr lang="en-US" sz="2700" spc="-11" dirty="0">
-                <a:solidFill>
-                  <a:srgbClr val="231F20"/>
-                </a:solidFill>
-                <a:latin typeface="Arial"/>
-                <a:cs typeface="Arial"/>
-              </a:rPr>
-              <a:t>l</a:t>
-            </a:r>
-            <a:r>
-              <a:rPr lang="en-US" sz="2700" dirty="0">
-                <a:solidFill>
-                  <a:srgbClr val="231F20"/>
-                </a:solidFill>
-                <a:latin typeface="Arial"/>
-                <a:cs typeface="Arial"/>
-              </a:rPr>
-              <a:t>o</a:t>
-            </a:r>
-            <a:r>
-              <a:rPr lang="en-US" sz="2700" spc="-22" dirty="0">
-                <a:solidFill>
-                  <a:srgbClr val="231F20"/>
-                </a:solidFill>
-                <a:latin typeface="Arial"/>
-                <a:cs typeface="Arial"/>
-              </a:rPr>
-              <a:t>r</a:t>
-            </a:r>
-            <a:r>
-              <a:rPr lang="en-US" sz="2700" dirty="0">
-                <a:solidFill>
-                  <a:srgbClr val="231F20"/>
-                </a:solidFill>
-                <a:latin typeface="Arial"/>
-                <a:cs typeface="Arial"/>
-              </a:rPr>
-              <a:t>e</a:t>
-            </a:r>
-            <a:r>
-              <a:rPr lang="en-US" sz="2700" spc="22" dirty="0">
-                <a:solidFill>
-                  <a:srgbClr val="231F20"/>
-                </a:solidFill>
-                <a:latin typeface="Arial"/>
-                <a:cs typeface="Arial"/>
-              </a:rPr>
-              <a:t>d </a:t>
-            </a:r>
-            <a:r>
-              <a:rPr lang="en-US" sz="2700" spc="-11" dirty="0">
-                <a:solidFill>
-                  <a:srgbClr val="231F20"/>
-                </a:solidFill>
-                <a:latin typeface="Arial"/>
-                <a:cs typeface="Arial"/>
-              </a:rPr>
-              <a:t>gr</a:t>
-            </a:r>
-            <a:r>
-              <a:rPr lang="en-US" sz="2700" spc="-22" dirty="0">
-                <a:solidFill>
-                  <a:srgbClr val="231F20"/>
-                </a:solidFill>
-                <a:latin typeface="Arial"/>
-                <a:cs typeface="Arial"/>
-              </a:rPr>
-              <a:t>a</a:t>
-            </a:r>
-            <a:r>
-              <a:rPr lang="en-US" sz="2700" spc="-11" dirty="0">
-                <a:solidFill>
-                  <a:srgbClr val="231F20"/>
-                </a:solidFill>
-                <a:latin typeface="Arial"/>
-                <a:cs typeface="Arial"/>
-              </a:rPr>
-              <a:t>p</a:t>
-            </a:r>
-            <a:r>
-              <a:rPr lang="en-US" sz="2700" spc="-22" dirty="0">
-                <a:solidFill>
-                  <a:srgbClr val="231F20"/>
-                </a:solidFill>
-                <a:latin typeface="Arial"/>
-                <a:cs typeface="Arial"/>
-              </a:rPr>
-              <a:t>h</a:t>
-            </a:r>
-            <a:r>
-              <a:rPr lang="en-US" sz="2700" spc="22" dirty="0">
-                <a:solidFill>
-                  <a:srgbClr val="231F20"/>
-                </a:solidFill>
-                <a:latin typeface="Arial"/>
-                <a:cs typeface="Arial"/>
-              </a:rPr>
-              <a:t>s </a:t>
-            </a:r>
-            <a:r>
-              <a:rPr lang="en-US" sz="2700" spc="-22" dirty="0">
-                <a:solidFill>
-                  <a:srgbClr val="231F20"/>
-                </a:solidFill>
-                <a:latin typeface="Arial"/>
-                <a:cs typeface="Arial"/>
-              </a:rPr>
-              <a:t>a</a:t>
-            </a:r>
-            <a:r>
-              <a:rPr lang="en-US" sz="2700" spc="-11" dirty="0">
-                <a:solidFill>
-                  <a:srgbClr val="231F20"/>
-                </a:solidFill>
-                <a:latin typeface="Arial"/>
-                <a:cs typeface="Arial"/>
-              </a:rPr>
-              <a:t>n</a:t>
-            </a:r>
-            <a:r>
-              <a:rPr lang="en-US" sz="2700" spc="22" dirty="0">
-                <a:solidFill>
-                  <a:srgbClr val="231F20"/>
-                </a:solidFill>
-                <a:latin typeface="Arial"/>
-                <a:cs typeface="Arial"/>
-              </a:rPr>
-              <a:t>d </a:t>
-            </a:r>
-            <a:r>
-              <a:rPr lang="en-US" sz="2700" spc="11" dirty="0">
-                <a:solidFill>
-                  <a:srgbClr val="231F20"/>
-                </a:solidFill>
-                <a:latin typeface="Arial"/>
-                <a:cs typeface="Arial"/>
-              </a:rPr>
-              <a:t>c</a:t>
-            </a:r>
-            <a:r>
-              <a:rPr lang="en-US" sz="2700" spc="-22" dirty="0">
-                <a:solidFill>
-                  <a:srgbClr val="231F20"/>
-                </a:solidFill>
-                <a:latin typeface="Arial"/>
-                <a:cs typeface="Arial"/>
-              </a:rPr>
-              <a:t>ha</a:t>
-            </a:r>
-            <a:r>
-              <a:rPr lang="en-US" sz="2700" spc="87" dirty="0">
-                <a:solidFill>
-                  <a:srgbClr val="231F20"/>
-                </a:solidFill>
-                <a:latin typeface="Arial"/>
-                <a:cs typeface="Arial"/>
-              </a:rPr>
-              <a:t>r</a:t>
-            </a:r>
-            <a:r>
-              <a:rPr lang="en-US" sz="2700" spc="-11" dirty="0">
-                <a:solidFill>
-                  <a:srgbClr val="231F20"/>
-                </a:solidFill>
-                <a:latin typeface="Arial"/>
-                <a:cs typeface="Arial"/>
-              </a:rPr>
-              <a:t>t</a:t>
-            </a:r>
-            <a:r>
-              <a:rPr lang="en-US" sz="2700" spc="22" dirty="0">
-                <a:solidFill>
-                  <a:srgbClr val="231F20"/>
-                </a:solidFill>
-                <a:latin typeface="Arial"/>
-                <a:cs typeface="Arial"/>
-              </a:rPr>
-              <a:t>s</a:t>
-            </a:r>
-            <a:endParaRPr lang="en-US" sz="2700" dirty="0">
-              <a:latin typeface="Arial"/>
-              <a:cs typeface="Arial"/>
-            </a:endParaRPr>
-          </a:p>
-          <a:p>
-            <a:pPr>
-              <a:lnSpc>
-                <a:spcPts val="1746"/>
-              </a:lnSpc>
-              <a:spcBef>
-                <a:spcPts val="52"/>
-              </a:spcBef>
-              <a:buClr>
-                <a:srgbClr val="231F20"/>
-              </a:buClr>
-              <a:buFont typeface="Arial"/>
-              <a:buChar char="•"/>
-            </a:pPr>
-            <a:endParaRPr lang="en-US" sz="1700" dirty="0"/>
-          </a:p>
-          <a:p>
-            <a:pPr marL="255013" marR="1204391" indent="-228682">
+            <a:pPr marL="27719" marR="13860">
               <a:lnSpc>
                 <a:spcPct val="102600"/>
               </a:lnSpc>
-              <a:buClr>
-                <a:srgbClr val="231F20"/>
-              </a:buClr>
-              <a:buFont typeface="Arial"/>
-              <a:buChar char="•"/>
-              <a:tabLst>
-                <a:tab pos="250857" algn="l"/>
-              </a:tabLst>
+              <a:spcBef>
+                <a:spcPts val="893"/>
+              </a:spcBef>
             </a:pPr>
             <a:r>
-              <a:rPr lang="en-US" sz="2700" spc="-11" dirty="0">
-                <a:solidFill>
-                  <a:srgbClr val="231F20"/>
-                </a:solidFill>
-                <a:latin typeface="Arial"/>
-                <a:cs typeface="Arial"/>
-              </a:rPr>
-              <a:t>Us</a:t>
-            </a:r>
-            <a:r>
-              <a:rPr lang="en-US" sz="2700" spc="22" dirty="0">
-                <a:solidFill>
-                  <a:srgbClr val="231F20"/>
-                </a:solidFill>
-                <a:latin typeface="Arial"/>
-                <a:cs typeface="Arial"/>
-              </a:rPr>
-              <a:t>e </a:t>
-            </a:r>
-            <a:r>
-              <a:rPr lang="en-US" sz="2700" dirty="0">
-                <a:solidFill>
-                  <a:srgbClr val="231F20"/>
-                </a:solidFill>
-                <a:latin typeface="Arial"/>
-                <a:cs typeface="Arial"/>
-              </a:rPr>
-              <a:t>bo</a:t>
-            </a:r>
-            <a:r>
-              <a:rPr lang="en-US" sz="2700" spc="-22" dirty="0">
-                <a:solidFill>
-                  <a:srgbClr val="231F20"/>
-                </a:solidFill>
-                <a:latin typeface="Arial"/>
-                <a:cs typeface="Arial"/>
-              </a:rPr>
-              <a:t>l</a:t>
-            </a:r>
-            <a:r>
-              <a:rPr lang="en-US" sz="2700" spc="22" dirty="0">
-                <a:solidFill>
-                  <a:srgbClr val="231F20"/>
-                </a:solidFill>
-                <a:latin typeface="Arial"/>
-                <a:cs typeface="Arial"/>
-              </a:rPr>
-              <a:t>d </a:t>
-            </a:r>
-            <a:r>
-              <a:rPr lang="en-US" sz="2700" spc="-44" dirty="0">
-                <a:solidFill>
-                  <a:srgbClr val="231F20"/>
-                </a:solidFill>
-                <a:latin typeface="Arial"/>
-                <a:cs typeface="Arial"/>
-              </a:rPr>
-              <a:t>t</a:t>
-            </a:r>
-            <a:r>
-              <a:rPr lang="en-US" sz="2700" spc="22" dirty="0">
-                <a:solidFill>
-                  <a:srgbClr val="231F20"/>
-                </a:solidFill>
-                <a:latin typeface="Arial"/>
-                <a:cs typeface="Arial"/>
-              </a:rPr>
-              <a:t>o </a:t>
-            </a:r>
-            <a:r>
-              <a:rPr lang="en-US" sz="2700" spc="-11" dirty="0">
-                <a:solidFill>
-                  <a:srgbClr val="231F20"/>
-                </a:solidFill>
-                <a:latin typeface="Arial"/>
-                <a:cs typeface="Arial"/>
-              </a:rPr>
-              <a:t>p</a:t>
-            </a:r>
-            <a:r>
-              <a:rPr lang="en-US" sz="2700" spc="-22" dirty="0">
-                <a:solidFill>
-                  <a:srgbClr val="231F20"/>
-                </a:solidFill>
-                <a:latin typeface="Arial"/>
-                <a:cs typeface="Arial"/>
-              </a:rPr>
-              <a:t>r</a:t>
-            </a:r>
-            <a:r>
-              <a:rPr lang="en-US" sz="2700" spc="-55" dirty="0">
-                <a:solidFill>
-                  <a:srgbClr val="231F20"/>
-                </a:solidFill>
-                <a:latin typeface="Arial"/>
-                <a:cs typeface="Arial"/>
-              </a:rPr>
-              <a:t>o</a:t>
-            </a:r>
-            <a:r>
-              <a:rPr lang="en-US" sz="2700" spc="-11" dirty="0">
-                <a:solidFill>
-                  <a:srgbClr val="231F20"/>
-                </a:solidFill>
-                <a:latin typeface="Arial"/>
-                <a:cs typeface="Arial"/>
-              </a:rPr>
-              <a:t>vid</a:t>
-            </a:r>
-            <a:r>
-              <a:rPr lang="en-US" sz="2700" spc="22" dirty="0">
-                <a:solidFill>
-                  <a:srgbClr val="231F20"/>
-                </a:solidFill>
-                <a:latin typeface="Arial"/>
-                <a:cs typeface="Arial"/>
-              </a:rPr>
-              <a:t>e </a:t>
-            </a:r>
-            <a:r>
-              <a:rPr lang="en-US" sz="2700" spc="-11" dirty="0">
-                <a:solidFill>
-                  <a:srgbClr val="231F20"/>
-                </a:solidFill>
-                <a:latin typeface="Arial"/>
-                <a:cs typeface="Arial"/>
-              </a:rPr>
-              <a:t>e</a:t>
-            </a:r>
-            <a:r>
               <a:rPr lang="en-US" sz="2700" spc="11" dirty="0">
                 <a:solidFill>
                   <a:srgbClr val="231F20"/>
@@ -14204,554 +8750,9 @@
                 <a:latin typeface="Arial"/>
                 <a:cs typeface="Arial"/>
               </a:rPr>
-              <a:t>m</a:t>
-            </a:r>
-            <a:r>
-              <a:rPr lang="en-US" sz="2700" spc="-11" dirty="0">
-                <a:solidFill>
-                  <a:srgbClr val="231F20"/>
-                </a:solidFill>
-                <a:latin typeface="Arial"/>
-                <a:cs typeface="Arial"/>
-              </a:rPr>
-              <a:t>p</a:t>
-            </a:r>
-            <a:r>
-              <a:rPr lang="en-US" sz="2700" spc="-22" dirty="0">
-                <a:solidFill>
-                  <a:srgbClr val="231F20"/>
-                </a:solidFill>
-                <a:latin typeface="Arial"/>
-                <a:cs typeface="Arial"/>
-              </a:rPr>
-              <a:t>ha</a:t>
-            </a:r>
-            <a:r>
-              <a:rPr lang="en-US" sz="2700" spc="-11" dirty="0">
-                <a:solidFill>
-                  <a:srgbClr val="231F20"/>
-                </a:solidFill>
-                <a:latin typeface="Arial"/>
-                <a:cs typeface="Arial"/>
-              </a:rPr>
-              <a:t>s</a:t>
-            </a:r>
-            <a:r>
-              <a:rPr lang="en-US" sz="2700" spc="-22" dirty="0">
-                <a:solidFill>
-                  <a:srgbClr val="231F20"/>
-                </a:solidFill>
-                <a:latin typeface="Arial"/>
-                <a:cs typeface="Arial"/>
-              </a:rPr>
-              <a:t>i</a:t>
-            </a:r>
-            <a:r>
-              <a:rPr lang="en-US" sz="2700" spc="-65" dirty="0">
-                <a:solidFill>
-                  <a:srgbClr val="231F20"/>
-                </a:solidFill>
-                <a:latin typeface="Arial"/>
-                <a:cs typeface="Arial"/>
-              </a:rPr>
-              <a:t>s</a:t>
-            </a:r>
-            <a:r>
-              <a:rPr lang="en-US" sz="2700" spc="11" dirty="0">
-                <a:solidFill>
-                  <a:srgbClr val="231F20"/>
-                </a:solidFill>
-                <a:latin typeface="Arial"/>
-                <a:cs typeface="Arial"/>
-              </a:rPr>
-              <a:t>;</a:t>
-            </a:r>
-            <a:r>
-              <a:rPr lang="en-US" sz="2700" spc="22" dirty="0">
-                <a:solidFill>
-                  <a:srgbClr val="231F20"/>
-                </a:solidFill>
-                <a:latin typeface="Arial"/>
-                <a:cs typeface="Arial"/>
-              </a:rPr>
-              <a:t> </a:t>
-            </a:r>
-            <a:r>
-              <a:rPr lang="en-US" sz="2700" spc="-65" dirty="0">
-                <a:solidFill>
-                  <a:srgbClr val="231F20"/>
-                </a:solidFill>
-                <a:latin typeface="Arial"/>
-                <a:cs typeface="Arial"/>
-              </a:rPr>
-              <a:t>a</a:t>
-            </a:r>
-            <a:r>
-              <a:rPr lang="en-US" sz="2700" spc="-55" dirty="0">
-                <a:solidFill>
-                  <a:srgbClr val="231F20"/>
-                </a:solidFill>
-                <a:latin typeface="Arial"/>
-                <a:cs typeface="Arial"/>
-              </a:rPr>
-              <a:t>v</a:t>
-            </a:r>
-            <a:r>
-              <a:rPr lang="en-US" sz="2700" spc="-11" dirty="0">
-                <a:solidFill>
-                  <a:srgbClr val="231F20"/>
-                </a:solidFill>
-                <a:latin typeface="Arial"/>
-                <a:cs typeface="Arial"/>
-              </a:rPr>
-              <a:t>oi</a:t>
-            </a:r>
-            <a:r>
-              <a:rPr lang="en-US" sz="2700" spc="22" dirty="0">
-                <a:solidFill>
-                  <a:srgbClr val="231F20"/>
-                </a:solidFill>
-                <a:latin typeface="Arial"/>
-                <a:cs typeface="Arial"/>
-              </a:rPr>
-              <a:t>d </a:t>
-            </a:r>
-            <a:r>
-              <a:rPr lang="en-US" sz="2700" spc="33" dirty="0">
-                <a:solidFill>
-                  <a:srgbClr val="231F20"/>
-                </a:solidFill>
-                <a:latin typeface="Arial"/>
-                <a:cs typeface="Arial"/>
-              </a:rPr>
-              <a:t>c</a:t>
-            </a:r>
-            <a:r>
-              <a:rPr lang="en-US" sz="2700" spc="-22" dirty="0">
-                <a:solidFill>
-                  <a:srgbClr val="231F20"/>
-                </a:solidFill>
-                <a:latin typeface="Arial"/>
-                <a:cs typeface="Arial"/>
-              </a:rPr>
-              <a:t>a</a:t>
-            </a:r>
-            <a:r>
-              <a:rPr lang="en-US" sz="2700" spc="-11" dirty="0">
-                <a:solidFill>
-                  <a:srgbClr val="231F20"/>
-                </a:solidFill>
-                <a:latin typeface="Arial"/>
-                <a:cs typeface="Arial"/>
-              </a:rPr>
-              <a:t>p</a:t>
-            </a:r>
-            <a:r>
-              <a:rPr lang="en-US" sz="2700" spc="-33" dirty="0">
-                <a:solidFill>
-                  <a:srgbClr val="231F20"/>
-                </a:solidFill>
-                <a:latin typeface="Arial"/>
-                <a:cs typeface="Arial"/>
-              </a:rPr>
-              <a:t>i</a:t>
-            </a:r>
-            <a:r>
-              <a:rPr lang="en-US" sz="2700" spc="11" dirty="0">
-                <a:solidFill>
-                  <a:srgbClr val="231F20"/>
-                </a:solidFill>
-                <a:latin typeface="Arial"/>
-                <a:cs typeface="Arial"/>
-              </a:rPr>
-              <a:t>t</a:t>
-            </a:r>
-            <a:r>
-              <a:rPr lang="en-US" sz="2700" spc="-22" dirty="0">
-                <a:solidFill>
-                  <a:srgbClr val="231F20"/>
-                </a:solidFill>
-                <a:latin typeface="Arial"/>
-                <a:cs typeface="Arial"/>
-              </a:rPr>
-              <a:t>al</a:t>
-            </a:r>
-            <a:r>
-              <a:rPr lang="en-US" sz="2700" spc="22" dirty="0">
-                <a:solidFill>
-                  <a:srgbClr val="231F20"/>
-                </a:solidFill>
-                <a:latin typeface="Arial"/>
-                <a:cs typeface="Arial"/>
-              </a:rPr>
-              <a:t>s </a:t>
-            </a:r>
-            <a:r>
-              <a:rPr lang="en-US" sz="2700" spc="-22" dirty="0">
-                <a:solidFill>
-                  <a:srgbClr val="231F20"/>
-                </a:solidFill>
-                <a:latin typeface="Arial"/>
-                <a:cs typeface="Arial"/>
-              </a:rPr>
-              <a:t>a</a:t>
-            </a:r>
-            <a:r>
-              <a:rPr lang="en-US" sz="2700" spc="-11" dirty="0">
-                <a:solidFill>
-                  <a:srgbClr val="231F20"/>
-                </a:solidFill>
-                <a:latin typeface="Arial"/>
-                <a:cs typeface="Arial"/>
-              </a:rPr>
-              <a:t>n</a:t>
-            </a:r>
-            <a:r>
-              <a:rPr lang="en-US" sz="2700" spc="22" dirty="0">
-                <a:solidFill>
-                  <a:srgbClr val="231F20"/>
-                </a:solidFill>
-                <a:latin typeface="Arial"/>
-                <a:cs typeface="Arial"/>
-              </a:rPr>
-              <a:t>d</a:t>
-            </a:r>
-            <a:r>
-              <a:rPr lang="en-US" sz="2700" spc="11" dirty="0">
-                <a:solidFill>
-                  <a:srgbClr val="231F20"/>
-                </a:solidFill>
-                <a:latin typeface="Arial"/>
-                <a:cs typeface="Arial"/>
-              </a:rPr>
-              <a:t> </a:t>
-            </a:r>
-            <a:r>
-              <a:rPr lang="en-US" sz="2700" spc="-22" dirty="0">
-                <a:solidFill>
-                  <a:srgbClr val="231F20"/>
-                </a:solidFill>
-                <a:latin typeface="Arial"/>
-                <a:cs typeface="Arial"/>
-              </a:rPr>
-              <a:t>u</a:t>
-            </a:r>
-            <a:r>
-              <a:rPr lang="en-US" sz="2700" spc="-11" dirty="0">
-                <a:solidFill>
-                  <a:srgbClr val="231F20"/>
-                </a:solidFill>
-                <a:latin typeface="Arial"/>
-                <a:cs typeface="Arial"/>
-              </a:rPr>
-              <a:t>nde</a:t>
-            </a:r>
-            <a:r>
-              <a:rPr lang="en-US" sz="2700" spc="22" dirty="0">
-                <a:solidFill>
-                  <a:srgbClr val="231F20"/>
-                </a:solidFill>
-                <a:latin typeface="Arial"/>
-                <a:cs typeface="Arial"/>
-              </a:rPr>
-              <a:t>r</a:t>
-            </a:r>
-            <a:r>
-              <a:rPr lang="en-US" sz="2700" spc="-33" dirty="0">
-                <a:solidFill>
-                  <a:srgbClr val="231F20"/>
-                </a:solidFill>
-                <a:latin typeface="Arial"/>
-                <a:cs typeface="Arial"/>
-              </a:rPr>
-              <a:t>lini</a:t>
-            </a:r>
-            <a:r>
-              <a:rPr lang="en-US" sz="2700" spc="-11" dirty="0">
-                <a:solidFill>
-                  <a:srgbClr val="231F20"/>
-                </a:solidFill>
-                <a:latin typeface="Arial"/>
-                <a:cs typeface="Arial"/>
-              </a:rPr>
-              <a:t>n</a:t>
-            </a:r>
-            <a:r>
-              <a:rPr lang="en-US" sz="2700" spc="22" dirty="0">
-                <a:solidFill>
-                  <a:srgbClr val="231F20"/>
-                </a:solidFill>
-                <a:latin typeface="Arial"/>
-                <a:cs typeface="Arial"/>
-              </a:rPr>
-              <a:t>g</a:t>
-            </a:r>
-            <a:endParaRPr lang="en-US" sz="2700" dirty="0">
-              <a:latin typeface="Arial"/>
-              <a:cs typeface="Arial"/>
-            </a:endParaRPr>
-          </a:p>
-          <a:p>
-            <a:pPr>
-              <a:lnSpc>
-                <a:spcPts val="1855"/>
-              </a:lnSpc>
-              <a:spcBef>
-                <a:spcPts val="28"/>
-              </a:spcBef>
-              <a:buClr>
-                <a:srgbClr val="231F20"/>
-              </a:buClr>
-              <a:buFont typeface="Arial"/>
-              <a:buChar char="•"/>
-            </a:pPr>
+              <a:t>A possible alternative would be the Monte-Carlo Method.</a:t>
+            </a:r>
             <a:endParaRPr lang="en-US" sz="1900" dirty="0"/>
-          </a:p>
-          <a:p>
-            <a:pPr marL="250857" indent="-224524">
-              <a:buClr>
-                <a:srgbClr val="231F20"/>
-              </a:buClr>
-              <a:buFont typeface="Arial"/>
-              <a:buChar char="•"/>
-              <a:tabLst>
-                <a:tab pos="250857" algn="l"/>
-              </a:tabLst>
-            </a:pPr>
-            <a:r>
-              <a:rPr lang="en-US" sz="2700" spc="-76" dirty="0">
-                <a:solidFill>
-                  <a:srgbClr val="231F20"/>
-                </a:solidFill>
-                <a:latin typeface="Arial"/>
-                <a:cs typeface="Arial"/>
-              </a:rPr>
-              <a:t>A</a:t>
-            </a:r>
-            <a:r>
-              <a:rPr lang="en-US" sz="2700" spc="-55" dirty="0">
-                <a:solidFill>
-                  <a:srgbClr val="231F20"/>
-                </a:solidFill>
-                <a:latin typeface="Arial"/>
-                <a:cs typeface="Arial"/>
-              </a:rPr>
-              <a:t>v</a:t>
-            </a:r>
-            <a:r>
-              <a:rPr lang="en-US" sz="2700" spc="-11" dirty="0">
-                <a:solidFill>
-                  <a:srgbClr val="231F20"/>
-                </a:solidFill>
-                <a:latin typeface="Arial"/>
-                <a:cs typeface="Arial"/>
-              </a:rPr>
-              <a:t>oi</a:t>
-            </a:r>
-            <a:r>
-              <a:rPr lang="en-US" sz="2700" spc="22" dirty="0">
-                <a:solidFill>
-                  <a:srgbClr val="231F20"/>
-                </a:solidFill>
-                <a:latin typeface="Arial"/>
-                <a:cs typeface="Arial"/>
-              </a:rPr>
-              <a:t>d </a:t>
-            </a:r>
-            <a:r>
-              <a:rPr lang="en-US" sz="2700" spc="-11" dirty="0">
-                <a:solidFill>
-                  <a:srgbClr val="231F20"/>
-                </a:solidFill>
-                <a:latin typeface="Arial"/>
-                <a:cs typeface="Arial"/>
-              </a:rPr>
-              <a:t>l</a:t>
-            </a:r>
-            <a:r>
-              <a:rPr lang="en-US" sz="2700" dirty="0">
-                <a:solidFill>
-                  <a:srgbClr val="231F20"/>
-                </a:solidFill>
-                <a:latin typeface="Arial"/>
-                <a:cs typeface="Arial"/>
-              </a:rPr>
-              <a:t>o</a:t>
-            </a:r>
-            <a:r>
-              <a:rPr lang="en-US" sz="2700" spc="-11" dirty="0">
-                <a:solidFill>
-                  <a:srgbClr val="231F20"/>
-                </a:solidFill>
-                <a:latin typeface="Arial"/>
-                <a:cs typeface="Arial"/>
-              </a:rPr>
-              <a:t>n</a:t>
-            </a:r>
-            <a:r>
-              <a:rPr lang="en-US" sz="2700" spc="22" dirty="0">
-                <a:solidFill>
-                  <a:srgbClr val="231F20"/>
-                </a:solidFill>
-                <a:latin typeface="Arial"/>
-                <a:cs typeface="Arial"/>
-              </a:rPr>
-              <a:t>g </a:t>
-            </a:r>
-            <a:r>
-              <a:rPr lang="en-US" sz="2700" spc="-22" dirty="0">
-                <a:solidFill>
-                  <a:srgbClr val="231F20"/>
-                </a:solidFill>
-                <a:latin typeface="Arial"/>
-                <a:cs typeface="Arial"/>
-              </a:rPr>
-              <a:t>nu</a:t>
-            </a:r>
-            <a:r>
-              <a:rPr lang="en-US" sz="2700" spc="11" dirty="0">
-                <a:solidFill>
-                  <a:srgbClr val="231F20"/>
-                </a:solidFill>
-                <a:latin typeface="Arial"/>
-                <a:cs typeface="Arial"/>
-              </a:rPr>
-              <a:t>m</a:t>
-            </a:r>
-            <a:r>
-              <a:rPr lang="en-US" sz="2700" spc="-11" dirty="0">
-                <a:solidFill>
-                  <a:srgbClr val="231F20"/>
-                </a:solidFill>
-                <a:latin typeface="Arial"/>
-                <a:cs typeface="Arial"/>
-              </a:rPr>
-              <a:t>e</a:t>
-            </a:r>
-            <a:r>
-              <a:rPr lang="en-US" sz="2700" spc="22" dirty="0">
-                <a:solidFill>
-                  <a:srgbClr val="231F20"/>
-                </a:solidFill>
-                <a:latin typeface="Arial"/>
-                <a:cs typeface="Arial"/>
-              </a:rPr>
-              <a:t>r</a:t>
-            </a:r>
-            <a:r>
-              <a:rPr lang="en-US" sz="2700" spc="-22" dirty="0">
-                <a:solidFill>
-                  <a:srgbClr val="231F20"/>
-                </a:solidFill>
-                <a:latin typeface="Arial"/>
-                <a:cs typeface="Arial"/>
-              </a:rPr>
-              <a:t>i</a:t>
-            </a:r>
-            <a:r>
-              <a:rPr lang="en-US" sz="2700" spc="33" dirty="0">
-                <a:solidFill>
-                  <a:srgbClr val="231F20"/>
-                </a:solidFill>
-                <a:latin typeface="Arial"/>
-                <a:cs typeface="Arial"/>
-              </a:rPr>
-              <a:t>c</a:t>
-            </a:r>
-            <a:r>
-              <a:rPr lang="en-US" sz="2700" spc="-22" dirty="0">
-                <a:solidFill>
-                  <a:srgbClr val="231F20"/>
-                </a:solidFill>
-                <a:latin typeface="Arial"/>
-                <a:cs typeface="Arial"/>
-              </a:rPr>
-              <a:t>a</a:t>
-            </a:r>
-            <a:r>
-              <a:rPr lang="en-US" sz="2700" spc="11" dirty="0">
-                <a:solidFill>
-                  <a:srgbClr val="231F20"/>
-                </a:solidFill>
-                <a:latin typeface="Arial"/>
-                <a:cs typeface="Arial"/>
-              </a:rPr>
-              <a:t>l</a:t>
-            </a:r>
-            <a:r>
-              <a:rPr lang="en-US" sz="2700" spc="22" dirty="0">
-                <a:solidFill>
-                  <a:srgbClr val="231F20"/>
-                </a:solidFill>
-                <a:latin typeface="Arial"/>
-                <a:cs typeface="Arial"/>
-              </a:rPr>
-              <a:t> </a:t>
-            </a:r>
-            <a:r>
-              <a:rPr lang="en-US" sz="2700" spc="11" dirty="0">
-                <a:solidFill>
-                  <a:srgbClr val="231F20"/>
-                </a:solidFill>
-                <a:latin typeface="Arial"/>
-                <a:cs typeface="Arial"/>
-              </a:rPr>
-              <a:t>t</a:t>
-            </a:r>
-            <a:r>
-              <a:rPr lang="en-US" sz="2700" spc="-22" dirty="0">
-                <a:solidFill>
-                  <a:srgbClr val="231F20"/>
-                </a:solidFill>
-                <a:latin typeface="Arial"/>
-                <a:cs typeface="Arial"/>
-              </a:rPr>
-              <a:t>a</a:t>
-            </a:r>
-            <a:r>
-              <a:rPr lang="en-US" sz="2700" spc="-11" dirty="0">
-                <a:solidFill>
-                  <a:srgbClr val="231F20"/>
-                </a:solidFill>
-                <a:latin typeface="Arial"/>
-                <a:cs typeface="Arial"/>
-              </a:rPr>
-              <a:t>b</a:t>
-            </a:r>
-            <a:r>
-              <a:rPr lang="en-US" sz="2700" spc="-22" dirty="0">
-                <a:solidFill>
-                  <a:srgbClr val="231F20"/>
-                </a:solidFill>
-                <a:latin typeface="Arial"/>
-                <a:cs typeface="Arial"/>
-              </a:rPr>
-              <a:t>l</a:t>
-            </a:r>
-            <a:r>
-              <a:rPr lang="en-US" sz="2700" dirty="0">
-                <a:solidFill>
-                  <a:srgbClr val="231F20"/>
-                </a:solidFill>
-                <a:latin typeface="Arial"/>
-                <a:cs typeface="Arial"/>
-              </a:rPr>
-              <a:t>e</a:t>
-            </a:r>
-            <a:r>
-              <a:rPr lang="en-US" sz="2700" spc="22" dirty="0">
-                <a:solidFill>
-                  <a:srgbClr val="231F20"/>
-                </a:solidFill>
-                <a:latin typeface="Arial"/>
-                <a:cs typeface="Arial"/>
-              </a:rPr>
-              <a:t>s</a:t>
-            </a:r>
-            <a:endParaRPr lang="en-US" sz="2700" dirty="0">
-              <a:latin typeface="Arial"/>
-              <a:cs typeface="Arial"/>
-            </a:endParaRPr>
           </a:p>
         </p:txBody>
       </p:sp>
@@ -14764,7 +8765,7 @@
         <p:spPr>
           <a:xfrm>
             <a:off x="12088073" y="13741678"/>
-            <a:ext cx="9097096" cy="2585258"/>
+            <a:ext cx="9097096" cy="399789"/>
           </a:xfrm>
           <a:prstGeom prst="rect">
             <a:avLst/>
@@ -14781,2376 +8782,6 @@
                 <a:spcPct val="102600"/>
               </a:lnSpc>
             </a:pPr>
-            <a:r>
-              <a:rPr sz="2700" spc="-22" dirty="0">
-                <a:solidFill>
-                  <a:srgbClr val="231F20"/>
-                </a:solidFill>
-                <a:latin typeface="Arial"/>
-                <a:cs typeface="Arial"/>
-              </a:rPr>
-              <a:t>Au</a:t>
-            </a:r>
-            <a:r>
-              <a:rPr sz="2700" spc="-11" dirty="0">
-                <a:solidFill>
-                  <a:srgbClr val="231F20"/>
-                </a:solidFill>
-                <a:latin typeface="Arial"/>
-                <a:cs typeface="Arial"/>
-              </a:rPr>
-              <a:t>th</a:t>
-            </a:r>
-            <a:r>
-              <a:rPr sz="2700" dirty="0">
-                <a:solidFill>
-                  <a:srgbClr val="231F20"/>
-                </a:solidFill>
-                <a:latin typeface="Arial"/>
-                <a:cs typeface="Arial"/>
-              </a:rPr>
-              <a:t>o</a:t>
-            </a:r>
-            <a:r>
-              <a:rPr sz="2700" spc="22" dirty="0">
-                <a:solidFill>
-                  <a:srgbClr val="231F20"/>
-                </a:solidFill>
-                <a:latin typeface="Arial"/>
-                <a:cs typeface="Arial"/>
-              </a:rPr>
-              <a:t>rs </a:t>
-            </a:r>
-            <a:r>
-              <a:rPr sz="2700" spc="-22" dirty="0">
-                <a:solidFill>
-                  <a:srgbClr val="231F20"/>
-                </a:solidFill>
-                <a:latin typeface="Arial"/>
-                <a:cs typeface="Arial"/>
-              </a:rPr>
-              <a:t>s</a:t>
-            </a:r>
-            <a:r>
-              <a:rPr sz="2700" spc="-11" dirty="0">
-                <a:solidFill>
-                  <a:srgbClr val="231F20"/>
-                </a:solidFill>
-                <a:latin typeface="Arial"/>
-                <a:cs typeface="Arial"/>
-              </a:rPr>
-              <a:t>ho</a:t>
-            </a:r>
-            <a:r>
-              <a:rPr sz="2700" spc="-22" dirty="0">
-                <a:solidFill>
-                  <a:srgbClr val="231F20"/>
-                </a:solidFill>
-                <a:latin typeface="Arial"/>
-                <a:cs typeface="Arial"/>
-              </a:rPr>
-              <a:t>ul</a:t>
-            </a:r>
-            <a:r>
-              <a:rPr sz="2700" spc="22" dirty="0">
-                <a:solidFill>
-                  <a:srgbClr val="231F20"/>
-                </a:solidFill>
-                <a:latin typeface="Arial"/>
-                <a:cs typeface="Arial"/>
-              </a:rPr>
-              <a:t>d </a:t>
-            </a:r>
-            <a:r>
-              <a:rPr sz="2700" spc="-22" dirty="0">
-                <a:solidFill>
-                  <a:srgbClr val="231F20"/>
-                </a:solidFill>
-                <a:latin typeface="Arial"/>
-                <a:cs typeface="Arial"/>
-              </a:rPr>
-              <a:t>r</a:t>
-            </a:r>
-            <a:r>
-              <a:rPr sz="2700" spc="55" dirty="0">
-                <a:solidFill>
-                  <a:srgbClr val="231F20"/>
-                </a:solidFill>
-                <a:latin typeface="Arial"/>
-                <a:cs typeface="Arial"/>
-              </a:rPr>
-              <a:t>e</a:t>
-            </a:r>
-            <a:r>
-              <a:rPr sz="2700" spc="11" dirty="0">
-                <a:solidFill>
-                  <a:srgbClr val="231F20"/>
-                </a:solidFill>
-                <a:latin typeface="Arial"/>
-                <a:cs typeface="Arial"/>
-              </a:rPr>
-              <a:t>-w</a:t>
-            </a:r>
-            <a:r>
-              <a:rPr sz="2700" spc="22" dirty="0">
-                <a:solidFill>
-                  <a:srgbClr val="231F20"/>
-                </a:solidFill>
-                <a:latin typeface="Arial"/>
-                <a:cs typeface="Arial"/>
-              </a:rPr>
-              <a:t>r</a:t>
-            </a:r>
-            <a:r>
-              <a:rPr sz="2700" spc="-33" dirty="0">
-                <a:solidFill>
-                  <a:srgbClr val="231F20"/>
-                </a:solidFill>
-                <a:latin typeface="Arial"/>
-                <a:cs typeface="Arial"/>
-              </a:rPr>
-              <a:t>i</a:t>
-            </a:r>
-            <a:r>
-              <a:rPr sz="2700" spc="-44" dirty="0">
-                <a:solidFill>
-                  <a:srgbClr val="231F20"/>
-                </a:solidFill>
-                <a:latin typeface="Arial"/>
-                <a:cs typeface="Arial"/>
-              </a:rPr>
-              <a:t>t</a:t>
-            </a:r>
-            <a:r>
-              <a:rPr sz="2700" spc="22" dirty="0">
-                <a:solidFill>
-                  <a:srgbClr val="231F20"/>
-                </a:solidFill>
-                <a:latin typeface="Arial"/>
-                <a:cs typeface="Arial"/>
-              </a:rPr>
-              <a:t>e </a:t>
-            </a:r>
-            <a:r>
-              <a:rPr sz="2700" spc="-11" dirty="0">
-                <a:solidFill>
-                  <a:srgbClr val="231F20"/>
-                </a:solidFill>
-                <a:latin typeface="Arial"/>
-                <a:cs typeface="Arial"/>
-              </a:rPr>
-              <a:t>the</a:t>
-            </a:r>
-            <a:r>
-              <a:rPr sz="2700" spc="-33" dirty="0">
-                <a:solidFill>
-                  <a:srgbClr val="231F20"/>
-                </a:solidFill>
-                <a:latin typeface="Arial"/>
-                <a:cs typeface="Arial"/>
-              </a:rPr>
-              <a:t>i</a:t>
-            </a:r>
-            <a:r>
-              <a:rPr sz="2700" spc="11" dirty="0">
-                <a:solidFill>
-                  <a:srgbClr val="231F20"/>
-                </a:solidFill>
-                <a:latin typeface="Arial"/>
-                <a:cs typeface="Arial"/>
-              </a:rPr>
-              <a:t>r</a:t>
-            </a:r>
-            <a:r>
-              <a:rPr sz="2700" spc="22" dirty="0">
-                <a:solidFill>
-                  <a:srgbClr val="231F20"/>
-                </a:solidFill>
-                <a:latin typeface="Arial"/>
-                <a:cs typeface="Arial"/>
-              </a:rPr>
-              <a:t> </a:t>
-            </a:r>
-            <a:r>
-              <a:rPr sz="2700" spc="-22" dirty="0">
-                <a:solidFill>
-                  <a:srgbClr val="231F20"/>
-                </a:solidFill>
-                <a:latin typeface="Arial"/>
-                <a:cs typeface="Arial"/>
-              </a:rPr>
-              <a:t>pa</a:t>
-            </a:r>
-            <a:r>
-              <a:rPr sz="2700" dirty="0">
-                <a:solidFill>
-                  <a:srgbClr val="231F20"/>
-                </a:solidFill>
-                <a:latin typeface="Arial"/>
-                <a:cs typeface="Arial"/>
-              </a:rPr>
-              <a:t>p</a:t>
-            </a:r>
-            <a:r>
-              <a:rPr sz="2700" spc="-11" dirty="0">
-                <a:solidFill>
-                  <a:srgbClr val="231F20"/>
-                </a:solidFill>
-                <a:latin typeface="Arial"/>
-                <a:cs typeface="Arial"/>
-              </a:rPr>
-              <a:t>e</a:t>
-            </a:r>
-            <a:r>
-              <a:rPr sz="2700" spc="11" dirty="0">
-                <a:solidFill>
-                  <a:srgbClr val="231F20"/>
-                </a:solidFill>
-                <a:latin typeface="Arial"/>
-                <a:cs typeface="Arial"/>
-              </a:rPr>
-              <a:t>r</a:t>
-            </a:r>
-            <a:r>
-              <a:rPr sz="2700" spc="22" dirty="0">
-                <a:solidFill>
-                  <a:srgbClr val="231F20"/>
-                </a:solidFill>
-                <a:latin typeface="Arial"/>
-                <a:cs typeface="Arial"/>
-              </a:rPr>
-              <a:t> </a:t>
-            </a:r>
-            <a:r>
-              <a:rPr sz="2700" spc="-11" dirty="0">
-                <a:solidFill>
-                  <a:srgbClr val="231F20"/>
-                </a:solidFill>
-                <a:latin typeface="Arial"/>
-                <a:cs typeface="Arial"/>
-              </a:rPr>
-              <a:t>s</a:t>
-            </a:r>
-            <a:r>
-              <a:rPr sz="2700" spc="22" dirty="0">
-                <a:solidFill>
-                  <a:srgbClr val="231F20"/>
-                </a:solidFill>
-                <a:latin typeface="Arial"/>
-                <a:cs typeface="Arial"/>
-              </a:rPr>
-              <a:t>o </a:t>
-            </a:r>
-            <a:r>
-              <a:rPr sz="2700" spc="-11" dirty="0">
-                <a:solidFill>
-                  <a:srgbClr val="231F20"/>
-                </a:solidFill>
-                <a:latin typeface="Arial"/>
-                <a:cs typeface="Arial"/>
-              </a:rPr>
-              <a:t>t</a:t>
-            </a:r>
-            <a:r>
-              <a:rPr sz="2700" spc="-22" dirty="0">
-                <a:solidFill>
-                  <a:srgbClr val="231F20"/>
-                </a:solidFill>
-                <a:latin typeface="Arial"/>
-                <a:cs typeface="Arial"/>
-              </a:rPr>
-              <a:t>h</a:t>
-            </a:r>
-            <a:r>
-              <a:rPr sz="2700" spc="-33" dirty="0">
-                <a:solidFill>
-                  <a:srgbClr val="231F20"/>
-                </a:solidFill>
-                <a:latin typeface="Arial"/>
-                <a:cs typeface="Arial"/>
-              </a:rPr>
-              <a:t>a</a:t>
-            </a:r>
-            <a:r>
-              <a:rPr sz="2700" spc="11" dirty="0">
-                <a:solidFill>
-                  <a:srgbClr val="231F20"/>
-                </a:solidFill>
-                <a:latin typeface="Arial"/>
-                <a:cs typeface="Arial"/>
-              </a:rPr>
-              <a:t>t</a:t>
-            </a:r>
-            <a:r>
-              <a:rPr sz="2700" spc="22" dirty="0">
-                <a:solidFill>
-                  <a:srgbClr val="231F20"/>
-                </a:solidFill>
-                <a:latin typeface="Arial"/>
-                <a:cs typeface="Arial"/>
-              </a:rPr>
-              <a:t> </a:t>
-            </a:r>
-            <a:r>
-              <a:rPr sz="2700" spc="-33" dirty="0">
-                <a:solidFill>
-                  <a:srgbClr val="231F20"/>
-                </a:solidFill>
-                <a:latin typeface="Arial"/>
-                <a:cs typeface="Arial"/>
-              </a:rPr>
-              <a:t>i</a:t>
-            </a:r>
-            <a:r>
-              <a:rPr sz="2700" spc="11" dirty="0">
-                <a:solidFill>
-                  <a:srgbClr val="231F20"/>
-                </a:solidFill>
-                <a:latin typeface="Arial"/>
-                <a:cs typeface="Arial"/>
-              </a:rPr>
-              <a:t>t</a:t>
-            </a:r>
-            <a:r>
-              <a:rPr sz="2700" spc="22" dirty="0">
-                <a:solidFill>
-                  <a:srgbClr val="231F20"/>
-                </a:solidFill>
-                <a:latin typeface="Arial"/>
-                <a:cs typeface="Arial"/>
-              </a:rPr>
-              <a:t> </a:t>
-            </a:r>
-            <a:r>
-              <a:rPr sz="2700" spc="-22" dirty="0">
-                <a:solidFill>
-                  <a:srgbClr val="231F20"/>
-                </a:solidFill>
-                <a:latin typeface="Arial"/>
-                <a:cs typeface="Arial"/>
-              </a:rPr>
-              <a:t>i</a:t>
-            </a:r>
-            <a:r>
-              <a:rPr sz="2700" spc="22" dirty="0">
-                <a:solidFill>
-                  <a:srgbClr val="231F20"/>
-                </a:solidFill>
-                <a:latin typeface="Arial"/>
-                <a:cs typeface="Arial"/>
-              </a:rPr>
-              <a:t>s </a:t>
-            </a:r>
-            <a:r>
-              <a:rPr sz="2700" spc="-22" dirty="0">
-                <a:solidFill>
-                  <a:srgbClr val="231F20"/>
-                </a:solidFill>
-                <a:latin typeface="Arial"/>
-                <a:cs typeface="Arial"/>
-              </a:rPr>
-              <a:t>su</a:t>
-            </a:r>
-            <a:r>
-              <a:rPr sz="2700" spc="-33" dirty="0">
-                <a:solidFill>
-                  <a:srgbClr val="231F20"/>
-                </a:solidFill>
-                <a:latin typeface="Arial"/>
-                <a:cs typeface="Arial"/>
-              </a:rPr>
-              <a:t>i</a:t>
-            </a:r>
-            <a:r>
-              <a:rPr sz="2700" spc="11" dirty="0">
-                <a:solidFill>
-                  <a:srgbClr val="231F20"/>
-                </a:solidFill>
-                <a:latin typeface="Arial"/>
-                <a:cs typeface="Arial"/>
-              </a:rPr>
-              <a:t>t</a:t>
-            </a:r>
-            <a:r>
-              <a:rPr sz="2700" spc="-22" dirty="0">
-                <a:solidFill>
-                  <a:srgbClr val="231F20"/>
-                </a:solidFill>
-                <a:latin typeface="Arial"/>
-                <a:cs typeface="Arial"/>
-              </a:rPr>
-              <a:t>a</a:t>
-            </a:r>
-            <a:r>
-              <a:rPr sz="2700" spc="-11" dirty="0">
-                <a:solidFill>
-                  <a:srgbClr val="231F20"/>
-                </a:solidFill>
-                <a:latin typeface="Arial"/>
-                <a:cs typeface="Arial"/>
-              </a:rPr>
-              <a:t>b</a:t>
-            </a:r>
-            <a:r>
-              <a:rPr sz="2700" spc="-22" dirty="0">
-                <a:solidFill>
-                  <a:srgbClr val="231F20"/>
-                </a:solidFill>
-                <a:latin typeface="Arial"/>
-                <a:cs typeface="Arial"/>
-              </a:rPr>
-              <a:t>l</a:t>
-            </a:r>
-            <a:r>
-              <a:rPr sz="2700" spc="22" dirty="0">
-                <a:solidFill>
-                  <a:srgbClr val="231F20"/>
-                </a:solidFill>
-                <a:latin typeface="Arial"/>
-                <a:cs typeface="Arial"/>
-              </a:rPr>
-              <a:t>e </a:t>
-            </a:r>
-            <a:r>
-              <a:rPr sz="2700" spc="-33" dirty="0">
-                <a:solidFill>
-                  <a:srgbClr val="231F20"/>
-                </a:solidFill>
-                <a:latin typeface="Arial"/>
-                <a:cs typeface="Arial"/>
-              </a:rPr>
-              <a:t>f</a:t>
-            </a:r>
-            <a:r>
-              <a:rPr sz="2700" dirty="0">
-                <a:solidFill>
-                  <a:srgbClr val="231F20"/>
-                </a:solidFill>
-                <a:latin typeface="Arial"/>
-                <a:cs typeface="Arial"/>
-              </a:rPr>
-              <a:t>o</a:t>
-            </a:r>
-            <a:r>
-              <a:rPr sz="2700" spc="11" dirty="0">
-                <a:solidFill>
-                  <a:srgbClr val="231F20"/>
-                </a:solidFill>
-                <a:latin typeface="Arial"/>
-                <a:cs typeface="Arial"/>
-              </a:rPr>
-              <a:t>r </a:t>
-            </a:r>
-            <a:r>
-              <a:rPr sz="2700" spc="-11" dirty="0">
-                <a:solidFill>
-                  <a:srgbClr val="231F20"/>
-                </a:solidFill>
-                <a:latin typeface="Arial"/>
-                <a:cs typeface="Arial"/>
-              </a:rPr>
-              <a:t>th</a:t>
-            </a:r>
-            <a:r>
-              <a:rPr sz="2700" spc="22" dirty="0">
-                <a:solidFill>
-                  <a:srgbClr val="231F20"/>
-                </a:solidFill>
-                <a:latin typeface="Arial"/>
-                <a:cs typeface="Arial"/>
-              </a:rPr>
-              <a:t>e </a:t>
-            </a:r>
-            <a:r>
-              <a:rPr sz="2700" spc="-11" dirty="0">
-                <a:solidFill>
-                  <a:srgbClr val="231F20"/>
-                </a:solidFill>
-                <a:latin typeface="Arial"/>
-                <a:cs typeface="Arial"/>
-              </a:rPr>
-              <a:t>b</a:t>
-            </a:r>
-            <a:r>
-              <a:rPr sz="2700" spc="-22" dirty="0">
-                <a:solidFill>
-                  <a:srgbClr val="231F20"/>
-                </a:solidFill>
-                <a:latin typeface="Arial"/>
-                <a:cs typeface="Arial"/>
-              </a:rPr>
-              <a:t>r</a:t>
-            </a:r>
-            <a:r>
-              <a:rPr sz="2700" spc="-65" dirty="0">
-                <a:solidFill>
-                  <a:srgbClr val="231F20"/>
-                </a:solidFill>
-                <a:latin typeface="Arial"/>
-                <a:cs typeface="Arial"/>
-              </a:rPr>
-              <a:t>e</a:t>
-            </a:r>
-            <a:r>
-              <a:rPr sz="2700" spc="-11" dirty="0">
-                <a:solidFill>
-                  <a:srgbClr val="231F20"/>
-                </a:solidFill>
-                <a:latin typeface="Arial"/>
-                <a:cs typeface="Arial"/>
-              </a:rPr>
-              <a:t>v</a:t>
-            </a:r>
-            <a:r>
-              <a:rPr sz="2700" spc="-33" dirty="0">
-                <a:solidFill>
-                  <a:srgbClr val="231F20"/>
-                </a:solidFill>
-                <a:latin typeface="Arial"/>
-                <a:cs typeface="Arial"/>
-              </a:rPr>
-              <a:t>i</a:t>
-            </a:r>
-            <a:r>
-              <a:rPr sz="2700" spc="44" dirty="0">
-                <a:solidFill>
-                  <a:srgbClr val="231F20"/>
-                </a:solidFill>
-                <a:latin typeface="Arial"/>
-                <a:cs typeface="Arial"/>
-              </a:rPr>
-              <a:t>t</a:t>
-            </a:r>
-            <a:r>
-              <a:rPr sz="2700" spc="22" dirty="0">
-                <a:solidFill>
-                  <a:srgbClr val="231F20"/>
-                </a:solidFill>
-                <a:latin typeface="Arial"/>
-                <a:cs typeface="Arial"/>
-              </a:rPr>
-              <a:t>y </a:t>
-            </a:r>
-            <a:r>
-              <a:rPr sz="2700" spc="-33" dirty="0">
-                <a:solidFill>
-                  <a:srgbClr val="231F20"/>
-                </a:solidFill>
-                <a:latin typeface="Arial"/>
-                <a:cs typeface="Arial"/>
-              </a:rPr>
-              <a:t>o</a:t>
-            </a:r>
-            <a:r>
-              <a:rPr sz="2700" spc="11" dirty="0">
-                <a:solidFill>
-                  <a:srgbClr val="231F20"/>
-                </a:solidFill>
-                <a:latin typeface="Arial"/>
-                <a:cs typeface="Arial"/>
-              </a:rPr>
-              <a:t>f</a:t>
-            </a:r>
-            <a:r>
-              <a:rPr sz="2700" spc="22" dirty="0">
-                <a:solidFill>
-                  <a:srgbClr val="231F20"/>
-                </a:solidFill>
-                <a:latin typeface="Arial"/>
-                <a:cs typeface="Arial"/>
-              </a:rPr>
-              <a:t> </a:t>
-            </a:r>
-            <a:r>
-              <a:rPr sz="2700" spc="-11" dirty="0">
-                <a:solidFill>
-                  <a:srgbClr val="231F20"/>
-                </a:solidFill>
-                <a:latin typeface="Arial"/>
-                <a:cs typeface="Arial"/>
-              </a:rPr>
-              <a:t>th</a:t>
-            </a:r>
-            <a:r>
-              <a:rPr sz="2700" spc="22" dirty="0">
-                <a:solidFill>
-                  <a:srgbClr val="231F20"/>
-                </a:solidFill>
-                <a:latin typeface="Arial"/>
-                <a:cs typeface="Arial"/>
-              </a:rPr>
-              <a:t>e </a:t>
-            </a:r>
-            <a:r>
-              <a:rPr sz="2700" dirty="0">
-                <a:solidFill>
-                  <a:srgbClr val="231F20"/>
-                </a:solidFill>
-                <a:latin typeface="Arial"/>
-                <a:cs typeface="Arial"/>
-              </a:rPr>
-              <a:t>po</a:t>
-            </a:r>
-            <a:r>
-              <a:rPr sz="2700" spc="-22" dirty="0">
-                <a:solidFill>
-                  <a:srgbClr val="231F20"/>
-                </a:solidFill>
-                <a:latin typeface="Arial"/>
-                <a:cs typeface="Arial"/>
-              </a:rPr>
-              <a:t>s</a:t>
-            </a:r>
-            <a:r>
-              <a:rPr sz="2700" spc="-44" dirty="0">
-                <a:solidFill>
-                  <a:srgbClr val="231F20"/>
-                </a:solidFill>
-                <a:latin typeface="Arial"/>
-                <a:cs typeface="Arial"/>
-              </a:rPr>
-              <a:t>t</a:t>
-            </a:r>
-            <a:r>
-              <a:rPr sz="2700" spc="-11" dirty="0">
-                <a:solidFill>
-                  <a:srgbClr val="231F20"/>
-                </a:solidFill>
-                <a:latin typeface="Arial"/>
-                <a:cs typeface="Arial"/>
-              </a:rPr>
-              <a:t>e</a:t>
-            </a:r>
-            <a:r>
-              <a:rPr sz="2700" spc="11" dirty="0">
-                <a:solidFill>
-                  <a:srgbClr val="231F20"/>
-                </a:solidFill>
-                <a:latin typeface="Arial"/>
-                <a:cs typeface="Arial"/>
-              </a:rPr>
-              <a:t>r</a:t>
-            </a:r>
-            <a:r>
-              <a:rPr sz="2700" spc="22" dirty="0">
-                <a:solidFill>
-                  <a:srgbClr val="231F20"/>
-                </a:solidFill>
-                <a:latin typeface="Arial"/>
-                <a:cs typeface="Arial"/>
-              </a:rPr>
-              <a:t> </a:t>
-            </a:r>
-            <a:r>
-              <a:rPr sz="2700" spc="-33" dirty="0">
-                <a:solidFill>
-                  <a:srgbClr val="231F20"/>
-                </a:solidFill>
-                <a:latin typeface="Arial"/>
-                <a:cs typeface="Arial"/>
-              </a:rPr>
-              <a:t>f</a:t>
-            </a:r>
-            <a:r>
-              <a:rPr sz="2700" dirty="0">
-                <a:solidFill>
-                  <a:srgbClr val="231F20"/>
-                </a:solidFill>
-                <a:latin typeface="Arial"/>
-                <a:cs typeface="Arial"/>
-              </a:rPr>
-              <a:t>o</a:t>
-            </a:r>
-            <a:r>
-              <a:rPr sz="2700" spc="22" dirty="0">
-                <a:solidFill>
-                  <a:srgbClr val="231F20"/>
-                </a:solidFill>
-                <a:latin typeface="Arial"/>
-                <a:cs typeface="Arial"/>
-              </a:rPr>
-              <a:t>r</a:t>
-            </a:r>
-            <a:r>
-              <a:rPr sz="2700" spc="11" dirty="0">
-                <a:solidFill>
-                  <a:srgbClr val="231F20"/>
-                </a:solidFill>
-                <a:latin typeface="Arial"/>
-                <a:cs typeface="Arial"/>
-              </a:rPr>
-              <a:t>m</a:t>
-            </a:r>
-            <a:r>
-              <a:rPr sz="2700" spc="-33" dirty="0">
-                <a:solidFill>
-                  <a:srgbClr val="231F20"/>
-                </a:solidFill>
-                <a:latin typeface="Arial"/>
-                <a:cs typeface="Arial"/>
-              </a:rPr>
-              <a:t>a</a:t>
-            </a:r>
-            <a:r>
-              <a:rPr sz="2700" spc="-11" dirty="0">
-                <a:solidFill>
-                  <a:srgbClr val="231F20"/>
-                </a:solidFill>
-                <a:latin typeface="Arial"/>
-                <a:cs typeface="Arial"/>
-              </a:rPr>
-              <a:t>t</a:t>
-            </a:r>
-            <a:r>
-              <a:rPr sz="2700" spc="11" dirty="0">
-                <a:solidFill>
-                  <a:srgbClr val="231F20"/>
-                </a:solidFill>
-                <a:latin typeface="Arial"/>
-                <a:cs typeface="Arial"/>
-              </a:rPr>
-              <a:t>.</a:t>
-            </a:r>
-            <a:r>
-              <a:rPr sz="2700" spc="22" dirty="0">
-                <a:solidFill>
-                  <a:srgbClr val="231F20"/>
-                </a:solidFill>
-                <a:latin typeface="Arial"/>
-                <a:cs typeface="Arial"/>
-              </a:rPr>
-              <a:t> </a:t>
-            </a:r>
-            <a:r>
-              <a:rPr sz="2700" spc="-44" dirty="0">
-                <a:solidFill>
-                  <a:srgbClr val="231F20"/>
-                </a:solidFill>
-                <a:latin typeface="Arial"/>
-                <a:cs typeface="Arial"/>
-              </a:rPr>
-              <a:t>R</a:t>
-            </a:r>
-            <a:r>
-              <a:rPr sz="2700" dirty="0">
-                <a:solidFill>
-                  <a:srgbClr val="231F20"/>
-                </a:solidFill>
-                <a:latin typeface="Arial"/>
-                <a:cs typeface="Arial"/>
-              </a:rPr>
-              <a:t>e</a:t>
-            </a:r>
-            <a:r>
-              <a:rPr sz="2700" spc="-22" dirty="0">
-                <a:solidFill>
-                  <a:srgbClr val="231F20"/>
-                </a:solidFill>
-                <a:latin typeface="Arial"/>
-                <a:cs typeface="Arial"/>
-              </a:rPr>
-              <a:t>s</a:t>
-            </a:r>
-            <a:r>
-              <a:rPr sz="2700" dirty="0">
-                <a:solidFill>
-                  <a:srgbClr val="231F20"/>
-                </a:solidFill>
-                <a:latin typeface="Arial"/>
-                <a:cs typeface="Arial"/>
-              </a:rPr>
-              <a:t>p</a:t>
-            </a:r>
-            <a:r>
-              <a:rPr sz="2700" spc="-11" dirty="0">
-                <a:solidFill>
-                  <a:srgbClr val="231F20"/>
-                </a:solidFill>
-                <a:latin typeface="Arial"/>
-                <a:cs typeface="Arial"/>
-              </a:rPr>
-              <a:t>e</a:t>
-            </a:r>
-            <a:r>
-              <a:rPr sz="2700" spc="11" dirty="0">
-                <a:solidFill>
-                  <a:srgbClr val="231F20"/>
-                </a:solidFill>
-                <a:latin typeface="Arial"/>
-                <a:cs typeface="Arial"/>
-              </a:rPr>
-              <a:t>ct</a:t>
-            </a:r>
-            <a:r>
-              <a:rPr sz="2700" spc="22" dirty="0">
-                <a:solidFill>
-                  <a:srgbClr val="231F20"/>
-                </a:solidFill>
-                <a:latin typeface="Arial"/>
-                <a:cs typeface="Arial"/>
-              </a:rPr>
-              <a:t> </a:t>
-            </a:r>
-            <a:r>
-              <a:rPr sz="2700" spc="-44" dirty="0">
-                <a:solidFill>
-                  <a:srgbClr val="231F20"/>
-                </a:solidFill>
-                <a:latin typeface="Arial"/>
-                <a:cs typeface="Arial"/>
-              </a:rPr>
-              <a:t>y</a:t>
-            </a:r>
-            <a:r>
-              <a:rPr sz="2700" spc="-11" dirty="0">
-                <a:solidFill>
-                  <a:srgbClr val="231F20"/>
-                </a:solidFill>
-                <a:latin typeface="Arial"/>
-                <a:cs typeface="Arial"/>
-              </a:rPr>
-              <a:t>o</a:t>
-            </a:r>
-            <a:r>
-              <a:rPr sz="2700" spc="-22" dirty="0">
-                <a:solidFill>
-                  <a:srgbClr val="231F20"/>
-                </a:solidFill>
-                <a:latin typeface="Arial"/>
-                <a:cs typeface="Arial"/>
-              </a:rPr>
-              <a:t>u</a:t>
-            </a:r>
-            <a:r>
-              <a:rPr sz="2700" spc="11" dirty="0">
-                <a:solidFill>
-                  <a:srgbClr val="231F20"/>
-                </a:solidFill>
-                <a:latin typeface="Arial"/>
-                <a:cs typeface="Arial"/>
-              </a:rPr>
-              <a:t>r</a:t>
-            </a:r>
-            <a:r>
-              <a:rPr sz="2700" spc="22" dirty="0">
-                <a:solidFill>
-                  <a:srgbClr val="231F20"/>
-                </a:solidFill>
-                <a:latin typeface="Arial"/>
-                <a:cs typeface="Arial"/>
-              </a:rPr>
-              <a:t> </a:t>
-            </a:r>
-            <a:r>
-              <a:rPr sz="2700" spc="-33" dirty="0">
-                <a:solidFill>
-                  <a:srgbClr val="231F20"/>
-                </a:solidFill>
-                <a:latin typeface="Arial"/>
-                <a:cs typeface="Arial"/>
-              </a:rPr>
-              <a:t>a</a:t>
-            </a:r>
-            <a:r>
-              <a:rPr sz="2700" spc="-11" dirty="0">
-                <a:solidFill>
-                  <a:srgbClr val="231F20"/>
-                </a:solidFill>
-                <a:latin typeface="Arial"/>
-                <a:cs typeface="Arial"/>
-              </a:rPr>
-              <a:t>u</a:t>
-            </a:r>
-            <a:r>
-              <a:rPr sz="2700" spc="-22" dirty="0">
-                <a:solidFill>
-                  <a:srgbClr val="231F20"/>
-                </a:solidFill>
-                <a:latin typeface="Arial"/>
-                <a:cs typeface="Arial"/>
-              </a:rPr>
-              <a:t>di</a:t>
-            </a:r>
-            <a:r>
-              <a:rPr sz="2700" spc="-11" dirty="0">
-                <a:solidFill>
-                  <a:srgbClr val="231F20"/>
-                </a:solidFill>
-                <a:latin typeface="Arial"/>
-                <a:cs typeface="Arial"/>
-              </a:rPr>
-              <a:t>e</a:t>
-            </a:r>
-            <a:r>
-              <a:rPr sz="2700" spc="-22" dirty="0">
-                <a:solidFill>
-                  <a:srgbClr val="231F20"/>
-                </a:solidFill>
-                <a:latin typeface="Arial"/>
-                <a:cs typeface="Arial"/>
-              </a:rPr>
-              <a:t>n</a:t>
-            </a:r>
-            <a:r>
-              <a:rPr sz="2700" spc="33" dirty="0">
-                <a:solidFill>
-                  <a:srgbClr val="231F20"/>
-                </a:solidFill>
-                <a:latin typeface="Arial"/>
-                <a:cs typeface="Arial"/>
-              </a:rPr>
-              <a:t>c</a:t>
-            </a:r>
-            <a:r>
-              <a:rPr sz="2700" spc="-55" dirty="0">
-                <a:solidFill>
-                  <a:srgbClr val="231F20"/>
-                </a:solidFill>
-                <a:latin typeface="Arial"/>
-                <a:cs typeface="Arial"/>
-              </a:rPr>
-              <a:t>e</a:t>
-            </a:r>
-            <a:r>
-              <a:rPr sz="2700" spc="11" dirty="0">
-                <a:solidFill>
-                  <a:srgbClr val="231F20"/>
-                </a:solidFill>
-                <a:latin typeface="Arial"/>
-                <a:cs typeface="Arial"/>
-              </a:rPr>
-              <a:t>.  </a:t>
-            </a:r>
-            <a:r>
-              <a:rPr sz="2700" spc="22" dirty="0">
-                <a:solidFill>
-                  <a:srgbClr val="231F20"/>
-                </a:solidFill>
-                <a:latin typeface="Arial"/>
-                <a:cs typeface="Arial"/>
-              </a:rPr>
-              <a:t>As a </a:t>
-            </a:r>
-            <a:r>
-              <a:rPr sz="2700" spc="-11" dirty="0">
-                <a:solidFill>
-                  <a:srgbClr val="231F20"/>
-                </a:solidFill>
-                <a:latin typeface="Arial"/>
-                <a:cs typeface="Arial"/>
-              </a:rPr>
-              <a:t>gener</a:t>
-            </a:r>
-            <a:r>
-              <a:rPr sz="2700" spc="-22" dirty="0">
-                <a:solidFill>
-                  <a:srgbClr val="231F20"/>
-                </a:solidFill>
-                <a:latin typeface="Arial"/>
-                <a:cs typeface="Arial"/>
-              </a:rPr>
-              <a:t>a</a:t>
-            </a:r>
-            <a:r>
-              <a:rPr sz="2700" spc="11" dirty="0">
-                <a:solidFill>
-                  <a:srgbClr val="231F20"/>
-                </a:solidFill>
-                <a:latin typeface="Arial"/>
-                <a:cs typeface="Arial"/>
-              </a:rPr>
-              <a:t>l</a:t>
-            </a:r>
-            <a:r>
-              <a:rPr sz="2700" spc="22" dirty="0">
-                <a:solidFill>
-                  <a:srgbClr val="231F20"/>
-                </a:solidFill>
-                <a:latin typeface="Arial"/>
-                <a:cs typeface="Arial"/>
-              </a:rPr>
-              <a:t> r</a:t>
-            </a:r>
-            <a:r>
-              <a:rPr sz="2700" spc="-22" dirty="0">
-                <a:solidFill>
-                  <a:srgbClr val="231F20"/>
-                </a:solidFill>
-                <a:latin typeface="Arial"/>
-                <a:cs typeface="Arial"/>
-              </a:rPr>
-              <a:t>ul</a:t>
-            </a:r>
-            <a:r>
-              <a:rPr sz="2700" spc="-55" dirty="0">
-                <a:solidFill>
-                  <a:srgbClr val="231F20"/>
-                </a:solidFill>
-                <a:latin typeface="Arial"/>
-                <a:cs typeface="Arial"/>
-              </a:rPr>
-              <a:t>e</a:t>
-            </a:r>
-            <a:r>
-              <a:rPr sz="2700" spc="11" dirty="0">
-                <a:solidFill>
-                  <a:srgbClr val="231F20"/>
-                </a:solidFill>
-                <a:latin typeface="Arial"/>
-                <a:cs typeface="Arial"/>
-              </a:rPr>
-              <a:t>,</a:t>
-            </a:r>
-            <a:r>
-              <a:rPr sz="2700" spc="22" dirty="0">
-                <a:solidFill>
-                  <a:srgbClr val="231F20"/>
-                </a:solidFill>
-                <a:latin typeface="Arial"/>
-                <a:cs typeface="Arial"/>
-              </a:rPr>
-              <a:t> </a:t>
-            </a:r>
-            <a:r>
-              <a:rPr sz="2700" spc="-22" dirty="0">
-                <a:solidFill>
-                  <a:srgbClr val="231F20"/>
-                </a:solidFill>
-                <a:latin typeface="Arial"/>
-                <a:cs typeface="Arial"/>
-              </a:rPr>
-              <a:t>l</a:t>
-            </a:r>
-            <a:r>
-              <a:rPr sz="2700" dirty="0">
-                <a:solidFill>
-                  <a:srgbClr val="231F20"/>
-                </a:solidFill>
-                <a:latin typeface="Arial"/>
-                <a:cs typeface="Arial"/>
-              </a:rPr>
-              <a:t>es</a:t>
-            </a:r>
-            <a:r>
-              <a:rPr sz="2700" spc="22" dirty="0">
-                <a:solidFill>
-                  <a:srgbClr val="231F20"/>
-                </a:solidFill>
-                <a:latin typeface="Arial"/>
-                <a:cs typeface="Arial"/>
-              </a:rPr>
-              <a:t>s </a:t>
-            </a:r>
-            <a:r>
-              <a:rPr sz="2700" spc="-22" dirty="0">
-                <a:solidFill>
-                  <a:srgbClr val="231F20"/>
-                </a:solidFill>
-                <a:latin typeface="Arial"/>
-                <a:cs typeface="Arial"/>
-              </a:rPr>
-              <a:t>i</a:t>
-            </a:r>
-            <a:r>
-              <a:rPr sz="2700" spc="22" dirty="0">
-                <a:solidFill>
-                  <a:srgbClr val="231F20"/>
-                </a:solidFill>
-                <a:latin typeface="Arial"/>
-                <a:cs typeface="Arial"/>
-              </a:rPr>
-              <a:t>s m</a:t>
-            </a:r>
-            <a:r>
-              <a:rPr sz="2700" dirty="0">
-                <a:solidFill>
-                  <a:srgbClr val="231F20"/>
-                </a:solidFill>
-                <a:latin typeface="Arial"/>
-                <a:cs typeface="Arial"/>
-              </a:rPr>
-              <a:t>o</a:t>
-            </a:r>
-            <a:r>
-              <a:rPr sz="2700" spc="-22" dirty="0">
-                <a:solidFill>
-                  <a:srgbClr val="231F20"/>
-                </a:solidFill>
-                <a:latin typeface="Arial"/>
-                <a:cs typeface="Arial"/>
-              </a:rPr>
-              <a:t>r</a:t>
-            </a:r>
-            <a:r>
-              <a:rPr sz="2700" spc="-55" dirty="0">
-                <a:solidFill>
-                  <a:srgbClr val="231F20"/>
-                </a:solidFill>
-                <a:latin typeface="Arial"/>
-                <a:cs typeface="Arial"/>
-              </a:rPr>
-              <a:t>e</a:t>
-            </a:r>
-            <a:r>
-              <a:rPr sz="2700" spc="11" dirty="0">
-                <a:solidFill>
-                  <a:srgbClr val="231F20"/>
-                </a:solidFill>
-                <a:latin typeface="Arial"/>
-                <a:cs typeface="Arial"/>
-              </a:rPr>
-              <a:t>.</a:t>
-            </a:r>
-            <a:r>
-              <a:rPr sz="2700" spc="22" dirty="0">
-                <a:solidFill>
-                  <a:srgbClr val="231F20"/>
-                </a:solidFill>
-                <a:latin typeface="Arial"/>
-                <a:cs typeface="Arial"/>
-              </a:rPr>
-              <a:t> </a:t>
-            </a:r>
-            <a:r>
-              <a:rPr sz="2700" spc="-11" dirty="0">
-                <a:solidFill>
-                  <a:srgbClr val="231F20"/>
-                </a:solidFill>
-                <a:latin typeface="Arial"/>
-                <a:cs typeface="Arial"/>
-              </a:rPr>
-              <a:t>Us</a:t>
-            </a:r>
-            <a:r>
-              <a:rPr sz="2700" spc="22" dirty="0">
-                <a:solidFill>
-                  <a:srgbClr val="231F20"/>
-                </a:solidFill>
-                <a:latin typeface="Arial"/>
-                <a:cs typeface="Arial"/>
-              </a:rPr>
-              <a:t>e a </a:t>
-            </a:r>
-            <a:r>
-              <a:rPr sz="2700" spc="-11" dirty="0">
-                <a:solidFill>
-                  <a:srgbClr val="231F20"/>
-                </a:solidFill>
-                <a:latin typeface="Arial"/>
-                <a:cs typeface="Arial"/>
-              </a:rPr>
-              <a:t>gene</a:t>
-            </a:r>
-            <a:r>
-              <a:rPr sz="2700" spc="-22" dirty="0">
-                <a:solidFill>
-                  <a:srgbClr val="231F20"/>
-                </a:solidFill>
-                <a:latin typeface="Arial"/>
-                <a:cs typeface="Arial"/>
-              </a:rPr>
-              <a:t>r</a:t>
-            </a:r>
-            <a:r>
-              <a:rPr sz="2700" spc="-11" dirty="0">
-                <a:solidFill>
-                  <a:srgbClr val="231F20"/>
-                </a:solidFill>
-                <a:latin typeface="Arial"/>
-                <a:cs typeface="Arial"/>
-              </a:rPr>
-              <a:t>o</a:t>
-            </a:r>
-            <a:r>
-              <a:rPr sz="2700" spc="-22" dirty="0">
-                <a:solidFill>
-                  <a:srgbClr val="231F20"/>
-                </a:solidFill>
-                <a:latin typeface="Arial"/>
-                <a:cs typeface="Arial"/>
-              </a:rPr>
-              <a:t>u</a:t>
-            </a:r>
-            <a:r>
-              <a:rPr sz="2700" spc="22" dirty="0">
-                <a:solidFill>
-                  <a:srgbClr val="231F20"/>
-                </a:solidFill>
-                <a:latin typeface="Arial"/>
-                <a:cs typeface="Arial"/>
-              </a:rPr>
-              <a:t>s </a:t>
-            </a:r>
-            <a:r>
-              <a:rPr sz="2700" spc="-22" dirty="0">
-                <a:solidFill>
-                  <a:srgbClr val="231F20"/>
-                </a:solidFill>
-                <a:latin typeface="Arial"/>
-                <a:cs typeface="Arial"/>
-              </a:rPr>
-              <a:t>a</a:t>
-            </a:r>
-            <a:r>
-              <a:rPr sz="2700" spc="22" dirty="0">
-                <a:solidFill>
-                  <a:srgbClr val="231F20"/>
-                </a:solidFill>
-                <a:latin typeface="Arial"/>
-                <a:cs typeface="Arial"/>
-              </a:rPr>
-              <a:t>m</a:t>
-            </a:r>
-            <a:r>
-              <a:rPr sz="2700" spc="-11" dirty="0">
-                <a:solidFill>
-                  <a:srgbClr val="231F20"/>
-                </a:solidFill>
-                <a:latin typeface="Arial"/>
-                <a:cs typeface="Arial"/>
-              </a:rPr>
-              <a:t>o</a:t>
-            </a:r>
-            <a:r>
-              <a:rPr sz="2700" spc="-22" dirty="0">
-                <a:solidFill>
-                  <a:srgbClr val="231F20"/>
-                </a:solidFill>
-                <a:latin typeface="Arial"/>
-                <a:cs typeface="Arial"/>
-              </a:rPr>
-              <a:t>u</a:t>
-            </a:r>
-            <a:r>
-              <a:rPr sz="2700" spc="-44" dirty="0">
-                <a:solidFill>
-                  <a:srgbClr val="231F20"/>
-                </a:solidFill>
-                <a:latin typeface="Arial"/>
-                <a:cs typeface="Arial"/>
-              </a:rPr>
-              <a:t>n</a:t>
-            </a:r>
-            <a:r>
-              <a:rPr sz="2700" spc="11" dirty="0">
-                <a:solidFill>
-                  <a:srgbClr val="231F20"/>
-                </a:solidFill>
-                <a:latin typeface="Arial"/>
-                <a:cs typeface="Arial"/>
-              </a:rPr>
-              <a:t>t</a:t>
-            </a:r>
-            <a:r>
-              <a:rPr sz="2700" spc="22" dirty="0">
-                <a:solidFill>
-                  <a:srgbClr val="231F20"/>
-                </a:solidFill>
-                <a:latin typeface="Arial"/>
-                <a:cs typeface="Arial"/>
-              </a:rPr>
-              <a:t> </a:t>
-            </a:r>
-            <a:r>
-              <a:rPr sz="2700" spc="-33" dirty="0">
-                <a:solidFill>
-                  <a:srgbClr val="231F20"/>
-                </a:solidFill>
-                <a:latin typeface="Arial"/>
-                <a:cs typeface="Arial"/>
-              </a:rPr>
-              <a:t>o</a:t>
-            </a:r>
-            <a:r>
-              <a:rPr sz="2700" spc="11" dirty="0">
-                <a:solidFill>
-                  <a:srgbClr val="231F20"/>
-                </a:solidFill>
-                <a:latin typeface="Arial"/>
-                <a:cs typeface="Arial"/>
-              </a:rPr>
-              <a:t>f w</a:t>
-            </a:r>
-            <a:r>
-              <a:rPr sz="2700" spc="-22" dirty="0">
-                <a:solidFill>
-                  <a:srgbClr val="231F20"/>
-                </a:solidFill>
-                <a:latin typeface="Arial"/>
-                <a:cs typeface="Arial"/>
-              </a:rPr>
-              <a:t>h</a:t>
-            </a:r>
-            <a:r>
-              <a:rPr sz="2700" spc="-33" dirty="0">
-                <a:solidFill>
-                  <a:srgbClr val="231F20"/>
-                </a:solidFill>
-                <a:latin typeface="Arial"/>
-                <a:cs typeface="Arial"/>
-              </a:rPr>
-              <a:t>i</a:t>
-            </a:r>
-            <a:r>
-              <a:rPr sz="2700" spc="-44" dirty="0">
-                <a:solidFill>
-                  <a:srgbClr val="231F20"/>
-                </a:solidFill>
-                <a:latin typeface="Arial"/>
-                <a:cs typeface="Arial"/>
-              </a:rPr>
-              <a:t>t</a:t>
-            </a:r>
-            <a:r>
-              <a:rPr sz="2700" spc="22" dirty="0">
-                <a:solidFill>
-                  <a:srgbClr val="231F20"/>
-                </a:solidFill>
-                <a:latin typeface="Arial"/>
-                <a:cs typeface="Arial"/>
-              </a:rPr>
-              <a:t>e </a:t>
-            </a:r>
-            <a:r>
-              <a:rPr sz="2700" spc="-22" dirty="0">
-                <a:solidFill>
-                  <a:srgbClr val="231F20"/>
-                </a:solidFill>
-                <a:latin typeface="Arial"/>
-                <a:cs typeface="Arial"/>
-              </a:rPr>
-              <a:t>sp</a:t>
-            </a:r>
-            <a:r>
-              <a:rPr sz="2700" spc="-33" dirty="0">
-                <a:solidFill>
-                  <a:srgbClr val="231F20"/>
-                </a:solidFill>
-                <a:latin typeface="Arial"/>
-                <a:cs typeface="Arial"/>
-              </a:rPr>
-              <a:t>a</a:t>
-            </a:r>
-            <a:r>
-              <a:rPr sz="2700" spc="33" dirty="0">
-                <a:solidFill>
-                  <a:srgbClr val="231F20"/>
-                </a:solidFill>
-                <a:latin typeface="Arial"/>
-                <a:cs typeface="Arial"/>
-              </a:rPr>
-              <a:t>c</a:t>
-            </a:r>
-            <a:r>
-              <a:rPr sz="2700" spc="22" dirty="0">
-                <a:solidFill>
-                  <a:srgbClr val="231F20"/>
-                </a:solidFill>
-                <a:latin typeface="Arial"/>
-                <a:cs typeface="Arial"/>
-              </a:rPr>
-              <a:t>e </a:t>
-            </a:r>
-            <a:r>
-              <a:rPr sz="2700" spc="-44" dirty="0">
-                <a:solidFill>
-                  <a:srgbClr val="231F20"/>
-                </a:solidFill>
-                <a:latin typeface="Arial"/>
-                <a:cs typeface="Arial"/>
-              </a:rPr>
-              <a:t>t</a:t>
-            </a:r>
-            <a:r>
-              <a:rPr sz="2700" spc="22" dirty="0">
-                <a:solidFill>
-                  <a:srgbClr val="231F20"/>
-                </a:solidFill>
-                <a:latin typeface="Arial"/>
-                <a:cs typeface="Arial"/>
-              </a:rPr>
-              <a:t>o </a:t>
-            </a:r>
-            <a:r>
-              <a:rPr sz="2700" spc="-11" dirty="0">
-                <a:solidFill>
-                  <a:srgbClr val="231F20"/>
-                </a:solidFill>
-                <a:latin typeface="Arial"/>
-                <a:cs typeface="Arial"/>
-              </a:rPr>
-              <a:t>se</a:t>
-            </a:r>
-            <a:r>
-              <a:rPr sz="2700" spc="-22" dirty="0">
-                <a:solidFill>
-                  <a:srgbClr val="231F20"/>
-                </a:solidFill>
-                <a:latin typeface="Arial"/>
-                <a:cs typeface="Arial"/>
-              </a:rPr>
-              <a:t>pa</a:t>
-            </a:r>
-            <a:r>
-              <a:rPr sz="2700" spc="-11" dirty="0">
-                <a:solidFill>
-                  <a:srgbClr val="231F20"/>
-                </a:solidFill>
-                <a:latin typeface="Arial"/>
-                <a:cs typeface="Arial"/>
-              </a:rPr>
-              <a:t>r</a:t>
-            </a:r>
-            <a:r>
-              <a:rPr sz="2700" spc="-33" dirty="0">
-                <a:solidFill>
-                  <a:srgbClr val="231F20"/>
-                </a:solidFill>
-                <a:latin typeface="Arial"/>
-                <a:cs typeface="Arial"/>
-              </a:rPr>
-              <a:t>a</a:t>
-            </a:r>
-            <a:r>
-              <a:rPr sz="2700" spc="-44" dirty="0">
-                <a:solidFill>
-                  <a:srgbClr val="231F20"/>
-                </a:solidFill>
-                <a:latin typeface="Arial"/>
-                <a:cs typeface="Arial"/>
-              </a:rPr>
-              <a:t>t</a:t>
-            </a:r>
-            <a:r>
-              <a:rPr sz="2700" spc="22" dirty="0">
-                <a:solidFill>
-                  <a:srgbClr val="231F20"/>
-                </a:solidFill>
-                <a:latin typeface="Arial"/>
-                <a:cs typeface="Arial"/>
-              </a:rPr>
-              <a:t>e </a:t>
-            </a:r>
-            <a:r>
-              <a:rPr sz="2700" spc="-11" dirty="0">
-                <a:solidFill>
-                  <a:srgbClr val="231F20"/>
-                </a:solidFill>
-                <a:latin typeface="Arial"/>
-                <a:cs typeface="Arial"/>
-              </a:rPr>
-              <a:t>e</a:t>
-            </a:r>
-            <a:r>
-              <a:rPr sz="2700" spc="-22" dirty="0">
-                <a:solidFill>
-                  <a:srgbClr val="231F20"/>
-                </a:solidFill>
-                <a:latin typeface="Arial"/>
-                <a:cs typeface="Arial"/>
-              </a:rPr>
-              <a:t>l</a:t>
-            </a:r>
-            <a:r>
-              <a:rPr sz="2700" spc="-11" dirty="0">
-                <a:solidFill>
-                  <a:srgbClr val="231F20"/>
-                </a:solidFill>
-                <a:latin typeface="Arial"/>
-                <a:cs typeface="Arial"/>
-              </a:rPr>
-              <a:t>e</a:t>
-            </a:r>
-            <a:r>
-              <a:rPr sz="2700" spc="11" dirty="0">
-                <a:solidFill>
-                  <a:srgbClr val="231F20"/>
-                </a:solidFill>
-                <a:latin typeface="Arial"/>
-                <a:cs typeface="Arial"/>
-              </a:rPr>
-              <a:t>m</a:t>
-            </a:r>
-            <a:r>
-              <a:rPr sz="2700" spc="-11" dirty="0">
-                <a:solidFill>
-                  <a:srgbClr val="231F20"/>
-                </a:solidFill>
-                <a:latin typeface="Arial"/>
-                <a:cs typeface="Arial"/>
-              </a:rPr>
-              <a:t>e</a:t>
-            </a:r>
-            <a:r>
-              <a:rPr sz="2700" spc="-44" dirty="0">
-                <a:solidFill>
-                  <a:srgbClr val="231F20"/>
-                </a:solidFill>
-                <a:latin typeface="Arial"/>
-                <a:cs typeface="Arial"/>
-              </a:rPr>
-              <a:t>n</a:t>
-            </a:r>
-            <a:r>
-              <a:rPr sz="2700" spc="-11" dirty="0">
-                <a:solidFill>
-                  <a:srgbClr val="231F20"/>
-                </a:solidFill>
-                <a:latin typeface="Arial"/>
-                <a:cs typeface="Arial"/>
-              </a:rPr>
-              <a:t>t</a:t>
-            </a:r>
-            <a:r>
-              <a:rPr sz="2700" spc="22" dirty="0">
-                <a:solidFill>
-                  <a:srgbClr val="231F20"/>
-                </a:solidFill>
-                <a:latin typeface="Arial"/>
-                <a:cs typeface="Arial"/>
-              </a:rPr>
-              <a:t>s </a:t>
-            </a:r>
-            <a:r>
-              <a:rPr sz="2700" spc="-22" dirty="0">
-                <a:solidFill>
-                  <a:srgbClr val="231F20"/>
-                </a:solidFill>
-                <a:latin typeface="Arial"/>
-                <a:cs typeface="Arial"/>
-              </a:rPr>
-              <a:t>a</a:t>
-            </a:r>
-            <a:r>
-              <a:rPr sz="2700" spc="-11" dirty="0">
-                <a:solidFill>
-                  <a:srgbClr val="231F20"/>
-                </a:solidFill>
-                <a:latin typeface="Arial"/>
-                <a:cs typeface="Arial"/>
-              </a:rPr>
-              <a:t>n</a:t>
-            </a:r>
-            <a:r>
-              <a:rPr sz="2700" spc="22" dirty="0">
-                <a:solidFill>
-                  <a:srgbClr val="231F20"/>
-                </a:solidFill>
-                <a:latin typeface="Arial"/>
-                <a:cs typeface="Arial"/>
-              </a:rPr>
-              <a:t>d </a:t>
-            </a:r>
-            <a:r>
-              <a:rPr sz="2700" spc="-65" dirty="0">
-                <a:solidFill>
-                  <a:srgbClr val="231F20"/>
-                </a:solidFill>
-                <a:latin typeface="Arial"/>
-                <a:cs typeface="Arial"/>
-              </a:rPr>
-              <a:t>a</a:t>
-            </a:r>
-            <a:r>
-              <a:rPr sz="2700" spc="-55" dirty="0">
-                <a:solidFill>
-                  <a:srgbClr val="231F20"/>
-                </a:solidFill>
-                <a:latin typeface="Arial"/>
-                <a:cs typeface="Arial"/>
-              </a:rPr>
-              <a:t>v</a:t>
-            </a:r>
-            <a:r>
-              <a:rPr sz="2700" spc="-11" dirty="0">
-                <a:solidFill>
-                  <a:srgbClr val="231F20"/>
-                </a:solidFill>
-                <a:latin typeface="Arial"/>
-                <a:cs typeface="Arial"/>
-              </a:rPr>
-              <a:t>oi</a:t>
-            </a:r>
-            <a:r>
-              <a:rPr sz="2700" spc="22" dirty="0">
-                <a:solidFill>
-                  <a:srgbClr val="231F20"/>
-                </a:solidFill>
-                <a:latin typeface="Arial"/>
-                <a:cs typeface="Arial"/>
-              </a:rPr>
-              <a:t>d </a:t>
-            </a:r>
-            <a:r>
-              <a:rPr sz="2700" spc="-22" dirty="0">
-                <a:solidFill>
-                  <a:srgbClr val="231F20"/>
-                </a:solidFill>
-                <a:latin typeface="Arial"/>
-                <a:cs typeface="Arial"/>
-              </a:rPr>
-              <a:t>d</a:t>
-            </a:r>
-            <a:r>
-              <a:rPr sz="2700" spc="-33" dirty="0">
-                <a:solidFill>
-                  <a:srgbClr val="231F20"/>
-                </a:solidFill>
-                <a:latin typeface="Arial"/>
-                <a:cs typeface="Arial"/>
-              </a:rPr>
-              <a:t>a</a:t>
-            </a:r>
-            <a:r>
-              <a:rPr sz="2700" spc="22" dirty="0">
-                <a:solidFill>
-                  <a:srgbClr val="231F20"/>
-                </a:solidFill>
-                <a:latin typeface="Arial"/>
-                <a:cs typeface="Arial"/>
-              </a:rPr>
-              <a:t>ta </a:t>
-            </a:r>
-            <a:r>
-              <a:rPr sz="2700" spc="-55" dirty="0">
-                <a:solidFill>
-                  <a:srgbClr val="231F20"/>
-                </a:solidFill>
-                <a:latin typeface="Arial"/>
-                <a:cs typeface="Arial"/>
-              </a:rPr>
-              <a:t>ov</a:t>
-            </a:r>
-            <a:r>
-              <a:rPr sz="2700" spc="-11" dirty="0">
-                <a:solidFill>
-                  <a:srgbClr val="231F20"/>
-                </a:solidFill>
-                <a:latin typeface="Arial"/>
-                <a:cs typeface="Arial"/>
-              </a:rPr>
-              <a:t>e</a:t>
-            </a:r>
-            <a:r>
-              <a:rPr sz="2700" spc="22" dirty="0">
-                <a:solidFill>
-                  <a:srgbClr val="231F20"/>
-                </a:solidFill>
-                <a:latin typeface="Arial"/>
-                <a:cs typeface="Arial"/>
-              </a:rPr>
-              <a:t>r</a:t>
-            </a:r>
-            <a:r>
-              <a:rPr sz="2700" dirty="0">
-                <a:solidFill>
-                  <a:srgbClr val="231F20"/>
-                </a:solidFill>
-                <a:latin typeface="Arial"/>
-                <a:cs typeface="Arial"/>
-              </a:rPr>
-              <a:t>k</a:t>
-            </a:r>
-            <a:r>
-              <a:rPr sz="2700" spc="-22" dirty="0">
-                <a:solidFill>
-                  <a:srgbClr val="231F20"/>
-                </a:solidFill>
-                <a:latin typeface="Arial"/>
-                <a:cs typeface="Arial"/>
-              </a:rPr>
-              <a:t>i</a:t>
-            </a:r>
-            <a:r>
-              <a:rPr sz="2700" spc="-33" dirty="0">
-                <a:solidFill>
-                  <a:srgbClr val="231F20"/>
-                </a:solidFill>
-                <a:latin typeface="Arial"/>
-                <a:cs typeface="Arial"/>
-              </a:rPr>
-              <a:t>l</a:t>
-            </a:r>
-            <a:r>
-              <a:rPr sz="2700" spc="-55" dirty="0">
-                <a:solidFill>
-                  <a:srgbClr val="231F20"/>
-                </a:solidFill>
-                <a:latin typeface="Arial"/>
-                <a:cs typeface="Arial"/>
-              </a:rPr>
-              <a:t>l</a:t>
-            </a:r>
-            <a:r>
-              <a:rPr sz="2700" spc="11" dirty="0">
-                <a:solidFill>
-                  <a:srgbClr val="231F20"/>
-                </a:solidFill>
-                <a:latin typeface="Arial"/>
-                <a:cs typeface="Arial"/>
-              </a:rPr>
-              <a:t>. </a:t>
-            </a:r>
-            <a:r>
-              <a:rPr sz="2700" spc="-44" dirty="0">
-                <a:solidFill>
-                  <a:srgbClr val="231F20"/>
-                </a:solidFill>
-                <a:latin typeface="Arial"/>
-                <a:cs typeface="Arial"/>
-              </a:rPr>
-              <a:t>R</a:t>
-            </a:r>
-            <a:r>
-              <a:rPr sz="2700" spc="-33" dirty="0">
-                <a:solidFill>
-                  <a:srgbClr val="231F20"/>
-                </a:solidFill>
-                <a:latin typeface="Arial"/>
-                <a:cs typeface="Arial"/>
-              </a:rPr>
-              <a:t>ef</a:t>
-            </a:r>
-            <a:r>
-              <a:rPr sz="2700" spc="-11" dirty="0">
-                <a:solidFill>
-                  <a:srgbClr val="231F20"/>
-                </a:solidFill>
-                <a:latin typeface="Arial"/>
-                <a:cs typeface="Arial"/>
-              </a:rPr>
-              <a:t>e</a:t>
-            </a:r>
-            <a:r>
-              <a:rPr sz="2700" spc="11" dirty="0">
-                <a:solidFill>
-                  <a:srgbClr val="231F20"/>
-                </a:solidFill>
-                <a:latin typeface="Arial"/>
-                <a:cs typeface="Arial"/>
-              </a:rPr>
-              <a:t>r</a:t>
-            </a:r>
-            <a:r>
-              <a:rPr sz="2700" spc="22" dirty="0">
-                <a:solidFill>
-                  <a:srgbClr val="231F20"/>
-                </a:solidFill>
-                <a:latin typeface="Arial"/>
-                <a:cs typeface="Arial"/>
-              </a:rPr>
-              <a:t> </a:t>
-            </a:r>
-            <a:r>
-              <a:rPr sz="2700" spc="-44" dirty="0">
-                <a:solidFill>
-                  <a:srgbClr val="231F20"/>
-                </a:solidFill>
-                <a:latin typeface="Arial"/>
-                <a:cs typeface="Arial"/>
-              </a:rPr>
-              <a:t>t</a:t>
-            </a:r>
-            <a:r>
-              <a:rPr sz="2700" spc="22" dirty="0">
-                <a:solidFill>
-                  <a:srgbClr val="231F20"/>
-                </a:solidFill>
-                <a:latin typeface="Arial"/>
-                <a:cs typeface="Arial"/>
-              </a:rPr>
-              <a:t>o </a:t>
-            </a:r>
-            <a:r>
-              <a:rPr sz="2700" spc="-55" dirty="0">
-                <a:solidFill>
-                  <a:srgbClr val="231F20"/>
-                </a:solidFill>
-                <a:latin typeface="Arial"/>
-                <a:cs typeface="Arial"/>
-              </a:rPr>
-              <a:t>W</a:t>
-            </a:r>
-            <a:r>
-              <a:rPr sz="2700" spc="-11" dirty="0">
-                <a:solidFill>
-                  <a:srgbClr val="231F20"/>
-                </a:solidFill>
-                <a:latin typeface="Arial"/>
-                <a:cs typeface="Arial"/>
-              </a:rPr>
-              <a:t>e</a:t>
-            </a:r>
-            <a:r>
-              <a:rPr sz="2700" spc="22" dirty="0">
-                <a:solidFill>
-                  <a:srgbClr val="231F20"/>
-                </a:solidFill>
-                <a:latin typeface="Arial"/>
-                <a:cs typeface="Arial"/>
-              </a:rPr>
-              <a:t>b </a:t>
-            </a:r>
-            <a:r>
-              <a:rPr sz="2700" spc="-11" dirty="0">
-                <a:solidFill>
-                  <a:srgbClr val="231F20"/>
-                </a:solidFill>
-                <a:latin typeface="Arial"/>
-                <a:cs typeface="Arial"/>
-              </a:rPr>
-              <a:t>s</a:t>
-            </a:r>
-            <a:r>
-              <a:rPr sz="2700" spc="-33" dirty="0">
-                <a:solidFill>
-                  <a:srgbClr val="231F20"/>
-                </a:solidFill>
-                <a:latin typeface="Arial"/>
-                <a:cs typeface="Arial"/>
-              </a:rPr>
-              <a:t>i</a:t>
-            </a:r>
-            <a:r>
-              <a:rPr sz="2700" spc="-44" dirty="0">
-                <a:solidFill>
-                  <a:srgbClr val="231F20"/>
-                </a:solidFill>
-                <a:latin typeface="Arial"/>
-                <a:cs typeface="Arial"/>
-              </a:rPr>
-              <a:t>t</a:t>
-            </a:r>
-            <a:r>
-              <a:rPr sz="2700" dirty="0">
-                <a:solidFill>
-                  <a:srgbClr val="231F20"/>
-                </a:solidFill>
-                <a:latin typeface="Arial"/>
-                <a:cs typeface="Arial"/>
-              </a:rPr>
-              <a:t>e</a:t>
-            </a:r>
-            <a:r>
-              <a:rPr sz="2700" spc="22" dirty="0">
-                <a:solidFill>
-                  <a:srgbClr val="231F20"/>
-                </a:solidFill>
-                <a:latin typeface="Arial"/>
-                <a:cs typeface="Arial"/>
-              </a:rPr>
-              <a:t>s </a:t>
-            </a:r>
-            <a:r>
-              <a:rPr sz="2700" dirty="0">
-                <a:solidFill>
-                  <a:srgbClr val="231F20"/>
-                </a:solidFill>
-                <a:latin typeface="Arial"/>
-                <a:cs typeface="Arial"/>
-              </a:rPr>
-              <a:t>o</a:t>
-            </a:r>
-            <a:r>
-              <a:rPr sz="2700" spc="11" dirty="0">
-                <a:solidFill>
-                  <a:srgbClr val="231F20"/>
-                </a:solidFill>
-                <a:latin typeface="Arial"/>
-                <a:cs typeface="Arial"/>
-              </a:rPr>
-              <a:t>r</a:t>
-            </a:r>
-            <a:r>
-              <a:rPr sz="2700" spc="22" dirty="0">
-                <a:solidFill>
-                  <a:srgbClr val="231F20"/>
-                </a:solidFill>
-                <a:latin typeface="Arial"/>
-                <a:cs typeface="Arial"/>
-              </a:rPr>
-              <a:t> </a:t>
-            </a:r>
-            <a:r>
-              <a:rPr sz="2700" spc="-33" dirty="0">
-                <a:solidFill>
-                  <a:srgbClr val="231F20"/>
-                </a:solidFill>
-                <a:latin typeface="Arial"/>
-                <a:cs typeface="Arial"/>
-              </a:rPr>
-              <a:t>o</a:t>
-            </a:r>
-            <a:r>
-              <a:rPr sz="2700" spc="-11" dirty="0">
-                <a:solidFill>
-                  <a:srgbClr val="231F20"/>
-                </a:solidFill>
-                <a:latin typeface="Arial"/>
-                <a:cs typeface="Arial"/>
-              </a:rPr>
-              <a:t>the</a:t>
-            </a:r>
-            <a:r>
-              <a:rPr sz="2700" spc="11" dirty="0">
-                <a:solidFill>
-                  <a:srgbClr val="231F20"/>
-                </a:solidFill>
-                <a:latin typeface="Arial"/>
-                <a:cs typeface="Arial"/>
-              </a:rPr>
-              <a:t>r</a:t>
-            </a:r>
-            <a:r>
-              <a:rPr sz="2700" spc="22" dirty="0">
-                <a:solidFill>
-                  <a:srgbClr val="231F20"/>
-                </a:solidFill>
-                <a:latin typeface="Arial"/>
-                <a:cs typeface="Arial"/>
-              </a:rPr>
-              <a:t> </a:t>
-            </a:r>
-            <a:r>
-              <a:rPr sz="2700" spc="-11" dirty="0">
-                <a:solidFill>
-                  <a:srgbClr val="231F20"/>
-                </a:solidFill>
-                <a:latin typeface="Arial"/>
-                <a:cs typeface="Arial"/>
-              </a:rPr>
-              <a:t>so</a:t>
-            </a:r>
-            <a:r>
-              <a:rPr sz="2700" spc="-22" dirty="0">
-                <a:solidFill>
-                  <a:srgbClr val="231F20"/>
-                </a:solidFill>
-                <a:latin typeface="Arial"/>
-                <a:cs typeface="Arial"/>
-              </a:rPr>
-              <a:t>ur</a:t>
-            </a:r>
-            <a:r>
-              <a:rPr sz="2700" spc="33" dirty="0">
-                <a:solidFill>
-                  <a:srgbClr val="231F20"/>
-                </a:solidFill>
-                <a:latin typeface="Arial"/>
-                <a:cs typeface="Arial"/>
-              </a:rPr>
-              <a:t>c</a:t>
-            </a:r>
-            <a:r>
-              <a:rPr sz="2700" dirty="0">
-                <a:solidFill>
-                  <a:srgbClr val="231F20"/>
-                </a:solidFill>
-                <a:latin typeface="Arial"/>
-                <a:cs typeface="Arial"/>
-              </a:rPr>
-              <a:t>e</a:t>
-            </a:r>
-            <a:r>
-              <a:rPr sz="2700" spc="22" dirty="0">
-                <a:solidFill>
-                  <a:srgbClr val="231F20"/>
-                </a:solidFill>
-                <a:latin typeface="Arial"/>
-                <a:cs typeface="Arial"/>
-              </a:rPr>
-              <a:t>s </a:t>
-            </a:r>
-            <a:r>
-              <a:rPr sz="2700" spc="-44" dirty="0">
-                <a:solidFill>
-                  <a:srgbClr val="231F20"/>
-                </a:solidFill>
-                <a:latin typeface="Arial"/>
-                <a:cs typeface="Arial"/>
-              </a:rPr>
-              <a:t>t</a:t>
-            </a:r>
-            <a:r>
-              <a:rPr sz="2700" spc="22" dirty="0">
-                <a:solidFill>
-                  <a:srgbClr val="231F20"/>
-                </a:solidFill>
-                <a:latin typeface="Arial"/>
-                <a:cs typeface="Arial"/>
-              </a:rPr>
-              <a:t>o </a:t>
-            </a:r>
-            <a:r>
-              <a:rPr sz="2700" spc="-11" dirty="0">
-                <a:solidFill>
-                  <a:srgbClr val="231F20"/>
-                </a:solidFill>
-                <a:latin typeface="Arial"/>
-                <a:cs typeface="Arial"/>
-              </a:rPr>
-              <a:t>p</a:t>
-            </a:r>
-            <a:r>
-              <a:rPr sz="2700" spc="-22" dirty="0">
-                <a:solidFill>
-                  <a:srgbClr val="231F20"/>
-                </a:solidFill>
-                <a:latin typeface="Arial"/>
-                <a:cs typeface="Arial"/>
-              </a:rPr>
-              <a:t>r</a:t>
-            </a:r>
-            <a:r>
-              <a:rPr sz="2700" spc="-55" dirty="0">
-                <a:solidFill>
-                  <a:srgbClr val="231F20"/>
-                </a:solidFill>
-                <a:latin typeface="Arial"/>
-                <a:cs typeface="Arial"/>
-              </a:rPr>
-              <a:t>o</a:t>
-            </a:r>
-            <a:r>
-              <a:rPr sz="2700" spc="-11" dirty="0">
-                <a:solidFill>
-                  <a:srgbClr val="231F20"/>
-                </a:solidFill>
-                <a:latin typeface="Arial"/>
-                <a:cs typeface="Arial"/>
-              </a:rPr>
-              <a:t>vid</a:t>
-            </a:r>
-            <a:r>
-              <a:rPr sz="2700" spc="22" dirty="0">
-                <a:solidFill>
-                  <a:srgbClr val="231F20"/>
-                </a:solidFill>
-                <a:latin typeface="Arial"/>
-                <a:cs typeface="Arial"/>
-              </a:rPr>
-              <a:t>e a m</a:t>
-            </a:r>
-            <a:r>
-              <a:rPr sz="2700" dirty="0">
-                <a:solidFill>
-                  <a:srgbClr val="231F20"/>
-                </a:solidFill>
-                <a:latin typeface="Arial"/>
-                <a:cs typeface="Arial"/>
-              </a:rPr>
-              <a:t>o</a:t>
-            </a:r>
-            <a:r>
-              <a:rPr sz="2700" spc="-22" dirty="0">
-                <a:solidFill>
-                  <a:srgbClr val="231F20"/>
-                </a:solidFill>
-                <a:latin typeface="Arial"/>
-                <a:cs typeface="Arial"/>
-              </a:rPr>
-              <a:t>r</a:t>
-            </a:r>
-            <a:r>
-              <a:rPr sz="2700" spc="22" dirty="0">
-                <a:solidFill>
-                  <a:srgbClr val="231F20"/>
-                </a:solidFill>
-                <a:latin typeface="Arial"/>
-                <a:cs typeface="Arial"/>
-              </a:rPr>
-              <a:t>e </a:t>
-            </a:r>
-            <a:r>
-              <a:rPr sz="2700" spc="-33" dirty="0">
-                <a:solidFill>
-                  <a:srgbClr val="231F20"/>
-                </a:solidFill>
-                <a:latin typeface="Arial"/>
-                <a:cs typeface="Arial"/>
-              </a:rPr>
-              <a:t>i</a:t>
-            </a:r>
-            <a:r>
-              <a:rPr sz="2700" spc="33" dirty="0">
-                <a:solidFill>
-                  <a:srgbClr val="231F20"/>
-                </a:solidFill>
-                <a:latin typeface="Arial"/>
-                <a:cs typeface="Arial"/>
-              </a:rPr>
-              <a:t>n</a:t>
-            </a:r>
-            <a:r>
-              <a:rPr sz="2700" spc="11" dirty="0">
-                <a:solidFill>
-                  <a:srgbClr val="231F20"/>
-                </a:solidFill>
-                <a:latin typeface="Arial"/>
-                <a:cs typeface="Arial"/>
-              </a:rPr>
-              <a:t>- </a:t>
-            </a:r>
-            <a:r>
-              <a:rPr sz="2700" spc="-11" dirty="0">
-                <a:solidFill>
-                  <a:srgbClr val="231F20"/>
-                </a:solidFill>
-                <a:latin typeface="Arial"/>
-                <a:cs typeface="Arial"/>
-              </a:rPr>
-              <a:t>de</a:t>
-            </a:r>
-            <a:r>
-              <a:rPr sz="2700" spc="-44" dirty="0">
-                <a:solidFill>
-                  <a:srgbClr val="231F20"/>
-                </a:solidFill>
-                <a:latin typeface="Arial"/>
-                <a:cs typeface="Arial"/>
-              </a:rPr>
-              <a:t>p</a:t>
-            </a:r>
-            <a:r>
-              <a:rPr sz="2700" spc="-11" dirty="0">
-                <a:solidFill>
-                  <a:srgbClr val="231F20"/>
-                </a:solidFill>
-                <a:latin typeface="Arial"/>
-                <a:cs typeface="Arial"/>
-              </a:rPr>
-              <a:t>t</a:t>
-            </a:r>
-            <a:r>
-              <a:rPr sz="2700" spc="22" dirty="0">
-                <a:solidFill>
-                  <a:srgbClr val="231F20"/>
-                </a:solidFill>
-                <a:latin typeface="Arial"/>
-                <a:cs typeface="Arial"/>
-              </a:rPr>
-              <a:t>h </a:t>
-            </a:r>
-            <a:r>
-              <a:rPr sz="2700" spc="-22" dirty="0">
-                <a:solidFill>
-                  <a:srgbClr val="231F20"/>
-                </a:solidFill>
-                <a:latin typeface="Arial"/>
-                <a:cs typeface="Arial"/>
-              </a:rPr>
-              <a:t>u</a:t>
-            </a:r>
-            <a:r>
-              <a:rPr sz="2700" spc="-11" dirty="0">
-                <a:solidFill>
-                  <a:srgbClr val="231F20"/>
-                </a:solidFill>
-                <a:latin typeface="Arial"/>
-                <a:cs typeface="Arial"/>
-              </a:rPr>
-              <a:t>nde</a:t>
-            </a:r>
-            <a:r>
-              <a:rPr sz="2700" spc="11" dirty="0">
-                <a:solidFill>
-                  <a:srgbClr val="231F20"/>
-                </a:solidFill>
-                <a:latin typeface="Arial"/>
-                <a:cs typeface="Arial"/>
-              </a:rPr>
-              <a:t>r</a:t>
-            </a:r>
-            <a:r>
-              <a:rPr sz="2700" spc="-22" dirty="0">
-                <a:solidFill>
-                  <a:srgbClr val="231F20"/>
-                </a:solidFill>
-                <a:latin typeface="Arial"/>
-                <a:cs typeface="Arial"/>
-              </a:rPr>
-              <a:t>s</a:t>
-            </a:r>
-            <a:r>
-              <a:rPr sz="2700" spc="11" dirty="0">
-                <a:solidFill>
-                  <a:srgbClr val="231F20"/>
-                </a:solidFill>
-                <a:latin typeface="Arial"/>
-                <a:cs typeface="Arial"/>
-              </a:rPr>
-              <a:t>t</a:t>
-            </a:r>
-            <a:r>
-              <a:rPr sz="2700" spc="-22" dirty="0">
-                <a:solidFill>
-                  <a:srgbClr val="231F20"/>
-                </a:solidFill>
-                <a:latin typeface="Arial"/>
-                <a:cs typeface="Arial"/>
-              </a:rPr>
-              <a:t>a</a:t>
-            </a:r>
-            <a:r>
-              <a:rPr sz="2700" spc="-11" dirty="0">
-                <a:solidFill>
-                  <a:srgbClr val="231F20"/>
-                </a:solidFill>
-                <a:latin typeface="Arial"/>
-                <a:cs typeface="Arial"/>
-              </a:rPr>
-              <a:t>n</a:t>
-            </a:r>
-            <a:r>
-              <a:rPr sz="2700" spc="-33" dirty="0">
-                <a:solidFill>
-                  <a:srgbClr val="231F20"/>
-                </a:solidFill>
-                <a:latin typeface="Arial"/>
-                <a:cs typeface="Arial"/>
-              </a:rPr>
-              <a:t>di</a:t>
-            </a:r>
-            <a:r>
-              <a:rPr sz="2700" spc="-11" dirty="0">
-                <a:solidFill>
-                  <a:srgbClr val="231F20"/>
-                </a:solidFill>
-                <a:latin typeface="Arial"/>
-                <a:cs typeface="Arial"/>
-              </a:rPr>
-              <a:t>n</a:t>
-            </a:r>
-            <a:r>
-              <a:rPr sz="2700" spc="22" dirty="0">
-                <a:solidFill>
-                  <a:srgbClr val="231F20"/>
-                </a:solidFill>
-                <a:latin typeface="Arial"/>
-                <a:cs typeface="Arial"/>
-              </a:rPr>
-              <a:t>g </a:t>
-            </a:r>
-            <a:r>
-              <a:rPr sz="2700" spc="-33" dirty="0">
-                <a:solidFill>
-                  <a:srgbClr val="231F20"/>
-                </a:solidFill>
-                <a:latin typeface="Arial"/>
-                <a:cs typeface="Arial"/>
-              </a:rPr>
-              <a:t>o</a:t>
-            </a:r>
-            <a:r>
-              <a:rPr sz="2700" spc="11" dirty="0">
-                <a:solidFill>
-                  <a:srgbClr val="231F20"/>
-                </a:solidFill>
-                <a:latin typeface="Arial"/>
-                <a:cs typeface="Arial"/>
-              </a:rPr>
-              <a:t>f</a:t>
-            </a:r>
-            <a:r>
-              <a:rPr sz="2700" spc="22" dirty="0">
-                <a:solidFill>
-                  <a:srgbClr val="231F20"/>
-                </a:solidFill>
-                <a:latin typeface="Arial"/>
-                <a:cs typeface="Arial"/>
-              </a:rPr>
-              <a:t> </a:t>
-            </a:r>
-            <a:r>
-              <a:rPr sz="2700" spc="-11" dirty="0">
-                <a:solidFill>
-                  <a:srgbClr val="231F20"/>
-                </a:solidFill>
-                <a:latin typeface="Arial"/>
-                <a:cs typeface="Arial"/>
-              </a:rPr>
-              <a:t>th</a:t>
-            </a:r>
-            <a:r>
-              <a:rPr sz="2700" spc="22" dirty="0">
-                <a:solidFill>
-                  <a:srgbClr val="231F20"/>
-                </a:solidFill>
-                <a:latin typeface="Arial"/>
-                <a:cs typeface="Arial"/>
-              </a:rPr>
-              <a:t>e </a:t>
-            </a:r>
-            <a:r>
-              <a:rPr sz="2700" spc="-22" dirty="0">
-                <a:solidFill>
-                  <a:srgbClr val="231F20"/>
-                </a:solidFill>
-                <a:latin typeface="Arial"/>
-                <a:cs typeface="Arial"/>
-              </a:rPr>
-              <a:t>r</a:t>
-            </a:r>
-            <a:r>
-              <a:rPr sz="2700" dirty="0">
-                <a:solidFill>
-                  <a:srgbClr val="231F20"/>
-                </a:solidFill>
-                <a:latin typeface="Arial"/>
-                <a:cs typeface="Arial"/>
-              </a:rPr>
-              <a:t>e</a:t>
-            </a:r>
-            <a:r>
-              <a:rPr sz="2700" spc="-11" dirty="0">
-                <a:solidFill>
-                  <a:srgbClr val="231F20"/>
-                </a:solidFill>
-                <a:latin typeface="Arial"/>
-                <a:cs typeface="Arial"/>
-              </a:rPr>
-              <a:t>se</a:t>
-            </a:r>
-            <a:r>
-              <a:rPr sz="2700" spc="-22" dirty="0">
-                <a:solidFill>
-                  <a:srgbClr val="231F20"/>
-                </a:solidFill>
-                <a:latin typeface="Arial"/>
-                <a:cs typeface="Arial"/>
-              </a:rPr>
-              <a:t>ar</a:t>
-            </a:r>
-            <a:r>
-              <a:rPr sz="2700" spc="11" dirty="0">
-                <a:solidFill>
-                  <a:srgbClr val="231F20"/>
-                </a:solidFill>
-                <a:latin typeface="Arial"/>
-                <a:cs typeface="Arial"/>
-              </a:rPr>
-              <a:t>c</a:t>
-            </a:r>
-            <a:r>
-              <a:rPr sz="2700" spc="-44" dirty="0">
-                <a:solidFill>
-                  <a:srgbClr val="231F20"/>
-                </a:solidFill>
-                <a:latin typeface="Arial"/>
-                <a:cs typeface="Arial"/>
-              </a:rPr>
-              <a:t>h</a:t>
-            </a:r>
-            <a:r>
-              <a:rPr sz="2700" spc="11" dirty="0">
-                <a:solidFill>
-                  <a:srgbClr val="231F20"/>
-                </a:solidFill>
-                <a:latin typeface="Arial"/>
-                <a:cs typeface="Arial"/>
-              </a:rPr>
-              <a:t>.</a:t>
-            </a:r>
             <a:endParaRPr sz="2700" dirty="0">
               <a:latin typeface="Arial"/>
               <a:cs typeface="Arial"/>
@@ -23439,13 +15070,13 @@
           <a:p>
             <a:r>
               <a:rPr lang="en-US" sz="2700">
-                <a:hlinkClick r:id="rId3"/>
+                <a:hlinkClick r:id="rId2"/>
               </a:rPr>
               <a:t>go.osu.edu/</a:t>
             </a:r>
             <a:r>
               <a:rPr lang="en-US" sz="2700" b="1">
-                <a:hlinkClick r:id="rId3"/>
+                <a:hlinkClick r:id="rId2"/>
               </a:rPr>
               <a:t>osuposter</a:t>
             </a:r>
@@ -24953,7 +16584,7 @@
                 </a:solidFill>
                 <a:latin typeface="Proxima Nova"/>
                 <a:cs typeface="Proxima Nova"/>
-                <a:hlinkClick r:id="rId4"/>
+                <a:hlinkClick r:id="rId3"/>
               </a:rPr>
               <a:t>identity@osu.edu</a:t>
             </a:r>
@@ -33266,7 +24897,7 @@
                 <a:latin typeface="Arial"/>
                 <a:cs typeface="Arial"/>
               </a:rPr>
-              <a:t>OHIO STATE UNIVERSITY - DEPARTMENT OF PHYSICS</a:t>
+              <a:t>PHY 5680 – THE OHIO STATE UNIVERSITY – DEPARTMENT OF PHYSICS</a:t>
             </a:r>
             <a:endParaRPr sz="5000" dirty="0">
               <a:latin typeface="Arial"/>
@@ -33991,7 +25622,7 @@
         <p:spPr>
           <a:xfrm>
             <a:off x="23941915" y="29925819"/>
-            <a:ext cx="18020973" cy="940117"/>
+            <a:ext cx="18020973" cy="871970"/>
           </a:xfrm>
           <a:prstGeom prst="rect">
             <a:avLst/>
@@ -34016,7 +25647,7 @@
                 <a:latin typeface="Arial"/>
                 <a:cs typeface="Arial"/>
               </a:rPr>
-              <a:t>WEBSITE / URL</a:t>
+              <a:t>https://github.com/Pallav-Pant/BigDataProject.git</a:t>
             </a:r>
             <a:endParaRPr sz="5200" dirty="0">
               <a:solidFill>
@@ -34037,7 +25668,7 @@
           <p:nvPr/>
         </p:nvPicPr>
         <p:blipFill>
-          <a:blip r:embed="rId5">
+          <a:blip r:embed="rId4">
             <a:extLst>
               <a:ext uri="{28A0092B-C50C-407E-A947-70E740481C1C}">
                 <a14:useLocalDpi xmlns:a14="http://schemas.microsoft.com/office/drawing/2010/main" val="0"/>
@@ -34104,13 +25735,10 @@
       </p:sp>
       <p:pic>
         <p:nvPicPr>
-          <p:cNvPr id="10" name="Picture 9" descr="A blue line graph with numbers&#10;&#10;Description automatically generated">
+          <p:cNvPr id="8" name="Picture 7" descr="A graph with a line">
             <a:extLst>
               <a:ext uri="{FF2B5EF4-FFF2-40B4-BE49-F238E27FC236}">
-                <a16:creationId xmlns:a16="http://schemas.microsoft.com/office/drawing/2014/main" id="{F520A76A-4EE9-6CD6-4152-5EDBDA77E2DC}"/>
-              </a:ext>
-              <a:ext uri="{C183D7F6-B498-43B3-948B-1728B52AA6E4}">
-                <adec:decorative xmlns:adec="http://schemas.microsoft.com/office/drawing/2017/decorative" val="0"/>
+                <a16:creationId xmlns:a16="http://schemas.microsoft.com/office/drawing/2014/main" id="{836EB522-8393-C73A-88BA-0666621CB49A}"/>
               </a:ext>
             </a:extLst>
           </p:cNvPr>
@@ -34120,7 +25748,7 @@
           <p:nvPr/>
         </p:nvPicPr>
         <p:blipFill>
-          <a:blip r:embed="rId6">
+          <a:blip r:embed="rId5">
             <a:extLst>
               <a:ext uri="{28A0092B-C50C-407E-A947-70E740481C1C}">
                 <a14:useLocalDpi xmlns:a14="http://schemas.microsoft.com/office/drawing/2010/main" val="0"/>
@@ -34133,8 +25761,8 @@
         </p:blipFill>
         <p:spPr>
           <a:xfrm>
-            <a:off x="32984256" y="7856386"/>
-            <a:ext cx="9110657" cy="6832993"/>
+            <a:off x="33172405" y="7896410"/>
+            <a:ext cx="9001893" cy="6751420"/>
           </a:xfrm>
           <a:prstGeom prst="rect">
             <a:avLst/>
